--- a/Presentazione/Presentazione_completa - Copy.pptx
+++ b/Presentazione/Presentazione_completa - Copy.pptx
@@ -5,17 +5,18 @@
     <p:sldMasterId id="2147483648" r:id="rId1"/>
   </p:sldMasterIdLst>
   <p:notesMasterIdLst>
-    <p:notesMasterId r:id="rId10"/>
+    <p:notesMasterId r:id="rId11"/>
   </p:notesMasterIdLst>
   <p:sldIdLst>
     <p:sldId id="292" r:id="rId2"/>
     <p:sldId id="295" r:id="rId3"/>
-    <p:sldId id="266" r:id="rId4"/>
-    <p:sldId id="299" r:id="rId5"/>
-    <p:sldId id="293" r:id="rId6"/>
-    <p:sldId id="297" r:id="rId7"/>
-    <p:sldId id="294" r:id="rId8"/>
-    <p:sldId id="296" r:id="rId9"/>
+    <p:sldId id="300" r:id="rId4"/>
+    <p:sldId id="266" r:id="rId5"/>
+    <p:sldId id="299" r:id="rId6"/>
+    <p:sldId id="293" r:id="rId7"/>
+    <p:sldId id="297" r:id="rId8"/>
+    <p:sldId id="294" r:id="rId9"/>
+    <p:sldId id="296" r:id="rId10"/>
   </p:sldIdLst>
   <p:sldSz cx="12192000" cy="6858000"/>
   <p:notesSz cx="6858000" cy="9144000"/>
@@ -194,8 +195,7 @@
 <file path=ppt/revisionInfo.xml><?xml version="1.0" encoding="utf-8"?>
 <p1510:revInfo xmlns:a="http://schemas.openxmlformats.org/drawingml/2006/main" xmlns:r="http://schemas.openxmlformats.org/officeDocument/2006/relationships" xmlns:p1510="http://schemas.microsoft.com/office/powerpoint/2015/10/main">
   <p1510:revLst>
-    <p1510:client id="{663EDA11-63A3-4725-9154-08D0D2B3E39E}" v="299" dt="2021-12-27T14:33:08.233"/>
-    <p1510:client id="{FD69EEA7-B36B-41F4-8A08-D3422F14508E}" v="9" dt="2021-12-27T00:54:05.499"/>
+    <p1510:client id="{663EDA11-63A3-4725-9154-08D0D2B3E39E}" v="302" dt="2021-12-28T14:38:24.446"/>
   </p1510:revLst>
 </p1510:revInfo>
 </file>
@@ -205,18 +205,49 @@
   <pc:docChgLst>
     <pc:chgData name="Silvia Grosso" userId="ae07bb24dcdc86e9" providerId="LiveId" clId="{663EDA11-63A3-4725-9154-08D0D2B3E39E}"/>
     <pc:docChg chg="undo custSel addSld delSld modSld">
-      <pc:chgData name="Silvia Grosso" userId="ae07bb24dcdc86e9" providerId="LiveId" clId="{663EDA11-63A3-4725-9154-08D0D2B3E39E}" dt="2021-12-27T14:33:08.233" v="1972" actId="1076"/>
+      <pc:chgData name="Silvia Grosso" userId="ae07bb24dcdc86e9" providerId="LiveId" clId="{663EDA11-63A3-4725-9154-08D0D2B3E39E}" dt="2021-12-28T14:53:21.740" v="2589" actId="5793"/>
       <pc:docMkLst>
         <pc:docMk/>
       </pc:docMkLst>
+      <pc:sldChg chg="modSp mod">
+        <pc:chgData name="Silvia Grosso" userId="ae07bb24dcdc86e9" providerId="LiveId" clId="{663EDA11-63A3-4725-9154-08D0D2B3E39E}" dt="2021-12-28T14:27:25.899" v="2346" actId="20577"/>
+        <pc:sldMkLst>
+          <pc:docMk/>
+          <pc:sldMk cId="1413317281" sldId="266"/>
+        </pc:sldMkLst>
+        <pc:spChg chg="mod">
+          <ac:chgData name="Silvia Grosso" userId="ae07bb24dcdc86e9" providerId="LiveId" clId="{663EDA11-63A3-4725-9154-08D0D2B3E39E}" dt="2021-12-28T14:27:25.899" v="2346" actId="20577"/>
+          <ac:spMkLst>
+            <pc:docMk/>
+            <pc:sldMk cId="1413317281" sldId="266"/>
+            <ac:spMk id="5" creationId="{89B91983-B758-4281-AC68-D9F7AB480AD9}"/>
+          </ac:spMkLst>
+        </pc:spChg>
+        <pc:picChg chg="mod">
+          <ac:chgData name="Silvia Grosso" userId="ae07bb24dcdc86e9" providerId="LiveId" clId="{663EDA11-63A3-4725-9154-08D0D2B3E39E}" dt="2021-12-28T14:23:29.971" v="2330" actId="1076"/>
+          <ac:picMkLst>
+            <pc:docMk/>
+            <pc:sldMk cId="1413317281" sldId="266"/>
+            <ac:picMk id="7" creationId="{16516D1F-51E0-104C-98E9-4FD4B30C3E7E}"/>
+          </ac:picMkLst>
+        </pc:picChg>
+        <pc:picChg chg="mod">
+          <ac:chgData name="Silvia Grosso" userId="ae07bb24dcdc86e9" providerId="LiveId" clId="{663EDA11-63A3-4725-9154-08D0D2B3E39E}" dt="2021-12-28T14:19:22.841" v="2329" actId="1076"/>
+          <ac:picMkLst>
+            <pc:docMk/>
+            <pc:sldMk cId="1413317281" sldId="266"/>
+            <ac:picMk id="10" creationId="{0AE553D6-63B8-A047-B67E-02D710030517}"/>
+          </ac:picMkLst>
+        </pc:picChg>
+      </pc:sldChg>
       <pc:sldChg chg="addSp delSp modSp mod">
-        <pc:chgData name="Silvia Grosso" userId="ae07bb24dcdc86e9" providerId="LiveId" clId="{663EDA11-63A3-4725-9154-08D0D2B3E39E}" dt="2021-12-27T14:06:33.152" v="1869" actId="14100"/>
+        <pc:chgData name="Silvia Grosso" userId="ae07bb24dcdc86e9" providerId="LiveId" clId="{663EDA11-63A3-4725-9154-08D0D2B3E39E}" dt="2021-12-28T14:25:56.764" v="2338" actId="20577"/>
         <pc:sldMkLst>
           <pc:docMk/>
           <pc:sldMk cId="455169881" sldId="293"/>
         </pc:sldMkLst>
         <pc:spChg chg="mod">
-          <ac:chgData name="Silvia Grosso" userId="ae07bb24dcdc86e9" providerId="LiveId" clId="{663EDA11-63A3-4725-9154-08D0D2B3E39E}" dt="2021-12-27T14:06:01.521" v="1865" actId="6549"/>
+          <ac:chgData name="Silvia Grosso" userId="ae07bb24dcdc86e9" providerId="LiveId" clId="{663EDA11-63A3-4725-9154-08D0D2B3E39E}" dt="2021-12-28T14:25:56.764" v="2338" actId="20577"/>
           <ac:spMkLst>
             <pc:docMk/>
             <pc:sldMk cId="455169881" sldId="293"/>
@@ -294,6 +325,21 @@
             <ac:picMk id="3" creationId="{BE7FA914-BE0F-40DA-ABDA-4F220218BD0D}"/>
           </ac:picMkLst>
         </pc:picChg>
+      </pc:sldChg>
+      <pc:sldChg chg="modSp mod">
+        <pc:chgData name="Silvia Grosso" userId="ae07bb24dcdc86e9" providerId="LiveId" clId="{663EDA11-63A3-4725-9154-08D0D2B3E39E}" dt="2021-12-28T14:40:32.418" v="2488" actId="20577"/>
+        <pc:sldMkLst>
+          <pc:docMk/>
+          <pc:sldMk cId="462686018" sldId="295"/>
+        </pc:sldMkLst>
+        <pc:spChg chg="mod">
+          <ac:chgData name="Silvia Grosso" userId="ae07bb24dcdc86e9" providerId="LiveId" clId="{663EDA11-63A3-4725-9154-08D0D2B3E39E}" dt="2021-12-28T14:40:32.418" v="2488" actId="20577"/>
+          <ac:spMkLst>
+            <pc:docMk/>
+            <pc:sldMk cId="462686018" sldId="295"/>
+            <ac:spMk id="6" creationId="{D13A722D-E148-4971-82F3-1C191AFD95ED}"/>
+          </ac:spMkLst>
+        </pc:spChg>
       </pc:sldChg>
       <pc:sldChg chg="modSp mod">
         <pc:chgData name="Silvia Grosso" userId="ae07bb24dcdc86e9" providerId="LiveId" clId="{663EDA11-63A3-4725-9154-08D0D2B3E39E}" dt="2021-12-27T11:20:33.455" v="297" actId="20577"/>
@@ -561,6 +607,51 @@
           <pc:sldMk cId="202300076" sldId="299"/>
         </pc:sldMkLst>
       </pc:sldChg>
+      <pc:sldChg chg="add del">
+        <pc:chgData name="Silvia Grosso" userId="ae07bb24dcdc86e9" providerId="LiveId" clId="{663EDA11-63A3-4725-9154-08D0D2B3E39E}" dt="2021-12-28T14:12:08.956" v="2138" actId="2890"/>
+        <pc:sldMkLst>
+          <pc:docMk/>
+          <pc:sldMk cId="281724162" sldId="300"/>
+        </pc:sldMkLst>
+      </pc:sldChg>
+      <pc:sldChg chg="modSp add mod">
+        <pc:chgData name="Silvia Grosso" userId="ae07bb24dcdc86e9" providerId="LiveId" clId="{663EDA11-63A3-4725-9154-08D0D2B3E39E}" dt="2021-12-28T14:53:21.740" v="2589" actId="5793"/>
+        <pc:sldMkLst>
+          <pc:docMk/>
+          <pc:sldMk cId="341538158" sldId="300"/>
+        </pc:sldMkLst>
+        <pc:spChg chg="mod">
+          <ac:chgData name="Silvia Grosso" userId="ae07bb24dcdc86e9" providerId="LiveId" clId="{663EDA11-63A3-4725-9154-08D0D2B3E39E}" dt="2021-12-28T14:27:28.068" v="2348" actId="20577"/>
+          <ac:spMkLst>
+            <pc:docMk/>
+            <pc:sldMk cId="341538158" sldId="300"/>
+            <ac:spMk id="5" creationId="{89B91983-B758-4281-AC68-D9F7AB480AD9}"/>
+          </ac:spMkLst>
+        </pc:spChg>
+        <pc:spChg chg="mod">
+          <ac:chgData name="Silvia Grosso" userId="ae07bb24dcdc86e9" providerId="LiveId" clId="{663EDA11-63A3-4725-9154-08D0D2B3E39E}" dt="2021-12-28T14:53:21.740" v="2589" actId="5793"/>
+          <ac:spMkLst>
+            <pc:docMk/>
+            <pc:sldMk cId="341538158" sldId="300"/>
+            <ac:spMk id="6" creationId="{D13A722D-E148-4971-82F3-1C191AFD95ED}"/>
+          </ac:spMkLst>
+        </pc:spChg>
+        <pc:cxnChg chg="mod">
+          <ac:chgData name="Silvia Grosso" userId="ae07bb24dcdc86e9" providerId="LiveId" clId="{663EDA11-63A3-4725-9154-08D0D2B3E39E}" dt="2021-12-28T14:26:18.654" v="2341" actId="14100"/>
+          <ac:cxnSpMkLst>
+            <pc:docMk/>
+            <pc:sldMk cId="341538158" sldId="300"/>
+            <ac:cxnSpMk id="4" creationId="{51FD34F7-E331-45F9-984B-6D3860116CA5}"/>
+          </ac:cxnSpMkLst>
+        </pc:cxnChg>
+      </pc:sldChg>
+      <pc:sldChg chg="add del">
+        <pc:chgData name="Silvia Grosso" userId="ae07bb24dcdc86e9" providerId="LiveId" clId="{663EDA11-63A3-4725-9154-08D0D2B3E39E}" dt="2021-12-28T14:12:18.496" v="2140" actId="2890"/>
+        <pc:sldMkLst>
+          <pc:docMk/>
+          <pc:sldMk cId="2479181778" sldId="300"/>
+        </pc:sldMkLst>
+      </pc:sldChg>
     </pc:docChg>
   </pc:docChgLst>
 </pc:chgInfo>
@@ -648,7 +739,7 @@
           <a:p>
             <a:fld id="{445FCF14-918E-4047-8BBB-15CFF9EA5E07}" type="datetimeFigureOut">
               <a:rPr lang="it-IT" smtClean="0"/>
-              <a:t>27/12/2021</a:t>
+              <a:t>28/12/2021</a:t>
             </a:fld>
             <a:endParaRPr lang="it-IT"/>
           </a:p>
@@ -1062,7 +1153,7 @@
           <a:p>
             <a:fld id="{AA3A6BE5-8C39-481F-A270-BEF917F1E5E1}" type="datetimeFigureOut">
               <a:rPr lang="it-IT" smtClean="0"/>
-              <a:t>27/12/2021</a:t>
+              <a:t>28/12/2021</a:t>
             </a:fld>
             <a:endParaRPr lang="it-IT"/>
           </a:p>
@@ -1260,7 +1351,7 @@
           <a:p>
             <a:fld id="{AA3A6BE5-8C39-481F-A270-BEF917F1E5E1}" type="datetimeFigureOut">
               <a:rPr lang="it-IT" smtClean="0"/>
-              <a:t>27/12/2021</a:t>
+              <a:t>28/12/2021</a:t>
             </a:fld>
             <a:endParaRPr lang="it-IT"/>
           </a:p>
@@ -1468,7 +1559,7 @@
           <a:p>
             <a:fld id="{AA3A6BE5-8C39-481F-A270-BEF917F1E5E1}" type="datetimeFigureOut">
               <a:rPr lang="it-IT" smtClean="0"/>
-              <a:t>27/12/2021</a:t>
+              <a:t>28/12/2021</a:t>
             </a:fld>
             <a:endParaRPr lang="it-IT"/>
           </a:p>
@@ -1666,7 +1757,7 @@
           <a:p>
             <a:fld id="{AA3A6BE5-8C39-481F-A270-BEF917F1E5E1}" type="datetimeFigureOut">
               <a:rPr lang="it-IT" smtClean="0"/>
-              <a:t>27/12/2021</a:t>
+              <a:t>28/12/2021</a:t>
             </a:fld>
             <a:endParaRPr lang="it-IT"/>
           </a:p>
@@ -1941,7 +2032,7 @@
           <a:p>
             <a:fld id="{AA3A6BE5-8C39-481F-A270-BEF917F1E5E1}" type="datetimeFigureOut">
               <a:rPr lang="it-IT" smtClean="0"/>
-              <a:t>27/12/2021</a:t>
+              <a:t>28/12/2021</a:t>
             </a:fld>
             <a:endParaRPr lang="it-IT"/>
           </a:p>
@@ -2206,7 +2297,7 @@
           <a:p>
             <a:fld id="{AA3A6BE5-8C39-481F-A270-BEF917F1E5E1}" type="datetimeFigureOut">
               <a:rPr lang="it-IT" smtClean="0"/>
-              <a:t>27/12/2021</a:t>
+              <a:t>28/12/2021</a:t>
             </a:fld>
             <a:endParaRPr lang="it-IT"/>
           </a:p>
@@ -2618,7 +2709,7 @@
           <a:p>
             <a:fld id="{AA3A6BE5-8C39-481F-A270-BEF917F1E5E1}" type="datetimeFigureOut">
               <a:rPr lang="it-IT" smtClean="0"/>
-              <a:t>27/12/2021</a:t>
+              <a:t>28/12/2021</a:t>
             </a:fld>
             <a:endParaRPr lang="it-IT"/>
           </a:p>
@@ -2759,7 +2850,7 @@
           <a:p>
             <a:fld id="{AA3A6BE5-8C39-481F-A270-BEF917F1E5E1}" type="datetimeFigureOut">
               <a:rPr lang="it-IT" smtClean="0"/>
-              <a:t>27/12/2021</a:t>
+              <a:t>28/12/2021</a:t>
             </a:fld>
             <a:endParaRPr lang="it-IT"/>
           </a:p>
@@ -2872,7 +2963,7 @@
           <a:p>
             <a:fld id="{AA3A6BE5-8C39-481F-A270-BEF917F1E5E1}" type="datetimeFigureOut">
               <a:rPr lang="it-IT" smtClean="0"/>
-              <a:t>27/12/2021</a:t>
+              <a:t>28/12/2021</a:t>
             </a:fld>
             <a:endParaRPr lang="it-IT"/>
           </a:p>
@@ -3183,7 +3274,7 @@
           <a:p>
             <a:fld id="{AA3A6BE5-8C39-481F-A270-BEF917F1E5E1}" type="datetimeFigureOut">
               <a:rPr lang="it-IT" smtClean="0"/>
-              <a:t>27/12/2021</a:t>
+              <a:t>28/12/2021</a:t>
             </a:fld>
             <a:endParaRPr lang="it-IT"/>
           </a:p>
@@ -3471,7 +3562,7 @@
           <a:p>
             <a:fld id="{AA3A6BE5-8C39-481F-A270-BEF917F1E5E1}" type="datetimeFigureOut">
               <a:rPr lang="it-IT" smtClean="0"/>
-              <a:t>27/12/2021</a:t>
+              <a:t>28/12/2021</a:t>
             </a:fld>
             <a:endParaRPr lang="it-IT"/>
           </a:p>
@@ -3712,7 +3803,7 @@
           <a:p>
             <a:fld id="{AA3A6BE5-8C39-481F-A270-BEF917F1E5E1}" type="datetimeFigureOut">
               <a:rPr lang="it-IT" smtClean="0"/>
-              <a:t>27/12/2021</a:t>
+              <a:t>28/12/2021</a:t>
             </a:fld>
             <a:endParaRPr lang="it-IT"/>
           </a:p>
@@ -4694,28 +4785,28 @@
                 <a:latin typeface="Poppins Light" panose="00000400000000000000" pitchFamily="2" charset="0"/>
                 <a:cs typeface="Poppins Light" panose="00000400000000000000" pitchFamily="2" charset="0"/>
               </a:rPr>
-              <a:t> le </a:t>
+              <a:t> le classi di </a:t>
             </a:r>
             <a:r>
               <a:rPr lang="en-US" sz="1400" dirty="0" err="1">
                 <a:latin typeface="Poppins Light" panose="00000400000000000000" pitchFamily="2" charset="0"/>
                 <a:cs typeface="Poppins Light" panose="00000400000000000000" pitchFamily="2" charset="0"/>
               </a:rPr>
-              <a:t>classi</a:t>
+              <a:t>utenti</a:t>
             </a:r>
             <a:r>
               <a:rPr lang="en-US" sz="1400" dirty="0">
                 <a:latin typeface="Poppins Light" panose="00000400000000000000" pitchFamily="2" charset="0"/>
                 <a:cs typeface="Poppins Light" panose="00000400000000000000" pitchFamily="2" charset="0"/>
               </a:rPr>
-              <a:t> di </a:t>
+              <a:t>  </a:t>
             </a:r>
             <a:r>
               <a:rPr lang="en-US" sz="1400" dirty="0" err="1">
                 <a:latin typeface="Poppins Light" panose="00000400000000000000" pitchFamily="2" charset="0"/>
                 <a:cs typeface="Poppins Light" panose="00000400000000000000" pitchFamily="2" charset="0"/>
               </a:rPr>
-              <a:t>utenti</a:t>
+              <a:t>che</a:t>
             </a:r>
             <a:r>
               <a:rPr lang="en-US" sz="1400" dirty="0">
@@ -4729,7 +4820,7 @@
                 <a:latin typeface="Poppins Light" panose="00000400000000000000" pitchFamily="2" charset="0"/>
                 <a:cs typeface="Poppins Light" panose="00000400000000000000" pitchFamily="2" charset="0"/>
               </a:rPr>
-              <a:t>che</a:t>
+              <a:t>si</a:t>
             </a:r>
             <a:r>
               <a:rPr lang="en-US" sz="1400" dirty="0">
@@ -4743,28 +4834,14 @@
                 <a:latin typeface="Poppins Light" panose="00000400000000000000" pitchFamily="2" charset="0"/>
                 <a:cs typeface="Poppins Light" panose="00000400000000000000" pitchFamily="2" charset="0"/>
               </a:rPr>
-              <a:t>si</a:t>
+              <a:t>interfacciano</a:t>
             </a:r>
             <a:r>
               <a:rPr lang="en-US" sz="1400" dirty="0">
                 <a:latin typeface="Poppins Light" panose="00000400000000000000" pitchFamily="2" charset="0"/>
                 <a:cs typeface="Poppins Light" panose="00000400000000000000" pitchFamily="2" charset="0"/>
               </a:rPr>
-              <a:t> </a:t>
-            </a:r>
-            <a:r>
-              <a:rPr lang="en-US" sz="1400" dirty="0" err="1">
-                <a:latin typeface="Poppins Light" panose="00000400000000000000" pitchFamily="2" charset="0"/>
-                <a:cs typeface="Poppins Light" panose="00000400000000000000" pitchFamily="2" charset="0"/>
-              </a:rPr>
-              <a:t>interfacciano</a:t>
-            </a:r>
-            <a:r>
-              <a:rPr lang="en-US" sz="1400" dirty="0">
-                <a:latin typeface="Poppins Light" panose="00000400000000000000" pitchFamily="2" charset="0"/>
-                <a:cs typeface="Poppins Light" panose="00000400000000000000" pitchFamily="2" charset="0"/>
-              </a:rPr>
-              <a:t> con le ICTs ?</a:t>
+              <a:t> con le ICTs  ?</a:t>
             </a:r>
           </a:p>
           <a:p>
@@ -5093,21 +5170,7 @@
                 <a:latin typeface="Poppins Light" panose="00000400000000000000" pitchFamily="2" charset="0"/>
                 <a:cs typeface="Poppins Light" panose="00000400000000000000" pitchFamily="2" charset="0"/>
               </a:rPr>
-              <a:t> </a:t>
-            </a:r>
-            <a:r>
-              <a:rPr lang="en-US" sz="1400" dirty="0" err="1">
-                <a:latin typeface="Poppins Light" panose="00000400000000000000" pitchFamily="2" charset="0"/>
-                <a:cs typeface="Poppins Light" panose="00000400000000000000" pitchFamily="2" charset="0"/>
-              </a:rPr>
-              <a:t>digitali</a:t>
-            </a:r>
-            <a:r>
-              <a:rPr lang="en-US" sz="1400" dirty="0">
-                <a:latin typeface="Poppins Light" panose="00000400000000000000" pitchFamily="2" charset="0"/>
-                <a:cs typeface="Poppins Light" panose="00000400000000000000" pitchFamily="2" charset="0"/>
-              </a:rPr>
-              <a:t> ?</a:t>
+              <a:t> digitali ?</a:t>
             </a:r>
           </a:p>
           <a:p>
@@ -5301,6 +5364,594 @@
           <a:lstStyle/>
           <a:p>
             <a:r>
+              <a:rPr lang="it-IT" sz="3200" dirty="0">
+                <a:latin typeface="Lato Black" panose="020F0502020204030203" pitchFamily="34" charset="0"/>
+                <a:ea typeface="Lato Black" panose="020F0502020204030203" pitchFamily="34" charset="0"/>
+                <a:cs typeface="Lato Black" panose="020F0502020204030203" pitchFamily="34" charset="0"/>
+              </a:rPr>
+              <a:t>La ricerca</a:t>
+            </a:r>
+          </a:p>
+        </p:txBody>
+      </p:sp>
+      <p:sp>
+        <p:nvSpPr>
+          <p:cNvPr id="6" name="CasellaDiTesto 5">
+            <a:extLst>
+              <a:ext uri="{FF2B5EF4-FFF2-40B4-BE49-F238E27FC236}">
+                <a16:creationId xmlns:a16="http://schemas.microsoft.com/office/drawing/2014/main" id="{D13A722D-E148-4971-82F3-1C191AFD95ED}"/>
+              </a:ext>
+            </a:extLst>
+          </p:cNvPr>
+          <p:cNvSpPr txBox="1"/>
+          <p:nvPr/>
+        </p:nvSpPr>
+        <p:spPr>
+          <a:xfrm>
+            <a:off x="704848" y="2024062"/>
+            <a:ext cx="4839918" cy="4278094"/>
+          </a:xfrm>
+          <a:prstGeom prst="rect">
+            <a:avLst/>
+          </a:prstGeom>
+          <a:noFill/>
+        </p:spPr>
+        <p:txBody>
+          <a:bodyPr wrap="square" rtlCol="0">
+            <a:spAutoFit/>
+          </a:bodyPr>
+          <a:lstStyle/>
+          <a:p>
+            <a:pPr marL="285750" indent="-285750">
+              <a:spcAft>
+                <a:spcPts val="1200"/>
+              </a:spcAft>
+              <a:buFont typeface="Wingdings" panose="05000000000000000000" pitchFamily="2" charset="2"/>
+              <a:buChar char="q"/>
+            </a:pPr>
+            <a:r>
+              <a:rPr lang="en-US" sz="1400" dirty="0" err="1">
+                <a:latin typeface="Poppins Light" panose="00000400000000000000" pitchFamily="2" charset="0"/>
+                <a:cs typeface="Poppins Light" panose="00000400000000000000" pitchFamily="2" charset="0"/>
+              </a:rPr>
+              <a:t>Quali</a:t>
+            </a:r>
+            <a:r>
+              <a:rPr lang="en-US" sz="1400" dirty="0">
+                <a:latin typeface="Poppins Light" panose="00000400000000000000" pitchFamily="2" charset="0"/>
+                <a:cs typeface="Poppins Light" panose="00000400000000000000" pitchFamily="2" charset="0"/>
+              </a:rPr>
+              <a:t> </a:t>
+            </a:r>
+            <a:r>
+              <a:rPr lang="en-US" sz="1400" dirty="0" err="1">
+                <a:latin typeface="Poppins Light" panose="00000400000000000000" pitchFamily="2" charset="0"/>
+                <a:cs typeface="Poppins Light" panose="00000400000000000000" pitchFamily="2" charset="0"/>
+              </a:rPr>
+              <a:t>sono</a:t>
+            </a:r>
+            <a:r>
+              <a:rPr lang="en-US" sz="1400" dirty="0">
+                <a:latin typeface="Poppins Light" panose="00000400000000000000" pitchFamily="2" charset="0"/>
+                <a:cs typeface="Poppins Light" panose="00000400000000000000" pitchFamily="2" charset="0"/>
+              </a:rPr>
+              <a:t> le classi di </a:t>
+            </a:r>
+            <a:r>
+              <a:rPr lang="en-US" sz="1400" dirty="0" err="1">
+                <a:latin typeface="Poppins Light" panose="00000400000000000000" pitchFamily="2" charset="0"/>
+                <a:cs typeface="Poppins Light" panose="00000400000000000000" pitchFamily="2" charset="0"/>
+              </a:rPr>
+              <a:t>utenti</a:t>
+            </a:r>
+            <a:r>
+              <a:rPr lang="en-US" sz="1400" dirty="0">
+                <a:latin typeface="Poppins Light" panose="00000400000000000000" pitchFamily="2" charset="0"/>
+                <a:cs typeface="Poppins Light" panose="00000400000000000000" pitchFamily="2" charset="0"/>
+              </a:rPr>
+              <a:t>  digitali e come </a:t>
+            </a:r>
+            <a:r>
+              <a:rPr lang="en-US" sz="1400" dirty="0" err="1">
+                <a:latin typeface="Poppins Light" panose="00000400000000000000" pitchFamily="2" charset="0"/>
+                <a:cs typeface="Poppins Light" panose="00000400000000000000" pitchFamily="2" charset="0"/>
+              </a:rPr>
+              <a:t>si</a:t>
+            </a:r>
+            <a:r>
+              <a:rPr lang="en-US" sz="1400" dirty="0">
+                <a:latin typeface="Poppins Light" panose="00000400000000000000" pitchFamily="2" charset="0"/>
+                <a:cs typeface="Poppins Light" panose="00000400000000000000" pitchFamily="2" charset="0"/>
+              </a:rPr>
+              <a:t> </a:t>
+            </a:r>
+            <a:r>
+              <a:rPr lang="en-US" sz="1400" dirty="0" err="1">
+                <a:latin typeface="Poppins Light" panose="00000400000000000000" pitchFamily="2" charset="0"/>
+                <a:cs typeface="Poppins Light" panose="00000400000000000000" pitchFamily="2" charset="0"/>
+              </a:rPr>
+              <a:t>interfacciano</a:t>
+            </a:r>
+            <a:r>
+              <a:rPr lang="en-US" sz="1400" dirty="0">
+                <a:latin typeface="Poppins Light" panose="00000400000000000000" pitchFamily="2" charset="0"/>
+                <a:cs typeface="Poppins Light" panose="00000400000000000000" pitchFamily="2" charset="0"/>
+              </a:rPr>
+              <a:t> con le ICTs ?</a:t>
+            </a:r>
+          </a:p>
+          <a:p>
+            <a:pPr marL="285750" indent="-285750">
+              <a:spcAft>
+                <a:spcPts val="1200"/>
+              </a:spcAft>
+              <a:buFont typeface="Wingdings" panose="05000000000000000000" pitchFamily="2" charset="2"/>
+              <a:buChar char="q"/>
+            </a:pPr>
+            <a:endParaRPr lang="en-US" sz="1400" dirty="0">
+              <a:latin typeface="Poppins Light" panose="00000400000000000000" pitchFamily="2" charset="0"/>
+              <a:cs typeface="Poppins Light" panose="00000400000000000000" pitchFamily="2" charset="0"/>
+            </a:endParaRPr>
+          </a:p>
+          <a:p>
+            <a:pPr>
+              <a:spcAft>
+                <a:spcPts val="1200"/>
+              </a:spcAft>
+            </a:pPr>
+            <a:endParaRPr lang="en-US" sz="1400" dirty="0">
+              <a:latin typeface="Poppins Light" panose="00000400000000000000" pitchFamily="2" charset="0"/>
+              <a:cs typeface="Poppins Light" panose="00000400000000000000" pitchFamily="2" charset="0"/>
+            </a:endParaRPr>
+          </a:p>
+          <a:p>
+            <a:pPr marL="285750" indent="-285750">
+              <a:spcAft>
+                <a:spcPts val="1200"/>
+              </a:spcAft>
+              <a:buFont typeface="Wingdings" panose="05000000000000000000" pitchFamily="2" charset="2"/>
+              <a:buChar char="q"/>
+            </a:pPr>
+            <a:r>
+              <a:rPr lang="en-US" sz="1400" dirty="0" err="1">
+                <a:latin typeface="Poppins Light" panose="00000400000000000000" pitchFamily="2" charset="0"/>
+                <a:cs typeface="Poppins Light" panose="00000400000000000000" pitchFamily="2" charset="0"/>
+              </a:rPr>
+              <a:t>Analisi</a:t>
+            </a:r>
+            <a:r>
+              <a:rPr lang="en-US" sz="1400" dirty="0">
+                <a:latin typeface="Poppins Light" panose="00000400000000000000" pitchFamily="2" charset="0"/>
+                <a:cs typeface="Poppins Light" panose="00000400000000000000" pitchFamily="2" charset="0"/>
+              </a:rPr>
+              <a:t> </a:t>
+            </a:r>
+            <a:r>
+              <a:rPr lang="en-US" sz="1400" dirty="0" err="1">
+                <a:latin typeface="Poppins Light" panose="00000400000000000000" pitchFamily="2" charset="0"/>
+                <a:cs typeface="Poppins Light" panose="00000400000000000000" pitchFamily="2" charset="0"/>
+              </a:rPr>
+              <a:t>storica</a:t>
+            </a:r>
+            <a:r>
+              <a:rPr lang="en-US" sz="1400" dirty="0">
+                <a:latin typeface="Poppins Light" panose="00000400000000000000" pitchFamily="2" charset="0"/>
+                <a:cs typeface="Poppins Light" panose="00000400000000000000" pitchFamily="2" charset="0"/>
+              </a:rPr>
+              <a:t> </a:t>
+            </a:r>
+            <a:r>
+              <a:rPr lang="en-US" sz="1400" dirty="0" err="1">
+                <a:latin typeface="Poppins Light" panose="00000400000000000000" pitchFamily="2" charset="0"/>
+                <a:cs typeface="Poppins Light" panose="00000400000000000000" pitchFamily="2" charset="0"/>
+              </a:rPr>
+              <a:t>della</a:t>
+            </a:r>
+            <a:r>
+              <a:rPr lang="en-US" sz="1400" dirty="0">
+                <a:latin typeface="Poppins Light" panose="00000400000000000000" pitchFamily="2" charset="0"/>
+                <a:cs typeface="Poppins Light" panose="00000400000000000000" pitchFamily="2" charset="0"/>
+              </a:rPr>
+              <a:t> </a:t>
+            </a:r>
+            <a:r>
+              <a:rPr lang="en-US" sz="1400" dirty="0" err="1">
+                <a:latin typeface="Poppins Light" panose="00000400000000000000" pitchFamily="2" charset="0"/>
+                <a:cs typeface="Poppins Light" panose="00000400000000000000" pitchFamily="2" charset="0"/>
+              </a:rPr>
+              <a:t>rivoluzione</a:t>
+            </a:r>
+            <a:r>
+              <a:rPr lang="en-US" sz="1400" dirty="0">
+                <a:latin typeface="Poppins Light" panose="00000400000000000000" pitchFamily="2" charset="0"/>
+                <a:cs typeface="Poppins Light" panose="00000400000000000000" pitchFamily="2" charset="0"/>
+              </a:rPr>
+              <a:t> </a:t>
+            </a:r>
+            <a:r>
+              <a:rPr lang="en-US" sz="1400" dirty="0" err="1">
+                <a:latin typeface="Poppins Light" panose="00000400000000000000" pitchFamily="2" charset="0"/>
+                <a:cs typeface="Poppins Light" panose="00000400000000000000" pitchFamily="2" charset="0"/>
+              </a:rPr>
+              <a:t>digitale</a:t>
+            </a:r>
+            <a:r>
+              <a:rPr lang="en-US" sz="1400" dirty="0">
+                <a:latin typeface="Poppins Light" panose="00000400000000000000" pitchFamily="2" charset="0"/>
+                <a:cs typeface="Poppins Light" panose="00000400000000000000" pitchFamily="2" charset="0"/>
+              </a:rPr>
+              <a:t>:</a:t>
+            </a:r>
+          </a:p>
+          <a:p>
+            <a:pPr lvl="1">
+              <a:spcAft>
+                <a:spcPts val="1200"/>
+              </a:spcAft>
+            </a:pPr>
+            <a:r>
+              <a:rPr lang="en-US" sz="1400" dirty="0" err="1">
+                <a:latin typeface="Poppins Light" panose="00000400000000000000" pitchFamily="2" charset="0"/>
+                <a:cs typeface="Poppins Light" panose="00000400000000000000" pitchFamily="2" charset="0"/>
+              </a:rPr>
+              <a:t>perchè</a:t>
+            </a:r>
+            <a:r>
+              <a:rPr lang="en-US" sz="1400" dirty="0">
+                <a:latin typeface="Poppins Light" panose="00000400000000000000" pitchFamily="2" charset="0"/>
+                <a:cs typeface="Poppins Light" panose="00000400000000000000" pitchFamily="2" charset="0"/>
+              </a:rPr>
+              <a:t> </a:t>
+            </a:r>
+            <a:r>
+              <a:rPr lang="en-US" sz="1400" dirty="0" err="1">
+                <a:latin typeface="Poppins Light" panose="00000400000000000000" pitchFamily="2" charset="0"/>
+                <a:cs typeface="Poppins Light" panose="00000400000000000000" pitchFamily="2" charset="0"/>
+              </a:rPr>
+              <a:t>manca</a:t>
+            </a:r>
+            <a:r>
+              <a:rPr lang="en-US" sz="1400" dirty="0">
+                <a:latin typeface="Poppins Light" panose="00000400000000000000" pitchFamily="2" charset="0"/>
+                <a:cs typeface="Poppins Light" panose="00000400000000000000" pitchFamily="2" charset="0"/>
+              </a:rPr>
+              <a:t> una </a:t>
+            </a:r>
+            <a:r>
+              <a:rPr lang="en-US" sz="1400" dirty="0" err="1">
+                <a:latin typeface="Poppins Light" panose="00000400000000000000" pitchFamily="2" charset="0"/>
+                <a:cs typeface="Poppins Light" panose="00000400000000000000" pitchFamily="2" charset="0"/>
+              </a:rPr>
+              <a:t>figura</a:t>
+            </a:r>
+            <a:r>
+              <a:rPr lang="en-US" sz="1400" dirty="0">
+                <a:latin typeface="Poppins Light" panose="00000400000000000000" pitchFamily="2" charset="0"/>
+                <a:cs typeface="Poppins Light" panose="00000400000000000000" pitchFamily="2" charset="0"/>
+              </a:rPr>
+              <a:t> </a:t>
+            </a:r>
+            <a:r>
+              <a:rPr lang="en-US" sz="1400" dirty="0" err="1">
+                <a:latin typeface="Poppins Light" panose="00000400000000000000" pitchFamily="2" charset="0"/>
+                <a:cs typeface="Poppins Light" panose="00000400000000000000" pitchFamily="2" charset="0"/>
+              </a:rPr>
+              <a:t>sociale</a:t>
+            </a:r>
+            <a:r>
+              <a:rPr lang="en-US" sz="1400" dirty="0">
+                <a:latin typeface="Poppins Light" panose="00000400000000000000" pitchFamily="2" charset="0"/>
+                <a:cs typeface="Poppins Light" panose="00000400000000000000" pitchFamily="2" charset="0"/>
+              </a:rPr>
+              <a:t> </a:t>
+            </a:r>
+            <a:r>
+              <a:rPr lang="en-US" sz="1400" dirty="0" err="1">
+                <a:latin typeface="Poppins Light" panose="00000400000000000000" pitchFamily="2" charset="0"/>
+                <a:cs typeface="Poppins Light" panose="00000400000000000000" pitchFamily="2" charset="0"/>
+              </a:rPr>
+              <a:t>che</a:t>
+            </a:r>
+            <a:r>
+              <a:rPr lang="en-US" sz="1400" dirty="0">
+                <a:latin typeface="Poppins Light" panose="00000400000000000000" pitchFamily="2" charset="0"/>
+                <a:cs typeface="Poppins Light" panose="00000400000000000000" pitchFamily="2" charset="0"/>
+              </a:rPr>
+              <a:t> </a:t>
+            </a:r>
+            <a:r>
+              <a:rPr lang="en-US" sz="1400" dirty="0" err="1">
+                <a:latin typeface="Poppins Light" panose="00000400000000000000" pitchFamily="2" charset="0"/>
+                <a:cs typeface="Poppins Light" panose="00000400000000000000" pitchFamily="2" charset="0"/>
+              </a:rPr>
+              <a:t>detenga</a:t>
+            </a:r>
+            <a:r>
+              <a:rPr lang="en-US" sz="1400" dirty="0">
+                <a:latin typeface="Poppins Light" panose="00000400000000000000" pitchFamily="2" charset="0"/>
+                <a:cs typeface="Poppins Light" panose="00000400000000000000" pitchFamily="2" charset="0"/>
+              </a:rPr>
+              <a:t> la “</a:t>
+            </a:r>
+            <a:r>
+              <a:rPr lang="en-US" sz="1400" dirty="0" err="1">
+                <a:latin typeface="Poppins Light" panose="00000400000000000000" pitchFamily="2" charset="0"/>
+                <a:cs typeface="Poppins Light" panose="00000400000000000000" pitchFamily="2" charset="0"/>
+              </a:rPr>
+              <a:t>saggezza</a:t>
+            </a:r>
+            <a:r>
+              <a:rPr lang="en-US" sz="1400" dirty="0">
+                <a:latin typeface="Poppins Light" panose="00000400000000000000" pitchFamily="2" charset="0"/>
+                <a:cs typeface="Poppins Light" panose="00000400000000000000" pitchFamily="2" charset="0"/>
+              </a:rPr>
+              <a:t> </a:t>
+            </a:r>
+            <a:r>
+              <a:rPr lang="en-US" sz="1400" dirty="0" err="1">
+                <a:latin typeface="Poppins Light" panose="00000400000000000000" pitchFamily="2" charset="0"/>
+                <a:cs typeface="Poppins Light" panose="00000400000000000000" pitchFamily="2" charset="0"/>
+              </a:rPr>
+              <a:t>digitale</a:t>
+            </a:r>
+            <a:r>
+              <a:rPr lang="en-US" sz="1400" dirty="0">
+                <a:latin typeface="Poppins Light" panose="00000400000000000000" pitchFamily="2" charset="0"/>
+                <a:cs typeface="Poppins Light" panose="00000400000000000000" pitchFamily="2" charset="0"/>
+              </a:rPr>
+              <a:t>” ?</a:t>
+            </a:r>
+          </a:p>
+          <a:p>
+            <a:pPr lvl="1">
+              <a:spcAft>
+                <a:spcPts val="1200"/>
+              </a:spcAft>
+            </a:pPr>
+            <a:endParaRPr lang="en-US" sz="1400" dirty="0">
+              <a:latin typeface="Poppins Light" panose="00000400000000000000" pitchFamily="2" charset="0"/>
+              <a:cs typeface="Poppins Light" panose="00000400000000000000" pitchFamily="2" charset="0"/>
+            </a:endParaRPr>
+          </a:p>
+          <a:p>
+            <a:pPr>
+              <a:spcAft>
+                <a:spcPts val="1200"/>
+              </a:spcAft>
+            </a:pPr>
+            <a:endParaRPr lang="en-US" sz="1400" dirty="0">
+              <a:latin typeface="Poppins Light" panose="00000400000000000000" pitchFamily="2" charset="0"/>
+              <a:cs typeface="Poppins Light" panose="00000400000000000000" pitchFamily="2" charset="0"/>
+            </a:endParaRPr>
+          </a:p>
+          <a:p>
+            <a:pPr marL="285750" indent="-285750">
+              <a:spcAft>
+                <a:spcPts val="1200"/>
+              </a:spcAft>
+              <a:buFont typeface="Wingdings" panose="05000000000000000000" pitchFamily="2" charset="2"/>
+              <a:buChar char="q"/>
+            </a:pPr>
+            <a:r>
+              <a:rPr lang="en-US" sz="1400" dirty="0" err="1">
+                <a:latin typeface="Poppins Light" panose="00000400000000000000" pitchFamily="2" charset="0"/>
+                <a:cs typeface="Poppins Light" panose="00000400000000000000" pitchFamily="2" charset="0"/>
+              </a:rPr>
+              <a:t>Quali</a:t>
+            </a:r>
+            <a:r>
+              <a:rPr lang="en-US" sz="1400" dirty="0">
+                <a:latin typeface="Poppins Light" panose="00000400000000000000" pitchFamily="2" charset="0"/>
+                <a:cs typeface="Poppins Light" panose="00000400000000000000" pitchFamily="2" charset="0"/>
+              </a:rPr>
+              <a:t> </a:t>
+            </a:r>
+            <a:r>
+              <a:rPr lang="en-US" sz="1400" dirty="0" err="1">
+                <a:latin typeface="Poppins Light" panose="00000400000000000000" pitchFamily="2" charset="0"/>
+                <a:cs typeface="Poppins Light" panose="00000400000000000000" pitchFamily="2" charset="0"/>
+              </a:rPr>
+              <a:t>sono</a:t>
+            </a:r>
+            <a:r>
+              <a:rPr lang="en-US" sz="1400" dirty="0">
+                <a:latin typeface="Poppins Light" panose="00000400000000000000" pitchFamily="2" charset="0"/>
+                <a:cs typeface="Poppins Light" panose="00000400000000000000" pitchFamily="2" charset="0"/>
+              </a:rPr>
+              <a:t> le skills </a:t>
+            </a:r>
+            <a:r>
+              <a:rPr lang="en-US" sz="1400" dirty="0" err="1">
+                <a:latin typeface="Poppins Light" panose="00000400000000000000" pitchFamily="2" charset="0"/>
+                <a:cs typeface="Poppins Light" panose="00000400000000000000" pitchFamily="2" charset="0"/>
+              </a:rPr>
+              <a:t>necessarie</a:t>
+            </a:r>
+            <a:r>
+              <a:rPr lang="en-US" sz="1400" dirty="0">
+                <a:latin typeface="Poppins Light" panose="00000400000000000000" pitchFamily="2" charset="0"/>
+                <a:cs typeface="Poppins Light" panose="00000400000000000000" pitchFamily="2" charset="0"/>
+              </a:rPr>
+              <a:t> in un mondo </a:t>
+            </a:r>
+            <a:r>
+              <a:rPr lang="en-US" sz="1400" dirty="0" err="1">
+                <a:latin typeface="Poppins Light" panose="00000400000000000000" pitchFamily="2" charset="0"/>
+                <a:cs typeface="Poppins Light" panose="00000400000000000000" pitchFamily="2" charset="0"/>
+              </a:rPr>
+              <a:t>digitale</a:t>
+            </a:r>
+            <a:r>
+              <a:rPr lang="en-US" sz="1400" dirty="0">
+                <a:latin typeface="Poppins Light" panose="00000400000000000000" pitchFamily="2" charset="0"/>
+                <a:cs typeface="Poppins Light" panose="00000400000000000000" pitchFamily="2" charset="0"/>
+              </a:rPr>
+              <a:t> ?</a:t>
+            </a:r>
+          </a:p>
+          <a:p>
+            <a:pPr>
+              <a:spcAft>
+                <a:spcPts val="1200"/>
+              </a:spcAft>
+            </a:pPr>
+            <a:endParaRPr lang="en-US" sz="1400" dirty="0">
+              <a:latin typeface="Poppins Light" panose="00000400000000000000" pitchFamily="2" charset="0"/>
+              <a:cs typeface="Poppins Light" panose="00000400000000000000" pitchFamily="2" charset="0"/>
+            </a:endParaRPr>
+          </a:p>
+          <a:p>
+            <a:pPr marL="285750" indent="-285750">
+              <a:spcAft>
+                <a:spcPts val="1200"/>
+              </a:spcAft>
+              <a:buFont typeface="Wingdings" panose="05000000000000000000" pitchFamily="2" charset="2"/>
+              <a:buChar char="q"/>
+            </a:pPr>
+            <a:endParaRPr lang="it-IT" sz="1400" dirty="0">
+              <a:latin typeface="Poppins Light" panose="00000400000000000000" pitchFamily="2" charset="0"/>
+              <a:cs typeface="Poppins Light" panose="00000400000000000000" pitchFamily="2" charset="0"/>
+            </a:endParaRPr>
+          </a:p>
+        </p:txBody>
+      </p:sp>
+      <p:cxnSp>
+        <p:nvCxnSpPr>
+          <p:cNvPr id="4" name="Connettore diritto 3">
+            <a:extLst>
+              <a:ext uri="{FF2B5EF4-FFF2-40B4-BE49-F238E27FC236}">
+                <a16:creationId xmlns:a16="http://schemas.microsoft.com/office/drawing/2014/main" id="{51FD34F7-E331-45F9-984B-6D3860116CA5}"/>
+              </a:ext>
+            </a:extLst>
+          </p:cNvPr>
+          <p:cNvCxnSpPr>
+            <a:cxnSpLocks/>
+          </p:cNvCxnSpPr>
+          <p:nvPr/>
+        </p:nvCxnSpPr>
+        <p:spPr>
+          <a:xfrm>
+            <a:off x="772998" y="1134050"/>
+            <a:ext cx="1775649" cy="0"/>
+          </a:xfrm>
+          <a:prstGeom prst="line">
+            <a:avLst/>
+          </a:prstGeom>
+          <a:ln w="38100">
+            <a:solidFill>
+              <a:schemeClr val="accent2"/>
+            </a:solidFill>
+          </a:ln>
+        </p:spPr>
+        <p:style>
+          <a:lnRef idx="3">
+            <a:schemeClr val="accent2"/>
+          </a:lnRef>
+          <a:fillRef idx="0">
+            <a:schemeClr val="accent2"/>
+          </a:fillRef>
+          <a:effectRef idx="2">
+            <a:schemeClr val="accent2"/>
+          </a:effectRef>
+          <a:fontRef idx="minor">
+            <a:schemeClr val="tx1"/>
+          </a:fontRef>
+        </p:style>
+      </p:cxnSp>
+      <p:pic>
+        <p:nvPicPr>
+          <p:cNvPr id="15" name="Immagine 14" descr="Immagine che contiene interni, tavolo, tavolo da pranzo&#10;&#10;Descrizione generata automaticamente">
+            <a:extLst>
+              <a:ext uri="{FF2B5EF4-FFF2-40B4-BE49-F238E27FC236}">
+                <a16:creationId xmlns:a16="http://schemas.microsoft.com/office/drawing/2014/main" id="{0FA78F81-25EE-4C6B-BB5F-8F4184FAD4AA}"/>
+              </a:ext>
+            </a:extLst>
+          </p:cNvPr>
+          <p:cNvPicPr>
+            <a:picLocks noChangeAspect="1"/>
+          </p:cNvPicPr>
+          <p:nvPr/>
+        </p:nvPicPr>
+        <p:blipFill rotWithShape="1">
+          <a:blip r:embed="rId2">
+            <a:extLst>
+              <a:ext uri="{28A0092B-C50C-407E-A947-70E740481C1C}">
+                <a14:useLocalDpi xmlns:a14="http://schemas.microsoft.com/office/drawing/2010/main" val="0"/>
+              </a:ext>
+            </a:extLst>
+          </a:blip>
+          <a:srcRect l="14715" t="844" r="18280" b="3188"/>
+          <a:stretch/>
+        </p:blipFill>
+        <p:spPr>
+          <a:xfrm>
+            <a:off x="6240463" y="2060576"/>
+            <a:ext cx="5951537" cy="4151382"/>
+          </a:xfrm>
+          <a:prstGeom prst="rect">
+            <a:avLst/>
+          </a:prstGeom>
+        </p:spPr>
+      </p:pic>
+    </p:spTree>
+    <p:extLst>
+      <p:ext uri="{BB962C8B-B14F-4D97-AF65-F5344CB8AC3E}">
+        <p14:creationId xmlns:p14="http://schemas.microsoft.com/office/powerpoint/2010/main" val="341538158"/>
+      </p:ext>
+    </p:extLst>
+  </p:cSld>
+  <p:clrMapOvr>
+    <a:masterClrMapping/>
+  </p:clrMapOvr>
+</p:sld>
+</file>
+
+<file path=ppt/slides/slide4.xml><?xml version="1.0" encoding="utf-8"?>
+<p:sld xmlns:a="http://schemas.openxmlformats.org/drawingml/2006/main" xmlns:r="http://schemas.openxmlformats.org/officeDocument/2006/relationships" xmlns:p="http://schemas.openxmlformats.org/presentationml/2006/main">
+  <p:cSld>
+    <p:spTree>
+      <p:nvGrpSpPr>
+        <p:cNvPr id="1" name=""/>
+        <p:cNvGrpSpPr/>
+        <p:nvPr/>
+      </p:nvGrpSpPr>
+      <p:grpSpPr>
+        <a:xfrm>
+          <a:off x="0" y="0"/>
+          <a:ext cx="0" cy="0"/>
+          <a:chOff x="0" y="0"/>
+          <a:chExt cx="0" cy="0"/>
+        </a:xfrm>
+      </p:grpSpPr>
+      <p:sp>
+        <p:nvSpPr>
+          <p:cNvPr id="5" name="CasellaDiTesto 4">
+            <a:extLst>
+              <a:ext uri="{FF2B5EF4-FFF2-40B4-BE49-F238E27FC236}">
+                <a16:creationId xmlns:a16="http://schemas.microsoft.com/office/drawing/2014/main" id="{89B91983-B758-4281-AC68-D9F7AB480AD9}"/>
+              </a:ext>
+            </a:extLst>
+          </p:cNvPr>
+          <p:cNvSpPr txBox="1"/>
+          <p:nvPr/>
+        </p:nvSpPr>
+        <p:spPr>
+          <a:xfrm>
+            <a:off x="704849" y="549275"/>
+            <a:ext cx="8020051" cy="584775"/>
+          </a:xfrm>
+          <a:prstGeom prst="rect">
+            <a:avLst/>
+          </a:prstGeom>
+          <a:noFill/>
+        </p:spPr>
+        <p:txBody>
+          <a:bodyPr wrap="square" rtlCol="0">
+            <a:spAutoFit/>
+          </a:bodyPr>
+          <a:lstStyle/>
+          <a:p>
+            <a:r>
               <a:rPr lang="it-IT" sz="2800" dirty="0">
                 <a:latin typeface="Lato Black" panose="020F0502020204030203" pitchFamily="34" charset="0"/>
                 <a:ea typeface="Lato Black" panose="020F0502020204030203" pitchFamily="34" charset="0"/>
@@ -5314,21 +5965,8 @@
                 <a:ea typeface="Lato Black" panose="020F0502020204030203" pitchFamily="34" charset="0"/>
                 <a:cs typeface="Lato Black" panose="020F0502020204030203" pitchFamily="34" charset="0"/>
               </a:rPr>
-              <a:t>Non </a:t>
-            </a:r>
-            <a:r>
-              <a:rPr lang="it-IT" sz="3200" dirty="0" err="1">
-                <a:latin typeface="Lato Black" panose="020F0502020204030203" pitchFamily="34" charset="0"/>
-                <a:ea typeface="Lato Black" panose="020F0502020204030203" pitchFamily="34" charset="0"/>
-                <a:cs typeface="Lato Black" panose="020F0502020204030203" pitchFamily="34" charset="0"/>
-              </a:rPr>
-              <a:t>Users</a:t>
-            </a:r>
-            <a:endParaRPr lang="it-IT" sz="3200" dirty="0">
-              <a:latin typeface="Lato Black" panose="020F0502020204030203" pitchFamily="34" charset="0"/>
-              <a:ea typeface="Lato Black" panose="020F0502020204030203" pitchFamily="34" charset="0"/>
-              <a:cs typeface="Lato Black" panose="020F0502020204030203" pitchFamily="34" charset="0"/>
-            </a:endParaRPr>
+              <a:t>Non Users</a:t>
+            </a:r>
           </a:p>
         </p:txBody>
       </p:sp>
@@ -5607,7 +6245,7 @@
         </p:blipFill>
         <p:spPr>
           <a:xfrm>
-            <a:off x="6240463" y="175410"/>
+            <a:off x="6240463" y="117044"/>
             <a:ext cx="3052253" cy="1878310"/>
           </a:xfrm>
           <a:prstGeom prst="rect">
@@ -5776,7 +6414,7 @@
 </p:sld>
 </file>
 
-<file path=ppt/slides/slide4.xml><?xml version="1.0" encoding="utf-8"?>
+<file path=ppt/slides/slide5.xml><?xml version="1.0" encoding="utf-8"?>
 <p:sld xmlns:a="http://schemas.openxmlformats.org/drawingml/2006/main" xmlns:r="http://schemas.openxmlformats.org/officeDocument/2006/relationships" xmlns:p="http://schemas.openxmlformats.org/presentationml/2006/main">
   <p:cSld>
     <p:spTree>
@@ -6448,7 +7086,7 @@
 </p:sld>
 </file>
 
-<file path=ppt/slides/slide5.xml><?xml version="1.0" encoding="utf-8"?>
+<file path=ppt/slides/slide6.xml><?xml version="1.0" encoding="utf-8"?>
 <p:sld xmlns:a="http://schemas.openxmlformats.org/drawingml/2006/main" xmlns:r="http://schemas.openxmlformats.org/officeDocument/2006/relationships" xmlns:p="http://schemas.openxmlformats.org/presentationml/2006/main">
   <p:cSld>
     <p:spTree>
@@ -6894,7 +7532,7 @@
 </p:sld>
 </file>
 
-<file path=ppt/slides/slide6.xml><?xml version="1.0" encoding="utf-8"?>
+<file path=ppt/slides/slide7.xml><?xml version="1.0" encoding="utf-8"?>
 <p:sld xmlns:a="http://schemas.openxmlformats.org/drawingml/2006/main" xmlns:r="http://schemas.openxmlformats.org/officeDocument/2006/relationships" xmlns:p="http://schemas.openxmlformats.org/presentationml/2006/main">
   <p:cSld>
     <p:spTree>
@@ -7221,7 +7859,7 @@
 </p:sld>
 </file>
 
-<file path=ppt/slides/slide7.xml><?xml version="1.0" encoding="utf-8"?>
+<file path=ppt/slides/slide8.xml><?xml version="1.0" encoding="utf-8"?>
 <p:sld xmlns:a="http://schemas.openxmlformats.org/drawingml/2006/main" xmlns:r="http://schemas.openxmlformats.org/officeDocument/2006/relationships" xmlns:p="http://schemas.openxmlformats.org/presentationml/2006/main">
   <p:cSld>
     <p:spTree>
@@ -7661,7 +8299,7 @@
 </p:sld>
 </file>
 
-<file path=ppt/slides/slide8.xml><?xml version="1.0" encoding="utf-8"?>
+<file path=ppt/slides/slide9.xml><?xml version="1.0" encoding="utf-8"?>
 <p:sld xmlns:a="http://schemas.openxmlformats.org/drawingml/2006/main" xmlns:r="http://schemas.openxmlformats.org/officeDocument/2006/relationships" xmlns:p="http://schemas.openxmlformats.org/presentationml/2006/main">
   <p:cSld>
     <p:spTree>

--- a/Presentazione/Presentazione_completa - Copy.pptx
+++ b/Presentazione/Presentazione_completa - Copy.pptx
@@ -5,7 +5,7 @@
     <p:sldMasterId id="2147483648" r:id="rId1"/>
   </p:sldMasterIdLst>
   <p:notesMasterIdLst>
-    <p:notesMasterId r:id="rId11"/>
+    <p:notesMasterId r:id="rId13"/>
   </p:notesMasterIdLst>
   <p:sldIdLst>
     <p:sldId id="292" r:id="rId2"/>
@@ -13,10 +13,12 @@
     <p:sldId id="300" r:id="rId4"/>
     <p:sldId id="266" r:id="rId5"/>
     <p:sldId id="299" r:id="rId6"/>
-    <p:sldId id="293" r:id="rId7"/>
-    <p:sldId id="297" r:id="rId8"/>
-    <p:sldId id="294" r:id="rId9"/>
-    <p:sldId id="296" r:id="rId10"/>
+    <p:sldId id="302" r:id="rId7"/>
+    <p:sldId id="301" r:id="rId8"/>
+    <p:sldId id="293" r:id="rId9"/>
+    <p:sldId id="297" r:id="rId10"/>
+    <p:sldId id="294" r:id="rId11"/>
+    <p:sldId id="296" r:id="rId12"/>
   </p:sldIdLst>
   <p:sldSz cx="12192000" cy="6858000"/>
   <p:notesSz cx="6858000" cy="9144000"/>
@@ -739,7 +741,7 @@
           <a:p>
             <a:fld id="{445FCF14-918E-4047-8BBB-15CFF9EA5E07}" type="datetimeFigureOut">
               <a:rPr lang="it-IT" smtClean="0"/>
-              <a:t>28/12/2021</a:t>
+              <a:t>28/12/21</a:t>
             </a:fld>
             <a:endParaRPr lang="it-IT"/>
           </a:p>
@@ -1153,7 +1155,7 @@
           <a:p>
             <a:fld id="{AA3A6BE5-8C39-481F-A270-BEF917F1E5E1}" type="datetimeFigureOut">
               <a:rPr lang="it-IT" smtClean="0"/>
-              <a:t>28/12/2021</a:t>
+              <a:t>28/12/21</a:t>
             </a:fld>
             <a:endParaRPr lang="it-IT"/>
           </a:p>
@@ -1351,7 +1353,7 @@
           <a:p>
             <a:fld id="{AA3A6BE5-8C39-481F-A270-BEF917F1E5E1}" type="datetimeFigureOut">
               <a:rPr lang="it-IT" smtClean="0"/>
-              <a:t>28/12/2021</a:t>
+              <a:t>28/12/21</a:t>
             </a:fld>
             <a:endParaRPr lang="it-IT"/>
           </a:p>
@@ -1559,7 +1561,7 @@
           <a:p>
             <a:fld id="{AA3A6BE5-8C39-481F-A270-BEF917F1E5E1}" type="datetimeFigureOut">
               <a:rPr lang="it-IT" smtClean="0"/>
-              <a:t>28/12/2021</a:t>
+              <a:t>28/12/21</a:t>
             </a:fld>
             <a:endParaRPr lang="it-IT"/>
           </a:p>
@@ -1757,7 +1759,7 @@
           <a:p>
             <a:fld id="{AA3A6BE5-8C39-481F-A270-BEF917F1E5E1}" type="datetimeFigureOut">
               <a:rPr lang="it-IT" smtClean="0"/>
-              <a:t>28/12/2021</a:t>
+              <a:t>28/12/21</a:t>
             </a:fld>
             <a:endParaRPr lang="it-IT"/>
           </a:p>
@@ -2032,7 +2034,7 @@
           <a:p>
             <a:fld id="{AA3A6BE5-8C39-481F-A270-BEF917F1E5E1}" type="datetimeFigureOut">
               <a:rPr lang="it-IT" smtClean="0"/>
-              <a:t>28/12/2021</a:t>
+              <a:t>28/12/21</a:t>
             </a:fld>
             <a:endParaRPr lang="it-IT"/>
           </a:p>
@@ -2297,7 +2299,7 @@
           <a:p>
             <a:fld id="{AA3A6BE5-8C39-481F-A270-BEF917F1E5E1}" type="datetimeFigureOut">
               <a:rPr lang="it-IT" smtClean="0"/>
-              <a:t>28/12/2021</a:t>
+              <a:t>28/12/21</a:t>
             </a:fld>
             <a:endParaRPr lang="it-IT"/>
           </a:p>
@@ -2709,7 +2711,7 @@
           <a:p>
             <a:fld id="{AA3A6BE5-8C39-481F-A270-BEF917F1E5E1}" type="datetimeFigureOut">
               <a:rPr lang="it-IT" smtClean="0"/>
-              <a:t>28/12/2021</a:t>
+              <a:t>28/12/21</a:t>
             </a:fld>
             <a:endParaRPr lang="it-IT"/>
           </a:p>
@@ -2850,7 +2852,7 @@
           <a:p>
             <a:fld id="{AA3A6BE5-8C39-481F-A270-BEF917F1E5E1}" type="datetimeFigureOut">
               <a:rPr lang="it-IT" smtClean="0"/>
-              <a:t>28/12/2021</a:t>
+              <a:t>28/12/21</a:t>
             </a:fld>
             <a:endParaRPr lang="it-IT"/>
           </a:p>
@@ -2963,7 +2965,7 @@
           <a:p>
             <a:fld id="{AA3A6BE5-8C39-481F-A270-BEF917F1E5E1}" type="datetimeFigureOut">
               <a:rPr lang="it-IT" smtClean="0"/>
-              <a:t>28/12/2021</a:t>
+              <a:t>28/12/21</a:t>
             </a:fld>
             <a:endParaRPr lang="it-IT"/>
           </a:p>
@@ -3274,7 +3276,7 @@
           <a:p>
             <a:fld id="{AA3A6BE5-8C39-481F-A270-BEF917F1E5E1}" type="datetimeFigureOut">
               <a:rPr lang="it-IT" smtClean="0"/>
-              <a:t>28/12/2021</a:t>
+              <a:t>28/12/21</a:t>
             </a:fld>
             <a:endParaRPr lang="it-IT"/>
           </a:p>
@@ -3562,7 +3564,7 @@
           <a:p>
             <a:fld id="{AA3A6BE5-8C39-481F-A270-BEF917F1E5E1}" type="datetimeFigureOut">
               <a:rPr lang="it-IT" smtClean="0"/>
-              <a:t>28/12/2021</a:t>
+              <a:t>28/12/21</a:t>
             </a:fld>
             <a:endParaRPr lang="it-IT"/>
           </a:p>
@@ -3803,7 +3805,7 @@
           <a:p>
             <a:fld id="{AA3A6BE5-8C39-481F-A270-BEF917F1E5E1}" type="datetimeFigureOut">
               <a:rPr lang="it-IT" smtClean="0"/>
-              <a:t>28/12/2021</a:t>
+              <a:t>28/12/21</a:t>
             </a:fld>
             <a:endParaRPr lang="it-IT"/>
           </a:p>
@@ -4660,6 +4662,801 @@
 </p:sld>
 </file>
 
+<file path=ppt/slides/slide10.xml><?xml version="1.0" encoding="utf-8"?>
+<p:sld xmlns:a="http://schemas.openxmlformats.org/drawingml/2006/main" xmlns:r="http://schemas.openxmlformats.org/officeDocument/2006/relationships" xmlns:p="http://schemas.openxmlformats.org/presentationml/2006/main">
+  <p:cSld>
+    <p:spTree>
+      <p:nvGrpSpPr>
+        <p:cNvPr id="1" name=""/>
+        <p:cNvGrpSpPr/>
+        <p:nvPr/>
+      </p:nvGrpSpPr>
+      <p:grpSpPr>
+        <a:xfrm>
+          <a:off x="0" y="0"/>
+          <a:ext cx="0" cy="0"/>
+          <a:chOff x="0" y="0"/>
+          <a:chExt cx="0" cy="0"/>
+        </a:xfrm>
+      </p:grpSpPr>
+      <p:sp>
+        <p:nvSpPr>
+          <p:cNvPr id="5" name="CasellaDiTesto 4">
+            <a:extLst>
+              <a:ext uri="{FF2B5EF4-FFF2-40B4-BE49-F238E27FC236}">
+                <a16:creationId xmlns:a16="http://schemas.microsoft.com/office/drawing/2014/main" id="{89B91983-B758-4281-AC68-D9F7AB480AD9}"/>
+              </a:ext>
+            </a:extLst>
+          </p:cNvPr>
+          <p:cNvSpPr txBox="1"/>
+          <p:nvPr/>
+        </p:nvSpPr>
+        <p:spPr>
+          <a:xfrm>
+            <a:off x="704849" y="549275"/>
+            <a:ext cx="8020051" cy="584775"/>
+          </a:xfrm>
+          <a:prstGeom prst="rect">
+            <a:avLst/>
+          </a:prstGeom>
+          <a:noFill/>
+        </p:spPr>
+        <p:txBody>
+          <a:bodyPr wrap="square" rtlCol="0">
+            <a:spAutoFit/>
+          </a:bodyPr>
+          <a:lstStyle/>
+          <a:p>
+            <a:r>
+              <a:rPr lang="it-IT" sz="3200" dirty="0" err="1">
+                <a:latin typeface="Lato Black" panose="020F0502020204030203" pitchFamily="34" charset="0"/>
+                <a:ea typeface="Lato Black" panose="020F0502020204030203" pitchFamily="34" charset="0"/>
+                <a:cs typeface="Lato Black" panose="020F0502020204030203" pitchFamily="34" charset="0"/>
+              </a:rPr>
+              <a:t>Skills</a:t>
+            </a:r>
+            <a:r>
+              <a:rPr lang="it-IT" sz="3200" dirty="0">
+                <a:latin typeface="Lato Black" panose="020F0502020204030203" pitchFamily="34" charset="0"/>
+                <a:ea typeface="Lato Black" panose="020F0502020204030203" pitchFamily="34" charset="0"/>
+                <a:cs typeface="Lato Black" panose="020F0502020204030203" pitchFamily="34" charset="0"/>
+              </a:rPr>
+              <a:t> per un mondo digitale</a:t>
+            </a:r>
+          </a:p>
+        </p:txBody>
+      </p:sp>
+      <p:sp>
+        <p:nvSpPr>
+          <p:cNvPr id="6" name="CasellaDiTesto 5">
+            <a:extLst>
+              <a:ext uri="{FF2B5EF4-FFF2-40B4-BE49-F238E27FC236}">
+                <a16:creationId xmlns:a16="http://schemas.microsoft.com/office/drawing/2014/main" id="{D13A722D-E148-4971-82F3-1C191AFD95ED}"/>
+              </a:ext>
+            </a:extLst>
+          </p:cNvPr>
+          <p:cNvSpPr txBox="1"/>
+          <p:nvPr/>
+        </p:nvSpPr>
+        <p:spPr>
+          <a:xfrm>
+            <a:off x="704847" y="2024062"/>
+            <a:ext cx="5535616" cy="4585871"/>
+          </a:xfrm>
+          <a:prstGeom prst="rect">
+            <a:avLst/>
+          </a:prstGeom>
+          <a:noFill/>
+        </p:spPr>
+        <p:txBody>
+          <a:bodyPr wrap="square" rtlCol="0">
+            <a:spAutoFit/>
+          </a:bodyPr>
+          <a:lstStyle/>
+          <a:p>
+            <a:pPr marL="285750" indent="-285750">
+              <a:spcAft>
+                <a:spcPts val="1200"/>
+              </a:spcAft>
+              <a:buFont typeface="Wingdings" panose="05000000000000000000" pitchFamily="2" charset="2"/>
+              <a:buChar char="q"/>
+            </a:pPr>
+            <a:r>
+              <a:rPr lang="it-IT" sz="1400" dirty="0">
+                <a:latin typeface="Poppins Light" panose="00000400000000000000" pitchFamily="2" charset="0"/>
+                <a:cs typeface="Poppins Light" panose="00000400000000000000" pitchFamily="2" charset="0"/>
+              </a:rPr>
+              <a:t>La</a:t>
+            </a:r>
+            <a:r>
+              <a:rPr lang="it-IT" sz="1400" dirty="0">
+                <a:latin typeface="Poppins Medium" panose="00000600000000000000" pitchFamily="50" charset="0"/>
+                <a:cs typeface="Poppins Medium" panose="00000600000000000000" pitchFamily="50" charset="0"/>
+              </a:rPr>
+              <a:t> digital </a:t>
+            </a:r>
+            <a:r>
+              <a:rPr lang="it-IT" sz="1400" dirty="0" err="1">
+                <a:latin typeface="Poppins Medium" panose="00000600000000000000" pitchFamily="50" charset="0"/>
+                <a:cs typeface="Poppins Medium" panose="00000600000000000000" pitchFamily="50" charset="0"/>
+              </a:rPr>
+              <a:t>transformation</a:t>
+            </a:r>
+            <a:r>
+              <a:rPr lang="it-IT" sz="1400" dirty="0">
+                <a:latin typeface="Poppins SemiBold" panose="00000700000000000000" pitchFamily="50" charset="0"/>
+                <a:cs typeface="Poppins SemiBold" panose="00000700000000000000" pitchFamily="50" charset="0"/>
+              </a:rPr>
+              <a:t> </a:t>
+            </a:r>
+            <a:r>
+              <a:rPr lang="it-IT" sz="1400" dirty="0">
+                <a:latin typeface="Poppins Light" panose="00000400000000000000" pitchFamily="2" charset="0"/>
+                <a:cs typeface="Poppins Light" panose="00000400000000000000" pitchFamily="2" charset="0"/>
+              </a:rPr>
+              <a:t>interessa tutti gli aspetti della società umana</a:t>
+            </a:r>
+            <a:endParaRPr lang="it-IT" sz="1400" dirty="0">
+              <a:latin typeface="Poppins SemiBold" panose="00000700000000000000" pitchFamily="50" charset="0"/>
+              <a:cs typeface="Poppins SemiBold" panose="00000700000000000000" pitchFamily="50" charset="0"/>
+            </a:endParaRPr>
+          </a:p>
+          <a:p>
+            <a:pPr marL="285750" indent="-285750">
+              <a:spcAft>
+                <a:spcPts val="1200"/>
+              </a:spcAft>
+              <a:buFont typeface="Wingdings" panose="05000000000000000000" pitchFamily="2" charset="2"/>
+              <a:buChar char="q"/>
+            </a:pPr>
+            <a:r>
+              <a:rPr lang="it-IT" sz="1400" dirty="0">
+                <a:latin typeface="Poppins Light" panose="00000400000000000000" pitchFamily="50" charset="0"/>
+                <a:cs typeface="Poppins Light" panose="00000400000000000000" pitchFamily="50" charset="0"/>
+              </a:rPr>
+              <a:t>Adattarsi al cambiamento sviluppando le </a:t>
+            </a:r>
+            <a:r>
+              <a:rPr lang="it-IT" sz="1400" dirty="0">
+                <a:latin typeface="Poppins Medium" panose="00000600000000000000" pitchFamily="2" charset="0"/>
+                <a:cs typeface="Poppins Medium" panose="00000600000000000000" pitchFamily="2" charset="0"/>
+              </a:rPr>
+              <a:t>digital skills</a:t>
+            </a:r>
+            <a:endParaRPr lang="it-IT" sz="1400" dirty="0">
+              <a:latin typeface="Poppins Light" panose="00000400000000000000" pitchFamily="50" charset="0"/>
+              <a:cs typeface="Poppins Light" panose="00000400000000000000" pitchFamily="50" charset="0"/>
+            </a:endParaRPr>
+          </a:p>
+          <a:p>
+            <a:pPr marL="285750" indent="-285750">
+              <a:spcAft>
+                <a:spcPts val="1200"/>
+              </a:spcAft>
+              <a:buFont typeface="Wingdings" panose="05000000000000000000" pitchFamily="2" charset="2"/>
+              <a:buChar char="q"/>
+            </a:pPr>
+            <a:r>
+              <a:rPr lang="en-US" sz="1400" dirty="0">
+                <a:latin typeface="Poppins Light" panose="00000400000000000000" pitchFamily="2" charset="0"/>
+                <a:cs typeface="Poppins Light" panose="00000400000000000000" pitchFamily="2" charset="0"/>
+              </a:rPr>
+              <a:t>‘Skills for a Digital World’ (OCSE)</a:t>
+            </a:r>
+            <a:r>
+              <a:rPr lang="it-IT" sz="1400" dirty="0">
+                <a:latin typeface="Poppins Light" panose="00000400000000000000" pitchFamily="50" charset="0"/>
+                <a:cs typeface="Poppins Light" panose="00000400000000000000" pitchFamily="50" charset="0"/>
+              </a:rPr>
+              <a:t> </a:t>
+            </a:r>
+          </a:p>
+          <a:p>
+            <a:pPr marL="742950" lvl="1" indent="-285750">
+              <a:spcAft>
+                <a:spcPts val="1200"/>
+              </a:spcAft>
+              <a:buFont typeface="Arial" panose="020B0604020202020204" pitchFamily="34" charset="0"/>
+              <a:buChar char="•"/>
+            </a:pPr>
+            <a:r>
+              <a:rPr lang="it-IT" sz="1400" dirty="0">
+                <a:latin typeface="Poppins Light" panose="00000400000000000000" pitchFamily="50" charset="0"/>
+                <a:cs typeface="Poppins Light" panose="00000400000000000000" pitchFamily="50" charset="0"/>
+              </a:rPr>
+              <a:t>Skills specialistiche</a:t>
+            </a:r>
+          </a:p>
+          <a:p>
+            <a:pPr marL="742950" lvl="1" indent="-285750">
+              <a:spcAft>
+                <a:spcPts val="1200"/>
+              </a:spcAft>
+              <a:buFont typeface="Arial" panose="020B0604020202020204" pitchFamily="34" charset="0"/>
+              <a:buChar char="•"/>
+            </a:pPr>
+            <a:r>
+              <a:rPr lang="it-IT" sz="1400" dirty="0">
+                <a:latin typeface="Poppins Light" panose="00000400000000000000" pitchFamily="50" charset="0"/>
+                <a:cs typeface="Poppins Light" panose="00000400000000000000" pitchFamily="50" charset="0"/>
+              </a:rPr>
+              <a:t>Skills generiche</a:t>
+            </a:r>
+          </a:p>
+          <a:p>
+            <a:pPr marL="742950" lvl="1" indent="-285750">
+              <a:spcAft>
+                <a:spcPts val="1200"/>
+              </a:spcAft>
+              <a:buFont typeface="Arial" panose="020B0604020202020204" pitchFamily="34" charset="0"/>
+              <a:buChar char="•"/>
+            </a:pPr>
+            <a:r>
+              <a:rPr lang="it-IT" sz="1400" dirty="0">
+                <a:latin typeface="Poppins Medium" panose="00000600000000000000" pitchFamily="2" charset="0"/>
+                <a:cs typeface="Poppins Medium" panose="00000600000000000000" pitchFamily="2" charset="0"/>
+              </a:rPr>
+              <a:t>Foundation skills</a:t>
+            </a:r>
+          </a:p>
+          <a:p>
+            <a:pPr marL="742950" lvl="1" indent="-285750">
+              <a:spcAft>
+                <a:spcPts val="1200"/>
+              </a:spcAft>
+              <a:buFont typeface="Arial" panose="020B0604020202020204" pitchFamily="34" charset="0"/>
+              <a:buChar char="•"/>
+            </a:pPr>
+            <a:r>
+              <a:rPr lang="it-IT" sz="1400" dirty="0">
+                <a:latin typeface="Poppins Light" panose="00000400000000000000" pitchFamily="50" charset="0"/>
+                <a:cs typeface="Poppins Light" panose="00000400000000000000" pitchFamily="50" charset="0"/>
+              </a:rPr>
+              <a:t>Abilità sociali ed emozionali</a:t>
+            </a:r>
+          </a:p>
+          <a:p>
+            <a:pPr marL="285750" indent="-285750">
+              <a:spcAft>
+                <a:spcPts val="1200"/>
+              </a:spcAft>
+              <a:buFont typeface="Wingdings" panose="05000000000000000000" pitchFamily="2" charset="2"/>
+              <a:buChar char="q"/>
+            </a:pPr>
+            <a:r>
+              <a:rPr lang="en-US" sz="1400" dirty="0">
+                <a:latin typeface="Poppins Light" panose="00000400000000000000" pitchFamily="50" charset="0"/>
+                <a:cs typeface="Poppins Light" panose="00000400000000000000" pitchFamily="50" charset="0"/>
+              </a:rPr>
+              <a:t>Le </a:t>
+            </a:r>
+            <a:r>
+              <a:rPr lang="it-IT" sz="1400" dirty="0" err="1">
+                <a:latin typeface="Poppins Light" panose="00000400000000000000" pitchFamily="50" charset="0"/>
+                <a:cs typeface="Poppins Light" panose="00000400000000000000" pitchFamily="50" charset="0"/>
+              </a:rPr>
+              <a:t>foundation</a:t>
+            </a:r>
+            <a:r>
+              <a:rPr lang="it-IT" sz="1400" dirty="0">
+                <a:latin typeface="Poppins Light" panose="00000400000000000000" pitchFamily="50" charset="0"/>
+                <a:cs typeface="Poppins Light" panose="00000400000000000000" pitchFamily="50" charset="0"/>
+              </a:rPr>
+              <a:t> skills sono prerequisiti per</a:t>
+            </a:r>
+          </a:p>
+          <a:p>
+            <a:pPr marL="742950" lvl="1" indent="-285750">
+              <a:spcAft>
+                <a:spcPts val="1200"/>
+              </a:spcAft>
+              <a:buFont typeface="Arial" panose="020B0604020202020204" pitchFamily="34" charset="0"/>
+              <a:buChar char="•"/>
+            </a:pPr>
+            <a:r>
+              <a:rPr lang="it-IT" sz="1400" dirty="0">
+                <a:latin typeface="Poppins Light" panose="00000400000000000000" pitchFamily="50" charset="0"/>
+                <a:cs typeface="Poppins Light" panose="00000400000000000000" pitchFamily="50" charset="0"/>
+              </a:rPr>
+              <a:t>Abilità cognitive di alto livello</a:t>
+            </a:r>
+          </a:p>
+          <a:p>
+            <a:pPr marL="742950" lvl="1" indent="-285750">
+              <a:spcAft>
+                <a:spcPts val="1200"/>
+              </a:spcAft>
+              <a:buFont typeface="Arial" panose="020B0604020202020204" pitchFamily="34" charset="0"/>
+              <a:buChar char="•"/>
+            </a:pPr>
+            <a:r>
+              <a:rPr lang="it-IT" sz="1400" dirty="0">
+                <a:latin typeface="Poppins Medium" panose="00000600000000000000" pitchFamily="2" charset="0"/>
+                <a:cs typeface="Poppins Medium" panose="00000600000000000000" pitchFamily="2" charset="0"/>
+              </a:rPr>
+              <a:t>Alfabetizzazione digitale</a:t>
+            </a:r>
+          </a:p>
+          <a:p>
+            <a:pPr marL="742950" lvl="1" indent="-285750">
+              <a:spcAft>
+                <a:spcPts val="1200"/>
+              </a:spcAft>
+              <a:buFont typeface="Arial" panose="020B0604020202020204" pitchFamily="34" charset="0"/>
+              <a:buChar char="•"/>
+            </a:pPr>
+            <a:r>
+              <a:rPr lang="it-IT" sz="1400" dirty="0">
+                <a:latin typeface="Poppins Medium" panose="00000600000000000000" pitchFamily="2" charset="0"/>
+                <a:cs typeface="Poppins Medium" panose="00000600000000000000" pitchFamily="2" charset="0"/>
+              </a:rPr>
+              <a:t>Apprendimento permanente</a:t>
+            </a:r>
+            <a:endParaRPr lang="en-US" sz="1400" dirty="0">
+              <a:latin typeface="Poppins Light" panose="00000400000000000000" pitchFamily="50" charset="0"/>
+              <a:cs typeface="Poppins Light" panose="00000400000000000000" pitchFamily="50" charset="0"/>
+            </a:endParaRPr>
+          </a:p>
+          <a:p>
+            <a:pPr>
+              <a:spcAft>
+                <a:spcPts val="1200"/>
+              </a:spcAft>
+            </a:pPr>
+            <a:endParaRPr lang="en-US" sz="1400" dirty="0">
+              <a:latin typeface="Poppins Light" panose="00000400000000000000" pitchFamily="50" charset="0"/>
+              <a:cs typeface="Poppins Light" panose="00000400000000000000" pitchFamily="50" charset="0"/>
+            </a:endParaRPr>
+          </a:p>
+        </p:txBody>
+      </p:sp>
+      <p:pic>
+        <p:nvPicPr>
+          <p:cNvPr id="3" name="Immagine 2">
+            <a:extLst>
+              <a:ext uri="{FF2B5EF4-FFF2-40B4-BE49-F238E27FC236}">
+                <a16:creationId xmlns:a16="http://schemas.microsoft.com/office/drawing/2014/main" id="{BE7FA914-BE0F-40DA-ABDA-4F220218BD0D}"/>
+              </a:ext>
+            </a:extLst>
+          </p:cNvPr>
+          <p:cNvPicPr>
+            <a:picLocks noChangeAspect="1"/>
+          </p:cNvPicPr>
+          <p:nvPr/>
+        </p:nvPicPr>
+        <p:blipFill rotWithShape="1">
+          <a:blip r:embed="rId2">
+            <a:alphaModFix/>
+            <a:extLst>
+              <a:ext uri="{28A0092B-C50C-407E-A947-70E740481C1C}">
+                <a14:useLocalDpi xmlns:a14="http://schemas.microsoft.com/office/drawing/2010/main" val="0"/>
+              </a:ext>
+            </a:extLst>
+          </a:blip>
+          <a:srcRect l="20193" r="1030"/>
+          <a:stretch/>
+        </p:blipFill>
+        <p:spPr>
+          <a:xfrm>
+            <a:off x="6240463" y="2024062"/>
+            <a:ext cx="5951537" cy="4249737"/>
+          </a:xfrm>
+          <a:prstGeom prst="rect">
+            <a:avLst/>
+          </a:prstGeom>
+        </p:spPr>
+      </p:pic>
+      <p:cxnSp>
+        <p:nvCxnSpPr>
+          <p:cNvPr id="4" name="Connettore diritto 3">
+            <a:extLst>
+              <a:ext uri="{FF2B5EF4-FFF2-40B4-BE49-F238E27FC236}">
+                <a16:creationId xmlns:a16="http://schemas.microsoft.com/office/drawing/2014/main" id="{51FD34F7-E331-45F9-984B-6D3860116CA5}"/>
+              </a:ext>
+            </a:extLst>
+          </p:cNvPr>
+          <p:cNvCxnSpPr>
+            <a:cxnSpLocks/>
+          </p:cNvCxnSpPr>
+          <p:nvPr/>
+        </p:nvCxnSpPr>
+        <p:spPr>
+          <a:xfrm>
+            <a:off x="772998" y="1134050"/>
+            <a:ext cx="5030394" cy="0"/>
+          </a:xfrm>
+          <a:prstGeom prst="line">
+            <a:avLst/>
+          </a:prstGeom>
+          <a:ln w="38100">
+            <a:solidFill>
+              <a:schemeClr val="accent2"/>
+            </a:solidFill>
+          </a:ln>
+        </p:spPr>
+        <p:style>
+          <a:lnRef idx="3">
+            <a:schemeClr val="accent2"/>
+          </a:lnRef>
+          <a:fillRef idx="0">
+            <a:schemeClr val="accent2"/>
+          </a:fillRef>
+          <a:effectRef idx="2">
+            <a:schemeClr val="accent2"/>
+          </a:effectRef>
+          <a:fontRef idx="minor">
+            <a:schemeClr val="tx1"/>
+          </a:fontRef>
+        </p:style>
+      </p:cxnSp>
+    </p:spTree>
+    <p:extLst>
+      <p:ext uri="{BB962C8B-B14F-4D97-AF65-F5344CB8AC3E}">
+        <p14:creationId xmlns:p14="http://schemas.microsoft.com/office/powerpoint/2010/main" val="3197017637"/>
+      </p:ext>
+    </p:extLst>
+  </p:cSld>
+  <p:clrMapOvr>
+    <a:masterClrMapping/>
+  </p:clrMapOvr>
+</p:sld>
+</file>
+
+<file path=ppt/slides/slide11.xml><?xml version="1.0" encoding="utf-8"?>
+<p:sld xmlns:a="http://schemas.openxmlformats.org/drawingml/2006/main" xmlns:r="http://schemas.openxmlformats.org/officeDocument/2006/relationships" xmlns:p="http://schemas.openxmlformats.org/presentationml/2006/main">
+  <p:cSld>
+    <p:spTree>
+      <p:nvGrpSpPr>
+        <p:cNvPr id="1" name=""/>
+        <p:cNvGrpSpPr/>
+        <p:nvPr/>
+      </p:nvGrpSpPr>
+      <p:grpSpPr>
+        <a:xfrm>
+          <a:off x="0" y="0"/>
+          <a:ext cx="0" cy="0"/>
+          <a:chOff x="0" y="0"/>
+          <a:chExt cx="0" cy="0"/>
+        </a:xfrm>
+      </p:grpSpPr>
+      <p:sp>
+        <p:nvSpPr>
+          <p:cNvPr id="5" name="CasellaDiTesto 4">
+            <a:extLst>
+              <a:ext uri="{FF2B5EF4-FFF2-40B4-BE49-F238E27FC236}">
+                <a16:creationId xmlns:a16="http://schemas.microsoft.com/office/drawing/2014/main" id="{89B91983-B758-4281-AC68-D9F7AB480AD9}"/>
+              </a:ext>
+            </a:extLst>
+          </p:cNvPr>
+          <p:cNvSpPr txBox="1"/>
+          <p:nvPr/>
+        </p:nvSpPr>
+        <p:spPr>
+          <a:xfrm>
+            <a:off x="704849" y="549275"/>
+            <a:ext cx="10106026" cy="584775"/>
+          </a:xfrm>
+          <a:prstGeom prst="rect">
+            <a:avLst/>
+          </a:prstGeom>
+          <a:noFill/>
+        </p:spPr>
+        <p:txBody>
+          <a:bodyPr wrap="square" rtlCol="0">
+            <a:spAutoFit/>
+          </a:bodyPr>
+          <a:lstStyle/>
+          <a:p>
+            <a:r>
+              <a:rPr lang="it-IT" sz="3200" dirty="0">
+                <a:latin typeface="Lato Black" panose="020F0502020204030203" pitchFamily="34" charset="0"/>
+                <a:ea typeface="Lato Black" panose="020F0502020204030203" pitchFamily="34" charset="0"/>
+                <a:cs typeface="Lato Black" panose="020F0502020204030203" pitchFamily="34" charset="0"/>
+              </a:rPr>
+              <a:t>Sviluppo delle abilità rilevanti per la digital economy</a:t>
+            </a:r>
+          </a:p>
+        </p:txBody>
+      </p:sp>
+      <p:sp>
+        <p:nvSpPr>
+          <p:cNvPr id="6" name="CasellaDiTesto 5">
+            <a:extLst>
+              <a:ext uri="{FF2B5EF4-FFF2-40B4-BE49-F238E27FC236}">
+                <a16:creationId xmlns:a16="http://schemas.microsoft.com/office/drawing/2014/main" id="{D13A722D-E148-4971-82F3-1C191AFD95ED}"/>
+              </a:ext>
+            </a:extLst>
+          </p:cNvPr>
+          <p:cNvSpPr txBox="1"/>
+          <p:nvPr/>
+        </p:nvSpPr>
+        <p:spPr>
+          <a:xfrm>
+            <a:off x="704847" y="2024062"/>
+            <a:ext cx="5535616" cy="2954655"/>
+          </a:xfrm>
+          <a:prstGeom prst="rect">
+            <a:avLst/>
+          </a:prstGeom>
+          <a:noFill/>
+        </p:spPr>
+        <p:txBody>
+          <a:bodyPr wrap="square" rtlCol="0">
+            <a:spAutoFit/>
+          </a:bodyPr>
+          <a:lstStyle/>
+          <a:p>
+            <a:pPr marL="285750" indent="-285750">
+              <a:spcAft>
+                <a:spcPts val="1200"/>
+              </a:spcAft>
+              <a:buFont typeface="Wingdings" panose="05000000000000000000" pitchFamily="2" charset="2"/>
+              <a:buChar char="q"/>
+            </a:pPr>
+            <a:r>
+              <a:rPr lang="it-IT" sz="1400" dirty="0">
+                <a:latin typeface="Poppins Light" panose="00000400000000000000" pitchFamily="2" charset="0"/>
+                <a:cs typeface="Poppins Light" panose="00000400000000000000" pitchFamily="2" charset="0"/>
+              </a:rPr>
+              <a:t>Individui formati partecipano attivamente alla vita economica, sociale e culturale presente e futura</a:t>
+            </a:r>
+            <a:endParaRPr lang="it-IT" sz="1400" dirty="0">
+              <a:latin typeface="Poppins SemiBold" panose="00000700000000000000" pitchFamily="50" charset="0"/>
+              <a:cs typeface="Poppins SemiBold" panose="00000700000000000000" pitchFamily="50" charset="0"/>
+            </a:endParaRPr>
+          </a:p>
+          <a:p>
+            <a:pPr marL="285750" indent="-285750">
+              <a:spcAft>
+                <a:spcPts val="1200"/>
+              </a:spcAft>
+              <a:buFont typeface="Wingdings" panose="05000000000000000000" pitchFamily="2" charset="2"/>
+              <a:buChar char="q"/>
+            </a:pPr>
+            <a:r>
+              <a:rPr lang="it-IT" sz="1400" dirty="0">
+                <a:latin typeface="Poppins Light" panose="00000400000000000000" pitchFamily="50" charset="0"/>
+                <a:cs typeface="Poppins Light" panose="00000400000000000000" pitchFamily="50" charset="0"/>
+              </a:rPr>
+              <a:t>Investimenti nello sviluppo dei </a:t>
+            </a:r>
+            <a:r>
+              <a:rPr lang="it-IT" sz="1400" dirty="0">
+                <a:latin typeface="Poppins Medium" panose="00000600000000000000" pitchFamily="2" charset="0"/>
+                <a:cs typeface="Poppins Medium" panose="00000600000000000000" pitchFamily="2" charset="0"/>
+              </a:rPr>
+              <a:t>sistemi di educazione e formazione</a:t>
+            </a:r>
+            <a:endParaRPr lang="it-IT" sz="1400" dirty="0">
+              <a:latin typeface="Poppins Light" panose="00000400000000000000" pitchFamily="50" charset="0"/>
+              <a:cs typeface="Poppins Light" panose="00000400000000000000" pitchFamily="50" charset="0"/>
+            </a:endParaRPr>
+          </a:p>
+          <a:p>
+            <a:pPr marL="285750" indent="-285750">
+              <a:spcAft>
+                <a:spcPts val="1200"/>
+              </a:spcAft>
+              <a:buFont typeface="Wingdings" panose="05000000000000000000" pitchFamily="2" charset="2"/>
+              <a:buChar char="q"/>
+            </a:pPr>
+            <a:r>
+              <a:rPr lang="en-US" sz="1400" dirty="0" err="1">
+                <a:latin typeface="Poppins Light" panose="00000400000000000000" pitchFamily="2" charset="0"/>
+                <a:cs typeface="Poppins Light" panose="00000400000000000000" pitchFamily="2" charset="0"/>
+              </a:rPr>
+              <a:t>Sfruttare</a:t>
+            </a:r>
+            <a:r>
+              <a:rPr lang="en-US" sz="1400" dirty="0">
+                <a:latin typeface="Poppins Light" panose="00000400000000000000" pitchFamily="2" charset="0"/>
+                <a:cs typeface="Poppins Light" panose="00000400000000000000" pitchFamily="2" charset="0"/>
+              </a:rPr>
+              <a:t> le </a:t>
+            </a:r>
+            <a:r>
+              <a:rPr lang="en-US" sz="1400" dirty="0" err="1">
+                <a:latin typeface="Poppins Light" panose="00000400000000000000" pitchFamily="2" charset="0"/>
+                <a:cs typeface="Poppins Light" panose="00000400000000000000" pitchFamily="2" charset="0"/>
+              </a:rPr>
+              <a:t>le</a:t>
+            </a:r>
+            <a:r>
+              <a:rPr lang="en-US" sz="1400" dirty="0">
+                <a:latin typeface="Poppins Light" panose="00000400000000000000" pitchFamily="2" charset="0"/>
+                <a:cs typeface="Poppins Light" panose="00000400000000000000" pitchFamily="2" charset="0"/>
+              </a:rPr>
+              <a:t> </a:t>
+            </a:r>
+            <a:r>
+              <a:rPr lang="en-US" sz="1400" dirty="0" err="1">
+                <a:latin typeface="Poppins Light" panose="00000400000000000000" pitchFamily="2" charset="0"/>
+                <a:cs typeface="Poppins Light" panose="00000400000000000000" pitchFamily="2" charset="0"/>
+              </a:rPr>
+              <a:t>opportunità</a:t>
+            </a:r>
+            <a:r>
+              <a:rPr lang="en-US" sz="1400" dirty="0">
+                <a:latin typeface="Poppins Light" panose="00000400000000000000" pitchFamily="2" charset="0"/>
+                <a:cs typeface="Poppins Light" panose="00000400000000000000" pitchFamily="2" charset="0"/>
+              </a:rPr>
+              <a:t> generate </a:t>
+            </a:r>
+            <a:r>
+              <a:rPr lang="en-US" sz="1400" dirty="0" err="1">
+                <a:latin typeface="Poppins Light" panose="00000400000000000000" pitchFamily="2" charset="0"/>
+                <a:cs typeface="Poppins Light" panose="00000400000000000000" pitchFamily="2" charset="0"/>
+              </a:rPr>
+              <a:t>dalle</a:t>
+            </a:r>
+            <a:r>
+              <a:rPr lang="en-US" sz="1400" dirty="0">
+                <a:latin typeface="Poppins Light" panose="00000400000000000000" pitchFamily="2" charset="0"/>
+                <a:cs typeface="Poppins Light" panose="00000400000000000000" pitchFamily="2" charset="0"/>
+              </a:rPr>
+              <a:t> ICTs</a:t>
+            </a:r>
+            <a:endParaRPr lang="it-IT" sz="1400" dirty="0">
+              <a:latin typeface="Poppins Light" panose="00000400000000000000" pitchFamily="50" charset="0"/>
+              <a:cs typeface="Poppins Light" panose="00000400000000000000" pitchFamily="50" charset="0"/>
+            </a:endParaRPr>
+          </a:p>
+          <a:p>
+            <a:pPr marL="742950" lvl="1" indent="-285750">
+              <a:spcAft>
+                <a:spcPts val="1200"/>
+              </a:spcAft>
+              <a:buFont typeface="Arial" panose="020B0604020202020204" pitchFamily="34" charset="0"/>
+              <a:buChar char="•"/>
+            </a:pPr>
+            <a:r>
+              <a:rPr lang="it-IT" sz="1400" dirty="0">
+                <a:latin typeface="Poppins Light" panose="00000400000000000000" pitchFamily="50" charset="0"/>
+                <a:cs typeface="Poppins Light" panose="00000400000000000000" pitchFamily="50" charset="0"/>
+              </a:rPr>
+              <a:t>Apprendimento personalizzato</a:t>
+            </a:r>
+          </a:p>
+          <a:p>
+            <a:pPr marL="742950" lvl="1" indent="-285750">
+              <a:spcAft>
+                <a:spcPts val="1200"/>
+              </a:spcAft>
+              <a:buFont typeface="Arial" panose="020B0604020202020204" pitchFamily="34" charset="0"/>
+              <a:buChar char="•"/>
+            </a:pPr>
+            <a:r>
+              <a:rPr lang="it-IT" sz="1400" dirty="0">
+                <a:latin typeface="Poppins Light" panose="00000400000000000000" pitchFamily="50" charset="0"/>
+                <a:cs typeface="Poppins Light" panose="00000400000000000000" pitchFamily="50" charset="0"/>
+              </a:rPr>
+              <a:t>Apprendimento collaborativo</a:t>
+            </a:r>
+          </a:p>
+          <a:p>
+            <a:pPr marL="742950" lvl="1" indent="-285750">
+              <a:spcAft>
+                <a:spcPts val="1200"/>
+              </a:spcAft>
+              <a:buFont typeface="Arial" panose="020B0604020202020204" pitchFamily="34" charset="0"/>
+              <a:buChar char="•"/>
+            </a:pPr>
+            <a:r>
+              <a:rPr lang="it-IT" sz="1400" dirty="0" err="1">
+                <a:latin typeface="Poppins Light" panose="00000400000000000000" pitchFamily="50" charset="0"/>
+                <a:cs typeface="Poppins Light" panose="00000400000000000000" pitchFamily="50" charset="0"/>
+              </a:rPr>
+              <a:t>MOOCs</a:t>
+            </a:r>
+            <a:endParaRPr lang="it-IT" sz="1400" dirty="0">
+              <a:latin typeface="Poppins Light" panose="00000400000000000000" pitchFamily="50" charset="0"/>
+              <a:cs typeface="Poppins Light" panose="00000400000000000000" pitchFamily="50" charset="0"/>
+            </a:endParaRPr>
+          </a:p>
+          <a:p>
+            <a:pPr>
+              <a:spcAft>
+                <a:spcPts val="1200"/>
+              </a:spcAft>
+            </a:pPr>
+            <a:endParaRPr lang="en-US" sz="1400" dirty="0">
+              <a:latin typeface="Poppins Light" panose="00000400000000000000" pitchFamily="50" charset="0"/>
+              <a:cs typeface="Poppins Light" panose="00000400000000000000" pitchFamily="50" charset="0"/>
+            </a:endParaRPr>
+          </a:p>
+        </p:txBody>
+      </p:sp>
+      <p:pic>
+        <p:nvPicPr>
+          <p:cNvPr id="3" name="Immagine 2">
+            <a:extLst>
+              <a:ext uri="{FF2B5EF4-FFF2-40B4-BE49-F238E27FC236}">
+                <a16:creationId xmlns:a16="http://schemas.microsoft.com/office/drawing/2014/main" id="{BE7FA914-BE0F-40DA-ABDA-4F220218BD0D}"/>
+              </a:ext>
+            </a:extLst>
+          </p:cNvPr>
+          <p:cNvPicPr>
+            <a:picLocks noChangeAspect="1"/>
+          </p:cNvPicPr>
+          <p:nvPr/>
+        </p:nvPicPr>
+        <p:blipFill>
+          <a:blip r:embed="rId2">
+            <a:extLst>
+              <a:ext uri="{28A0092B-C50C-407E-A947-70E740481C1C}">
+                <a14:useLocalDpi xmlns:a14="http://schemas.microsoft.com/office/drawing/2010/main" val="0"/>
+              </a:ext>
+            </a:extLst>
+          </a:blip>
+          <a:srcRect l="6209" r="6209"/>
+          <a:stretch/>
+        </p:blipFill>
+        <p:spPr>
+          <a:xfrm>
+            <a:off x="6240463" y="2024062"/>
+            <a:ext cx="5951537" cy="4249737"/>
+          </a:xfrm>
+          <a:prstGeom prst="rect">
+            <a:avLst/>
+          </a:prstGeom>
+        </p:spPr>
+      </p:pic>
+      <p:cxnSp>
+        <p:nvCxnSpPr>
+          <p:cNvPr id="4" name="Connettore diritto 3">
+            <a:extLst>
+              <a:ext uri="{FF2B5EF4-FFF2-40B4-BE49-F238E27FC236}">
+                <a16:creationId xmlns:a16="http://schemas.microsoft.com/office/drawing/2014/main" id="{51FD34F7-E331-45F9-984B-6D3860116CA5}"/>
+              </a:ext>
+            </a:extLst>
+          </p:cNvPr>
+          <p:cNvCxnSpPr>
+            <a:cxnSpLocks/>
+          </p:cNvCxnSpPr>
+          <p:nvPr/>
+        </p:nvCxnSpPr>
+        <p:spPr>
+          <a:xfrm>
+            <a:off x="772998" y="1134050"/>
+            <a:ext cx="9504858" cy="0"/>
+          </a:xfrm>
+          <a:prstGeom prst="line">
+            <a:avLst/>
+          </a:prstGeom>
+          <a:ln w="38100">
+            <a:solidFill>
+              <a:schemeClr val="accent2"/>
+            </a:solidFill>
+          </a:ln>
+        </p:spPr>
+        <p:style>
+          <a:lnRef idx="3">
+            <a:schemeClr val="accent2"/>
+          </a:lnRef>
+          <a:fillRef idx="0">
+            <a:schemeClr val="accent2"/>
+          </a:fillRef>
+          <a:effectRef idx="2">
+            <a:schemeClr val="accent2"/>
+          </a:effectRef>
+          <a:fontRef idx="minor">
+            <a:schemeClr val="tx1"/>
+          </a:fontRef>
+        </p:style>
+      </p:cxnSp>
+    </p:spTree>
+    <p:extLst>
+      <p:ext uri="{BB962C8B-B14F-4D97-AF65-F5344CB8AC3E}">
+        <p14:creationId xmlns:p14="http://schemas.microsoft.com/office/powerpoint/2010/main" val="2204845249"/>
+      </p:ext>
+    </p:extLst>
+  </p:cSld>
+  <p:clrMapOvr>
+    <a:masterClrMapping/>
+  </p:clrMapOvr>
+</p:sld>
+</file>
+
 <file path=ppt/slides/slide2.xml><?xml version="1.0" encoding="utf-8"?>
 <p:sld xmlns:a="http://schemas.openxmlformats.org/drawingml/2006/main" xmlns:r="http://schemas.openxmlformats.org/officeDocument/2006/relationships" xmlns:p="http://schemas.openxmlformats.org/presentationml/2006/main">
   <p:cSld>
@@ -4706,14 +5503,6 @@
           <a:lstStyle/>
           <a:p>
             <a:r>
-              <a:rPr lang="it-IT" sz="2800" dirty="0">
-                <a:latin typeface="Lato Black" panose="020F0502020204030203" pitchFamily="34" charset="0"/>
-                <a:ea typeface="Lato Black" panose="020F0502020204030203" pitchFamily="34" charset="0"/>
-                <a:cs typeface="Lato Black" panose="020F0502020204030203" pitchFamily="34" charset="0"/>
-              </a:rPr>
-              <a:t>/ </a:t>
-            </a:r>
-            <a:r>
               <a:rPr lang="it-IT" sz="3200" dirty="0">
                 <a:latin typeface="Lato Black" panose="020F0502020204030203" pitchFamily="34" charset="0"/>
                 <a:ea typeface="Lato Black" panose="020F0502020204030203" pitchFamily="34" charset="0"/>
@@ -5244,7 +6033,7 @@
         <p:spPr>
           <a:xfrm>
             <a:off x="772998" y="1134050"/>
-            <a:ext cx="2029837" cy="0"/>
+            <a:ext cx="1762938" cy="0"/>
           </a:xfrm>
           <a:prstGeom prst="line">
             <a:avLst/>
@@ -5952,14 +6741,6 @@
           <a:lstStyle/>
           <a:p>
             <a:r>
-              <a:rPr lang="it-IT" sz="2800" dirty="0">
-                <a:latin typeface="Lato Black" panose="020F0502020204030203" pitchFamily="34" charset="0"/>
-                <a:ea typeface="Lato Black" panose="020F0502020204030203" pitchFamily="34" charset="0"/>
-                <a:cs typeface="Lato Black" panose="020F0502020204030203" pitchFamily="34" charset="0"/>
-              </a:rPr>
-              <a:t>/ </a:t>
-            </a:r>
-            <a:r>
               <a:rPr lang="it-IT" sz="3200" dirty="0">
                 <a:latin typeface="Lato Black" panose="020F0502020204030203" pitchFamily="34" charset="0"/>
                 <a:ea typeface="Lato Black" panose="020F0502020204030203" pitchFamily="34" charset="0"/>
@@ -6197,7 +6978,7 @@
         <p:spPr>
           <a:xfrm>
             <a:off x="772998" y="1134050"/>
-            <a:ext cx="2238426" cy="0"/>
+            <a:ext cx="1921434" cy="0"/>
           </a:xfrm>
           <a:prstGeom prst="line">
             <a:avLst/>
@@ -6477,23 +7258,6 @@
               <a:defRPr/>
             </a:pPr>
             <a:r>
-              <a:rPr kumimoji="0" lang="it-IT" sz="2800" b="0" i="0" u="none" strike="noStrike" kern="1200" cap="none" spc="0" normalizeH="0" baseline="0" noProof="0" dirty="0">
-                <a:ln>
-                  <a:noFill/>
-                </a:ln>
-                <a:solidFill>
-                  <a:prstClr val="black"/>
-                </a:solidFill>
-                <a:effectLst/>
-                <a:uLnTx/>
-                <a:uFillTx/>
-                <a:latin typeface="Lato Black" panose="020F0502020204030203" pitchFamily="34" charset="0"/>
-                <a:ea typeface="Lato Black" panose="020F0502020204030203" pitchFamily="34" charset="0"/>
-                <a:cs typeface="Lato Black" panose="020F0502020204030203" pitchFamily="34" charset="0"/>
-              </a:rPr>
-              <a:t>/ </a:t>
-            </a:r>
-            <a:r>
               <a:rPr kumimoji="0" lang="it-IT" sz="3200" b="0" i="0" u="none" strike="noStrike" kern="1200" cap="none" spc="0" normalizeH="0" baseline="0" noProof="0" dirty="0">
                 <a:ln>
                   <a:noFill/>
@@ -6899,7 +7663,7 @@
         <p:spPr>
           <a:xfrm>
             <a:off x="772998" y="1134050"/>
-            <a:ext cx="3012193" cy="0"/>
+            <a:ext cx="2726106" cy="0"/>
           </a:xfrm>
           <a:prstGeom prst="line">
             <a:avLst/>
@@ -7137,6 +7901,986 @@
                 <a:ea typeface="Lato Black" panose="020F0502020204030203" pitchFamily="34" charset="0"/>
                 <a:cs typeface="Lato Black" panose="020F0502020204030203" pitchFamily="34" charset="0"/>
               </a:rPr>
+              <a:t>Non </a:t>
+            </a:r>
+            <a:r>
+              <a:rPr lang="it-IT" sz="3200" dirty="0" err="1">
+                <a:latin typeface="Lato Black" panose="020F0502020204030203" pitchFamily="34" charset="0"/>
+                <a:ea typeface="Lato Black" panose="020F0502020204030203" pitchFamily="34" charset="0"/>
+                <a:cs typeface="Lato Black" panose="020F0502020204030203" pitchFamily="34" charset="0"/>
+              </a:rPr>
+              <a:t>Users</a:t>
+            </a:r>
+            <a:endParaRPr lang="it-IT" sz="3200" dirty="0">
+              <a:latin typeface="Lato Black" panose="020F0502020204030203" pitchFamily="34" charset="0"/>
+              <a:ea typeface="Lato Black" panose="020F0502020204030203" pitchFamily="34" charset="0"/>
+              <a:cs typeface="Lato Black" panose="020F0502020204030203" pitchFamily="34" charset="0"/>
+            </a:endParaRPr>
+          </a:p>
+        </p:txBody>
+      </p:sp>
+      <p:sp>
+        <p:nvSpPr>
+          <p:cNvPr id="6" name="CasellaDiTesto 5">
+            <a:extLst>
+              <a:ext uri="{FF2B5EF4-FFF2-40B4-BE49-F238E27FC236}">
+                <a16:creationId xmlns:a16="http://schemas.microsoft.com/office/drawing/2014/main" id="{D13A722D-E148-4971-82F3-1C191AFD95ED}"/>
+              </a:ext>
+            </a:extLst>
+          </p:cNvPr>
+          <p:cNvSpPr txBox="1"/>
+          <p:nvPr/>
+        </p:nvSpPr>
+        <p:spPr>
+          <a:xfrm>
+            <a:off x="704847" y="2024062"/>
+            <a:ext cx="4973053" cy="3631763"/>
+          </a:xfrm>
+          <a:prstGeom prst="rect">
+            <a:avLst/>
+          </a:prstGeom>
+          <a:noFill/>
+        </p:spPr>
+        <p:txBody>
+          <a:bodyPr wrap="square" rtlCol="0">
+            <a:spAutoFit/>
+          </a:bodyPr>
+          <a:lstStyle/>
+          <a:p>
+            <a:pPr marL="285750" indent="-285750">
+              <a:spcAft>
+                <a:spcPts val="1200"/>
+              </a:spcAft>
+              <a:buFont typeface="Wingdings" panose="05000000000000000000" pitchFamily="2" charset="2"/>
+              <a:buChar char="q"/>
+            </a:pPr>
+            <a:r>
+              <a:rPr lang="it-IT" sz="1400" dirty="0">
+                <a:latin typeface="Poppins Medium" panose="00000600000000000000" pitchFamily="50" charset="0"/>
+                <a:cs typeface="Poppins Medium" panose="00000600000000000000" pitchFamily="50" charset="0"/>
+              </a:rPr>
+              <a:t>Sentimento di incompetenza</a:t>
+            </a:r>
+            <a:r>
+              <a:rPr lang="it-IT" sz="1400" dirty="0">
+                <a:latin typeface="Poppins SemiBold" panose="00000700000000000000" pitchFamily="50" charset="0"/>
+                <a:cs typeface="Poppins SemiBold" panose="00000700000000000000" pitchFamily="50" charset="0"/>
+              </a:rPr>
+              <a:t>:</a:t>
+            </a:r>
+          </a:p>
+          <a:p>
+            <a:pPr marL="742950" lvl="1" indent="-285750">
+              <a:spcAft>
+                <a:spcPts val="1200"/>
+              </a:spcAft>
+              <a:buFont typeface="Arial" panose="020B0604020202020204" pitchFamily="34" charset="0"/>
+              <a:buChar char="•"/>
+            </a:pPr>
+            <a:r>
+              <a:rPr lang="it-IT" sz="1400" dirty="0">
+                <a:latin typeface="Poppins Light" panose="00000400000000000000" pitchFamily="50" charset="0"/>
+                <a:cs typeface="Poppins Light" panose="00000400000000000000" pitchFamily="50" charset="0"/>
+              </a:rPr>
+              <a:t>Non comprensione dei rischi  </a:t>
+            </a:r>
+          </a:p>
+          <a:p>
+            <a:pPr marL="742950" lvl="1" indent="-285750">
+              <a:spcAft>
+                <a:spcPts val="1200"/>
+              </a:spcAft>
+              <a:buFont typeface="Arial" panose="020B0604020202020204" pitchFamily="34" charset="0"/>
+              <a:buChar char="•"/>
+            </a:pPr>
+            <a:r>
+              <a:rPr lang="it-IT" sz="1400" dirty="0">
+                <a:latin typeface="Poppins Light" panose="00000400000000000000" pitchFamily="50" charset="0"/>
+                <a:cs typeface="Poppins Light" panose="00000400000000000000" pitchFamily="50" charset="0"/>
+              </a:rPr>
+              <a:t>Ansia di non padroneggiare gli strumenti</a:t>
+            </a:r>
+          </a:p>
+          <a:p>
+            <a:pPr lvl="1">
+              <a:spcAft>
+                <a:spcPts val="1200"/>
+              </a:spcAft>
+            </a:pPr>
+            <a:r>
+              <a:rPr lang="it-IT" sz="1400" dirty="0">
+                <a:latin typeface="Poppins Light" panose="00000400000000000000" pitchFamily="50" charset="0"/>
+                <a:cs typeface="Poppins Light" panose="00000400000000000000" pitchFamily="50" charset="0"/>
+                <a:sym typeface="Wingdings" pitchFamily="2" charset="2"/>
+              </a:rPr>
+              <a:t> Responsabilità degli errori</a:t>
+            </a:r>
+            <a:endParaRPr lang="it-IT" sz="1400" dirty="0">
+              <a:latin typeface="Poppins Light" panose="00000400000000000000" pitchFamily="50" charset="0"/>
+              <a:cs typeface="Poppins Light" panose="00000400000000000000" pitchFamily="50" charset="0"/>
+            </a:endParaRPr>
+          </a:p>
+          <a:p>
+            <a:pPr marL="285750" indent="-285750">
+              <a:spcAft>
+                <a:spcPts val="1200"/>
+              </a:spcAft>
+              <a:buFont typeface="Wingdings" panose="05000000000000000000" pitchFamily="2" charset="2"/>
+              <a:buChar char="q"/>
+            </a:pPr>
+            <a:r>
+              <a:rPr lang="it-IT" sz="1400" dirty="0">
+                <a:latin typeface="Poppins Medium" panose="00000600000000000000" pitchFamily="50" charset="0"/>
+                <a:cs typeface="Poppins Medium" panose="00000600000000000000" pitchFamily="50" charset="0"/>
+              </a:rPr>
+              <a:t>Minaccia per alcune attività</a:t>
+            </a:r>
+            <a:r>
+              <a:rPr lang="it-IT" sz="1400" dirty="0">
+                <a:latin typeface="Poppins SemiBold" panose="00000700000000000000" pitchFamily="50" charset="0"/>
+                <a:cs typeface="Poppins SemiBold" panose="00000700000000000000" pitchFamily="50" charset="0"/>
+              </a:rPr>
+              <a:t>:</a:t>
+            </a:r>
+          </a:p>
+          <a:p>
+            <a:pPr marL="742950" lvl="1" indent="-285750">
+              <a:spcAft>
+                <a:spcPts val="1200"/>
+              </a:spcAft>
+              <a:buFont typeface="Arial" panose="020B0604020202020204" pitchFamily="34" charset="0"/>
+              <a:buChar char="•"/>
+            </a:pPr>
+            <a:r>
+              <a:rPr lang="it-IT" sz="1400" dirty="0">
+                <a:latin typeface="Poppins Light" panose="00000400000000000000" pitchFamily="50" charset="0"/>
+                <a:cs typeface="Poppins Light" panose="00000400000000000000" pitchFamily="50" charset="0"/>
+              </a:rPr>
+              <a:t>Disoccupazione</a:t>
+            </a:r>
+          </a:p>
+          <a:p>
+            <a:pPr marL="742950" lvl="1" indent="-285750">
+              <a:spcAft>
+                <a:spcPts val="1200"/>
+              </a:spcAft>
+              <a:buFont typeface="Arial" panose="020B0604020202020204" pitchFamily="34" charset="0"/>
+              <a:buChar char="•"/>
+            </a:pPr>
+            <a:r>
+              <a:rPr lang="it-IT" sz="1400" dirty="0">
+                <a:latin typeface="Poppins Light" panose="00000400000000000000" pitchFamily="50" charset="0"/>
+                <a:cs typeface="Poppins Light" panose="00000400000000000000" pitchFamily="50" charset="0"/>
+              </a:rPr>
+              <a:t>Chiusura attività e aree di socializzazione</a:t>
+            </a:r>
+          </a:p>
+          <a:p>
+            <a:pPr marL="285750" indent="-285750">
+              <a:spcAft>
+                <a:spcPts val="1200"/>
+              </a:spcAft>
+              <a:buFont typeface="Wingdings" panose="05000000000000000000" pitchFamily="2" charset="2"/>
+              <a:buChar char="q"/>
+            </a:pPr>
+            <a:r>
+              <a:rPr lang="it-IT" sz="1400" dirty="0">
+                <a:latin typeface="Poppins Medium" panose="00000600000000000000" pitchFamily="50" charset="0"/>
+                <a:cs typeface="Poppins Medium" panose="00000600000000000000" pitchFamily="50" charset="0"/>
+              </a:rPr>
+              <a:t>Aspettativa culturale</a:t>
+            </a:r>
+            <a:r>
+              <a:rPr lang="it-IT" sz="1400" dirty="0">
+                <a:latin typeface="Poppins SemiBold" panose="00000700000000000000" pitchFamily="50" charset="0"/>
+                <a:cs typeface="Poppins SemiBold" panose="00000700000000000000" pitchFamily="50" charset="0"/>
+              </a:rPr>
+              <a:t>:</a:t>
+            </a:r>
+          </a:p>
+          <a:p>
+            <a:pPr marL="742950" lvl="1" indent="-285750">
+              <a:spcAft>
+                <a:spcPts val="1200"/>
+              </a:spcAft>
+              <a:buFont typeface="Arial" panose="020B0604020202020204" pitchFamily="34" charset="0"/>
+              <a:buChar char="•"/>
+            </a:pPr>
+            <a:r>
+              <a:rPr lang="it-IT" sz="1400" dirty="0">
+                <a:latin typeface="Poppins Light" panose="00000400000000000000" pitchFamily="50" charset="0"/>
+                <a:cs typeface="Poppins Light" panose="00000400000000000000" pitchFamily="50" charset="0"/>
+              </a:rPr>
+              <a:t>Essere scoraggiati e disincentivati </a:t>
+            </a:r>
+          </a:p>
+          <a:p>
+            <a:pPr marL="742950" lvl="1" indent="-285750">
+              <a:spcAft>
+                <a:spcPts val="1200"/>
+              </a:spcAft>
+              <a:buFont typeface="Arial" panose="020B0604020202020204" pitchFamily="34" charset="0"/>
+              <a:buChar char="•"/>
+            </a:pPr>
+            <a:endParaRPr lang="it-IT" sz="1400" dirty="0">
+              <a:latin typeface="Poppins Light" panose="00000400000000000000" pitchFamily="50" charset="0"/>
+              <a:cs typeface="Poppins Light" panose="00000400000000000000" pitchFamily="50" charset="0"/>
+            </a:endParaRPr>
+          </a:p>
+        </p:txBody>
+      </p:sp>
+      <p:cxnSp>
+        <p:nvCxnSpPr>
+          <p:cNvPr id="4" name="Connettore diritto 3">
+            <a:extLst>
+              <a:ext uri="{FF2B5EF4-FFF2-40B4-BE49-F238E27FC236}">
+                <a16:creationId xmlns:a16="http://schemas.microsoft.com/office/drawing/2014/main" id="{51FD34F7-E331-45F9-984B-6D3860116CA5}"/>
+              </a:ext>
+            </a:extLst>
+          </p:cNvPr>
+          <p:cNvCxnSpPr>
+            <a:cxnSpLocks/>
+          </p:cNvCxnSpPr>
+          <p:nvPr/>
+        </p:nvCxnSpPr>
+        <p:spPr>
+          <a:xfrm>
+            <a:off x="772998" y="1134050"/>
+            <a:ext cx="1916414" cy="0"/>
+          </a:xfrm>
+          <a:prstGeom prst="line">
+            <a:avLst/>
+          </a:prstGeom>
+          <a:ln w="38100">
+            <a:solidFill>
+              <a:schemeClr val="accent2"/>
+            </a:solidFill>
+          </a:ln>
+        </p:spPr>
+        <p:style>
+          <a:lnRef idx="3">
+            <a:schemeClr val="accent2"/>
+          </a:lnRef>
+          <a:fillRef idx="0">
+            <a:schemeClr val="accent2"/>
+          </a:fillRef>
+          <a:effectRef idx="2">
+            <a:schemeClr val="accent2"/>
+          </a:effectRef>
+          <a:fontRef idx="minor">
+            <a:schemeClr val="tx1"/>
+          </a:fontRef>
+        </p:style>
+      </p:cxnSp>
+      <p:sp>
+        <p:nvSpPr>
+          <p:cNvPr id="13" name="CasellaDiTesto 12">
+            <a:extLst>
+              <a:ext uri="{FF2B5EF4-FFF2-40B4-BE49-F238E27FC236}">
+                <a16:creationId xmlns:a16="http://schemas.microsoft.com/office/drawing/2014/main" id="{F4B9D0A8-CBB1-AE45-A648-B023F64C959C}"/>
+              </a:ext>
+            </a:extLst>
+          </p:cNvPr>
+          <p:cNvSpPr txBox="1"/>
+          <p:nvPr/>
+        </p:nvSpPr>
+        <p:spPr>
+          <a:xfrm>
+            <a:off x="5084594" y="549274"/>
+            <a:ext cx="4656222" cy="584775"/>
+          </a:xfrm>
+          <a:prstGeom prst="rect">
+            <a:avLst/>
+          </a:prstGeom>
+          <a:noFill/>
+        </p:spPr>
+        <p:txBody>
+          <a:bodyPr wrap="square">
+            <a:spAutoFit/>
+          </a:bodyPr>
+          <a:lstStyle/>
+          <a:p>
+            <a:pPr marL="0" marR="0" lvl="0" indent="0" algn="r" defTabSz="914400" rtl="0" eaLnBrk="1" fontAlgn="auto" latinLnBrk="0" hangingPunct="1">
+              <a:lnSpc>
+                <a:spcPct val="100000"/>
+              </a:lnSpc>
+              <a:spcBef>
+                <a:spcPts val="0"/>
+              </a:spcBef>
+              <a:spcAft>
+                <a:spcPts val="0"/>
+              </a:spcAft>
+              <a:buClrTx/>
+              <a:buSzTx/>
+              <a:buFontTx/>
+              <a:buNone/>
+              <a:tabLst/>
+              <a:defRPr/>
+            </a:pPr>
+            <a:r>
+              <a:rPr kumimoji="0" lang="it-IT" sz="3200" b="0" i="0" u="none" strike="noStrike" kern="1200" cap="none" spc="0" normalizeH="0" baseline="0" noProof="0" dirty="0">
+                <a:ln>
+                  <a:noFill/>
+                </a:ln>
+                <a:solidFill>
+                  <a:prstClr val="black"/>
+                </a:solidFill>
+                <a:effectLst/>
+                <a:uLnTx/>
+                <a:uFillTx/>
+                <a:latin typeface="Lato Black" panose="020F0502020204030203" pitchFamily="34" charset="0"/>
+                <a:ea typeface="Lato Black" panose="020F0502020204030203" pitchFamily="34" charset="0"/>
+                <a:cs typeface="Lato Black" panose="020F0502020204030203" pitchFamily="34" charset="0"/>
+              </a:rPr>
+              <a:t>Digital </a:t>
+            </a:r>
+            <a:r>
+              <a:rPr kumimoji="0" lang="it-IT" sz="3200" b="0" i="0" u="none" strike="noStrike" kern="1200" cap="none" spc="0" normalizeH="0" baseline="0" noProof="0" dirty="0" err="1">
+                <a:ln>
+                  <a:noFill/>
+                </a:ln>
+                <a:solidFill>
+                  <a:prstClr val="black"/>
+                </a:solidFill>
+                <a:effectLst/>
+                <a:uLnTx/>
+                <a:uFillTx/>
+                <a:latin typeface="Lato Black" panose="020F0502020204030203" pitchFamily="34" charset="0"/>
+                <a:ea typeface="Lato Black" panose="020F0502020204030203" pitchFamily="34" charset="0"/>
+                <a:cs typeface="Lato Black" panose="020F0502020204030203" pitchFamily="34" charset="0"/>
+              </a:rPr>
+              <a:t>Natives</a:t>
+            </a:r>
+            <a:endParaRPr kumimoji="0" lang="it-IT" sz="3200" b="0" i="0" u="none" strike="noStrike" kern="1200" cap="none" spc="0" normalizeH="0" baseline="0" noProof="0" dirty="0">
+              <a:ln>
+                <a:noFill/>
+              </a:ln>
+              <a:solidFill>
+                <a:prstClr val="black"/>
+              </a:solidFill>
+              <a:effectLst/>
+              <a:uLnTx/>
+              <a:uFillTx/>
+              <a:latin typeface="Lato Black" panose="020F0502020204030203" pitchFamily="34" charset="0"/>
+              <a:ea typeface="Lato Black" panose="020F0502020204030203" pitchFamily="34" charset="0"/>
+              <a:cs typeface="Lato Black" panose="020F0502020204030203" pitchFamily="34" charset="0"/>
+            </a:endParaRPr>
+          </a:p>
+        </p:txBody>
+      </p:sp>
+      <p:cxnSp>
+        <p:nvCxnSpPr>
+          <p:cNvPr id="14" name="Connettore diritto 3">
+            <a:extLst>
+              <a:ext uri="{FF2B5EF4-FFF2-40B4-BE49-F238E27FC236}">
+                <a16:creationId xmlns:a16="http://schemas.microsoft.com/office/drawing/2014/main" id="{48BE3404-9FF5-1640-94CA-CFB87AE66AA7}"/>
+              </a:ext>
+            </a:extLst>
+          </p:cNvPr>
+          <p:cNvCxnSpPr>
+            <a:cxnSpLocks/>
+          </p:cNvCxnSpPr>
+          <p:nvPr/>
+        </p:nvCxnSpPr>
+        <p:spPr>
+          <a:xfrm>
+            <a:off x="6962359" y="1134049"/>
+            <a:ext cx="2763536" cy="0"/>
+          </a:xfrm>
+          <a:prstGeom prst="line">
+            <a:avLst/>
+          </a:prstGeom>
+          <a:ln w="38100">
+            <a:solidFill>
+              <a:schemeClr val="accent2"/>
+            </a:solidFill>
+          </a:ln>
+        </p:spPr>
+        <p:style>
+          <a:lnRef idx="3">
+            <a:schemeClr val="accent2"/>
+          </a:lnRef>
+          <a:fillRef idx="0">
+            <a:schemeClr val="accent2"/>
+          </a:fillRef>
+          <a:effectRef idx="2">
+            <a:schemeClr val="accent2"/>
+          </a:effectRef>
+          <a:fontRef idx="minor">
+            <a:schemeClr val="tx1"/>
+          </a:fontRef>
+        </p:style>
+      </p:cxnSp>
+      <p:sp>
+        <p:nvSpPr>
+          <p:cNvPr id="17" name="CasellaDiTesto 16">
+            <a:extLst>
+              <a:ext uri="{FF2B5EF4-FFF2-40B4-BE49-F238E27FC236}">
+                <a16:creationId xmlns:a16="http://schemas.microsoft.com/office/drawing/2014/main" id="{C288D0CD-0A52-0647-9429-A8F5E036D8D1}"/>
+              </a:ext>
+            </a:extLst>
+          </p:cNvPr>
+          <p:cNvSpPr txBox="1"/>
+          <p:nvPr/>
+        </p:nvSpPr>
+        <p:spPr>
+          <a:xfrm>
+            <a:off x="6962359" y="2024062"/>
+            <a:ext cx="4656222" cy="1631216"/>
+          </a:xfrm>
+          <a:prstGeom prst="rect">
+            <a:avLst/>
+          </a:prstGeom>
+          <a:noFill/>
+        </p:spPr>
+        <p:txBody>
+          <a:bodyPr wrap="square">
+            <a:spAutoFit/>
+          </a:bodyPr>
+          <a:lstStyle/>
+          <a:p>
+            <a:pPr marL="285750" marR="0" lvl="0" indent="-285750" defTabSz="914400" rtl="0" eaLnBrk="1" fontAlgn="auto" latinLnBrk="0" hangingPunct="1">
+              <a:lnSpc>
+                <a:spcPct val="100000"/>
+              </a:lnSpc>
+              <a:spcBef>
+                <a:spcPts val="0"/>
+              </a:spcBef>
+              <a:spcAft>
+                <a:spcPts val="1200"/>
+              </a:spcAft>
+              <a:buClrTx/>
+              <a:buSzTx/>
+              <a:buFont typeface="Wingdings" panose="05000000000000000000" pitchFamily="2" charset="2"/>
+              <a:buChar char="q"/>
+              <a:tabLst/>
+              <a:defRPr/>
+            </a:pPr>
+            <a:r>
+              <a:rPr kumimoji="0" lang="it-IT" sz="1400" b="0" i="0" u="none" strike="noStrike" kern="1200" cap="none" spc="0" normalizeH="0" baseline="0" noProof="0" dirty="0">
+                <a:ln>
+                  <a:noFill/>
+                </a:ln>
+                <a:solidFill>
+                  <a:prstClr val="black"/>
+                </a:solidFill>
+                <a:effectLst/>
+                <a:uLnTx/>
+                <a:uFillTx/>
+                <a:latin typeface="Poppins Medium" panose="00000600000000000000" pitchFamily="50" charset="0"/>
+                <a:ea typeface="+mn-ea"/>
+                <a:cs typeface="Poppins Medium" panose="00000600000000000000" pitchFamily="50" charset="0"/>
+              </a:rPr>
+              <a:t>Percezione distorta delle competenze:</a:t>
+            </a:r>
+          </a:p>
+          <a:p>
+            <a:pPr marL="742950" marR="0" lvl="1" indent="-285750" defTabSz="914400" rtl="0" eaLnBrk="1" fontAlgn="auto" latinLnBrk="0" hangingPunct="1">
+              <a:lnSpc>
+                <a:spcPct val="100000"/>
+              </a:lnSpc>
+              <a:spcBef>
+                <a:spcPts val="0"/>
+              </a:spcBef>
+              <a:spcAft>
+                <a:spcPts val="1200"/>
+              </a:spcAft>
+              <a:buClrTx/>
+              <a:buSzTx/>
+              <a:buFont typeface="Arial" panose="020B0604020202020204" pitchFamily="34" charset="0"/>
+              <a:buChar char="•"/>
+              <a:tabLst/>
+              <a:defRPr/>
+            </a:pPr>
+            <a:r>
+              <a:rPr kumimoji="0" lang="it-IT" sz="1400" b="0" i="0" u="none" strike="noStrike" kern="1200" cap="none" spc="0" normalizeH="0" baseline="0" noProof="0" dirty="0">
+                <a:ln>
+                  <a:noFill/>
+                </a:ln>
+                <a:solidFill>
+                  <a:prstClr val="black"/>
+                </a:solidFill>
+                <a:effectLst/>
+                <a:uLnTx/>
+                <a:uFillTx/>
+                <a:latin typeface="Poppins Light" panose="00000400000000000000" pitchFamily="50" charset="0"/>
+                <a:ea typeface="+mn-ea"/>
+                <a:cs typeface="Poppins Light" panose="00000400000000000000" pitchFamily="50" charset="0"/>
+              </a:rPr>
+              <a:t>Conoscenze professionali VS abilità per stile di vita</a:t>
+            </a:r>
+          </a:p>
+          <a:p>
+            <a:pPr marL="285750" marR="0" lvl="0" indent="-285750" defTabSz="914400" rtl="0" eaLnBrk="1" fontAlgn="auto" latinLnBrk="0" hangingPunct="1">
+              <a:lnSpc>
+                <a:spcPct val="100000"/>
+              </a:lnSpc>
+              <a:spcBef>
+                <a:spcPts val="0"/>
+              </a:spcBef>
+              <a:spcAft>
+                <a:spcPts val="1200"/>
+              </a:spcAft>
+              <a:buClrTx/>
+              <a:buSzTx/>
+              <a:buFont typeface="Wingdings" panose="05000000000000000000" pitchFamily="2" charset="2"/>
+              <a:buChar char="q"/>
+              <a:tabLst/>
+              <a:defRPr/>
+            </a:pPr>
+            <a:r>
+              <a:rPr kumimoji="0" lang="it-IT" sz="1400" b="0" i="0" u="none" strike="noStrike" kern="1200" cap="none" spc="0" normalizeH="0" baseline="0" noProof="0" dirty="0">
+                <a:ln>
+                  <a:noFill/>
+                </a:ln>
+                <a:solidFill>
+                  <a:prstClr val="black"/>
+                </a:solidFill>
+                <a:effectLst/>
+                <a:uLnTx/>
+                <a:uFillTx/>
+                <a:latin typeface="Poppins Medium" panose="00000600000000000000" pitchFamily="50" charset="0"/>
+                <a:ea typeface="+mn-ea"/>
+                <a:cs typeface="Poppins Medium" panose="00000600000000000000" pitchFamily="50" charset="0"/>
+              </a:rPr>
+              <a:t>Modalità di apprendimento</a:t>
+            </a:r>
+            <a:r>
+              <a:rPr kumimoji="0" lang="it-IT" sz="1400" b="0" i="0" u="none" strike="noStrike" kern="1200" cap="none" spc="0" normalizeH="0" baseline="0" noProof="0" dirty="0">
+                <a:ln>
+                  <a:noFill/>
+                </a:ln>
+                <a:solidFill>
+                  <a:prstClr val="black"/>
+                </a:solidFill>
+                <a:effectLst/>
+                <a:uLnTx/>
+                <a:uFillTx/>
+                <a:latin typeface="Poppins SemiBold" panose="00000700000000000000" pitchFamily="50" charset="0"/>
+                <a:ea typeface="+mn-ea"/>
+                <a:cs typeface="Poppins SemiBold" panose="00000700000000000000" pitchFamily="50" charset="0"/>
+              </a:rPr>
+              <a:t>:</a:t>
+            </a:r>
+          </a:p>
+          <a:p>
+            <a:pPr marL="742950" marR="0" lvl="1" indent="-285750" defTabSz="914400" rtl="0" eaLnBrk="1" fontAlgn="auto" latinLnBrk="0" hangingPunct="1">
+              <a:lnSpc>
+                <a:spcPct val="100000"/>
+              </a:lnSpc>
+              <a:spcBef>
+                <a:spcPts val="0"/>
+              </a:spcBef>
+              <a:spcAft>
+                <a:spcPts val="1200"/>
+              </a:spcAft>
+              <a:buClrTx/>
+              <a:buSzTx/>
+              <a:buFont typeface="Arial" panose="020B0604020202020204" pitchFamily="34" charset="0"/>
+              <a:buChar char="•"/>
+              <a:tabLst/>
+              <a:defRPr/>
+            </a:pPr>
+            <a:r>
+              <a:rPr kumimoji="0" lang="it-IT" sz="1400" b="0" i="0" u="none" strike="noStrike" kern="1200" cap="none" spc="0" normalizeH="0" baseline="0" noProof="0" dirty="0">
+                <a:ln>
+                  <a:noFill/>
+                </a:ln>
+                <a:solidFill>
+                  <a:prstClr val="black"/>
+                </a:solidFill>
+                <a:effectLst/>
+                <a:uLnTx/>
+                <a:uFillTx/>
+                <a:latin typeface="Poppins Light" panose="00000400000000000000" pitchFamily="50" charset="0"/>
+                <a:ea typeface="+mn-ea"/>
+                <a:cs typeface="Poppins Light" panose="00000400000000000000" pitchFamily="50" charset="0"/>
+              </a:rPr>
+              <a:t>Digital </a:t>
+            </a:r>
+            <a:r>
+              <a:rPr kumimoji="0" lang="it-IT" sz="1400" b="0" i="0" u="none" strike="noStrike" kern="1200" cap="none" spc="0" normalizeH="0" baseline="0" noProof="0" dirty="0" err="1">
+                <a:ln>
+                  <a:noFill/>
+                </a:ln>
+                <a:solidFill>
+                  <a:prstClr val="black"/>
+                </a:solidFill>
+                <a:effectLst/>
+                <a:uLnTx/>
+                <a:uFillTx/>
+                <a:latin typeface="Poppins Light" panose="00000400000000000000" pitchFamily="50" charset="0"/>
+                <a:ea typeface="+mn-ea"/>
+                <a:cs typeface="Poppins Light" panose="00000400000000000000" pitchFamily="50" charset="0"/>
+              </a:rPr>
+              <a:t>Immigrants</a:t>
+            </a:r>
+            <a:endParaRPr kumimoji="0" lang="it-IT" sz="1400" b="0" i="0" u="none" strike="noStrike" kern="1200" cap="none" spc="0" normalizeH="0" baseline="0" noProof="0" dirty="0">
+              <a:ln>
+                <a:noFill/>
+              </a:ln>
+              <a:solidFill>
+                <a:prstClr val="black"/>
+              </a:solidFill>
+              <a:effectLst/>
+              <a:uLnTx/>
+              <a:uFillTx/>
+              <a:latin typeface="Poppins Light" panose="00000400000000000000" pitchFamily="50" charset="0"/>
+              <a:ea typeface="+mn-ea"/>
+              <a:cs typeface="Poppins Light" panose="00000400000000000000" pitchFamily="50" charset="0"/>
+            </a:endParaRPr>
+          </a:p>
+        </p:txBody>
+      </p:sp>
+    </p:spTree>
+    <p:extLst>
+      <p:ext uri="{BB962C8B-B14F-4D97-AF65-F5344CB8AC3E}">
+        <p14:creationId xmlns:p14="http://schemas.microsoft.com/office/powerpoint/2010/main" val="4208761393"/>
+      </p:ext>
+    </p:extLst>
+  </p:cSld>
+  <p:clrMapOvr>
+    <a:masterClrMapping/>
+  </p:clrMapOvr>
+</p:sld>
+</file>
+
+<file path=ppt/slides/slide7.xml><?xml version="1.0" encoding="utf-8"?>
+<p:sld xmlns:a="http://schemas.openxmlformats.org/drawingml/2006/main" xmlns:r="http://schemas.openxmlformats.org/officeDocument/2006/relationships" xmlns:p="http://schemas.openxmlformats.org/presentationml/2006/main">
+  <p:cSld>
+    <p:spTree>
+      <p:nvGrpSpPr>
+        <p:cNvPr id="1" name=""/>
+        <p:cNvGrpSpPr/>
+        <p:nvPr/>
+      </p:nvGrpSpPr>
+      <p:grpSpPr>
+        <a:xfrm>
+          <a:off x="0" y="0"/>
+          <a:ext cx="0" cy="0"/>
+          <a:chOff x="0" y="0"/>
+          <a:chExt cx="0" cy="0"/>
+        </a:xfrm>
+      </p:grpSpPr>
+      <p:sp>
+        <p:nvSpPr>
+          <p:cNvPr id="15" name="CasellaDiTesto 14">
+            <a:extLst>
+              <a:ext uri="{FF2B5EF4-FFF2-40B4-BE49-F238E27FC236}">
+                <a16:creationId xmlns:a16="http://schemas.microsoft.com/office/drawing/2014/main" id="{7FC9F1D1-60F3-3E43-BB33-0DA64DCB05B9}"/>
+              </a:ext>
+            </a:extLst>
+          </p:cNvPr>
+          <p:cNvSpPr txBox="1"/>
+          <p:nvPr/>
+        </p:nvSpPr>
+        <p:spPr>
+          <a:xfrm>
+            <a:off x="731838" y="549275"/>
+            <a:ext cx="6100762" cy="584775"/>
+          </a:xfrm>
+          <a:prstGeom prst="rect">
+            <a:avLst/>
+          </a:prstGeom>
+          <a:noFill/>
+        </p:spPr>
+        <p:txBody>
+          <a:bodyPr wrap="square">
+            <a:spAutoFit/>
+          </a:bodyPr>
+          <a:lstStyle/>
+          <a:p>
+            <a:pPr marL="0" marR="0" lvl="0" indent="0" algn="l" defTabSz="914400" rtl="0" eaLnBrk="1" fontAlgn="auto" latinLnBrk="0" hangingPunct="1">
+              <a:lnSpc>
+                <a:spcPct val="100000"/>
+              </a:lnSpc>
+              <a:spcBef>
+                <a:spcPts val="0"/>
+              </a:spcBef>
+              <a:spcAft>
+                <a:spcPts val="0"/>
+              </a:spcAft>
+              <a:buClrTx/>
+              <a:buSzTx/>
+              <a:buFontTx/>
+              <a:buNone/>
+              <a:tabLst/>
+              <a:defRPr/>
+            </a:pPr>
+            <a:r>
+              <a:rPr lang="it-IT" sz="3200" dirty="0">
+                <a:solidFill>
+                  <a:prstClr val="black"/>
+                </a:solidFill>
+                <a:latin typeface="Lato Black" panose="020F0502020204030203" pitchFamily="34" charset="0"/>
+                <a:ea typeface="Lato Black" panose="020F0502020204030203" pitchFamily="34" charset="0"/>
+                <a:cs typeface="Lato Black" panose="020F0502020204030203" pitchFamily="34" charset="0"/>
+              </a:rPr>
+              <a:t>Analisi delle risposte</a:t>
+            </a:r>
+            <a:endParaRPr kumimoji="0" lang="it-IT" sz="3200" b="0" i="0" u="none" strike="noStrike" kern="1200" cap="none" spc="0" normalizeH="0" baseline="0" noProof="0" dirty="0">
+              <a:ln>
+                <a:noFill/>
+              </a:ln>
+              <a:solidFill>
+                <a:prstClr val="black"/>
+              </a:solidFill>
+              <a:effectLst/>
+              <a:uLnTx/>
+              <a:uFillTx/>
+              <a:latin typeface="Lato Black" panose="020F0502020204030203" pitchFamily="34" charset="0"/>
+              <a:ea typeface="Lato Black" panose="020F0502020204030203" pitchFamily="34" charset="0"/>
+              <a:cs typeface="Lato Black" panose="020F0502020204030203" pitchFamily="34" charset="0"/>
+            </a:endParaRPr>
+          </a:p>
+        </p:txBody>
+      </p:sp>
+      <p:cxnSp>
+        <p:nvCxnSpPr>
+          <p:cNvPr id="16" name="Connettore diritto 3">
+            <a:extLst>
+              <a:ext uri="{FF2B5EF4-FFF2-40B4-BE49-F238E27FC236}">
+                <a16:creationId xmlns:a16="http://schemas.microsoft.com/office/drawing/2014/main" id="{1D0EB8C9-30B2-BE4C-8534-3FE5ED1D983E}"/>
+              </a:ext>
+            </a:extLst>
+          </p:cNvPr>
+          <p:cNvCxnSpPr>
+            <a:cxnSpLocks/>
+          </p:cNvCxnSpPr>
+          <p:nvPr/>
+        </p:nvCxnSpPr>
+        <p:spPr>
+          <a:xfrm>
+            <a:off x="801820" y="1113068"/>
+            <a:ext cx="3746117" cy="0"/>
+          </a:xfrm>
+          <a:prstGeom prst="line">
+            <a:avLst/>
+          </a:prstGeom>
+          <a:ln w="38100">
+            <a:solidFill>
+              <a:schemeClr val="accent2"/>
+            </a:solidFill>
+          </a:ln>
+        </p:spPr>
+        <p:style>
+          <a:lnRef idx="3">
+            <a:schemeClr val="accent2"/>
+          </a:lnRef>
+          <a:fillRef idx="0">
+            <a:schemeClr val="accent2"/>
+          </a:fillRef>
+          <a:effectRef idx="2">
+            <a:schemeClr val="accent2"/>
+          </a:effectRef>
+          <a:fontRef idx="minor">
+            <a:schemeClr val="tx1"/>
+          </a:fontRef>
+        </p:style>
+      </p:cxnSp>
+      <p:pic>
+        <p:nvPicPr>
+          <p:cNvPr id="1046" name="Picture 22" descr="Grafico delle risposte di Moduli. Titolo della domanda: Per cosa utilizzi principalmente lo smartphone?. Numero di risposte: 144 risposte.">
+            <a:extLst>
+              <a:ext uri="{FF2B5EF4-FFF2-40B4-BE49-F238E27FC236}">
+                <a16:creationId xmlns:a16="http://schemas.microsoft.com/office/drawing/2014/main" id="{F137AB22-2404-3845-93B0-FC1EEDB85631}"/>
+              </a:ext>
+            </a:extLst>
+          </p:cNvPr>
+          <p:cNvPicPr>
+            <a:picLocks noChangeAspect="1" noChangeArrowheads="1"/>
+          </p:cNvPicPr>
+          <p:nvPr/>
+        </p:nvPicPr>
+        <p:blipFill>
+          <a:blip r:embed="rId2">
+            <a:extLst>
+              <a:ext uri="{28A0092B-C50C-407E-A947-70E740481C1C}">
+                <a14:useLocalDpi xmlns:a14="http://schemas.microsoft.com/office/drawing/2010/main" val="0"/>
+              </a:ext>
+            </a:extLst>
+          </a:blip>
+          <a:srcRect/>
+          <a:stretch>
+            <a:fillRect/>
+          </a:stretch>
+        </p:blipFill>
+        <p:spPr bwMode="auto">
+          <a:xfrm>
+            <a:off x="533649" y="1134050"/>
+            <a:ext cx="6262687" cy="2977223"/>
+          </a:xfrm>
+          <a:prstGeom prst="rect">
+            <a:avLst/>
+          </a:prstGeom>
+          <a:noFill/>
+          <a:extLst>
+            <a:ext uri="{909E8E84-426E-40DD-AFC4-6F175D3DCCD1}">
+              <a14:hiddenFill xmlns:a14="http://schemas.microsoft.com/office/drawing/2010/main">
+                <a:solidFill>
+                  <a:srgbClr val="FFFFFF"/>
+                </a:solidFill>
+              </a14:hiddenFill>
+            </a:ext>
+          </a:extLst>
+        </p:spPr>
+      </p:pic>
+      <p:pic>
+        <p:nvPicPr>
+          <p:cNvPr id="1048" name="Picture 24" descr="Grafico delle risposte di Moduli. Titolo della domanda: Per cosa utilizzi principalmente il computer?. Numero di risposte: 142 risposte.">
+            <a:extLst>
+              <a:ext uri="{FF2B5EF4-FFF2-40B4-BE49-F238E27FC236}">
+                <a16:creationId xmlns:a16="http://schemas.microsoft.com/office/drawing/2014/main" id="{C911F4D2-39F2-D641-A9D7-D2A42864C961}"/>
+              </a:ext>
+            </a:extLst>
+          </p:cNvPr>
+          <p:cNvPicPr>
+            <a:picLocks noChangeAspect="1" noChangeArrowheads="1"/>
+          </p:cNvPicPr>
+          <p:nvPr/>
+        </p:nvPicPr>
+        <p:blipFill>
+          <a:blip r:embed="rId3">
+            <a:extLst>
+              <a:ext uri="{28A0092B-C50C-407E-A947-70E740481C1C}">
+                <a14:useLocalDpi xmlns:a14="http://schemas.microsoft.com/office/drawing/2010/main" val="0"/>
+              </a:ext>
+            </a:extLst>
+          </a:blip>
+          <a:srcRect/>
+          <a:stretch>
+            <a:fillRect/>
+          </a:stretch>
+        </p:blipFill>
+        <p:spPr bwMode="auto">
+          <a:xfrm>
+            <a:off x="533649" y="3863538"/>
+            <a:ext cx="6298950" cy="2994462"/>
+          </a:xfrm>
+          <a:prstGeom prst="rect">
+            <a:avLst/>
+          </a:prstGeom>
+          <a:noFill/>
+          <a:extLst>
+            <a:ext uri="{909E8E84-426E-40DD-AFC4-6F175D3DCCD1}">
+              <a14:hiddenFill xmlns:a14="http://schemas.microsoft.com/office/drawing/2010/main">
+                <a:solidFill>
+                  <a:srgbClr val="FFFFFF"/>
+                </a:solidFill>
+              </a14:hiddenFill>
+            </a:ext>
+          </a:extLst>
+        </p:spPr>
+      </p:pic>
+      <p:sp>
+        <p:nvSpPr>
+          <p:cNvPr id="5" name="AutoShape 8" descr="Grafico delle risposte di Moduli. Titolo della domanda: Primo dispositivo digitale utilizzato:. Numero di risposte: 143 risposte.">
+            <a:extLst>
+              <a:ext uri="{FF2B5EF4-FFF2-40B4-BE49-F238E27FC236}">
+                <a16:creationId xmlns:a16="http://schemas.microsoft.com/office/drawing/2014/main" id="{3A65B3D0-AB81-D749-8666-95D520885018}"/>
+              </a:ext>
+            </a:extLst>
+          </p:cNvPr>
+          <p:cNvSpPr>
+            <a:spLocks noChangeAspect="1" noChangeArrowheads="1"/>
+          </p:cNvSpPr>
+          <p:nvPr/>
+        </p:nvSpPr>
+        <p:spPr bwMode="auto">
+          <a:xfrm>
+            <a:off x="5943600" y="3276600"/>
+            <a:ext cx="304800" cy="304800"/>
+          </a:xfrm>
+          <a:prstGeom prst="rect">
+            <a:avLst/>
+          </a:prstGeom>
+          <a:noFill/>
+          <a:extLst>
+            <a:ext uri="{909E8E84-426E-40DD-AFC4-6F175D3DCCD1}">
+              <a14:hiddenFill xmlns:a14="http://schemas.microsoft.com/office/drawing/2010/main">
+                <a:solidFill>
+                  <a:srgbClr val="FFFFFF"/>
+                </a:solidFill>
+              </a14:hiddenFill>
+            </a:ext>
+          </a:extLst>
+        </p:spPr>
+        <p:txBody>
+          <a:bodyPr vert="horz" wrap="square" lIns="91440" tIns="45720" rIns="91440" bIns="45720" numCol="1" anchor="t" anchorCtr="0" compatLnSpc="1">
+            <a:prstTxWarp prst="textNoShape">
+              <a:avLst/>
+            </a:prstTxWarp>
+          </a:bodyPr>
+          <a:lstStyle/>
+          <a:p>
+            <a:endParaRPr lang="it-IT"/>
+          </a:p>
+        </p:txBody>
+      </p:sp>
+    </p:spTree>
+    <p:extLst>
+      <p:ext uri="{BB962C8B-B14F-4D97-AF65-F5344CB8AC3E}">
+        <p14:creationId xmlns:p14="http://schemas.microsoft.com/office/powerpoint/2010/main" val="3124619789"/>
+      </p:ext>
+    </p:extLst>
+  </p:cSld>
+  <p:clrMapOvr>
+    <a:masterClrMapping/>
+  </p:clrMapOvr>
+</p:sld>
+</file>
+
+<file path=ppt/slides/slide8.xml><?xml version="1.0" encoding="utf-8"?>
+<p:sld xmlns:a="http://schemas.openxmlformats.org/drawingml/2006/main" xmlns:r="http://schemas.openxmlformats.org/officeDocument/2006/relationships" xmlns:p="http://schemas.openxmlformats.org/presentationml/2006/main">
+  <p:cSld>
+    <p:spTree>
+      <p:nvGrpSpPr>
+        <p:cNvPr id="1" name=""/>
+        <p:cNvGrpSpPr/>
+        <p:nvPr/>
+      </p:nvGrpSpPr>
+      <p:grpSpPr>
+        <a:xfrm>
+          <a:off x="0" y="0"/>
+          <a:ext cx="0" cy="0"/>
+          <a:chOff x="0" y="0"/>
+          <a:chExt cx="0" cy="0"/>
+        </a:xfrm>
+      </p:grpSpPr>
+      <p:sp>
+        <p:nvSpPr>
+          <p:cNvPr id="5" name="CasellaDiTesto 4">
+            <a:extLst>
+              <a:ext uri="{FF2B5EF4-FFF2-40B4-BE49-F238E27FC236}">
+                <a16:creationId xmlns:a16="http://schemas.microsoft.com/office/drawing/2014/main" id="{89B91983-B758-4281-AC68-D9F7AB480AD9}"/>
+              </a:ext>
+            </a:extLst>
+          </p:cNvPr>
+          <p:cNvSpPr txBox="1"/>
+          <p:nvPr/>
+        </p:nvSpPr>
+        <p:spPr>
+          <a:xfrm>
+            <a:off x="704847" y="549275"/>
+            <a:ext cx="8020051" cy="584775"/>
+          </a:xfrm>
+          <a:prstGeom prst="rect">
+            <a:avLst/>
+          </a:prstGeom>
+          <a:noFill/>
+        </p:spPr>
+        <p:txBody>
+          <a:bodyPr wrap="square" rtlCol="0">
+            <a:spAutoFit/>
+          </a:bodyPr>
+          <a:lstStyle/>
+          <a:p>
+            <a:r>
+              <a:rPr lang="it-IT" sz="3200" dirty="0">
+                <a:latin typeface="Lato Black" panose="020F0502020204030203" pitchFamily="34" charset="0"/>
+                <a:ea typeface="Lato Black" panose="020F0502020204030203" pitchFamily="34" charset="0"/>
+                <a:cs typeface="Lato Black" panose="020F0502020204030203" pitchFamily="34" charset="0"/>
+              </a:rPr>
               <a:t>Uno sguardo al passato</a:t>
             </a:r>
           </a:p>
@@ -7532,7 +9276,7 @@
 </p:sld>
 </file>
 
-<file path=ppt/slides/slide7.xml><?xml version="1.0" encoding="utf-8"?>
+<file path=ppt/slides/slide9.xml><?xml version="1.0" encoding="utf-8"?>
 <p:sld xmlns:a="http://schemas.openxmlformats.org/drawingml/2006/main" xmlns:r="http://schemas.openxmlformats.org/officeDocument/2006/relationships" xmlns:p="http://schemas.openxmlformats.org/presentationml/2006/main">
   <p:cSld>
     <p:spTree>
@@ -7850,809 +9594,6 @@
     <p:extLst>
       <p:ext uri="{BB962C8B-B14F-4D97-AF65-F5344CB8AC3E}">
         <p14:creationId xmlns:p14="http://schemas.microsoft.com/office/powerpoint/2010/main" val="332526478"/>
-      </p:ext>
-    </p:extLst>
-  </p:cSld>
-  <p:clrMapOvr>
-    <a:masterClrMapping/>
-  </p:clrMapOvr>
-</p:sld>
-</file>
-
-<file path=ppt/slides/slide8.xml><?xml version="1.0" encoding="utf-8"?>
-<p:sld xmlns:a="http://schemas.openxmlformats.org/drawingml/2006/main" xmlns:r="http://schemas.openxmlformats.org/officeDocument/2006/relationships" xmlns:p="http://schemas.openxmlformats.org/presentationml/2006/main">
-  <p:cSld>
-    <p:spTree>
-      <p:nvGrpSpPr>
-        <p:cNvPr id="1" name=""/>
-        <p:cNvGrpSpPr/>
-        <p:nvPr/>
-      </p:nvGrpSpPr>
-      <p:grpSpPr>
-        <a:xfrm>
-          <a:off x="0" y="0"/>
-          <a:ext cx="0" cy="0"/>
-          <a:chOff x="0" y="0"/>
-          <a:chExt cx="0" cy="0"/>
-        </a:xfrm>
-      </p:grpSpPr>
-      <p:sp>
-        <p:nvSpPr>
-          <p:cNvPr id="5" name="CasellaDiTesto 4">
-            <a:extLst>
-              <a:ext uri="{FF2B5EF4-FFF2-40B4-BE49-F238E27FC236}">
-                <a16:creationId xmlns:a16="http://schemas.microsoft.com/office/drawing/2014/main" id="{89B91983-B758-4281-AC68-D9F7AB480AD9}"/>
-              </a:ext>
-            </a:extLst>
-          </p:cNvPr>
-          <p:cNvSpPr txBox="1"/>
-          <p:nvPr/>
-        </p:nvSpPr>
-        <p:spPr>
-          <a:xfrm>
-            <a:off x="704849" y="549275"/>
-            <a:ext cx="8020051" cy="584775"/>
-          </a:xfrm>
-          <a:prstGeom prst="rect">
-            <a:avLst/>
-          </a:prstGeom>
-          <a:noFill/>
-        </p:spPr>
-        <p:txBody>
-          <a:bodyPr wrap="square" rtlCol="0">
-            <a:spAutoFit/>
-          </a:bodyPr>
-          <a:lstStyle/>
-          <a:p>
-            <a:r>
-              <a:rPr lang="it-IT" sz="2800" dirty="0">
-                <a:latin typeface="Lato Black" panose="020F0502020204030203" pitchFamily="34" charset="0"/>
-                <a:ea typeface="Lato Black" panose="020F0502020204030203" pitchFamily="34" charset="0"/>
-                <a:cs typeface="Lato Black" panose="020F0502020204030203" pitchFamily="34" charset="0"/>
-              </a:rPr>
-              <a:t>/ </a:t>
-            </a:r>
-            <a:r>
-              <a:rPr lang="it-IT" sz="3200" dirty="0">
-                <a:latin typeface="Lato Black" panose="020F0502020204030203" pitchFamily="34" charset="0"/>
-                <a:ea typeface="Lato Black" panose="020F0502020204030203" pitchFamily="34" charset="0"/>
-                <a:cs typeface="Lato Black" panose="020F0502020204030203" pitchFamily="34" charset="0"/>
-              </a:rPr>
-              <a:t>Skills per un mondo digitale</a:t>
-            </a:r>
-          </a:p>
-        </p:txBody>
-      </p:sp>
-      <p:sp>
-        <p:nvSpPr>
-          <p:cNvPr id="6" name="CasellaDiTesto 5">
-            <a:extLst>
-              <a:ext uri="{FF2B5EF4-FFF2-40B4-BE49-F238E27FC236}">
-                <a16:creationId xmlns:a16="http://schemas.microsoft.com/office/drawing/2014/main" id="{D13A722D-E148-4971-82F3-1C191AFD95ED}"/>
-              </a:ext>
-            </a:extLst>
-          </p:cNvPr>
-          <p:cNvSpPr txBox="1"/>
-          <p:nvPr/>
-        </p:nvSpPr>
-        <p:spPr>
-          <a:xfrm>
-            <a:off x="704847" y="2024062"/>
-            <a:ext cx="5535616" cy="4585871"/>
-          </a:xfrm>
-          <a:prstGeom prst="rect">
-            <a:avLst/>
-          </a:prstGeom>
-          <a:noFill/>
-        </p:spPr>
-        <p:txBody>
-          <a:bodyPr wrap="square" rtlCol="0">
-            <a:spAutoFit/>
-          </a:bodyPr>
-          <a:lstStyle/>
-          <a:p>
-            <a:pPr marL="285750" indent="-285750">
-              <a:spcAft>
-                <a:spcPts val="1200"/>
-              </a:spcAft>
-              <a:buFont typeface="Wingdings" panose="05000000000000000000" pitchFamily="2" charset="2"/>
-              <a:buChar char="q"/>
-            </a:pPr>
-            <a:r>
-              <a:rPr lang="it-IT" sz="1400" dirty="0">
-                <a:latin typeface="Poppins Light" panose="00000400000000000000" pitchFamily="2" charset="0"/>
-                <a:cs typeface="Poppins Light" panose="00000400000000000000" pitchFamily="2" charset="0"/>
-              </a:rPr>
-              <a:t>La</a:t>
-            </a:r>
-            <a:r>
-              <a:rPr lang="it-IT" sz="1400" dirty="0">
-                <a:latin typeface="Poppins Medium" panose="00000600000000000000" pitchFamily="50" charset="0"/>
-                <a:cs typeface="Poppins Medium" panose="00000600000000000000" pitchFamily="50" charset="0"/>
-              </a:rPr>
-              <a:t> digital </a:t>
-            </a:r>
-            <a:r>
-              <a:rPr lang="it-IT" sz="1400" dirty="0" err="1">
-                <a:latin typeface="Poppins Medium" panose="00000600000000000000" pitchFamily="50" charset="0"/>
-                <a:cs typeface="Poppins Medium" panose="00000600000000000000" pitchFamily="50" charset="0"/>
-              </a:rPr>
-              <a:t>transformation</a:t>
-            </a:r>
-            <a:r>
-              <a:rPr lang="it-IT" sz="1400" dirty="0">
-                <a:latin typeface="Poppins SemiBold" panose="00000700000000000000" pitchFamily="50" charset="0"/>
-                <a:cs typeface="Poppins SemiBold" panose="00000700000000000000" pitchFamily="50" charset="0"/>
-              </a:rPr>
-              <a:t> </a:t>
-            </a:r>
-            <a:r>
-              <a:rPr lang="it-IT" sz="1400" dirty="0">
-                <a:latin typeface="Poppins Light" panose="00000400000000000000" pitchFamily="2" charset="0"/>
-                <a:cs typeface="Poppins Light" panose="00000400000000000000" pitchFamily="2" charset="0"/>
-              </a:rPr>
-              <a:t>interessa tutti gli aspetti della società umana</a:t>
-            </a:r>
-            <a:endParaRPr lang="it-IT" sz="1400" dirty="0">
-              <a:latin typeface="Poppins SemiBold" panose="00000700000000000000" pitchFamily="50" charset="0"/>
-              <a:cs typeface="Poppins SemiBold" panose="00000700000000000000" pitchFamily="50" charset="0"/>
-            </a:endParaRPr>
-          </a:p>
-          <a:p>
-            <a:pPr marL="285750" indent="-285750">
-              <a:spcAft>
-                <a:spcPts val="1200"/>
-              </a:spcAft>
-              <a:buFont typeface="Wingdings" panose="05000000000000000000" pitchFamily="2" charset="2"/>
-              <a:buChar char="q"/>
-            </a:pPr>
-            <a:r>
-              <a:rPr lang="it-IT" sz="1400" dirty="0">
-                <a:latin typeface="Poppins Light" panose="00000400000000000000" pitchFamily="50" charset="0"/>
-                <a:cs typeface="Poppins Light" panose="00000400000000000000" pitchFamily="50" charset="0"/>
-              </a:rPr>
-              <a:t>Adattarsi al cambiamento sviluppando le </a:t>
-            </a:r>
-            <a:r>
-              <a:rPr lang="it-IT" sz="1400" dirty="0">
-                <a:latin typeface="Poppins Medium" panose="00000600000000000000" pitchFamily="2" charset="0"/>
-                <a:cs typeface="Poppins Medium" panose="00000600000000000000" pitchFamily="2" charset="0"/>
-              </a:rPr>
-              <a:t>digital skills</a:t>
-            </a:r>
-            <a:endParaRPr lang="it-IT" sz="1400" dirty="0">
-              <a:latin typeface="Poppins Light" panose="00000400000000000000" pitchFamily="50" charset="0"/>
-              <a:cs typeface="Poppins Light" panose="00000400000000000000" pitchFamily="50" charset="0"/>
-            </a:endParaRPr>
-          </a:p>
-          <a:p>
-            <a:pPr marL="285750" indent="-285750">
-              <a:spcAft>
-                <a:spcPts val="1200"/>
-              </a:spcAft>
-              <a:buFont typeface="Wingdings" panose="05000000000000000000" pitchFamily="2" charset="2"/>
-              <a:buChar char="q"/>
-            </a:pPr>
-            <a:r>
-              <a:rPr lang="en-US" sz="1400" dirty="0">
-                <a:latin typeface="Poppins Light" panose="00000400000000000000" pitchFamily="2" charset="0"/>
-                <a:cs typeface="Poppins Light" panose="00000400000000000000" pitchFamily="2" charset="0"/>
-              </a:rPr>
-              <a:t>‘Skills for a Digital World’ (OCSE)</a:t>
-            </a:r>
-            <a:r>
-              <a:rPr lang="it-IT" sz="1400" dirty="0">
-                <a:latin typeface="Poppins Light" panose="00000400000000000000" pitchFamily="50" charset="0"/>
-                <a:cs typeface="Poppins Light" panose="00000400000000000000" pitchFamily="50" charset="0"/>
-              </a:rPr>
-              <a:t> </a:t>
-            </a:r>
-          </a:p>
-          <a:p>
-            <a:pPr marL="742950" lvl="1" indent="-285750">
-              <a:spcAft>
-                <a:spcPts val="1200"/>
-              </a:spcAft>
-              <a:buFont typeface="Arial" panose="020B0604020202020204" pitchFamily="34" charset="0"/>
-              <a:buChar char="•"/>
-            </a:pPr>
-            <a:r>
-              <a:rPr lang="it-IT" sz="1400" dirty="0">
-                <a:latin typeface="Poppins Light" panose="00000400000000000000" pitchFamily="50" charset="0"/>
-                <a:cs typeface="Poppins Light" panose="00000400000000000000" pitchFamily="50" charset="0"/>
-              </a:rPr>
-              <a:t>Skills specialistiche</a:t>
-            </a:r>
-          </a:p>
-          <a:p>
-            <a:pPr marL="742950" lvl="1" indent="-285750">
-              <a:spcAft>
-                <a:spcPts val="1200"/>
-              </a:spcAft>
-              <a:buFont typeface="Arial" panose="020B0604020202020204" pitchFamily="34" charset="0"/>
-              <a:buChar char="•"/>
-            </a:pPr>
-            <a:r>
-              <a:rPr lang="it-IT" sz="1400" dirty="0">
-                <a:latin typeface="Poppins Light" panose="00000400000000000000" pitchFamily="50" charset="0"/>
-                <a:cs typeface="Poppins Light" panose="00000400000000000000" pitchFamily="50" charset="0"/>
-              </a:rPr>
-              <a:t>Skills generiche</a:t>
-            </a:r>
-          </a:p>
-          <a:p>
-            <a:pPr marL="742950" lvl="1" indent="-285750">
-              <a:spcAft>
-                <a:spcPts val="1200"/>
-              </a:spcAft>
-              <a:buFont typeface="Arial" panose="020B0604020202020204" pitchFamily="34" charset="0"/>
-              <a:buChar char="•"/>
-            </a:pPr>
-            <a:r>
-              <a:rPr lang="it-IT" sz="1400" dirty="0">
-                <a:latin typeface="Poppins Medium" panose="00000600000000000000" pitchFamily="2" charset="0"/>
-                <a:cs typeface="Poppins Medium" panose="00000600000000000000" pitchFamily="2" charset="0"/>
-              </a:rPr>
-              <a:t>Foundation skills</a:t>
-            </a:r>
-          </a:p>
-          <a:p>
-            <a:pPr marL="742950" lvl="1" indent="-285750">
-              <a:spcAft>
-                <a:spcPts val="1200"/>
-              </a:spcAft>
-              <a:buFont typeface="Arial" panose="020B0604020202020204" pitchFamily="34" charset="0"/>
-              <a:buChar char="•"/>
-            </a:pPr>
-            <a:r>
-              <a:rPr lang="it-IT" sz="1400" dirty="0">
-                <a:latin typeface="Poppins Light" panose="00000400000000000000" pitchFamily="50" charset="0"/>
-                <a:cs typeface="Poppins Light" panose="00000400000000000000" pitchFamily="50" charset="0"/>
-              </a:rPr>
-              <a:t>Abilità sociali ed emozionali</a:t>
-            </a:r>
-          </a:p>
-          <a:p>
-            <a:pPr marL="285750" indent="-285750">
-              <a:spcAft>
-                <a:spcPts val="1200"/>
-              </a:spcAft>
-              <a:buFont typeface="Wingdings" panose="05000000000000000000" pitchFamily="2" charset="2"/>
-              <a:buChar char="q"/>
-            </a:pPr>
-            <a:r>
-              <a:rPr lang="en-US" sz="1400" dirty="0">
-                <a:latin typeface="Poppins Light" panose="00000400000000000000" pitchFamily="50" charset="0"/>
-                <a:cs typeface="Poppins Light" panose="00000400000000000000" pitchFamily="50" charset="0"/>
-              </a:rPr>
-              <a:t>Le </a:t>
-            </a:r>
-            <a:r>
-              <a:rPr lang="it-IT" sz="1400" dirty="0" err="1">
-                <a:latin typeface="Poppins Light" panose="00000400000000000000" pitchFamily="50" charset="0"/>
-                <a:cs typeface="Poppins Light" panose="00000400000000000000" pitchFamily="50" charset="0"/>
-              </a:rPr>
-              <a:t>foundation</a:t>
-            </a:r>
-            <a:r>
-              <a:rPr lang="it-IT" sz="1400" dirty="0">
-                <a:latin typeface="Poppins Light" panose="00000400000000000000" pitchFamily="50" charset="0"/>
-                <a:cs typeface="Poppins Light" panose="00000400000000000000" pitchFamily="50" charset="0"/>
-              </a:rPr>
-              <a:t> skills sono prerequisiti per</a:t>
-            </a:r>
-          </a:p>
-          <a:p>
-            <a:pPr marL="742950" lvl="1" indent="-285750">
-              <a:spcAft>
-                <a:spcPts val="1200"/>
-              </a:spcAft>
-              <a:buFont typeface="Arial" panose="020B0604020202020204" pitchFamily="34" charset="0"/>
-              <a:buChar char="•"/>
-            </a:pPr>
-            <a:r>
-              <a:rPr lang="it-IT" sz="1400" dirty="0">
-                <a:latin typeface="Poppins Light" panose="00000400000000000000" pitchFamily="50" charset="0"/>
-                <a:cs typeface="Poppins Light" panose="00000400000000000000" pitchFamily="50" charset="0"/>
-              </a:rPr>
-              <a:t>Abilità cognitive di alto livello</a:t>
-            </a:r>
-          </a:p>
-          <a:p>
-            <a:pPr marL="742950" lvl="1" indent="-285750">
-              <a:spcAft>
-                <a:spcPts val="1200"/>
-              </a:spcAft>
-              <a:buFont typeface="Arial" panose="020B0604020202020204" pitchFamily="34" charset="0"/>
-              <a:buChar char="•"/>
-            </a:pPr>
-            <a:r>
-              <a:rPr lang="it-IT" sz="1400" dirty="0">
-                <a:latin typeface="Poppins Medium" panose="00000600000000000000" pitchFamily="2" charset="0"/>
-                <a:cs typeface="Poppins Medium" panose="00000600000000000000" pitchFamily="2" charset="0"/>
-              </a:rPr>
-              <a:t>Alfabetizzazione digitale</a:t>
-            </a:r>
-          </a:p>
-          <a:p>
-            <a:pPr marL="742950" lvl="1" indent="-285750">
-              <a:spcAft>
-                <a:spcPts val="1200"/>
-              </a:spcAft>
-              <a:buFont typeface="Arial" panose="020B0604020202020204" pitchFamily="34" charset="0"/>
-              <a:buChar char="•"/>
-            </a:pPr>
-            <a:r>
-              <a:rPr lang="it-IT" sz="1400" dirty="0">
-                <a:latin typeface="Poppins Medium" panose="00000600000000000000" pitchFamily="2" charset="0"/>
-                <a:cs typeface="Poppins Medium" panose="00000600000000000000" pitchFamily="2" charset="0"/>
-              </a:rPr>
-              <a:t>Apprendimento permanente</a:t>
-            </a:r>
-            <a:endParaRPr lang="en-US" sz="1400" dirty="0">
-              <a:latin typeface="Poppins Light" panose="00000400000000000000" pitchFamily="50" charset="0"/>
-              <a:cs typeface="Poppins Light" panose="00000400000000000000" pitchFamily="50" charset="0"/>
-            </a:endParaRPr>
-          </a:p>
-          <a:p>
-            <a:pPr>
-              <a:spcAft>
-                <a:spcPts val="1200"/>
-              </a:spcAft>
-            </a:pPr>
-            <a:endParaRPr lang="en-US" sz="1400" dirty="0">
-              <a:latin typeface="Poppins Light" panose="00000400000000000000" pitchFamily="50" charset="0"/>
-              <a:cs typeface="Poppins Light" panose="00000400000000000000" pitchFamily="50" charset="0"/>
-            </a:endParaRPr>
-          </a:p>
-        </p:txBody>
-      </p:sp>
-      <p:pic>
-        <p:nvPicPr>
-          <p:cNvPr id="3" name="Immagine 2">
-            <a:extLst>
-              <a:ext uri="{FF2B5EF4-FFF2-40B4-BE49-F238E27FC236}">
-                <a16:creationId xmlns:a16="http://schemas.microsoft.com/office/drawing/2014/main" id="{BE7FA914-BE0F-40DA-ABDA-4F220218BD0D}"/>
-              </a:ext>
-            </a:extLst>
-          </p:cNvPr>
-          <p:cNvPicPr>
-            <a:picLocks noChangeAspect="1"/>
-          </p:cNvPicPr>
-          <p:nvPr/>
-        </p:nvPicPr>
-        <p:blipFill rotWithShape="1">
-          <a:blip r:embed="rId2">
-            <a:alphaModFix/>
-            <a:extLst>
-              <a:ext uri="{28A0092B-C50C-407E-A947-70E740481C1C}">
-                <a14:useLocalDpi xmlns:a14="http://schemas.microsoft.com/office/drawing/2010/main" val="0"/>
-              </a:ext>
-            </a:extLst>
-          </a:blip>
-          <a:srcRect l="20193" r="1030"/>
-          <a:stretch/>
-        </p:blipFill>
-        <p:spPr>
-          <a:xfrm>
-            <a:off x="6240463" y="2024062"/>
-            <a:ext cx="5951537" cy="4249737"/>
-          </a:xfrm>
-          <a:prstGeom prst="rect">
-            <a:avLst/>
-          </a:prstGeom>
-        </p:spPr>
-      </p:pic>
-      <p:cxnSp>
-        <p:nvCxnSpPr>
-          <p:cNvPr id="4" name="Connettore diritto 3">
-            <a:extLst>
-              <a:ext uri="{FF2B5EF4-FFF2-40B4-BE49-F238E27FC236}">
-                <a16:creationId xmlns:a16="http://schemas.microsoft.com/office/drawing/2014/main" id="{51FD34F7-E331-45F9-984B-6D3860116CA5}"/>
-              </a:ext>
-            </a:extLst>
-          </p:cNvPr>
-          <p:cNvCxnSpPr>
-            <a:cxnSpLocks/>
-          </p:cNvCxnSpPr>
-          <p:nvPr/>
-        </p:nvCxnSpPr>
-        <p:spPr>
-          <a:xfrm>
-            <a:off x="772998" y="1134050"/>
-            <a:ext cx="5323002" cy="0"/>
-          </a:xfrm>
-          <a:prstGeom prst="line">
-            <a:avLst/>
-          </a:prstGeom>
-          <a:ln w="38100">
-            <a:solidFill>
-              <a:schemeClr val="accent2"/>
-            </a:solidFill>
-          </a:ln>
-        </p:spPr>
-        <p:style>
-          <a:lnRef idx="3">
-            <a:schemeClr val="accent2"/>
-          </a:lnRef>
-          <a:fillRef idx="0">
-            <a:schemeClr val="accent2"/>
-          </a:fillRef>
-          <a:effectRef idx="2">
-            <a:schemeClr val="accent2"/>
-          </a:effectRef>
-          <a:fontRef idx="minor">
-            <a:schemeClr val="tx1"/>
-          </a:fontRef>
-        </p:style>
-      </p:cxnSp>
-    </p:spTree>
-    <p:extLst>
-      <p:ext uri="{BB962C8B-B14F-4D97-AF65-F5344CB8AC3E}">
-        <p14:creationId xmlns:p14="http://schemas.microsoft.com/office/powerpoint/2010/main" val="3197017637"/>
-      </p:ext>
-    </p:extLst>
-  </p:cSld>
-  <p:clrMapOvr>
-    <a:masterClrMapping/>
-  </p:clrMapOvr>
-</p:sld>
-</file>
-
-<file path=ppt/slides/slide9.xml><?xml version="1.0" encoding="utf-8"?>
-<p:sld xmlns:a="http://schemas.openxmlformats.org/drawingml/2006/main" xmlns:r="http://schemas.openxmlformats.org/officeDocument/2006/relationships" xmlns:p="http://schemas.openxmlformats.org/presentationml/2006/main">
-  <p:cSld>
-    <p:spTree>
-      <p:nvGrpSpPr>
-        <p:cNvPr id="1" name=""/>
-        <p:cNvGrpSpPr/>
-        <p:nvPr/>
-      </p:nvGrpSpPr>
-      <p:grpSpPr>
-        <a:xfrm>
-          <a:off x="0" y="0"/>
-          <a:ext cx="0" cy="0"/>
-          <a:chOff x="0" y="0"/>
-          <a:chExt cx="0" cy="0"/>
-        </a:xfrm>
-      </p:grpSpPr>
-      <p:sp>
-        <p:nvSpPr>
-          <p:cNvPr id="5" name="CasellaDiTesto 4">
-            <a:extLst>
-              <a:ext uri="{FF2B5EF4-FFF2-40B4-BE49-F238E27FC236}">
-                <a16:creationId xmlns:a16="http://schemas.microsoft.com/office/drawing/2014/main" id="{89B91983-B758-4281-AC68-D9F7AB480AD9}"/>
-              </a:ext>
-            </a:extLst>
-          </p:cNvPr>
-          <p:cNvSpPr txBox="1"/>
-          <p:nvPr/>
-        </p:nvSpPr>
-        <p:spPr>
-          <a:xfrm>
-            <a:off x="704849" y="549275"/>
-            <a:ext cx="10106026" cy="584775"/>
-          </a:xfrm>
-          <a:prstGeom prst="rect">
-            <a:avLst/>
-          </a:prstGeom>
-          <a:noFill/>
-        </p:spPr>
-        <p:txBody>
-          <a:bodyPr wrap="square" rtlCol="0">
-            <a:spAutoFit/>
-          </a:bodyPr>
-          <a:lstStyle/>
-          <a:p>
-            <a:r>
-              <a:rPr lang="it-IT" sz="2800" dirty="0">
-                <a:latin typeface="Lato Black" panose="020F0502020204030203" pitchFamily="34" charset="0"/>
-                <a:ea typeface="Lato Black" panose="020F0502020204030203" pitchFamily="34" charset="0"/>
-                <a:cs typeface="Lato Black" panose="020F0502020204030203" pitchFamily="34" charset="0"/>
-              </a:rPr>
-              <a:t>/ </a:t>
-            </a:r>
-            <a:r>
-              <a:rPr lang="it-IT" sz="3200" dirty="0">
-                <a:latin typeface="Lato Black" panose="020F0502020204030203" pitchFamily="34" charset="0"/>
-                <a:ea typeface="Lato Black" panose="020F0502020204030203" pitchFamily="34" charset="0"/>
-                <a:cs typeface="Lato Black" panose="020F0502020204030203" pitchFamily="34" charset="0"/>
-              </a:rPr>
-              <a:t>Sviluppo delle abilità rilevanti per la digital economy</a:t>
-            </a:r>
-          </a:p>
-        </p:txBody>
-      </p:sp>
-      <p:sp>
-        <p:nvSpPr>
-          <p:cNvPr id="6" name="CasellaDiTesto 5">
-            <a:extLst>
-              <a:ext uri="{FF2B5EF4-FFF2-40B4-BE49-F238E27FC236}">
-                <a16:creationId xmlns:a16="http://schemas.microsoft.com/office/drawing/2014/main" id="{D13A722D-E148-4971-82F3-1C191AFD95ED}"/>
-              </a:ext>
-            </a:extLst>
-          </p:cNvPr>
-          <p:cNvSpPr txBox="1"/>
-          <p:nvPr/>
-        </p:nvSpPr>
-        <p:spPr>
-          <a:xfrm>
-            <a:off x="704847" y="2024062"/>
-            <a:ext cx="5535616" cy="2954655"/>
-          </a:xfrm>
-          <a:prstGeom prst="rect">
-            <a:avLst/>
-          </a:prstGeom>
-          <a:noFill/>
-        </p:spPr>
-        <p:txBody>
-          <a:bodyPr wrap="square" rtlCol="0">
-            <a:spAutoFit/>
-          </a:bodyPr>
-          <a:lstStyle/>
-          <a:p>
-            <a:pPr marL="285750" indent="-285750">
-              <a:spcAft>
-                <a:spcPts val="1200"/>
-              </a:spcAft>
-              <a:buFont typeface="Wingdings" panose="05000000000000000000" pitchFamily="2" charset="2"/>
-              <a:buChar char="q"/>
-            </a:pPr>
-            <a:r>
-              <a:rPr lang="it-IT" sz="1400" dirty="0">
-                <a:latin typeface="Poppins Light" panose="00000400000000000000" pitchFamily="2" charset="0"/>
-                <a:cs typeface="Poppins Light" panose="00000400000000000000" pitchFamily="2" charset="0"/>
-              </a:rPr>
-              <a:t>Individui formati partecipano attivamente alla vita economica, sociale e culturale presente e futura</a:t>
-            </a:r>
-            <a:endParaRPr lang="it-IT" sz="1400" dirty="0">
-              <a:latin typeface="Poppins SemiBold" panose="00000700000000000000" pitchFamily="50" charset="0"/>
-              <a:cs typeface="Poppins SemiBold" panose="00000700000000000000" pitchFamily="50" charset="0"/>
-            </a:endParaRPr>
-          </a:p>
-          <a:p>
-            <a:pPr marL="285750" indent="-285750">
-              <a:spcAft>
-                <a:spcPts val="1200"/>
-              </a:spcAft>
-              <a:buFont typeface="Wingdings" panose="05000000000000000000" pitchFamily="2" charset="2"/>
-              <a:buChar char="q"/>
-            </a:pPr>
-            <a:r>
-              <a:rPr lang="it-IT" sz="1400" dirty="0">
-                <a:latin typeface="Poppins Light" panose="00000400000000000000" pitchFamily="50" charset="0"/>
-                <a:cs typeface="Poppins Light" panose="00000400000000000000" pitchFamily="50" charset="0"/>
-              </a:rPr>
-              <a:t>Investimenti nello sviluppo dei </a:t>
-            </a:r>
-            <a:r>
-              <a:rPr lang="it-IT" sz="1400" dirty="0">
-                <a:latin typeface="Poppins Medium" panose="00000600000000000000" pitchFamily="2" charset="0"/>
-                <a:cs typeface="Poppins Medium" panose="00000600000000000000" pitchFamily="2" charset="0"/>
-              </a:rPr>
-              <a:t>sistemi di educazione e formazione</a:t>
-            </a:r>
-            <a:endParaRPr lang="it-IT" sz="1400" dirty="0">
-              <a:latin typeface="Poppins Light" panose="00000400000000000000" pitchFamily="50" charset="0"/>
-              <a:cs typeface="Poppins Light" panose="00000400000000000000" pitchFamily="50" charset="0"/>
-            </a:endParaRPr>
-          </a:p>
-          <a:p>
-            <a:pPr marL="285750" indent="-285750">
-              <a:spcAft>
-                <a:spcPts val="1200"/>
-              </a:spcAft>
-              <a:buFont typeface="Wingdings" panose="05000000000000000000" pitchFamily="2" charset="2"/>
-              <a:buChar char="q"/>
-            </a:pPr>
-            <a:r>
-              <a:rPr lang="en-US" sz="1400" dirty="0" err="1">
-                <a:latin typeface="Poppins Light" panose="00000400000000000000" pitchFamily="2" charset="0"/>
-                <a:cs typeface="Poppins Light" panose="00000400000000000000" pitchFamily="2" charset="0"/>
-              </a:rPr>
-              <a:t>Sfruttare</a:t>
-            </a:r>
-            <a:r>
-              <a:rPr lang="en-US" sz="1400" dirty="0">
-                <a:latin typeface="Poppins Light" panose="00000400000000000000" pitchFamily="2" charset="0"/>
-                <a:cs typeface="Poppins Light" panose="00000400000000000000" pitchFamily="2" charset="0"/>
-              </a:rPr>
-              <a:t> le </a:t>
-            </a:r>
-            <a:r>
-              <a:rPr lang="en-US" sz="1400" dirty="0" err="1">
-                <a:latin typeface="Poppins Light" panose="00000400000000000000" pitchFamily="2" charset="0"/>
-                <a:cs typeface="Poppins Light" panose="00000400000000000000" pitchFamily="2" charset="0"/>
-              </a:rPr>
-              <a:t>le</a:t>
-            </a:r>
-            <a:r>
-              <a:rPr lang="en-US" sz="1400" dirty="0">
-                <a:latin typeface="Poppins Light" panose="00000400000000000000" pitchFamily="2" charset="0"/>
-                <a:cs typeface="Poppins Light" panose="00000400000000000000" pitchFamily="2" charset="0"/>
-              </a:rPr>
-              <a:t> </a:t>
-            </a:r>
-            <a:r>
-              <a:rPr lang="en-US" sz="1400" dirty="0" err="1">
-                <a:latin typeface="Poppins Light" panose="00000400000000000000" pitchFamily="2" charset="0"/>
-                <a:cs typeface="Poppins Light" panose="00000400000000000000" pitchFamily="2" charset="0"/>
-              </a:rPr>
-              <a:t>opportunità</a:t>
-            </a:r>
-            <a:r>
-              <a:rPr lang="en-US" sz="1400" dirty="0">
-                <a:latin typeface="Poppins Light" panose="00000400000000000000" pitchFamily="2" charset="0"/>
-                <a:cs typeface="Poppins Light" panose="00000400000000000000" pitchFamily="2" charset="0"/>
-              </a:rPr>
-              <a:t> generate </a:t>
-            </a:r>
-            <a:r>
-              <a:rPr lang="en-US" sz="1400" dirty="0" err="1">
-                <a:latin typeface="Poppins Light" panose="00000400000000000000" pitchFamily="2" charset="0"/>
-                <a:cs typeface="Poppins Light" panose="00000400000000000000" pitchFamily="2" charset="0"/>
-              </a:rPr>
-              <a:t>dalle</a:t>
-            </a:r>
-            <a:r>
-              <a:rPr lang="en-US" sz="1400" dirty="0">
-                <a:latin typeface="Poppins Light" panose="00000400000000000000" pitchFamily="2" charset="0"/>
-                <a:cs typeface="Poppins Light" panose="00000400000000000000" pitchFamily="2" charset="0"/>
-              </a:rPr>
-              <a:t> ICTs</a:t>
-            </a:r>
-            <a:endParaRPr lang="it-IT" sz="1400" dirty="0">
-              <a:latin typeface="Poppins Light" panose="00000400000000000000" pitchFamily="50" charset="0"/>
-              <a:cs typeface="Poppins Light" panose="00000400000000000000" pitchFamily="50" charset="0"/>
-            </a:endParaRPr>
-          </a:p>
-          <a:p>
-            <a:pPr marL="742950" lvl="1" indent="-285750">
-              <a:spcAft>
-                <a:spcPts val="1200"/>
-              </a:spcAft>
-              <a:buFont typeface="Arial" panose="020B0604020202020204" pitchFamily="34" charset="0"/>
-              <a:buChar char="•"/>
-            </a:pPr>
-            <a:r>
-              <a:rPr lang="it-IT" sz="1400" dirty="0">
-                <a:latin typeface="Poppins Light" panose="00000400000000000000" pitchFamily="50" charset="0"/>
-                <a:cs typeface="Poppins Light" panose="00000400000000000000" pitchFamily="50" charset="0"/>
-              </a:rPr>
-              <a:t>Apprendimento personalizzato</a:t>
-            </a:r>
-          </a:p>
-          <a:p>
-            <a:pPr marL="742950" lvl="1" indent="-285750">
-              <a:spcAft>
-                <a:spcPts val="1200"/>
-              </a:spcAft>
-              <a:buFont typeface="Arial" panose="020B0604020202020204" pitchFamily="34" charset="0"/>
-              <a:buChar char="•"/>
-            </a:pPr>
-            <a:r>
-              <a:rPr lang="it-IT" sz="1400" dirty="0">
-                <a:latin typeface="Poppins Light" panose="00000400000000000000" pitchFamily="50" charset="0"/>
-                <a:cs typeface="Poppins Light" panose="00000400000000000000" pitchFamily="50" charset="0"/>
-              </a:rPr>
-              <a:t>Apprendimento collaborativo</a:t>
-            </a:r>
-          </a:p>
-          <a:p>
-            <a:pPr marL="742950" lvl="1" indent="-285750">
-              <a:spcAft>
-                <a:spcPts val="1200"/>
-              </a:spcAft>
-              <a:buFont typeface="Arial" panose="020B0604020202020204" pitchFamily="34" charset="0"/>
-              <a:buChar char="•"/>
-            </a:pPr>
-            <a:r>
-              <a:rPr lang="it-IT" sz="1400" dirty="0" err="1">
-                <a:latin typeface="Poppins Light" panose="00000400000000000000" pitchFamily="50" charset="0"/>
-                <a:cs typeface="Poppins Light" panose="00000400000000000000" pitchFamily="50" charset="0"/>
-              </a:rPr>
-              <a:t>MOOCs</a:t>
-            </a:r>
-            <a:endParaRPr lang="it-IT" sz="1400" dirty="0">
-              <a:latin typeface="Poppins Light" panose="00000400000000000000" pitchFamily="50" charset="0"/>
-              <a:cs typeface="Poppins Light" panose="00000400000000000000" pitchFamily="50" charset="0"/>
-            </a:endParaRPr>
-          </a:p>
-          <a:p>
-            <a:pPr>
-              <a:spcAft>
-                <a:spcPts val="1200"/>
-              </a:spcAft>
-            </a:pPr>
-            <a:endParaRPr lang="en-US" sz="1400" dirty="0">
-              <a:latin typeface="Poppins Light" panose="00000400000000000000" pitchFamily="50" charset="0"/>
-              <a:cs typeface="Poppins Light" panose="00000400000000000000" pitchFamily="50" charset="0"/>
-            </a:endParaRPr>
-          </a:p>
-        </p:txBody>
-      </p:sp>
-      <p:pic>
-        <p:nvPicPr>
-          <p:cNvPr id="3" name="Immagine 2">
-            <a:extLst>
-              <a:ext uri="{FF2B5EF4-FFF2-40B4-BE49-F238E27FC236}">
-                <a16:creationId xmlns:a16="http://schemas.microsoft.com/office/drawing/2014/main" id="{BE7FA914-BE0F-40DA-ABDA-4F220218BD0D}"/>
-              </a:ext>
-            </a:extLst>
-          </p:cNvPr>
-          <p:cNvPicPr>
-            <a:picLocks noChangeAspect="1"/>
-          </p:cNvPicPr>
-          <p:nvPr/>
-        </p:nvPicPr>
-        <p:blipFill>
-          <a:blip r:embed="rId2">
-            <a:extLst>
-              <a:ext uri="{28A0092B-C50C-407E-A947-70E740481C1C}">
-                <a14:useLocalDpi xmlns:a14="http://schemas.microsoft.com/office/drawing/2010/main" val="0"/>
-              </a:ext>
-            </a:extLst>
-          </a:blip>
-          <a:srcRect l="6209" r="6209"/>
-          <a:stretch/>
-        </p:blipFill>
-        <p:spPr>
-          <a:xfrm>
-            <a:off x="6240463" y="2024062"/>
-            <a:ext cx="5951537" cy="4249737"/>
-          </a:xfrm>
-          <a:prstGeom prst="rect">
-            <a:avLst/>
-          </a:prstGeom>
-        </p:spPr>
-      </p:pic>
-      <p:cxnSp>
-        <p:nvCxnSpPr>
-          <p:cNvPr id="4" name="Connettore diritto 3">
-            <a:extLst>
-              <a:ext uri="{FF2B5EF4-FFF2-40B4-BE49-F238E27FC236}">
-                <a16:creationId xmlns:a16="http://schemas.microsoft.com/office/drawing/2014/main" id="{51FD34F7-E331-45F9-984B-6D3860116CA5}"/>
-              </a:ext>
-            </a:extLst>
-          </p:cNvPr>
-          <p:cNvCxnSpPr>
-            <a:cxnSpLocks/>
-          </p:cNvCxnSpPr>
-          <p:nvPr/>
-        </p:nvCxnSpPr>
-        <p:spPr>
-          <a:xfrm>
-            <a:off x="772998" y="1134050"/>
-            <a:ext cx="9742602" cy="0"/>
-          </a:xfrm>
-          <a:prstGeom prst="line">
-            <a:avLst/>
-          </a:prstGeom>
-          <a:ln w="38100">
-            <a:solidFill>
-              <a:schemeClr val="accent2"/>
-            </a:solidFill>
-          </a:ln>
-        </p:spPr>
-        <p:style>
-          <a:lnRef idx="3">
-            <a:schemeClr val="accent2"/>
-          </a:lnRef>
-          <a:fillRef idx="0">
-            <a:schemeClr val="accent2"/>
-          </a:fillRef>
-          <a:effectRef idx="2">
-            <a:schemeClr val="accent2"/>
-          </a:effectRef>
-          <a:fontRef idx="minor">
-            <a:schemeClr val="tx1"/>
-          </a:fontRef>
-        </p:style>
-      </p:cxnSp>
-    </p:spTree>
-    <p:extLst>
-      <p:ext uri="{BB962C8B-B14F-4D97-AF65-F5344CB8AC3E}">
-        <p14:creationId xmlns:p14="http://schemas.microsoft.com/office/powerpoint/2010/main" val="2204845249"/>
       </p:ext>
     </p:extLst>
   </p:cSld>

--- a/Presentazione/Presentazione_completa - Copy.pptx
+++ b/Presentazione/Presentazione_completa - Copy.pptx
@@ -5,7 +5,7 @@
     <p:sldMasterId id="2147483648" r:id="rId1"/>
   </p:sldMasterIdLst>
   <p:notesMasterIdLst>
-    <p:notesMasterId r:id="rId13"/>
+    <p:notesMasterId r:id="rId14"/>
   </p:notesMasterIdLst>
   <p:sldIdLst>
     <p:sldId id="292" r:id="rId2"/>
@@ -19,6 +19,7 @@
     <p:sldId id="297" r:id="rId10"/>
     <p:sldId id="294" r:id="rId11"/>
     <p:sldId id="296" r:id="rId12"/>
+    <p:sldId id="303" r:id="rId13"/>
   </p:sldIdLst>
   <p:sldSz cx="12192000" cy="6858000"/>
   <p:notesSz cx="6858000" cy="9144000"/>
@@ -5457,6 +5458,278 @@
 </p:sld>
 </file>
 
+<file path=ppt/slides/slide12.xml><?xml version="1.0" encoding="utf-8"?>
+<p:sld xmlns:a="http://schemas.openxmlformats.org/drawingml/2006/main" xmlns:r="http://schemas.openxmlformats.org/officeDocument/2006/relationships" xmlns:p="http://schemas.openxmlformats.org/presentationml/2006/main">
+  <p:cSld>
+    <p:spTree>
+      <p:nvGrpSpPr>
+        <p:cNvPr id="1" name=""/>
+        <p:cNvGrpSpPr/>
+        <p:nvPr/>
+      </p:nvGrpSpPr>
+      <p:grpSpPr>
+        <a:xfrm>
+          <a:off x="0" y="0"/>
+          <a:ext cx="0" cy="0"/>
+          <a:chOff x="0" y="0"/>
+          <a:chExt cx="0" cy="0"/>
+        </a:xfrm>
+      </p:grpSpPr>
+      <p:sp>
+        <p:nvSpPr>
+          <p:cNvPr id="5" name="CasellaDiTesto 4">
+            <a:extLst>
+              <a:ext uri="{FF2B5EF4-FFF2-40B4-BE49-F238E27FC236}">
+                <a16:creationId xmlns:a16="http://schemas.microsoft.com/office/drawing/2014/main" id="{89B91983-B758-4281-AC68-D9F7AB480AD9}"/>
+              </a:ext>
+            </a:extLst>
+          </p:cNvPr>
+          <p:cNvSpPr txBox="1"/>
+          <p:nvPr/>
+        </p:nvSpPr>
+        <p:spPr>
+          <a:xfrm>
+            <a:off x="704849" y="549275"/>
+            <a:ext cx="10106026" cy="584775"/>
+          </a:xfrm>
+          <a:prstGeom prst="rect">
+            <a:avLst/>
+          </a:prstGeom>
+          <a:noFill/>
+        </p:spPr>
+        <p:txBody>
+          <a:bodyPr wrap="square" rtlCol="0">
+            <a:spAutoFit/>
+          </a:bodyPr>
+          <a:lstStyle/>
+          <a:p>
+            <a:r>
+              <a:rPr lang="it-IT" sz="3200" dirty="0" err="1">
+                <a:latin typeface="Lato Black" panose="020F0502020204030203" pitchFamily="34" charset="0"/>
+                <a:ea typeface="Lato Black" panose="020F0502020204030203" pitchFamily="34" charset="0"/>
+                <a:cs typeface="Lato Black" panose="020F0502020204030203" pitchFamily="34" charset="0"/>
+              </a:rPr>
+              <a:t>Where</a:t>
+            </a:r>
+            <a:r>
+              <a:rPr lang="it-IT" sz="3200" dirty="0">
+                <a:latin typeface="Lato Black" panose="020F0502020204030203" pitchFamily="34" charset="0"/>
+                <a:ea typeface="Lato Black" panose="020F0502020204030203" pitchFamily="34" charset="0"/>
+                <a:cs typeface="Lato Black" panose="020F0502020204030203" pitchFamily="34" charset="0"/>
+              </a:rPr>
+              <a:t> </a:t>
+            </a:r>
+            <a:r>
+              <a:rPr lang="it-IT" sz="3200" dirty="0" err="1">
+                <a:latin typeface="Lato Black" panose="020F0502020204030203" pitchFamily="34" charset="0"/>
+                <a:ea typeface="Lato Black" panose="020F0502020204030203" pitchFamily="34" charset="0"/>
+                <a:cs typeface="Lato Black" panose="020F0502020204030203" pitchFamily="34" charset="0"/>
+              </a:rPr>
+              <a:t>is</a:t>
+            </a:r>
+            <a:r>
+              <a:rPr lang="it-IT" sz="3200" dirty="0">
+                <a:latin typeface="Lato Black" panose="020F0502020204030203" pitchFamily="34" charset="0"/>
+                <a:ea typeface="Lato Black" panose="020F0502020204030203" pitchFamily="34" charset="0"/>
+                <a:cs typeface="Lato Black" panose="020F0502020204030203" pitchFamily="34" charset="0"/>
+              </a:rPr>
+              <a:t> the </a:t>
+            </a:r>
+            <a:r>
+              <a:rPr lang="it-IT" sz="3200" dirty="0" err="1">
+                <a:latin typeface="Lato Black" panose="020F0502020204030203" pitchFamily="34" charset="0"/>
+                <a:ea typeface="Lato Black" panose="020F0502020204030203" pitchFamily="34" charset="0"/>
+                <a:cs typeface="Lato Black" panose="020F0502020204030203" pitchFamily="34" charset="0"/>
+              </a:rPr>
+              <a:t>beef</a:t>
+            </a:r>
+            <a:r>
+              <a:rPr lang="it-IT" sz="3200" dirty="0">
+                <a:latin typeface="Lato Black" panose="020F0502020204030203" pitchFamily="34" charset="0"/>
+                <a:ea typeface="Lato Black" panose="020F0502020204030203" pitchFamily="34" charset="0"/>
+                <a:cs typeface="Lato Black" panose="020F0502020204030203" pitchFamily="34" charset="0"/>
+              </a:rPr>
+              <a:t>?</a:t>
+            </a:r>
+          </a:p>
+        </p:txBody>
+      </p:sp>
+      <p:sp>
+        <p:nvSpPr>
+          <p:cNvPr id="6" name="CasellaDiTesto 5">
+            <a:extLst>
+              <a:ext uri="{FF2B5EF4-FFF2-40B4-BE49-F238E27FC236}">
+                <a16:creationId xmlns:a16="http://schemas.microsoft.com/office/drawing/2014/main" id="{D13A722D-E148-4971-82F3-1C191AFD95ED}"/>
+              </a:ext>
+            </a:extLst>
+          </p:cNvPr>
+          <p:cNvSpPr txBox="1"/>
+          <p:nvPr/>
+        </p:nvSpPr>
+        <p:spPr>
+          <a:xfrm>
+            <a:off x="704847" y="2024062"/>
+            <a:ext cx="5535616" cy="2154436"/>
+          </a:xfrm>
+          <a:prstGeom prst="rect">
+            <a:avLst/>
+          </a:prstGeom>
+          <a:noFill/>
+        </p:spPr>
+        <p:txBody>
+          <a:bodyPr wrap="square" rtlCol="0">
+            <a:spAutoFit/>
+          </a:bodyPr>
+          <a:lstStyle/>
+          <a:p>
+            <a:pPr marL="285750" indent="-285750">
+              <a:spcAft>
+                <a:spcPts val="1200"/>
+              </a:spcAft>
+              <a:buFont typeface="Wingdings" panose="05000000000000000000" pitchFamily="2" charset="2"/>
+              <a:buChar char="q"/>
+            </a:pPr>
+            <a:r>
+              <a:rPr lang="it-IT" sz="1400" dirty="0">
+                <a:latin typeface="Poppins Light" panose="00000400000000000000" pitchFamily="50" charset="0"/>
+                <a:cs typeface="Poppins Light" panose="00000400000000000000" pitchFamily="50" charset="0"/>
+              </a:rPr>
+              <a:t>….</a:t>
+            </a:r>
+          </a:p>
+          <a:p>
+            <a:pPr marL="285750" indent="-285750">
+              <a:spcAft>
+                <a:spcPts val="1200"/>
+              </a:spcAft>
+              <a:buFont typeface="Wingdings" panose="05000000000000000000" pitchFamily="2" charset="2"/>
+              <a:buChar char="q"/>
+            </a:pPr>
+            <a:r>
+              <a:rPr lang="it-IT" sz="1400" dirty="0">
+                <a:latin typeface="Poppins Light" panose="00000400000000000000" pitchFamily="50" charset="0"/>
+                <a:cs typeface="Poppins Light" panose="00000400000000000000" pitchFamily="50" charset="0"/>
+              </a:rPr>
+              <a:t>…. </a:t>
+            </a:r>
+          </a:p>
+          <a:p>
+            <a:pPr marL="285750" indent="-285750">
+              <a:spcAft>
+                <a:spcPts val="1200"/>
+              </a:spcAft>
+              <a:buFont typeface="Wingdings" panose="05000000000000000000" pitchFamily="2" charset="2"/>
+              <a:buChar char="q"/>
+            </a:pPr>
+            <a:r>
+              <a:rPr lang="it-IT" sz="1400" dirty="0">
+                <a:latin typeface="Poppins Light" panose="00000400000000000000" pitchFamily="50" charset="0"/>
+                <a:cs typeface="Poppins Light" panose="00000400000000000000" pitchFamily="50" charset="0"/>
+              </a:rPr>
+              <a:t>….</a:t>
+            </a:r>
+          </a:p>
+          <a:p>
+            <a:pPr marL="742950" lvl="1" indent="-285750">
+              <a:spcAft>
+                <a:spcPts val="1200"/>
+              </a:spcAft>
+              <a:buFont typeface="Arial" panose="020B0604020202020204" pitchFamily="34" charset="0"/>
+              <a:buChar char="•"/>
+            </a:pPr>
+            <a:r>
+              <a:rPr lang="it-IT" sz="1400" dirty="0">
+                <a:latin typeface="Poppins Light" panose="00000400000000000000" pitchFamily="50" charset="0"/>
+                <a:cs typeface="Poppins Light" panose="00000400000000000000" pitchFamily="50" charset="0"/>
+              </a:rPr>
+              <a:t>….</a:t>
+            </a:r>
+          </a:p>
+          <a:p>
+            <a:pPr marL="742950" lvl="1" indent="-285750">
+              <a:spcAft>
+                <a:spcPts val="1200"/>
+              </a:spcAft>
+              <a:buFont typeface="Arial" panose="020B0604020202020204" pitchFamily="34" charset="0"/>
+              <a:buChar char="•"/>
+            </a:pPr>
+            <a:r>
+              <a:rPr lang="it-IT" sz="1400" dirty="0">
+                <a:latin typeface="Poppins Light" panose="00000400000000000000" pitchFamily="50" charset="0"/>
+                <a:cs typeface="Poppins Light" panose="00000400000000000000" pitchFamily="50" charset="0"/>
+              </a:rPr>
+              <a:t>….</a:t>
+            </a:r>
+          </a:p>
+          <a:p>
+            <a:pPr>
+              <a:spcAft>
+                <a:spcPts val="1200"/>
+              </a:spcAft>
+            </a:pPr>
+            <a:endParaRPr lang="en-US" sz="1400" dirty="0">
+              <a:latin typeface="Poppins Light" panose="00000400000000000000" pitchFamily="50" charset="0"/>
+              <a:cs typeface="Poppins Light" panose="00000400000000000000" pitchFamily="50" charset="0"/>
+            </a:endParaRPr>
+          </a:p>
+        </p:txBody>
+      </p:sp>
+      <p:cxnSp>
+        <p:nvCxnSpPr>
+          <p:cNvPr id="4" name="Connettore diritto 3">
+            <a:extLst>
+              <a:ext uri="{FF2B5EF4-FFF2-40B4-BE49-F238E27FC236}">
+                <a16:creationId xmlns:a16="http://schemas.microsoft.com/office/drawing/2014/main" id="{51FD34F7-E331-45F9-984B-6D3860116CA5}"/>
+              </a:ext>
+            </a:extLst>
+          </p:cNvPr>
+          <p:cNvCxnSpPr>
+            <a:cxnSpLocks/>
+          </p:cNvCxnSpPr>
+          <p:nvPr/>
+        </p:nvCxnSpPr>
+        <p:spPr>
+          <a:xfrm>
+            <a:off x="772998" y="1134050"/>
+            <a:ext cx="3433242" cy="0"/>
+          </a:xfrm>
+          <a:prstGeom prst="line">
+            <a:avLst/>
+          </a:prstGeom>
+          <a:ln w="38100">
+            <a:solidFill>
+              <a:schemeClr val="accent2"/>
+            </a:solidFill>
+          </a:ln>
+        </p:spPr>
+        <p:style>
+          <a:lnRef idx="3">
+            <a:schemeClr val="accent2"/>
+          </a:lnRef>
+          <a:fillRef idx="0">
+            <a:schemeClr val="accent2"/>
+          </a:fillRef>
+          <a:effectRef idx="2">
+            <a:schemeClr val="accent2"/>
+          </a:effectRef>
+          <a:fontRef idx="minor">
+            <a:schemeClr val="tx1"/>
+          </a:fontRef>
+        </p:style>
+      </p:cxnSp>
+    </p:spTree>
+    <p:extLst>
+      <p:ext uri="{BB962C8B-B14F-4D97-AF65-F5344CB8AC3E}">
+        <p14:creationId xmlns:p14="http://schemas.microsoft.com/office/powerpoint/2010/main" val="1133630273"/>
+      </p:ext>
+    </p:extLst>
+  </p:cSld>
+  <p:clrMapOvr>
+    <a:masterClrMapping/>
+  </p:clrMapOvr>
+</p:sld>
+</file>
+
 <file path=ppt/slides/slide2.xml><?xml version="1.0" encoding="utf-8"?>
 <p:sld xmlns:a="http://schemas.openxmlformats.org/drawingml/2006/main" xmlns:r="http://schemas.openxmlformats.org/officeDocument/2006/relationships" xmlns:p="http://schemas.openxmlformats.org/presentationml/2006/main">
   <p:cSld>
@@ -8186,7 +8459,7 @@
         </p:nvSpPr>
         <p:spPr>
           <a:xfrm>
-            <a:off x="5084594" y="549274"/>
+            <a:off x="4405007" y="549275"/>
             <a:ext cx="4656222" cy="584775"/>
           </a:xfrm>
           <a:prstGeom prst="rect">
@@ -8284,7 +8557,7 @@
         </p:nvCxnSpPr>
         <p:spPr>
           <a:xfrm>
-            <a:off x="6962359" y="1134049"/>
+            <a:off x="6297693" y="1141048"/>
             <a:ext cx="2763536" cy="0"/>
           </a:xfrm>
           <a:prstGeom prst="line">
@@ -8325,8 +8598,8 @@
         </p:nvSpPr>
         <p:spPr>
           <a:xfrm>
-            <a:off x="6962359" y="2024062"/>
-            <a:ext cx="4656222" cy="1631216"/>
+            <a:off x="6297693" y="2024062"/>
+            <a:ext cx="4973052" cy="1631216"/>
           </a:xfrm>
           <a:prstGeom prst="rect">
             <a:avLst/>

--- a/Presentazione/Presentazione_completa - Copy.pptx
+++ b/Presentazione/Presentazione_completa - Copy.pptx
@@ -5,21 +5,18 @@
     <p:sldMasterId id="2147483648" r:id="rId1"/>
   </p:sldMasterIdLst>
   <p:notesMasterIdLst>
-    <p:notesMasterId r:id="rId14"/>
+    <p:notesMasterId r:id="rId11"/>
   </p:notesMasterIdLst>
   <p:sldIdLst>
     <p:sldId id="292" r:id="rId2"/>
-    <p:sldId id="295" r:id="rId3"/>
-    <p:sldId id="300" r:id="rId4"/>
-    <p:sldId id="266" r:id="rId5"/>
-    <p:sldId id="299" r:id="rId6"/>
-    <p:sldId id="302" r:id="rId7"/>
-    <p:sldId id="301" r:id="rId8"/>
-    <p:sldId id="293" r:id="rId9"/>
-    <p:sldId id="297" r:id="rId10"/>
-    <p:sldId id="294" r:id="rId11"/>
-    <p:sldId id="296" r:id="rId12"/>
-    <p:sldId id="303" r:id="rId13"/>
+    <p:sldId id="300" r:id="rId3"/>
+    <p:sldId id="302" r:id="rId4"/>
+    <p:sldId id="301" r:id="rId5"/>
+    <p:sldId id="293" r:id="rId6"/>
+    <p:sldId id="297" r:id="rId7"/>
+    <p:sldId id="294" r:id="rId8"/>
+    <p:sldId id="296" r:id="rId9"/>
+    <p:sldId id="303" r:id="rId10"/>
   </p:sldIdLst>
   <p:sldSz cx="12192000" cy="6858000"/>
   <p:notesSz cx="6858000" cy="9144000"/>
@@ -4663,7 +4660,2351 @@
 </p:sld>
 </file>
 
-<file path=ppt/slides/slide10.xml><?xml version="1.0" encoding="utf-8"?>
+<file path=ppt/slides/slide2.xml><?xml version="1.0" encoding="utf-8"?>
+<p:sld xmlns:a="http://schemas.openxmlformats.org/drawingml/2006/main" xmlns:r="http://schemas.openxmlformats.org/officeDocument/2006/relationships" xmlns:p="http://schemas.openxmlformats.org/presentationml/2006/main">
+  <p:cSld>
+    <p:spTree>
+      <p:nvGrpSpPr>
+        <p:cNvPr id="1" name=""/>
+        <p:cNvGrpSpPr/>
+        <p:nvPr/>
+      </p:nvGrpSpPr>
+      <p:grpSpPr>
+        <a:xfrm>
+          <a:off x="0" y="0"/>
+          <a:ext cx="0" cy="0"/>
+          <a:chOff x="0" y="0"/>
+          <a:chExt cx="0" cy="0"/>
+        </a:xfrm>
+      </p:grpSpPr>
+      <p:sp>
+        <p:nvSpPr>
+          <p:cNvPr id="5" name="CasellaDiTesto 4">
+            <a:extLst>
+              <a:ext uri="{FF2B5EF4-FFF2-40B4-BE49-F238E27FC236}">
+                <a16:creationId xmlns:a16="http://schemas.microsoft.com/office/drawing/2014/main" id="{89B91983-B758-4281-AC68-D9F7AB480AD9}"/>
+              </a:ext>
+            </a:extLst>
+          </p:cNvPr>
+          <p:cNvSpPr txBox="1"/>
+          <p:nvPr/>
+        </p:nvSpPr>
+        <p:spPr>
+          <a:xfrm>
+            <a:off x="704849" y="549275"/>
+            <a:ext cx="8020051" cy="584775"/>
+          </a:xfrm>
+          <a:prstGeom prst="rect">
+            <a:avLst/>
+          </a:prstGeom>
+          <a:noFill/>
+        </p:spPr>
+        <p:txBody>
+          <a:bodyPr wrap="square" rtlCol="0">
+            <a:spAutoFit/>
+          </a:bodyPr>
+          <a:lstStyle/>
+          <a:p>
+            <a:r>
+              <a:rPr lang="it-IT" sz="3200" dirty="0">
+                <a:latin typeface="Lato Black" panose="020F0502020204030203" pitchFamily="34" charset="0"/>
+                <a:ea typeface="Lato Black" panose="020F0502020204030203" pitchFamily="34" charset="0"/>
+                <a:cs typeface="Lato Black" panose="020F0502020204030203" pitchFamily="34" charset="0"/>
+              </a:rPr>
+              <a:t>La ricerca</a:t>
+            </a:r>
+          </a:p>
+        </p:txBody>
+      </p:sp>
+      <p:sp>
+        <p:nvSpPr>
+          <p:cNvPr id="6" name="CasellaDiTesto 5">
+            <a:extLst>
+              <a:ext uri="{FF2B5EF4-FFF2-40B4-BE49-F238E27FC236}">
+                <a16:creationId xmlns:a16="http://schemas.microsoft.com/office/drawing/2014/main" id="{D13A722D-E148-4971-82F3-1C191AFD95ED}"/>
+              </a:ext>
+            </a:extLst>
+          </p:cNvPr>
+          <p:cNvSpPr txBox="1"/>
+          <p:nvPr/>
+        </p:nvSpPr>
+        <p:spPr>
+          <a:xfrm>
+            <a:off x="704848" y="2024062"/>
+            <a:ext cx="5246690" cy="2154436"/>
+          </a:xfrm>
+          <a:prstGeom prst="rect">
+            <a:avLst/>
+          </a:prstGeom>
+          <a:noFill/>
+        </p:spPr>
+        <p:txBody>
+          <a:bodyPr wrap="square" rtlCol="0">
+            <a:spAutoFit/>
+          </a:bodyPr>
+          <a:lstStyle/>
+          <a:p>
+            <a:pPr marL="285750" indent="-285750">
+              <a:spcAft>
+                <a:spcPts val="1200"/>
+              </a:spcAft>
+              <a:buFont typeface="Wingdings" panose="05000000000000000000" pitchFamily="2" charset="2"/>
+              <a:buChar char="q"/>
+            </a:pPr>
+            <a:r>
+              <a:rPr lang="en-US" sz="1400" dirty="0" err="1">
+                <a:latin typeface="Poppins Light" panose="00000400000000000000" pitchFamily="2" charset="0"/>
+                <a:cs typeface="Poppins Light" panose="00000400000000000000" pitchFamily="2" charset="0"/>
+              </a:rPr>
+              <a:t>Gruppi</a:t>
+            </a:r>
+            <a:r>
+              <a:rPr lang="en-US" sz="1400" dirty="0">
+                <a:latin typeface="Poppins Light" panose="00000400000000000000" pitchFamily="2" charset="0"/>
+                <a:cs typeface="Poppins Light" panose="00000400000000000000" pitchFamily="2" charset="0"/>
+              </a:rPr>
+              <a:t> </a:t>
+            </a:r>
+            <a:r>
+              <a:rPr lang="en-US" sz="1400" dirty="0" err="1">
+                <a:latin typeface="Poppins Light" panose="00000400000000000000" pitchFamily="2" charset="0"/>
+                <a:cs typeface="Poppins Light" panose="00000400000000000000" pitchFamily="2" charset="0"/>
+              </a:rPr>
+              <a:t>principali</a:t>
+            </a:r>
+            <a:r>
+              <a:rPr lang="en-US" sz="1400" dirty="0">
+                <a:latin typeface="Poppins Light" panose="00000400000000000000" pitchFamily="2" charset="0"/>
+                <a:cs typeface="Poppins Light" panose="00000400000000000000" pitchFamily="2" charset="0"/>
+              </a:rPr>
+              <a:t> di </a:t>
+            </a:r>
+            <a:r>
+              <a:rPr lang="en-US" sz="1400" dirty="0" err="1">
+                <a:latin typeface="Poppins Light" panose="00000400000000000000" pitchFamily="2" charset="0"/>
+                <a:cs typeface="Poppins Light" panose="00000400000000000000" pitchFamily="2" charset="0"/>
+              </a:rPr>
+              <a:t>utenti</a:t>
+            </a:r>
+            <a:r>
+              <a:rPr lang="en-US" sz="1400" dirty="0">
+                <a:latin typeface="Poppins Light" panose="00000400000000000000" pitchFamily="2" charset="0"/>
+                <a:cs typeface="Poppins Light" panose="00000400000000000000" pitchFamily="2" charset="0"/>
+              </a:rPr>
+              <a:t> </a:t>
+            </a:r>
+            <a:r>
+              <a:rPr lang="en-US" sz="1400" dirty="0" err="1">
+                <a:latin typeface="Poppins Light" panose="00000400000000000000" pitchFamily="2" charset="0"/>
+                <a:cs typeface="Poppins Light" panose="00000400000000000000" pitchFamily="2" charset="0"/>
+              </a:rPr>
+              <a:t>delle</a:t>
+            </a:r>
+            <a:r>
+              <a:rPr lang="en-US" sz="1400" dirty="0">
+                <a:latin typeface="Poppins Light" panose="00000400000000000000" pitchFamily="2" charset="0"/>
+                <a:cs typeface="Poppins Light" panose="00000400000000000000" pitchFamily="2" charset="0"/>
+              </a:rPr>
+              <a:t> ICTs</a:t>
+            </a:r>
+          </a:p>
+          <a:p>
+            <a:pPr marL="742950" lvl="1" indent="-285750">
+              <a:spcAft>
+                <a:spcPts val="1200"/>
+              </a:spcAft>
+              <a:buFont typeface="Arial" panose="020B0604020202020204" pitchFamily="34" charset="0"/>
+              <a:buChar char="•"/>
+            </a:pPr>
+            <a:r>
+              <a:rPr lang="en-US" sz="1400" dirty="0">
+                <a:latin typeface="Poppins Light" panose="00000400000000000000" pitchFamily="2" charset="0"/>
+                <a:cs typeface="Poppins Light" panose="00000400000000000000" pitchFamily="2" charset="0"/>
+              </a:rPr>
+              <a:t>La </a:t>
+            </a:r>
+            <a:r>
+              <a:rPr lang="en-US" sz="1400" dirty="0" err="1">
+                <a:latin typeface="Poppins Light" panose="00000400000000000000" pitchFamily="2" charset="0"/>
+                <a:cs typeface="Poppins Light" panose="00000400000000000000" pitchFamily="2" charset="0"/>
+              </a:rPr>
+              <a:t>saggezza</a:t>
+            </a:r>
+            <a:r>
+              <a:rPr lang="en-US" sz="1400" dirty="0">
+                <a:latin typeface="Poppins Light" panose="00000400000000000000" pitchFamily="2" charset="0"/>
+                <a:cs typeface="Poppins Light" panose="00000400000000000000" pitchFamily="2" charset="0"/>
+              </a:rPr>
+              <a:t> </a:t>
+            </a:r>
+            <a:r>
+              <a:rPr lang="en-US" sz="1400" dirty="0" err="1">
+                <a:latin typeface="Poppins Light" panose="00000400000000000000" pitchFamily="2" charset="0"/>
+                <a:cs typeface="Poppins Light" panose="00000400000000000000" pitchFamily="2" charset="0"/>
+              </a:rPr>
+              <a:t>è</a:t>
+            </a:r>
+            <a:r>
+              <a:rPr lang="en-US" sz="1400" dirty="0">
+                <a:latin typeface="Poppins Light" panose="00000400000000000000" pitchFamily="2" charset="0"/>
+                <a:cs typeface="Poppins Light" panose="00000400000000000000" pitchFamily="2" charset="0"/>
+              </a:rPr>
+              <a:t> qui ? </a:t>
+            </a:r>
+          </a:p>
+          <a:p>
+            <a:pPr marL="285750" indent="-285750">
+              <a:spcAft>
+                <a:spcPts val="1200"/>
+              </a:spcAft>
+              <a:buFont typeface="Wingdings" panose="05000000000000000000" pitchFamily="2" charset="2"/>
+              <a:buChar char="q"/>
+            </a:pPr>
+            <a:r>
+              <a:rPr lang="en-US" sz="1400" dirty="0" err="1">
+                <a:latin typeface="Poppins Light" panose="00000400000000000000" pitchFamily="2" charset="0"/>
+                <a:cs typeface="Poppins Light" panose="00000400000000000000" pitchFamily="2" charset="0"/>
+              </a:rPr>
+              <a:t>Analisi</a:t>
+            </a:r>
+            <a:r>
+              <a:rPr lang="en-US" sz="1400" dirty="0">
+                <a:latin typeface="Poppins Light" panose="00000400000000000000" pitchFamily="2" charset="0"/>
+                <a:cs typeface="Poppins Light" panose="00000400000000000000" pitchFamily="2" charset="0"/>
+              </a:rPr>
+              <a:t> </a:t>
+            </a:r>
+            <a:r>
+              <a:rPr lang="en-US" sz="1400" dirty="0" err="1">
+                <a:latin typeface="Poppins Light" panose="00000400000000000000" pitchFamily="2" charset="0"/>
+                <a:cs typeface="Poppins Light" panose="00000400000000000000" pitchFamily="2" charset="0"/>
+              </a:rPr>
+              <a:t>storica</a:t>
+            </a:r>
+            <a:r>
+              <a:rPr lang="en-US" sz="1400" dirty="0">
+                <a:latin typeface="Poppins Light" panose="00000400000000000000" pitchFamily="2" charset="0"/>
+                <a:cs typeface="Poppins Light" panose="00000400000000000000" pitchFamily="2" charset="0"/>
+              </a:rPr>
+              <a:t> </a:t>
+            </a:r>
+            <a:r>
+              <a:rPr lang="en-US" sz="1400" dirty="0" err="1">
+                <a:latin typeface="Poppins Light" panose="00000400000000000000" pitchFamily="2" charset="0"/>
+                <a:cs typeface="Poppins Light" panose="00000400000000000000" pitchFamily="2" charset="0"/>
+              </a:rPr>
+              <a:t>della</a:t>
+            </a:r>
+            <a:r>
+              <a:rPr lang="en-US" sz="1400" dirty="0">
+                <a:latin typeface="Poppins Light" panose="00000400000000000000" pitchFamily="2" charset="0"/>
+                <a:cs typeface="Poppins Light" panose="00000400000000000000" pitchFamily="2" charset="0"/>
+              </a:rPr>
+              <a:t> </a:t>
+            </a:r>
+            <a:r>
+              <a:rPr lang="en-US" sz="1400" dirty="0" err="1">
+                <a:latin typeface="Poppins Light" panose="00000400000000000000" pitchFamily="2" charset="0"/>
+                <a:cs typeface="Poppins Light" panose="00000400000000000000" pitchFamily="2" charset="0"/>
+              </a:rPr>
+              <a:t>rivoluzione</a:t>
+            </a:r>
+            <a:r>
+              <a:rPr lang="en-US" sz="1400" dirty="0">
+                <a:latin typeface="Poppins Light" panose="00000400000000000000" pitchFamily="2" charset="0"/>
+                <a:cs typeface="Poppins Light" panose="00000400000000000000" pitchFamily="2" charset="0"/>
+              </a:rPr>
+              <a:t> </a:t>
+            </a:r>
+            <a:r>
+              <a:rPr lang="en-US" sz="1400" dirty="0" err="1">
+                <a:latin typeface="Poppins Light" panose="00000400000000000000" pitchFamily="2" charset="0"/>
+                <a:cs typeface="Poppins Light" panose="00000400000000000000" pitchFamily="2" charset="0"/>
+              </a:rPr>
+              <a:t>digitale</a:t>
+            </a:r>
+            <a:r>
+              <a:rPr lang="en-US" sz="1400" dirty="0">
+                <a:latin typeface="Poppins Light" panose="00000400000000000000" pitchFamily="2" charset="0"/>
+                <a:cs typeface="Poppins Light" panose="00000400000000000000" pitchFamily="2" charset="0"/>
+              </a:rPr>
+              <a:t> </a:t>
+            </a:r>
+            <a:endParaRPr lang="en-US" sz="1400" dirty="0">
+              <a:latin typeface="Poppins Light" panose="00000400000000000000" pitchFamily="2" charset="0"/>
+              <a:cs typeface="Poppins Light" panose="00000400000000000000" pitchFamily="2" charset="0"/>
+              <a:sym typeface="Wingdings" pitchFamily="2" charset="2"/>
+            </a:endParaRPr>
+          </a:p>
+          <a:p>
+            <a:pPr marL="742950" lvl="1" indent="-285750">
+              <a:spcAft>
+                <a:spcPts val="1200"/>
+              </a:spcAft>
+              <a:buFont typeface="Arial" panose="020B0604020202020204" pitchFamily="34" charset="0"/>
+              <a:buChar char="•"/>
+            </a:pPr>
+            <a:r>
+              <a:rPr lang="en-US" sz="1400" dirty="0" err="1">
+                <a:latin typeface="Poppins Light" panose="00000400000000000000" pitchFamily="2" charset="0"/>
+                <a:cs typeface="Poppins Light" panose="00000400000000000000" pitchFamily="2" charset="0"/>
+              </a:rPr>
+              <a:t>Perchè</a:t>
+            </a:r>
+            <a:r>
+              <a:rPr lang="en-US" sz="1400" dirty="0">
+                <a:latin typeface="Poppins Light" panose="00000400000000000000" pitchFamily="2" charset="0"/>
+                <a:cs typeface="Poppins Light" panose="00000400000000000000" pitchFamily="2" charset="0"/>
+              </a:rPr>
+              <a:t> </a:t>
+            </a:r>
+            <a:r>
+              <a:rPr lang="en-US" sz="1400" dirty="0" err="1">
+                <a:latin typeface="Poppins Light" panose="00000400000000000000" pitchFamily="2" charset="0"/>
+                <a:cs typeface="Poppins Light" panose="00000400000000000000" pitchFamily="2" charset="0"/>
+              </a:rPr>
+              <a:t>l’utente</a:t>
+            </a:r>
+            <a:r>
+              <a:rPr lang="en-US" sz="1400" dirty="0">
+                <a:latin typeface="Poppins Light" panose="00000400000000000000" pitchFamily="2" charset="0"/>
+                <a:cs typeface="Poppins Light" panose="00000400000000000000" pitchFamily="2" charset="0"/>
+              </a:rPr>
+              <a:t> medio </a:t>
+            </a:r>
+            <a:r>
+              <a:rPr lang="en-US" sz="1400" dirty="0" err="1">
+                <a:latin typeface="Poppins Light" panose="00000400000000000000" pitchFamily="2" charset="0"/>
+                <a:cs typeface="Poppins Light" panose="00000400000000000000" pitchFamily="2" charset="0"/>
+              </a:rPr>
+              <a:t>odierno</a:t>
+            </a:r>
+            <a:r>
+              <a:rPr lang="en-US" sz="1400" dirty="0">
+                <a:latin typeface="Poppins Light" panose="00000400000000000000" pitchFamily="2" charset="0"/>
+                <a:cs typeface="Poppins Light" panose="00000400000000000000" pitchFamily="2" charset="0"/>
+              </a:rPr>
+              <a:t> non </a:t>
+            </a:r>
+            <a:r>
+              <a:rPr lang="en-US" sz="1400" dirty="0" err="1">
+                <a:latin typeface="Poppins Light" panose="00000400000000000000" pitchFamily="2" charset="0"/>
+                <a:cs typeface="Poppins Light" panose="00000400000000000000" pitchFamily="2" charset="0"/>
+              </a:rPr>
+              <a:t>è</a:t>
+            </a:r>
+            <a:r>
+              <a:rPr lang="en-US" sz="1400" dirty="0">
+                <a:latin typeface="Poppins Light" panose="00000400000000000000" pitchFamily="2" charset="0"/>
+                <a:cs typeface="Poppins Light" panose="00000400000000000000" pitchFamily="2" charset="0"/>
+              </a:rPr>
+              <a:t> </a:t>
+            </a:r>
+            <a:r>
+              <a:rPr lang="en-US" sz="1400" dirty="0" err="1">
+                <a:latin typeface="Poppins Light" panose="00000400000000000000" pitchFamily="2" charset="0"/>
+                <a:cs typeface="Poppins Light" panose="00000400000000000000" pitchFamily="2" charset="0"/>
+              </a:rPr>
+              <a:t>saggio</a:t>
+            </a:r>
+            <a:r>
+              <a:rPr lang="en-US" sz="1400" dirty="0">
+                <a:latin typeface="Poppins Light" panose="00000400000000000000" pitchFamily="2" charset="0"/>
+                <a:cs typeface="Poppins Light" panose="00000400000000000000" pitchFamily="2" charset="0"/>
+              </a:rPr>
+              <a:t> ?</a:t>
+            </a:r>
+          </a:p>
+          <a:p>
+            <a:pPr marL="285750" indent="-285750">
+              <a:spcAft>
+                <a:spcPts val="1200"/>
+              </a:spcAft>
+              <a:buFont typeface="Wingdings" panose="05000000000000000000" pitchFamily="2" charset="2"/>
+              <a:buChar char="q"/>
+            </a:pPr>
+            <a:r>
+              <a:rPr lang="en-US" sz="1400" dirty="0">
+                <a:latin typeface="Poppins Light" panose="00000400000000000000" pitchFamily="2" charset="0"/>
+                <a:cs typeface="Poppins Light" panose="00000400000000000000" pitchFamily="2" charset="0"/>
+              </a:rPr>
+              <a:t>Le </a:t>
+            </a:r>
+            <a:r>
+              <a:rPr lang="en-US" sz="1400" dirty="0" err="1">
+                <a:latin typeface="Poppins Light" panose="00000400000000000000" pitchFamily="2" charset="0"/>
+                <a:cs typeface="Poppins Light" panose="00000400000000000000" pitchFamily="2" charset="0"/>
+              </a:rPr>
+              <a:t>abilità</a:t>
+            </a:r>
+            <a:r>
+              <a:rPr lang="en-US" sz="1400" dirty="0">
+                <a:latin typeface="Poppins Light" panose="00000400000000000000" pitchFamily="2" charset="0"/>
+                <a:cs typeface="Poppins Light" panose="00000400000000000000" pitchFamily="2" charset="0"/>
+              </a:rPr>
+              <a:t> del </a:t>
+            </a:r>
+            <a:r>
+              <a:rPr lang="en-US" sz="1400" dirty="0" err="1">
+                <a:latin typeface="Poppins Light" panose="00000400000000000000" pitchFamily="2" charset="0"/>
+                <a:cs typeface="Poppins Light" panose="00000400000000000000" pitchFamily="2" charset="0"/>
+              </a:rPr>
+              <a:t>saggio</a:t>
+            </a:r>
+            <a:r>
+              <a:rPr lang="en-US" sz="1400" dirty="0">
+                <a:latin typeface="Poppins Light" panose="00000400000000000000" pitchFamily="2" charset="0"/>
+                <a:cs typeface="Poppins Light" panose="00000400000000000000" pitchFamily="2" charset="0"/>
+              </a:rPr>
+              <a:t> </a:t>
+            </a:r>
+            <a:r>
+              <a:rPr lang="en-US" sz="1400" dirty="0" err="1">
+                <a:latin typeface="Poppins Light" panose="00000400000000000000" pitchFamily="2" charset="0"/>
+                <a:cs typeface="Poppins Light" panose="00000400000000000000" pitchFamily="2" charset="0"/>
+              </a:rPr>
+              <a:t>nell’era</a:t>
+            </a:r>
+            <a:r>
+              <a:rPr lang="en-US" sz="1400" dirty="0">
+                <a:latin typeface="Poppins Light" panose="00000400000000000000" pitchFamily="2" charset="0"/>
+                <a:cs typeface="Poppins Light" panose="00000400000000000000" pitchFamily="2" charset="0"/>
+              </a:rPr>
+              <a:t> </a:t>
+            </a:r>
+            <a:r>
+              <a:rPr lang="en-US" sz="1400" dirty="0" err="1">
+                <a:latin typeface="Poppins Light" panose="00000400000000000000" pitchFamily="2" charset="0"/>
+                <a:cs typeface="Poppins Light" panose="00000400000000000000" pitchFamily="2" charset="0"/>
+              </a:rPr>
+              <a:t>digitale</a:t>
+            </a:r>
+            <a:endParaRPr lang="en-US" sz="1400" dirty="0">
+              <a:latin typeface="Poppins Light" panose="00000400000000000000" pitchFamily="2" charset="0"/>
+              <a:cs typeface="Poppins Light" panose="00000400000000000000" pitchFamily="2" charset="0"/>
+            </a:endParaRPr>
+          </a:p>
+          <a:p>
+            <a:pPr marL="742950" lvl="1" indent="-285750">
+              <a:spcAft>
+                <a:spcPts val="1200"/>
+              </a:spcAft>
+              <a:buFont typeface="Arial" panose="020B0604020202020204" pitchFamily="34" charset="0"/>
+              <a:buChar char="•"/>
+            </a:pPr>
+            <a:r>
+              <a:rPr lang="en-US" sz="1400" dirty="0">
+                <a:latin typeface="Poppins Light" panose="00000400000000000000" pitchFamily="2" charset="0"/>
+                <a:cs typeface="Poppins Light" panose="00000400000000000000" pitchFamily="2" charset="0"/>
+              </a:rPr>
+              <a:t>Come </a:t>
+            </a:r>
+            <a:r>
+              <a:rPr lang="en-US" sz="1400" dirty="0" err="1">
+                <a:latin typeface="Poppins Light" panose="00000400000000000000" pitchFamily="2" charset="0"/>
+                <a:cs typeface="Poppins Light" panose="00000400000000000000" pitchFamily="2" charset="0"/>
+              </a:rPr>
+              <a:t>svilupparle</a:t>
+            </a:r>
+            <a:r>
+              <a:rPr lang="en-US" sz="1400" dirty="0">
+                <a:latin typeface="Poppins Light" panose="00000400000000000000" pitchFamily="2" charset="0"/>
+                <a:cs typeface="Poppins Light" panose="00000400000000000000" pitchFamily="2" charset="0"/>
+              </a:rPr>
+              <a:t> ?</a:t>
+            </a:r>
+          </a:p>
+        </p:txBody>
+      </p:sp>
+      <p:cxnSp>
+        <p:nvCxnSpPr>
+          <p:cNvPr id="4" name="Connettore diritto 3">
+            <a:extLst>
+              <a:ext uri="{FF2B5EF4-FFF2-40B4-BE49-F238E27FC236}">
+                <a16:creationId xmlns:a16="http://schemas.microsoft.com/office/drawing/2014/main" id="{51FD34F7-E331-45F9-984B-6D3860116CA5}"/>
+              </a:ext>
+            </a:extLst>
+          </p:cNvPr>
+          <p:cNvCxnSpPr>
+            <a:cxnSpLocks/>
+          </p:cNvCxnSpPr>
+          <p:nvPr/>
+        </p:nvCxnSpPr>
+        <p:spPr>
+          <a:xfrm>
+            <a:off x="772998" y="1134050"/>
+            <a:ext cx="1775649" cy="0"/>
+          </a:xfrm>
+          <a:prstGeom prst="line">
+            <a:avLst/>
+          </a:prstGeom>
+          <a:ln w="38100">
+            <a:solidFill>
+              <a:schemeClr val="accent2"/>
+            </a:solidFill>
+          </a:ln>
+        </p:spPr>
+        <p:style>
+          <a:lnRef idx="3">
+            <a:schemeClr val="accent2"/>
+          </a:lnRef>
+          <a:fillRef idx="0">
+            <a:schemeClr val="accent2"/>
+          </a:fillRef>
+          <a:effectRef idx="2">
+            <a:schemeClr val="accent2"/>
+          </a:effectRef>
+          <a:fontRef idx="minor">
+            <a:schemeClr val="tx1"/>
+          </a:fontRef>
+        </p:style>
+      </p:cxnSp>
+      <p:pic>
+        <p:nvPicPr>
+          <p:cNvPr id="15" name="Immagine 14" descr="Immagine che contiene interni, tavolo, tavolo da pranzo&#10;&#10;Descrizione generata automaticamente">
+            <a:extLst>
+              <a:ext uri="{FF2B5EF4-FFF2-40B4-BE49-F238E27FC236}">
+                <a16:creationId xmlns:a16="http://schemas.microsoft.com/office/drawing/2014/main" id="{0FA78F81-25EE-4C6B-BB5F-8F4184FAD4AA}"/>
+              </a:ext>
+            </a:extLst>
+          </p:cNvPr>
+          <p:cNvPicPr>
+            <a:picLocks noChangeAspect="1"/>
+          </p:cNvPicPr>
+          <p:nvPr/>
+        </p:nvPicPr>
+        <p:blipFill rotWithShape="1">
+          <a:blip r:embed="rId2">
+            <a:extLst>
+              <a:ext uri="{28A0092B-C50C-407E-A947-70E740481C1C}">
+                <a14:useLocalDpi xmlns:a14="http://schemas.microsoft.com/office/drawing/2010/main" val="0"/>
+              </a:ext>
+            </a:extLst>
+          </a:blip>
+          <a:srcRect l="14715" t="844" r="18280" b="3188"/>
+          <a:stretch/>
+        </p:blipFill>
+        <p:spPr>
+          <a:xfrm>
+            <a:off x="6240463" y="2060576"/>
+            <a:ext cx="5951537" cy="4151382"/>
+          </a:xfrm>
+          <a:prstGeom prst="rect">
+            <a:avLst/>
+          </a:prstGeom>
+        </p:spPr>
+      </p:pic>
+    </p:spTree>
+    <p:extLst>
+      <p:ext uri="{BB962C8B-B14F-4D97-AF65-F5344CB8AC3E}">
+        <p14:creationId xmlns:p14="http://schemas.microsoft.com/office/powerpoint/2010/main" val="341538158"/>
+      </p:ext>
+    </p:extLst>
+  </p:cSld>
+  <p:clrMapOvr>
+    <a:masterClrMapping/>
+  </p:clrMapOvr>
+</p:sld>
+</file>
+
+<file path=ppt/slides/slide3.xml><?xml version="1.0" encoding="utf-8"?>
+<p:sld xmlns:a="http://schemas.openxmlformats.org/drawingml/2006/main" xmlns:r="http://schemas.openxmlformats.org/officeDocument/2006/relationships" xmlns:p="http://schemas.openxmlformats.org/presentationml/2006/main">
+  <p:cSld>
+    <p:spTree>
+      <p:nvGrpSpPr>
+        <p:cNvPr id="1" name=""/>
+        <p:cNvGrpSpPr/>
+        <p:nvPr/>
+      </p:nvGrpSpPr>
+      <p:grpSpPr>
+        <a:xfrm>
+          <a:off x="0" y="0"/>
+          <a:ext cx="0" cy="0"/>
+          <a:chOff x="0" y="0"/>
+          <a:chExt cx="0" cy="0"/>
+        </a:xfrm>
+      </p:grpSpPr>
+      <p:sp>
+        <p:nvSpPr>
+          <p:cNvPr id="5" name="CasellaDiTesto 4">
+            <a:extLst>
+              <a:ext uri="{FF2B5EF4-FFF2-40B4-BE49-F238E27FC236}">
+                <a16:creationId xmlns:a16="http://schemas.microsoft.com/office/drawing/2014/main" id="{89B91983-B758-4281-AC68-D9F7AB480AD9}"/>
+              </a:ext>
+            </a:extLst>
+          </p:cNvPr>
+          <p:cNvSpPr txBox="1"/>
+          <p:nvPr/>
+        </p:nvSpPr>
+        <p:spPr>
+          <a:xfrm>
+            <a:off x="704847" y="549275"/>
+            <a:ext cx="8020051" cy="584775"/>
+          </a:xfrm>
+          <a:prstGeom prst="rect">
+            <a:avLst/>
+          </a:prstGeom>
+          <a:noFill/>
+        </p:spPr>
+        <p:txBody>
+          <a:bodyPr wrap="square" rtlCol="0">
+            <a:spAutoFit/>
+          </a:bodyPr>
+          <a:lstStyle/>
+          <a:p>
+            <a:r>
+              <a:rPr lang="it-IT" sz="3200" dirty="0">
+                <a:latin typeface="Lato Black" panose="020F0502020204030203" pitchFamily="34" charset="0"/>
+                <a:ea typeface="Lato Black" panose="020F0502020204030203" pitchFamily="34" charset="0"/>
+                <a:cs typeface="Lato Black" panose="020F0502020204030203" pitchFamily="34" charset="0"/>
+              </a:rPr>
+              <a:t>Non </a:t>
+            </a:r>
+            <a:r>
+              <a:rPr lang="it-IT" sz="3200" dirty="0" err="1">
+                <a:latin typeface="Lato Black" panose="020F0502020204030203" pitchFamily="34" charset="0"/>
+                <a:ea typeface="Lato Black" panose="020F0502020204030203" pitchFamily="34" charset="0"/>
+                <a:cs typeface="Lato Black" panose="020F0502020204030203" pitchFamily="34" charset="0"/>
+              </a:rPr>
+              <a:t>Users</a:t>
+            </a:r>
+            <a:endParaRPr lang="it-IT" sz="3200" dirty="0">
+              <a:latin typeface="Lato Black" panose="020F0502020204030203" pitchFamily="34" charset="0"/>
+              <a:ea typeface="Lato Black" panose="020F0502020204030203" pitchFamily="34" charset="0"/>
+              <a:cs typeface="Lato Black" panose="020F0502020204030203" pitchFamily="34" charset="0"/>
+            </a:endParaRPr>
+          </a:p>
+        </p:txBody>
+      </p:sp>
+      <p:sp>
+        <p:nvSpPr>
+          <p:cNvPr id="6" name="CasellaDiTesto 5">
+            <a:extLst>
+              <a:ext uri="{FF2B5EF4-FFF2-40B4-BE49-F238E27FC236}">
+                <a16:creationId xmlns:a16="http://schemas.microsoft.com/office/drawing/2014/main" id="{D13A722D-E148-4971-82F3-1C191AFD95ED}"/>
+              </a:ext>
+            </a:extLst>
+          </p:cNvPr>
+          <p:cNvSpPr txBox="1"/>
+          <p:nvPr/>
+        </p:nvSpPr>
+        <p:spPr>
+          <a:xfrm>
+            <a:off x="704847" y="2024062"/>
+            <a:ext cx="4973053" cy="3631763"/>
+          </a:xfrm>
+          <a:prstGeom prst="rect">
+            <a:avLst/>
+          </a:prstGeom>
+          <a:noFill/>
+        </p:spPr>
+        <p:txBody>
+          <a:bodyPr wrap="square" rtlCol="0">
+            <a:spAutoFit/>
+          </a:bodyPr>
+          <a:lstStyle/>
+          <a:p>
+            <a:pPr marL="285750" indent="-285750">
+              <a:spcAft>
+                <a:spcPts val="1200"/>
+              </a:spcAft>
+              <a:buFont typeface="Wingdings" panose="05000000000000000000" pitchFamily="2" charset="2"/>
+              <a:buChar char="q"/>
+            </a:pPr>
+            <a:r>
+              <a:rPr lang="it-IT" sz="1400" dirty="0">
+                <a:latin typeface="Poppins Medium" panose="00000600000000000000" pitchFamily="50" charset="0"/>
+                <a:cs typeface="Poppins Medium" panose="00000600000000000000" pitchFamily="50" charset="0"/>
+              </a:rPr>
+              <a:t>Sentimento di incompetenza</a:t>
+            </a:r>
+            <a:endParaRPr lang="it-IT" sz="1400" dirty="0">
+              <a:latin typeface="Poppins SemiBold" panose="00000700000000000000" pitchFamily="50" charset="0"/>
+              <a:cs typeface="Poppins SemiBold" panose="00000700000000000000" pitchFamily="50" charset="0"/>
+            </a:endParaRPr>
+          </a:p>
+          <a:p>
+            <a:pPr marL="742950" lvl="1" indent="-285750">
+              <a:spcAft>
+                <a:spcPts val="1200"/>
+              </a:spcAft>
+              <a:buFont typeface="Arial" panose="020B0604020202020204" pitchFamily="34" charset="0"/>
+              <a:buChar char="•"/>
+            </a:pPr>
+            <a:r>
+              <a:rPr lang="it-IT" sz="1400" dirty="0">
+                <a:latin typeface="Poppins Light" panose="00000400000000000000" pitchFamily="50" charset="0"/>
+                <a:cs typeface="Poppins Light" panose="00000400000000000000" pitchFamily="50" charset="0"/>
+              </a:rPr>
+              <a:t>Non comprensione dei rischi  </a:t>
+            </a:r>
+          </a:p>
+          <a:p>
+            <a:pPr marL="742950" lvl="1" indent="-285750">
+              <a:spcAft>
+                <a:spcPts val="1200"/>
+              </a:spcAft>
+              <a:buFont typeface="Arial" panose="020B0604020202020204" pitchFamily="34" charset="0"/>
+              <a:buChar char="•"/>
+            </a:pPr>
+            <a:r>
+              <a:rPr lang="it-IT" sz="1400" dirty="0">
+                <a:latin typeface="Poppins Light" panose="00000400000000000000" pitchFamily="50" charset="0"/>
+                <a:cs typeface="Poppins Light" panose="00000400000000000000" pitchFamily="50" charset="0"/>
+              </a:rPr>
+              <a:t>Ansia di non padroneggiare gli strumenti</a:t>
+            </a:r>
+          </a:p>
+          <a:p>
+            <a:pPr lvl="1">
+              <a:spcAft>
+                <a:spcPts val="1200"/>
+              </a:spcAft>
+            </a:pPr>
+            <a:r>
+              <a:rPr lang="it-IT" sz="1400" dirty="0">
+                <a:latin typeface="Poppins Light" panose="00000400000000000000" pitchFamily="50" charset="0"/>
+                <a:cs typeface="Poppins Light" panose="00000400000000000000" pitchFamily="50" charset="0"/>
+                <a:sym typeface="Wingdings" pitchFamily="2" charset="2"/>
+              </a:rPr>
+              <a:t> Responsabilità degli errori</a:t>
+            </a:r>
+            <a:endParaRPr lang="it-IT" sz="1400" dirty="0">
+              <a:latin typeface="Poppins Light" panose="00000400000000000000" pitchFamily="50" charset="0"/>
+              <a:cs typeface="Poppins Light" panose="00000400000000000000" pitchFamily="50" charset="0"/>
+            </a:endParaRPr>
+          </a:p>
+          <a:p>
+            <a:pPr marL="285750" indent="-285750">
+              <a:spcAft>
+                <a:spcPts val="1200"/>
+              </a:spcAft>
+              <a:buFont typeface="Wingdings" panose="05000000000000000000" pitchFamily="2" charset="2"/>
+              <a:buChar char="q"/>
+            </a:pPr>
+            <a:r>
+              <a:rPr lang="it-IT" sz="1400" dirty="0">
+                <a:latin typeface="Poppins Medium" panose="00000600000000000000" pitchFamily="50" charset="0"/>
+                <a:cs typeface="Poppins Medium" panose="00000600000000000000" pitchFamily="50" charset="0"/>
+              </a:rPr>
+              <a:t>Minaccia per alcune attività</a:t>
+            </a:r>
+            <a:endParaRPr lang="it-IT" sz="1400" dirty="0">
+              <a:latin typeface="Poppins SemiBold" panose="00000700000000000000" pitchFamily="50" charset="0"/>
+              <a:cs typeface="Poppins SemiBold" panose="00000700000000000000" pitchFamily="50" charset="0"/>
+            </a:endParaRPr>
+          </a:p>
+          <a:p>
+            <a:pPr marL="742950" lvl="1" indent="-285750">
+              <a:spcAft>
+                <a:spcPts val="1200"/>
+              </a:spcAft>
+              <a:buFont typeface="Arial" panose="020B0604020202020204" pitchFamily="34" charset="0"/>
+              <a:buChar char="•"/>
+            </a:pPr>
+            <a:r>
+              <a:rPr lang="it-IT" sz="1400" dirty="0">
+                <a:latin typeface="Poppins Light" panose="00000400000000000000" pitchFamily="50" charset="0"/>
+                <a:cs typeface="Poppins Light" panose="00000400000000000000" pitchFamily="50" charset="0"/>
+              </a:rPr>
+              <a:t>Disoccupazione</a:t>
+            </a:r>
+          </a:p>
+          <a:p>
+            <a:pPr marL="742950" lvl="1" indent="-285750">
+              <a:spcAft>
+                <a:spcPts val="1200"/>
+              </a:spcAft>
+              <a:buFont typeface="Arial" panose="020B0604020202020204" pitchFamily="34" charset="0"/>
+              <a:buChar char="•"/>
+            </a:pPr>
+            <a:r>
+              <a:rPr lang="it-IT" sz="1400" dirty="0">
+                <a:latin typeface="Poppins Light" panose="00000400000000000000" pitchFamily="50" charset="0"/>
+                <a:cs typeface="Poppins Light" panose="00000400000000000000" pitchFamily="50" charset="0"/>
+              </a:rPr>
+              <a:t>Chiusura attività e aree di socializzazione</a:t>
+            </a:r>
+          </a:p>
+          <a:p>
+            <a:pPr marL="285750" indent="-285750">
+              <a:spcAft>
+                <a:spcPts val="1200"/>
+              </a:spcAft>
+              <a:buFont typeface="Wingdings" panose="05000000000000000000" pitchFamily="2" charset="2"/>
+              <a:buChar char="q"/>
+            </a:pPr>
+            <a:r>
+              <a:rPr lang="it-IT" sz="1400" dirty="0">
+                <a:latin typeface="Poppins Medium" panose="00000600000000000000" pitchFamily="50" charset="0"/>
+                <a:cs typeface="Poppins Medium" panose="00000600000000000000" pitchFamily="50" charset="0"/>
+              </a:rPr>
+              <a:t>Aspettativa culturale</a:t>
+            </a:r>
+            <a:endParaRPr lang="it-IT" sz="1400" dirty="0">
+              <a:latin typeface="Poppins SemiBold" panose="00000700000000000000" pitchFamily="50" charset="0"/>
+              <a:cs typeface="Poppins SemiBold" panose="00000700000000000000" pitchFamily="50" charset="0"/>
+            </a:endParaRPr>
+          </a:p>
+          <a:p>
+            <a:pPr marL="742950" lvl="1" indent="-285750">
+              <a:spcAft>
+                <a:spcPts val="1200"/>
+              </a:spcAft>
+              <a:buFont typeface="Arial" panose="020B0604020202020204" pitchFamily="34" charset="0"/>
+              <a:buChar char="•"/>
+            </a:pPr>
+            <a:r>
+              <a:rPr lang="it-IT" sz="1400" dirty="0">
+                <a:latin typeface="Poppins Light" panose="00000400000000000000" pitchFamily="50" charset="0"/>
+                <a:cs typeface="Poppins Light" panose="00000400000000000000" pitchFamily="50" charset="0"/>
+              </a:rPr>
+              <a:t>Essere scoraggiati e disincentivati </a:t>
+            </a:r>
+          </a:p>
+          <a:p>
+            <a:pPr marL="742950" lvl="1" indent="-285750">
+              <a:spcAft>
+                <a:spcPts val="1200"/>
+              </a:spcAft>
+              <a:buFont typeface="Arial" panose="020B0604020202020204" pitchFamily="34" charset="0"/>
+              <a:buChar char="•"/>
+            </a:pPr>
+            <a:endParaRPr lang="it-IT" sz="1400" dirty="0">
+              <a:latin typeface="Poppins Light" panose="00000400000000000000" pitchFamily="50" charset="0"/>
+              <a:cs typeface="Poppins Light" panose="00000400000000000000" pitchFamily="50" charset="0"/>
+            </a:endParaRPr>
+          </a:p>
+        </p:txBody>
+      </p:sp>
+      <p:cxnSp>
+        <p:nvCxnSpPr>
+          <p:cNvPr id="4" name="Connettore diritto 3">
+            <a:extLst>
+              <a:ext uri="{FF2B5EF4-FFF2-40B4-BE49-F238E27FC236}">
+                <a16:creationId xmlns:a16="http://schemas.microsoft.com/office/drawing/2014/main" id="{51FD34F7-E331-45F9-984B-6D3860116CA5}"/>
+              </a:ext>
+            </a:extLst>
+          </p:cNvPr>
+          <p:cNvCxnSpPr>
+            <a:cxnSpLocks/>
+          </p:cNvCxnSpPr>
+          <p:nvPr/>
+        </p:nvCxnSpPr>
+        <p:spPr>
+          <a:xfrm>
+            <a:off x="772998" y="1134050"/>
+            <a:ext cx="1916414" cy="0"/>
+          </a:xfrm>
+          <a:prstGeom prst="line">
+            <a:avLst/>
+          </a:prstGeom>
+          <a:ln w="38100">
+            <a:solidFill>
+              <a:schemeClr val="accent2"/>
+            </a:solidFill>
+          </a:ln>
+        </p:spPr>
+        <p:style>
+          <a:lnRef idx="3">
+            <a:schemeClr val="accent2"/>
+          </a:lnRef>
+          <a:fillRef idx="0">
+            <a:schemeClr val="accent2"/>
+          </a:fillRef>
+          <a:effectRef idx="2">
+            <a:schemeClr val="accent2"/>
+          </a:effectRef>
+          <a:fontRef idx="minor">
+            <a:schemeClr val="tx1"/>
+          </a:fontRef>
+        </p:style>
+      </p:cxnSp>
+      <p:sp>
+        <p:nvSpPr>
+          <p:cNvPr id="13" name="CasellaDiTesto 12">
+            <a:extLst>
+              <a:ext uri="{FF2B5EF4-FFF2-40B4-BE49-F238E27FC236}">
+                <a16:creationId xmlns:a16="http://schemas.microsoft.com/office/drawing/2014/main" id="{F4B9D0A8-CBB1-AE45-A648-B023F64C959C}"/>
+              </a:ext>
+            </a:extLst>
+          </p:cNvPr>
+          <p:cNvSpPr txBox="1"/>
+          <p:nvPr/>
+        </p:nvSpPr>
+        <p:spPr>
+          <a:xfrm>
+            <a:off x="4405007" y="549275"/>
+            <a:ext cx="4656222" cy="584775"/>
+          </a:xfrm>
+          <a:prstGeom prst="rect">
+            <a:avLst/>
+          </a:prstGeom>
+          <a:noFill/>
+        </p:spPr>
+        <p:txBody>
+          <a:bodyPr wrap="square">
+            <a:spAutoFit/>
+          </a:bodyPr>
+          <a:lstStyle/>
+          <a:p>
+            <a:pPr marL="0" marR="0" lvl="0" indent="0" algn="r" defTabSz="914400" rtl="0" eaLnBrk="1" fontAlgn="auto" latinLnBrk="0" hangingPunct="1">
+              <a:lnSpc>
+                <a:spcPct val="100000"/>
+              </a:lnSpc>
+              <a:spcBef>
+                <a:spcPts val="0"/>
+              </a:spcBef>
+              <a:spcAft>
+                <a:spcPts val="0"/>
+              </a:spcAft>
+              <a:buClrTx/>
+              <a:buSzTx/>
+              <a:buFontTx/>
+              <a:buNone/>
+              <a:tabLst/>
+              <a:defRPr/>
+            </a:pPr>
+            <a:r>
+              <a:rPr kumimoji="0" lang="it-IT" sz="3200" b="0" i="0" u="none" strike="noStrike" kern="1200" cap="none" spc="0" normalizeH="0" baseline="0" noProof="0" dirty="0">
+                <a:ln>
+                  <a:noFill/>
+                </a:ln>
+                <a:solidFill>
+                  <a:prstClr val="black"/>
+                </a:solidFill>
+                <a:effectLst/>
+                <a:uLnTx/>
+                <a:uFillTx/>
+                <a:latin typeface="Lato Black" panose="020F0502020204030203" pitchFamily="34" charset="0"/>
+                <a:ea typeface="Lato Black" panose="020F0502020204030203" pitchFamily="34" charset="0"/>
+                <a:cs typeface="Lato Black" panose="020F0502020204030203" pitchFamily="34" charset="0"/>
+              </a:rPr>
+              <a:t>Digital </a:t>
+            </a:r>
+            <a:r>
+              <a:rPr kumimoji="0" lang="it-IT" sz="3200" b="0" i="0" u="none" strike="noStrike" kern="1200" cap="none" spc="0" normalizeH="0" baseline="0" noProof="0" dirty="0" err="1">
+                <a:ln>
+                  <a:noFill/>
+                </a:ln>
+                <a:solidFill>
+                  <a:prstClr val="black"/>
+                </a:solidFill>
+                <a:effectLst/>
+                <a:uLnTx/>
+                <a:uFillTx/>
+                <a:latin typeface="Lato Black" panose="020F0502020204030203" pitchFamily="34" charset="0"/>
+                <a:ea typeface="Lato Black" panose="020F0502020204030203" pitchFamily="34" charset="0"/>
+                <a:cs typeface="Lato Black" panose="020F0502020204030203" pitchFamily="34" charset="0"/>
+              </a:rPr>
+              <a:t>Natives</a:t>
+            </a:r>
+            <a:endParaRPr kumimoji="0" lang="it-IT" sz="3200" b="0" i="0" u="none" strike="noStrike" kern="1200" cap="none" spc="0" normalizeH="0" baseline="0" noProof="0" dirty="0">
+              <a:ln>
+                <a:noFill/>
+              </a:ln>
+              <a:solidFill>
+                <a:prstClr val="black"/>
+              </a:solidFill>
+              <a:effectLst/>
+              <a:uLnTx/>
+              <a:uFillTx/>
+              <a:latin typeface="Lato Black" panose="020F0502020204030203" pitchFamily="34" charset="0"/>
+              <a:ea typeface="Lato Black" panose="020F0502020204030203" pitchFamily="34" charset="0"/>
+              <a:cs typeface="Lato Black" panose="020F0502020204030203" pitchFamily="34" charset="0"/>
+            </a:endParaRPr>
+          </a:p>
+        </p:txBody>
+      </p:sp>
+      <p:cxnSp>
+        <p:nvCxnSpPr>
+          <p:cNvPr id="14" name="Connettore diritto 3">
+            <a:extLst>
+              <a:ext uri="{FF2B5EF4-FFF2-40B4-BE49-F238E27FC236}">
+                <a16:creationId xmlns:a16="http://schemas.microsoft.com/office/drawing/2014/main" id="{48BE3404-9FF5-1640-94CA-CFB87AE66AA7}"/>
+              </a:ext>
+            </a:extLst>
+          </p:cNvPr>
+          <p:cNvCxnSpPr>
+            <a:cxnSpLocks/>
+          </p:cNvCxnSpPr>
+          <p:nvPr/>
+        </p:nvCxnSpPr>
+        <p:spPr>
+          <a:xfrm>
+            <a:off x="6297693" y="1141048"/>
+            <a:ext cx="2763536" cy="0"/>
+          </a:xfrm>
+          <a:prstGeom prst="line">
+            <a:avLst/>
+          </a:prstGeom>
+          <a:ln w="38100">
+            <a:solidFill>
+              <a:schemeClr val="accent2"/>
+            </a:solidFill>
+          </a:ln>
+        </p:spPr>
+        <p:style>
+          <a:lnRef idx="3">
+            <a:schemeClr val="accent2"/>
+          </a:lnRef>
+          <a:fillRef idx="0">
+            <a:schemeClr val="accent2"/>
+          </a:fillRef>
+          <a:effectRef idx="2">
+            <a:schemeClr val="accent2"/>
+          </a:effectRef>
+          <a:fontRef idx="minor">
+            <a:schemeClr val="tx1"/>
+          </a:fontRef>
+        </p:style>
+      </p:cxnSp>
+      <p:sp>
+        <p:nvSpPr>
+          <p:cNvPr id="17" name="CasellaDiTesto 16">
+            <a:extLst>
+              <a:ext uri="{FF2B5EF4-FFF2-40B4-BE49-F238E27FC236}">
+                <a16:creationId xmlns:a16="http://schemas.microsoft.com/office/drawing/2014/main" id="{C288D0CD-0A52-0647-9429-A8F5E036D8D1}"/>
+              </a:ext>
+            </a:extLst>
+          </p:cNvPr>
+          <p:cNvSpPr txBox="1"/>
+          <p:nvPr/>
+        </p:nvSpPr>
+        <p:spPr>
+          <a:xfrm>
+            <a:off x="6238372" y="2011997"/>
+            <a:ext cx="4973052" cy="1631216"/>
+          </a:xfrm>
+          <a:prstGeom prst="rect">
+            <a:avLst/>
+          </a:prstGeom>
+          <a:noFill/>
+        </p:spPr>
+        <p:txBody>
+          <a:bodyPr wrap="square">
+            <a:spAutoFit/>
+          </a:bodyPr>
+          <a:lstStyle/>
+          <a:p>
+            <a:pPr marL="285750" marR="0" lvl="0" indent="-285750" defTabSz="914400" rtl="0" eaLnBrk="1" fontAlgn="auto" latinLnBrk="0" hangingPunct="1">
+              <a:lnSpc>
+                <a:spcPct val="100000"/>
+              </a:lnSpc>
+              <a:spcBef>
+                <a:spcPts val="0"/>
+              </a:spcBef>
+              <a:spcAft>
+                <a:spcPts val="1200"/>
+              </a:spcAft>
+              <a:buClrTx/>
+              <a:buSzTx/>
+              <a:buFont typeface="Wingdings" panose="05000000000000000000" pitchFamily="2" charset="2"/>
+              <a:buChar char="q"/>
+              <a:tabLst/>
+              <a:defRPr/>
+            </a:pPr>
+            <a:r>
+              <a:rPr kumimoji="0" lang="it-IT" sz="1400" b="0" i="0" u="none" strike="noStrike" kern="1200" cap="none" spc="0" normalizeH="0" baseline="0" noProof="0" dirty="0">
+                <a:ln>
+                  <a:noFill/>
+                </a:ln>
+                <a:solidFill>
+                  <a:prstClr val="black"/>
+                </a:solidFill>
+                <a:effectLst/>
+                <a:uLnTx/>
+                <a:uFillTx/>
+                <a:latin typeface="Poppins Medium" panose="00000600000000000000" pitchFamily="50" charset="0"/>
+                <a:ea typeface="+mn-ea"/>
+                <a:cs typeface="Poppins Medium" panose="00000600000000000000" pitchFamily="50" charset="0"/>
+              </a:rPr>
+              <a:t>Percezione distorta delle competenze</a:t>
+            </a:r>
+          </a:p>
+          <a:p>
+            <a:pPr marL="742950" marR="0" lvl="1" indent="-285750" defTabSz="914400" rtl="0" eaLnBrk="1" fontAlgn="auto" latinLnBrk="0" hangingPunct="1">
+              <a:lnSpc>
+                <a:spcPct val="100000"/>
+              </a:lnSpc>
+              <a:spcBef>
+                <a:spcPts val="0"/>
+              </a:spcBef>
+              <a:spcAft>
+                <a:spcPts val="1200"/>
+              </a:spcAft>
+              <a:buClrTx/>
+              <a:buSzTx/>
+              <a:buFont typeface="Arial" panose="020B0604020202020204" pitchFamily="34" charset="0"/>
+              <a:buChar char="•"/>
+              <a:tabLst/>
+              <a:defRPr/>
+            </a:pPr>
+            <a:r>
+              <a:rPr kumimoji="0" lang="it-IT" sz="1400" b="0" i="0" u="none" strike="noStrike" kern="1200" cap="none" spc="0" normalizeH="0" baseline="0" noProof="0" dirty="0">
+                <a:ln>
+                  <a:noFill/>
+                </a:ln>
+                <a:solidFill>
+                  <a:prstClr val="black"/>
+                </a:solidFill>
+                <a:effectLst/>
+                <a:uLnTx/>
+                <a:uFillTx/>
+                <a:latin typeface="Poppins Light" panose="00000400000000000000" pitchFamily="50" charset="0"/>
+                <a:ea typeface="+mn-ea"/>
+                <a:cs typeface="Poppins Light" panose="00000400000000000000" pitchFamily="50" charset="0"/>
+              </a:rPr>
+              <a:t>Conoscenze professionali VS abilità per stile di vita</a:t>
+            </a:r>
+          </a:p>
+          <a:p>
+            <a:pPr marL="285750" marR="0" lvl="0" indent="-285750" defTabSz="914400" rtl="0" eaLnBrk="1" fontAlgn="auto" latinLnBrk="0" hangingPunct="1">
+              <a:lnSpc>
+                <a:spcPct val="100000"/>
+              </a:lnSpc>
+              <a:spcBef>
+                <a:spcPts val="0"/>
+              </a:spcBef>
+              <a:spcAft>
+                <a:spcPts val="1200"/>
+              </a:spcAft>
+              <a:buClrTx/>
+              <a:buSzTx/>
+              <a:buFont typeface="Wingdings" panose="05000000000000000000" pitchFamily="2" charset="2"/>
+              <a:buChar char="q"/>
+              <a:tabLst/>
+              <a:defRPr/>
+            </a:pPr>
+            <a:r>
+              <a:rPr kumimoji="0" lang="it-IT" sz="1400" b="0" i="0" u="none" strike="noStrike" kern="1200" cap="none" spc="0" normalizeH="0" baseline="0" noProof="0" dirty="0">
+                <a:ln>
+                  <a:noFill/>
+                </a:ln>
+                <a:solidFill>
+                  <a:prstClr val="black"/>
+                </a:solidFill>
+                <a:effectLst/>
+                <a:uLnTx/>
+                <a:uFillTx/>
+                <a:latin typeface="Poppins Medium" panose="00000600000000000000" pitchFamily="50" charset="0"/>
+                <a:ea typeface="+mn-ea"/>
+                <a:cs typeface="Poppins Medium" panose="00000600000000000000" pitchFamily="50" charset="0"/>
+              </a:rPr>
+              <a:t>Modalità di apprendimento</a:t>
+            </a:r>
+            <a:endParaRPr kumimoji="0" lang="it-IT" sz="1400" b="0" i="0" u="none" strike="noStrike" kern="1200" cap="none" spc="0" normalizeH="0" baseline="0" noProof="0" dirty="0">
+              <a:ln>
+                <a:noFill/>
+              </a:ln>
+              <a:solidFill>
+                <a:prstClr val="black"/>
+              </a:solidFill>
+              <a:effectLst/>
+              <a:uLnTx/>
+              <a:uFillTx/>
+              <a:latin typeface="Poppins SemiBold" panose="00000700000000000000" pitchFamily="50" charset="0"/>
+              <a:ea typeface="+mn-ea"/>
+              <a:cs typeface="Poppins SemiBold" panose="00000700000000000000" pitchFamily="50" charset="0"/>
+            </a:endParaRPr>
+          </a:p>
+          <a:p>
+            <a:pPr marL="742950" marR="0" lvl="1" indent="-285750" defTabSz="914400" rtl="0" eaLnBrk="1" fontAlgn="auto" latinLnBrk="0" hangingPunct="1">
+              <a:lnSpc>
+                <a:spcPct val="100000"/>
+              </a:lnSpc>
+              <a:spcBef>
+                <a:spcPts val="0"/>
+              </a:spcBef>
+              <a:spcAft>
+                <a:spcPts val="1200"/>
+              </a:spcAft>
+              <a:buClrTx/>
+              <a:buSzTx/>
+              <a:buFont typeface="Arial" panose="020B0604020202020204" pitchFamily="34" charset="0"/>
+              <a:buChar char="•"/>
+              <a:tabLst/>
+              <a:defRPr/>
+            </a:pPr>
+            <a:r>
+              <a:rPr kumimoji="0" lang="it-IT" sz="1400" b="0" i="0" u="none" strike="noStrike" kern="1200" cap="none" spc="0" normalizeH="0" baseline="0" noProof="0" dirty="0">
+                <a:ln>
+                  <a:noFill/>
+                </a:ln>
+                <a:solidFill>
+                  <a:prstClr val="black"/>
+                </a:solidFill>
+                <a:effectLst/>
+                <a:uLnTx/>
+                <a:uFillTx/>
+                <a:latin typeface="Poppins Light" panose="00000400000000000000" pitchFamily="50" charset="0"/>
+                <a:ea typeface="+mn-ea"/>
+                <a:cs typeface="Poppins Light" panose="00000400000000000000" pitchFamily="50" charset="0"/>
+              </a:rPr>
+              <a:t>Digital </a:t>
+            </a:r>
+            <a:r>
+              <a:rPr kumimoji="0" lang="it-IT" sz="1400" b="0" i="0" u="none" strike="noStrike" kern="1200" cap="none" spc="0" normalizeH="0" baseline="0" noProof="0" dirty="0" err="1">
+                <a:ln>
+                  <a:noFill/>
+                </a:ln>
+                <a:solidFill>
+                  <a:prstClr val="black"/>
+                </a:solidFill>
+                <a:effectLst/>
+                <a:uLnTx/>
+                <a:uFillTx/>
+                <a:latin typeface="Poppins Light" panose="00000400000000000000" pitchFamily="50" charset="0"/>
+                <a:ea typeface="+mn-ea"/>
+                <a:cs typeface="Poppins Light" panose="00000400000000000000" pitchFamily="50" charset="0"/>
+              </a:rPr>
+              <a:t>Immigrants</a:t>
+            </a:r>
+            <a:endParaRPr kumimoji="0" lang="it-IT" sz="1400" b="0" i="0" u="none" strike="noStrike" kern="1200" cap="none" spc="0" normalizeH="0" baseline="0" noProof="0" dirty="0">
+              <a:ln>
+                <a:noFill/>
+              </a:ln>
+              <a:solidFill>
+                <a:prstClr val="black"/>
+              </a:solidFill>
+              <a:effectLst/>
+              <a:uLnTx/>
+              <a:uFillTx/>
+              <a:latin typeface="Poppins Light" panose="00000400000000000000" pitchFamily="50" charset="0"/>
+              <a:ea typeface="+mn-ea"/>
+              <a:cs typeface="Poppins Light" panose="00000400000000000000" pitchFamily="50" charset="0"/>
+            </a:endParaRPr>
+          </a:p>
+        </p:txBody>
+      </p:sp>
+    </p:spTree>
+    <p:extLst>
+      <p:ext uri="{BB962C8B-B14F-4D97-AF65-F5344CB8AC3E}">
+        <p14:creationId xmlns:p14="http://schemas.microsoft.com/office/powerpoint/2010/main" val="4208761393"/>
+      </p:ext>
+    </p:extLst>
+  </p:cSld>
+  <p:clrMapOvr>
+    <a:masterClrMapping/>
+  </p:clrMapOvr>
+</p:sld>
+</file>
+
+<file path=ppt/slides/slide4.xml><?xml version="1.0" encoding="utf-8"?>
+<p:sld xmlns:a="http://schemas.openxmlformats.org/drawingml/2006/main" xmlns:r="http://schemas.openxmlformats.org/officeDocument/2006/relationships" xmlns:p="http://schemas.openxmlformats.org/presentationml/2006/main">
+  <p:cSld>
+    <p:spTree>
+      <p:nvGrpSpPr>
+        <p:cNvPr id="1" name=""/>
+        <p:cNvGrpSpPr/>
+        <p:nvPr/>
+      </p:nvGrpSpPr>
+      <p:grpSpPr>
+        <a:xfrm>
+          <a:off x="0" y="0"/>
+          <a:ext cx="0" cy="0"/>
+          <a:chOff x="0" y="0"/>
+          <a:chExt cx="0" cy="0"/>
+        </a:xfrm>
+      </p:grpSpPr>
+      <p:cxnSp>
+        <p:nvCxnSpPr>
+          <p:cNvPr id="16" name="Connettore diritto 3">
+            <a:extLst>
+              <a:ext uri="{FF2B5EF4-FFF2-40B4-BE49-F238E27FC236}">
+                <a16:creationId xmlns:a16="http://schemas.microsoft.com/office/drawing/2014/main" id="{1D0EB8C9-30B2-BE4C-8534-3FE5ED1D983E}"/>
+              </a:ext>
+            </a:extLst>
+          </p:cNvPr>
+          <p:cNvCxnSpPr>
+            <a:cxnSpLocks/>
+          </p:cNvCxnSpPr>
+          <p:nvPr/>
+        </p:nvCxnSpPr>
+        <p:spPr>
+          <a:xfrm>
+            <a:off x="730251" y="549275"/>
+            <a:ext cx="0" cy="2506432"/>
+          </a:xfrm>
+          <a:prstGeom prst="line">
+            <a:avLst/>
+          </a:prstGeom>
+          <a:ln w="38100">
+            <a:solidFill>
+              <a:schemeClr val="accent2"/>
+            </a:solidFill>
+          </a:ln>
+        </p:spPr>
+        <p:style>
+          <a:lnRef idx="3">
+            <a:schemeClr val="accent2"/>
+          </a:lnRef>
+          <a:fillRef idx="0">
+            <a:schemeClr val="accent2"/>
+          </a:fillRef>
+          <a:effectRef idx="2">
+            <a:schemeClr val="accent2"/>
+          </a:effectRef>
+          <a:fontRef idx="minor">
+            <a:schemeClr val="tx1"/>
+          </a:fontRef>
+        </p:style>
+      </p:cxnSp>
+      <p:pic>
+        <p:nvPicPr>
+          <p:cNvPr id="1046" name="Picture 22" descr="Grafico delle risposte di Moduli. Titolo della domanda: Per cosa utilizzi principalmente lo smartphone?. Numero di risposte: 144 risposte.">
+            <a:extLst>
+              <a:ext uri="{FF2B5EF4-FFF2-40B4-BE49-F238E27FC236}">
+                <a16:creationId xmlns:a16="http://schemas.microsoft.com/office/drawing/2014/main" id="{F137AB22-2404-3845-93B0-FC1EEDB85631}"/>
+              </a:ext>
+            </a:extLst>
+          </p:cNvPr>
+          <p:cNvPicPr>
+            <a:picLocks noChangeAspect="1" noChangeArrowheads="1"/>
+          </p:cNvPicPr>
+          <p:nvPr/>
+        </p:nvPicPr>
+        <p:blipFill>
+          <a:blip r:embed="rId2">
+            <a:extLst>
+              <a:ext uri="{28A0092B-C50C-407E-A947-70E740481C1C}">
+                <a14:useLocalDpi xmlns:a14="http://schemas.microsoft.com/office/drawing/2010/main" val="0"/>
+              </a:ext>
+            </a:extLst>
+          </a:blip>
+          <a:srcRect/>
+          <a:stretch>
+            <a:fillRect/>
+          </a:stretch>
+        </p:blipFill>
+        <p:spPr bwMode="auto">
+          <a:xfrm>
+            <a:off x="828007" y="313879"/>
+            <a:ext cx="5115592" cy="2977223"/>
+          </a:xfrm>
+          <a:prstGeom prst="rect">
+            <a:avLst/>
+          </a:prstGeom>
+          <a:noFill/>
+          <a:extLst>
+            <a:ext uri="{909E8E84-426E-40DD-AFC4-6F175D3DCCD1}">
+              <a14:hiddenFill xmlns:a14="http://schemas.microsoft.com/office/drawing/2010/main">
+                <a:solidFill>
+                  <a:srgbClr val="FFFFFF"/>
+                </a:solidFill>
+              </a14:hiddenFill>
+            </a:ext>
+          </a:extLst>
+        </p:spPr>
+      </p:pic>
+      <p:pic>
+        <p:nvPicPr>
+          <p:cNvPr id="1048" name="Picture 24" descr="Grafico delle risposte di Moduli. Titolo della domanda: Per cosa utilizzi principalmente il computer?. Numero di risposte: 142 risposte.">
+            <a:extLst>
+              <a:ext uri="{FF2B5EF4-FFF2-40B4-BE49-F238E27FC236}">
+                <a16:creationId xmlns:a16="http://schemas.microsoft.com/office/drawing/2014/main" id="{C911F4D2-39F2-D641-A9D7-D2A42864C961}"/>
+              </a:ext>
+            </a:extLst>
+          </p:cNvPr>
+          <p:cNvPicPr>
+            <a:picLocks noChangeAspect="1" noChangeArrowheads="1"/>
+          </p:cNvPicPr>
+          <p:nvPr/>
+        </p:nvPicPr>
+        <p:blipFill>
+          <a:blip r:embed="rId3">
+            <a:extLst>
+              <a:ext uri="{28A0092B-C50C-407E-A947-70E740481C1C}">
+                <a14:useLocalDpi xmlns:a14="http://schemas.microsoft.com/office/drawing/2010/main" val="0"/>
+              </a:ext>
+            </a:extLst>
+          </a:blip>
+          <a:srcRect/>
+          <a:stretch>
+            <a:fillRect/>
+          </a:stretch>
+        </p:blipFill>
+        <p:spPr bwMode="auto">
+          <a:xfrm>
+            <a:off x="828006" y="3308340"/>
+            <a:ext cx="5115593" cy="2977223"/>
+          </a:xfrm>
+          <a:prstGeom prst="rect">
+            <a:avLst/>
+          </a:prstGeom>
+          <a:noFill/>
+          <a:extLst>
+            <a:ext uri="{909E8E84-426E-40DD-AFC4-6F175D3DCCD1}">
+              <a14:hiddenFill xmlns:a14="http://schemas.microsoft.com/office/drawing/2010/main">
+                <a:solidFill>
+                  <a:srgbClr val="FFFFFF"/>
+                </a:solidFill>
+              </a14:hiddenFill>
+            </a:ext>
+          </a:extLst>
+        </p:spPr>
+      </p:pic>
+      <p:sp>
+        <p:nvSpPr>
+          <p:cNvPr id="5" name="AutoShape 8" descr="Grafico delle risposte di Moduli. Titolo della domanda: Primo dispositivo digitale utilizzato:. Numero di risposte: 143 risposte.">
+            <a:extLst>
+              <a:ext uri="{FF2B5EF4-FFF2-40B4-BE49-F238E27FC236}">
+                <a16:creationId xmlns:a16="http://schemas.microsoft.com/office/drawing/2014/main" id="{3A65B3D0-AB81-D749-8666-95D520885018}"/>
+              </a:ext>
+            </a:extLst>
+          </p:cNvPr>
+          <p:cNvSpPr>
+            <a:spLocks noChangeAspect="1" noChangeArrowheads="1"/>
+          </p:cNvSpPr>
+          <p:nvPr/>
+        </p:nvSpPr>
+        <p:spPr bwMode="auto">
+          <a:xfrm>
+            <a:off x="5943600" y="3276600"/>
+            <a:ext cx="304800" cy="304800"/>
+          </a:xfrm>
+          <a:prstGeom prst="rect">
+            <a:avLst/>
+          </a:prstGeom>
+          <a:noFill/>
+          <a:extLst>
+            <a:ext uri="{909E8E84-426E-40DD-AFC4-6F175D3DCCD1}">
+              <a14:hiddenFill xmlns:a14="http://schemas.microsoft.com/office/drawing/2010/main">
+                <a:solidFill>
+                  <a:srgbClr val="FFFFFF"/>
+                </a:solidFill>
+              </a14:hiddenFill>
+            </a:ext>
+          </a:extLst>
+        </p:spPr>
+        <p:txBody>
+          <a:bodyPr vert="horz" wrap="square" lIns="91440" tIns="45720" rIns="91440" bIns="45720" numCol="1" anchor="t" anchorCtr="0" compatLnSpc="1">
+            <a:prstTxWarp prst="textNoShape">
+              <a:avLst/>
+            </a:prstTxWarp>
+          </a:bodyPr>
+          <a:lstStyle/>
+          <a:p>
+            <a:endParaRPr lang="it-IT"/>
+          </a:p>
+        </p:txBody>
+      </p:sp>
+      <p:cxnSp>
+        <p:nvCxnSpPr>
+          <p:cNvPr id="11" name="Connettore diritto 3">
+            <a:extLst>
+              <a:ext uri="{FF2B5EF4-FFF2-40B4-BE49-F238E27FC236}">
+                <a16:creationId xmlns:a16="http://schemas.microsoft.com/office/drawing/2014/main" id="{A2A54638-8C0E-6F49-A09F-8B412AFC6555}"/>
+              </a:ext>
+            </a:extLst>
+          </p:cNvPr>
+          <p:cNvCxnSpPr>
+            <a:cxnSpLocks/>
+          </p:cNvCxnSpPr>
+          <p:nvPr/>
+        </p:nvCxnSpPr>
+        <p:spPr>
+          <a:xfrm>
+            <a:off x="730251" y="3535117"/>
+            <a:ext cx="0" cy="2506432"/>
+          </a:xfrm>
+          <a:prstGeom prst="line">
+            <a:avLst/>
+          </a:prstGeom>
+          <a:ln w="38100">
+            <a:solidFill>
+              <a:schemeClr val="accent2"/>
+            </a:solidFill>
+          </a:ln>
+        </p:spPr>
+        <p:style>
+          <a:lnRef idx="3">
+            <a:schemeClr val="accent2"/>
+          </a:lnRef>
+          <a:fillRef idx="0">
+            <a:schemeClr val="accent2"/>
+          </a:fillRef>
+          <a:effectRef idx="2">
+            <a:schemeClr val="accent2"/>
+          </a:effectRef>
+          <a:fontRef idx="minor">
+            <a:schemeClr val="tx1"/>
+          </a:fontRef>
+        </p:style>
+      </p:cxnSp>
+      <p:cxnSp>
+        <p:nvCxnSpPr>
+          <p:cNvPr id="17" name="Connettore diritto 3">
+            <a:extLst>
+              <a:ext uri="{FF2B5EF4-FFF2-40B4-BE49-F238E27FC236}">
+                <a16:creationId xmlns:a16="http://schemas.microsoft.com/office/drawing/2014/main" id="{75288E7F-7BBA-E64F-BBC8-CFC5FFF2CC6F}"/>
+              </a:ext>
+            </a:extLst>
+          </p:cNvPr>
+          <p:cNvCxnSpPr>
+            <a:cxnSpLocks/>
+          </p:cNvCxnSpPr>
+          <p:nvPr/>
+        </p:nvCxnSpPr>
+        <p:spPr>
+          <a:xfrm>
+            <a:off x="11425238" y="3581400"/>
+            <a:ext cx="0" cy="2506432"/>
+          </a:xfrm>
+          <a:prstGeom prst="line">
+            <a:avLst/>
+          </a:prstGeom>
+          <a:ln w="38100">
+            <a:solidFill>
+              <a:schemeClr val="accent2"/>
+            </a:solidFill>
+          </a:ln>
+        </p:spPr>
+        <p:style>
+          <a:lnRef idx="3">
+            <a:schemeClr val="accent2"/>
+          </a:lnRef>
+          <a:fillRef idx="0">
+            <a:schemeClr val="accent2"/>
+          </a:fillRef>
+          <a:effectRef idx="2">
+            <a:schemeClr val="accent2"/>
+          </a:effectRef>
+          <a:fontRef idx="minor">
+            <a:schemeClr val="tx1"/>
+          </a:fontRef>
+        </p:style>
+      </p:cxnSp>
+      <p:cxnSp>
+        <p:nvCxnSpPr>
+          <p:cNvPr id="18" name="Connettore diritto 3">
+            <a:extLst>
+              <a:ext uri="{FF2B5EF4-FFF2-40B4-BE49-F238E27FC236}">
+                <a16:creationId xmlns:a16="http://schemas.microsoft.com/office/drawing/2014/main" id="{844AF377-F106-BF48-94CD-E01252CDF43A}"/>
+              </a:ext>
+            </a:extLst>
+          </p:cNvPr>
+          <p:cNvCxnSpPr>
+            <a:cxnSpLocks/>
+          </p:cNvCxnSpPr>
+          <p:nvPr/>
+        </p:nvCxnSpPr>
+        <p:spPr>
+          <a:xfrm>
+            <a:off x="11409375" y="549274"/>
+            <a:ext cx="0" cy="2506432"/>
+          </a:xfrm>
+          <a:prstGeom prst="line">
+            <a:avLst/>
+          </a:prstGeom>
+          <a:ln w="38100">
+            <a:solidFill>
+              <a:schemeClr val="accent2"/>
+            </a:solidFill>
+          </a:ln>
+        </p:spPr>
+        <p:style>
+          <a:lnRef idx="3">
+            <a:schemeClr val="accent2"/>
+          </a:lnRef>
+          <a:fillRef idx="0">
+            <a:schemeClr val="accent2"/>
+          </a:fillRef>
+          <a:effectRef idx="2">
+            <a:schemeClr val="accent2"/>
+          </a:effectRef>
+          <a:fontRef idx="minor">
+            <a:schemeClr val="tx1"/>
+          </a:fontRef>
+        </p:style>
+      </p:cxnSp>
+    </p:spTree>
+    <p:extLst>
+      <p:ext uri="{BB962C8B-B14F-4D97-AF65-F5344CB8AC3E}">
+        <p14:creationId xmlns:p14="http://schemas.microsoft.com/office/powerpoint/2010/main" val="3124619789"/>
+      </p:ext>
+    </p:extLst>
+  </p:cSld>
+  <p:clrMapOvr>
+    <a:masterClrMapping/>
+  </p:clrMapOvr>
+</p:sld>
+</file>
+
+<file path=ppt/slides/slide5.xml><?xml version="1.0" encoding="utf-8"?>
+<p:sld xmlns:a="http://schemas.openxmlformats.org/drawingml/2006/main" xmlns:r="http://schemas.openxmlformats.org/officeDocument/2006/relationships" xmlns:p="http://schemas.openxmlformats.org/presentationml/2006/main">
+  <p:cSld>
+    <p:spTree>
+      <p:nvGrpSpPr>
+        <p:cNvPr id="1" name=""/>
+        <p:cNvGrpSpPr/>
+        <p:nvPr/>
+      </p:nvGrpSpPr>
+      <p:grpSpPr>
+        <a:xfrm>
+          <a:off x="0" y="0"/>
+          <a:ext cx="0" cy="0"/>
+          <a:chOff x="0" y="0"/>
+          <a:chExt cx="0" cy="0"/>
+        </a:xfrm>
+      </p:grpSpPr>
+      <p:sp>
+        <p:nvSpPr>
+          <p:cNvPr id="5" name="CasellaDiTesto 4">
+            <a:extLst>
+              <a:ext uri="{FF2B5EF4-FFF2-40B4-BE49-F238E27FC236}">
+                <a16:creationId xmlns:a16="http://schemas.microsoft.com/office/drawing/2014/main" id="{89B91983-B758-4281-AC68-D9F7AB480AD9}"/>
+              </a:ext>
+            </a:extLst>
+          </p:cNvPr>
+          <p:cNvSpPr txBox="1"/>
+          <p:nvPr/>
+        </p:nvSpPr>
+        <p:spPr>
+          <a:xfrm>
+            <a:off x="704847" y="549275"/>
+            <a:ext cx="8020051" cy="584775"/>
+          </a:xfrm>
+          <a:prstGeom prst="rect">
+            <a:avLst/>
+          </a:prstGeom>
+          <a:noFill/>
+        </p:spPr>
+        <p:txBody>
+          <a:bodyPr wrap="square" rtlCol="0">
+            <a:spAutoFit/>
+          </a:bodyPr>
+          <a:lstStyle/>
+          <a:p>
+            <a:r>
+              <a:rPr lang="it-IT" sz="3200" dirty="0">
+                <a:latin typeface="Lato Black" panose="020F0502020204030203" pitchFamily="34" charset="0"/>
+                <a:ea typeface="Lato Black" panose="020F0502020204030203" pitchFamily="34" charset="0"/>
+                <a:cs typeface="Lato Black" panose="020F0502020204030203" pitchFamily="34" charset="0"/>
+              </a:rPr>
+              <a:t>Uno sguardo al passato</a:t>
+            </a:r>
+          </a:p>
+        </p:txBody>
+      </p:sp>
+      <p:sp>
+        <p:nvSpPr>
+          <p:cNvPr id="6" name="CasellaDiTesto 5">
+            <a:extLst>
+              <a:ext uri="{FF2B5EF4-FFF2-40B4-BE49-F238E27FC236}">
+                <a16:creationId xmlns:a16="http://schemas.microsoft.com/office/drawing/2014/main" id="{D13A722D-E148-4971-82F3-1C191AFD95ED}"/>
+              </a:ext>
+            </a:extLst>
+          </p:cNvPr>
+          <p:cNvSpPr txBox="1"/>
+          <p:nvPr/>
+        </p:nvSpPr>
+        <p:spPr>
+          <a:xfrm>
+            <a:off x="704847" y="2024062"/>
+            <a:ext cx="5535616" cy="4832092"/>
+          </a:xfrm>
+          <a:prstGeom prst="rect">
+            <a:avLst/>
+          </a:prstGeom>
+          <a:noFill/>
+        </p:spPr>
+        <p:txBody>
+          <a:bodyPr wrap="square" rtlCol="0">
+            <a:spAutoFit/>
+          </a:bodyPr>
+          <a:lstStyle/>
+          <a:p>
+            <a:pPr marL="285750" indent="-285750">
+              <a:spcAft>
+                <a:spcPts val="1200"/>
+              </a:spcAft>
+              <a:buFont typeface="Wingdings" panose="05000000000000000000" pitchFamily="2" charset="2"/>
+              <a:buChar char="q"/>
+            </a:pPr>
+            <a:r>
+              <a:rPr lang="it-IT" sz="1400" dirty="0">
+                <a:latin typeface="Poppins Medium" panose="00000600000000000000" pitchFamily="50" charset="0"/>
+                <a:cs typeface="Poppins Medium" panose="00000600000000000000" pitchFamily="50" charset="0"/>
+              </a:rPr>
+              <a:t>1978, Space </a:t>
+            </a:r>
+            <a:r>
+              <a:rPr lang="it-IT" sz="1400" dirty="0" err="1">
+                <a:latin typeface="Poppins Medium" panose="00000600000000000000" pitchFamily="50" charset="0"/>
+                <a:cs typeface="Poppins Medium" panose="00000600000000000000" pitchFamily="50" charset="0"/>
+              </a:rPr>
+              <a:t>Invaders</a:t>
+            </a:r>
+            <a:r>
+              <a:rPr lang="it-IT" sz="1400" dirty="0">
+                <a:latin typeface="Poppins Medium" panose="00000600000000000000" pitchFamily="50" charset="0"/>
+                <a:cs typeface="Poppins Medium" panose="00000600000000000000" pitchFamily="50" charset="0"/>
+              </a:rPr>
+              <a:t>:</a:t>
+            </a:r>
+          </a:p>
+          <a:p>
+            <a:pPr marL="742950" lvl="1" indent="-285750">
+              <a:spcAft>
+                <a:spcPts val="1200"/>
+              </a:spcAft>
+              <a:buFont typeface="Arial" panose="020B0604020202020204" pitchFamily="34" charset="0"/>
+              <a:buChar char="•"/>
+            </a:pPr>
+            <a:r>
+              <a:rPr lang="it-IT" sz="1400" dirty="0">
+                <a:latin typeface="Poppins Light" panose="00000400000000000000" pitchFamily="50" charset="0"/>
+                <a:cs typeface="Poppins Light" panose="00000400000000000000" pitchFamily="50" charset="0"/>
+              </a:rPr>
+              <a:t>Semplicità, velocità, fluidità.</a:t>
+            </a:r>
+          </a:p>
+          <a:p>
+            <a:pPr marL="285750" indent="-285750">
+              <a:lnSpc>
+                <a:spcPct val="150000"/>
+              </a:lnSpc>
+              <a:spcAft>
+                <a:spcPts val="1200"/>
+              </a:spcAft>
+              <a:buFont typeface="Wingdings" panose="05000000000000000000" pitchFamily="2" charset="2"/>
+              <a:buChar char="q"/>
+            </a:pPr>
+            <a:r>
+              <a:rPr lang="it-IT" sz="1400" dirty="0">
+                <a:latin typeface="Poppins Medium" panose="00000600000000000000" pitchFamily="2" charset="0"/>
+                <a:cs typeface="Poppins Medium" panose="00000600000000000000" pitchFamily="2" charset="0"/>
+              </a:rPr>
+              <a:t>1990, prima pagina Web:</a:t>
+            </a:r>
+          </a:p>
+          <a:p>
+            <a:pPr marL="742950" lvl="1" indent="-285750">
+              <a:spcAft>
+                <a:spcPts val="1200"/>
+              </a:spcAft>
+              <a:buFont typeface="Arial" panose="020B0604020202020204" pitchFamily="34" charset="0"/>
+              <a:buChar char="•"/>
+            </a:pPr>
+            <a:r>
+              <a:rPr lang="it-IT" sz="1400" dirty="0">
+                <a:latin typeface="Poppins Light" panose="00000400000000000000" pitchFamily="50" charset="0"/>
+                <a:cs typeface="Poppins Light" panose="00000400000000000000" pitchFamily="50" charset="0"/>
+              </a:rPr>
+              <a:t>Presa diretta sul mondo.</a:t>
+            </a:r>
+          </a:p>
+          <a:p>
+            <a:pPr marL="285750" indent="-285750">
+              <a:lnSpc>
+                <a:spcPct val="150000"/>
+              </a:lnSpc>
+              <a:spcAft>
+                <a:spcPts val="1200"/>
+              </a:spcAft>
+              <a:buFont typeface="Wingdings" panose="05000000000000000000" pitchFamily="2" charset="2"/>
+              <a:buChar char="q"/>
+            </a:pPr>
+            <a:r>
+              <a:rPr lang="it-IT" sz="1400" dirty="0">
+                <a:latin typeface="Poppins Medium" panose="00000600000000000000" pitchFamily="2" charset="0"/>
+                <a:cs typeface="Poppins Medium" panose="00000600000000000000" pitchFamily="2" charset="0"/>
+              </a:rPr>
+              <a:t>2003, </a:t>
+            </a:r>
+            <a:r>
+              <a:rPr lang="it-IT" sz="1400" dirty="0">
+                <a:effectLst/>
+                <a:latin typeface="Poppins Medium" panose="00000600000000000000" pitchFamily="2" charset="0"/>
+                <a:ea typeface="Times New Roman" panose="02020603050405020304" pitchFamily="18" charset="0"/>
+                <a:cs typeface="Poppins Medium" panose="00000600000000000000" pitchFamily="2" charset="0"/>
+              </a:rPr>
+              <a:t>BlackBerry Quark e MySpace</a:t>
+            </a:r>
+            <a:r>
+              <a:rPr lang="it-IT" sz="1400" dirty="0">
+                <a:latin typeface="Poppins Medium" panose="00000600000000000000" pitchFamily="2" charset="0"/>
+                <a:cs typeface="Poppins Medium" panose="00000600000000000000" pitchFamily="2" charset="0"/>
+              </a:rPr>
+              <a:t>:</a:t>
+            </a:r>
+          </a:p>
+          <a:p>
+            <a:pPr marL="742950" lvl="1" indent="-285750">
+              <a:spcAft>
+                <a:spcPts val="1200"/>
+              </a:spcAft>
+              <a:buFont typeface="Arial" panose="020B0604020202020204" pitchFamily="34" charset="0"/>
+              <a:buChar char="•"/>
+            </a:pPr>
+            <a:r>
+              <a:rPr lang="it-IT" sz="1400" dirty="0">
+                <a:latin typeface="Poppins Light" panose="00000400000000000000" pitchFamily="50" charset="0"/>
+                <a:cs typeface="Poppins Light" panose="00000400000000000000" pitchFamily="50" charset="0"/>
+              </a:rPr>
+              <a:t>Rimozione mediazioni e confini.</a:t>
+            </a:r>
+          </a:p>
+          <a:p>
+            <a:pPr marL="285750" indent="-285750">
+              <a:lnSpc>
+                <a:spcPct val="150000"/>
+              </a:lnSpc>
+              <a:spcAft>
+                <a:spcPts val="1200"/>
+              </a:spcAft>
+              <a:buFont typeface="Wingdings" panose="05000000000000000000" pitchFamily="2" charset="2"/>
+              <a:buChar char="q"/>
+            </a:pPr>
+            <a:r>
+              <a:rPr lang="it-IT" sz="1400" dirty="0">
+                <a:latin typeface="Poppins Medium" panose="00000600000000000000" pitchFamily="2" charset="0"/>
+                <a:cs typeface="Poppins Medium" panose="00000600000000000000" pitchFamily="2" charset="0"/>
+              </a:rPr>
+              <a:t>2007, il primo iPhone:</a:t>
+            </a:r>
+          </a:p>
+          <a:p>
+            <a:pPr marL="742950" lvl="1" indent="-285750">
+              <a:spcAft>
+                <a:spcPts val="1200"/>
+              </a:spcAft>
+              <a:buFont typeface="Arial" panose="020B0604020202020204" pitchFamily="34" charset="0"/>
+              <a:buChar char="•"/>
+            </a:pPr>
+            <a:r>
+              <a:rPr lang="it-IT" sz="1400" dirty="0">
+                <a:latin typeface="Poppins Light" panose="00000400000000000000" pitchFamily="50" charset="0"/>
+                <a:cs typeface="Poppins Light" panose="00000400000000000000" pitchFamily="50" charset="0"/>
+              </a:rPr>
+              <a:t>Inversione dell’antico paradigma di apprendimento.</a:t>
+            </a:r>
+          </a:p>
+          <a:p>
+            <a:pPr marL="285750" indent="-285750">
+              <a:lnSpc>
+                <a:spcPct val="150000"/>
+              </a:lnSpc>
+              <a:spcAft>
+                <a:spcPts val="1200"/>
+              </a:spcAft>
+              <a:buFont typeface="Wingdings" panose="05000000000000000000" pitchFamily="2" charset="2"/>
+              <a:buChar char="q"/>
+            </a:pPr>
+            <a:r>
+              <a:rPr lang="it-IT" sz="1400" dirty="0">
+                <a:latin typeface="Poppins Medium" panose="00000600000000000000" pitchFamily="2" charset="0"/>
+                <a:cs typeface="Poppins Medium" panose="00000600000000000000" pitchFamily="2" charset="0"/>
+              </a:rPr>
+              <a:t>2008, App per smartphone:</a:t>
+            </a:r>
+          </a:p>
+          <a:p>
+            <a:pPr marL="742950" lvl="1" indent="-285750">
+              <a:spcAft>
+                <a:spcPts val="1200"/>
+              </a:spcAft>
+              <a:buFont typeface="Arial" panose="020B0604020202020204" pitchFamily="34" charset="0"/>
+              <a:buChar char="•"/>
+            </a:pPr>
+            <a:r>
+              <a:rPr lang="it-IT" sz="1400" dirty="0">
+                <a:latin typeface="Poppins Light" panose="00000400000000000000" pitchFamily="2" charset="0"/>
+                <a:cs typeface="Poppins Light" panose="00000400000000000000" pitchFamily="2" charset="0"/>
+              </a:rPr>
+              <a:t>Mondo e </a:t>
+            </a:r>
+            <a:r>
+              <a:rPr lang="it-IT" sz="1400" dirty="0" err="1">
+                <a:latin typeface="Poppins Light" panose="00000400000000000000" pitchFamily="2" charset="0"/>
+                <a:cs typeface="Poppins Light" panose="00000400000000000000" pitchFamily="2" charset="0"/>
+              </a:rPr>
+              <a:t>Oltremondo</a:t>
+            </a:r>
+            <a:r>
+              <a:rPr lang="it-IT" sz="1400" dirty="0">
+                <a:latin typeface="Poppins Light" panose="00000400000000000000" pitchFamily="2" charset="0"/>
+                <a:cs typeface="Poppins Light" panose="00000400000000000000" pitchFamily="2" charset="0"/>
+              </a:rPr>
+              <a:t> digitale come realtà unica.</a:t>
+            </a:r>
+          </a:p>
+          <a:p>
+            <a:pPr marL="285750" indent="-285750">
+              <a:spcAft>
+                <a:spcPts val="1200"/>
+              </a:spcAft>
+              <a:buFont typeface="Wingdings" panose="05000000000000000000" pitchFamily="2" charset="2"/>
+              <a:buChar char="q"/>
+            </a:pPr>
+            <a:endParaRPr lang="it-IT" sz="1600" b="1" dirty="0">
+              <a:latin typeface="Poppins Medium" panose="00000600000000000000" pitchFamily="2" charset="0"/>
+              <a:cs typeface="Poppins Medium" panose="00000600000000000000" pitchFamily="2" charset="0"/>
+            </a:endParaRPr>
+          </a:p>
+          <a:p>
+            <a:pPr lvl="1">
+              <a:spcAft>
+                <a:spcPts val="1200"/>
+              </a:spcAft>
+            </a:pPr>
+            <a:endParaRPr lang="it-IT" sz="1400" dirty="0">
+              <a:latin typeface="Poppins Light" panose="00000400000000000000" pitchFamily="50" charset="0"/>
+              <a:cs typeface="Poppins Light" panose="00000400000000000000" pitchFamily="50" charset="0"/>
+            </a:endParaRPr>
+          </a:p>
+        </p:txBody>
+      </p:sp>
+      <p:cxnSp>
+        <p:nvCxnSpPr>
+          <p:cNvPr id="4" name="Connettore diritto 3">
+            <a:extLst>
+              <a:ext uri="{FF2B5EF4-FFF2-40B4-BE49-F238E27FC236}">
+                <a16:creationId xmlns:a16="http://schemas.microsoft.com/office/drawing/2014/main" id="{51FD34F7-E331-45F9-984B-6D3860116CA5}"/>
+              </a:ext>
+            </a:extLst>
+          </p:cNvPr>
+          <p:cNvCxnSpPr>
+            <a:cxnSpLocks/>
+          </p:cNvCxnSpPr>
+          <p:nvPr/>
+        </p:nvCxnSpPr>
+        <p:spPr>
+          <a:xfrm>
+            <a:off x="772998" y="1134050"/>
+            <a:ext cx="4256202" cy="0"/>
+          </a:xfrm>
+          <a:prstGeom prst="line">
+            <a:avLst/>
+          </a:prstGeom>
+          <a:ln w="38100">
+            <a:solidFill>
+              <a:schemeClr val="accent2"/>
+            </a:solidFill>
+          </a:ln>
+        </p:spPr>
+        <p:style>
+          <a:lnRef idx="3">
+            <a:schemeClr val="accent2"/>
+          </a:lnRef>
+          <a:fillRef idx="0">
+            <a:schemeClr val="accent2"/>
+          </a:fillRef>
+          <a:effectRef idx="2">
+            <a:schemeClr val="accent2"/>
+          </a:effectRef>
+          <a:fontRef idx="minor">
+            <a:schemeClr val="tx1"/>
+          </a:fontRef>
+        </p:style>
+      </p:cxnSp>
+      <p:pic>
+        <p:nvPicPr>
+          <p:cNvPr id="2050" name="Picture 2" descr="iPhone History: 10 Most Interesting Facts You Need to Know - iGeeksBlog">
+            <a:extLst>
+              <a:ext uri="{FF2B5EF4-FFF2-40B4-BE49-F238E27FC236}">
+                <a16:creationId xmlns:a16="http://schemas.microsoft.com/office/drawing/2014/main" id="{2BDA681F-B5F7-401D-B18A-5F3150B27C4B}"/>
+              </a:ext>
+            </a:extLst>
+          </p:cNvPr>
+          <p:cNvPicPr>
+            <a:picLocks noChangeAspect="1" noChangeArrowheads="1"/>
+          </p:cNvPicPr>
+          <p:nvPr/>
+        </p:nvPicPr>
+        <p:blipFill rotWithShape="1">
+          <a:blip r:embed="rId2">
+            <a:extLst>
+              <a:ext uri="{BEBA8EAE-BF5A-486C-A8C5-ECC9F3942E4B}">
+                <a14:imgProps xmlns:a14="http://schemas.microsoft.com/office/drawing/2010/main">
+                  <a14:imgLayer r:embed="rId3">
+                    <a14:imgEffect>
+                      <a14:sharpenSoften amount="22000"/>
+                    </a14:imgEffect>
+                    <a14:imgEffect>
+                      <a14:colorTemperature colorTemp="6504"/>
+                    </a14:imgEffect>
+                    <a14:imgEffect>
+                      <a14:saturation sat="150000"/>
+                    </a14:imgEffect>
+                  </a14:imgLayer>
+                </a14:imgProps>
+              </a:ext>
+              <a:ext uri="{28A0092B-C50C-407E-A947-70E740481C1C}">
+                <a14:useLocalDpi xmlns:a14="http://schemas.microsoft.com/office/drawing/2010/main" val="0"/>
+              </a:ext>
+            </a:extLst>
+          </a:blip>
+          <a:srcRect l="4482" r="-1"/>
+          <a:stretch/>
+        </p:blipFill>
+        <p:spPr bwMode="auto">
+          <a:xfrm>
+            <a:off x="6498077" y="2060575"/>
+            <a:ext cx="5693923" cy="4303139"/>
+          </a:xfrm>
+          <a:prstGeom prst="rect">
+            <a:avLst/>
+          </a:prstGeom>
+          <a:noFill/>
+          <a:effectLst>
+            <a:outerShdw blurRad="50800" dist="50800" dir="5400000" algn="ctr" rotWithShape="0">
+              <a:schemeClr val="bg1"/>
+            </a:outerShdw>
+          </a:effectLst>
+          <a:extLst>
+            <a:ext uri="{909E8E84-426E-40DD-AFC4-6F175D3DCCD1}">
+              <a14:hiddenFill xmlns:a14="http://schemas.microsoft.com/office/drawing/2010/main">
+                <a:solidFill>
+                  <a:srgbClr val="FFFFFF"/>
+                </a:solidFill>
+              </a14:hiddenFill>
+            </a:ext>
+          </a:extLst>
+        </p:spPr>
+      </p:pic>
+    </p:spTree>
+    <p:extLst>
+      <p:ext uri="{BB962C8B-B14F-4D97-AF65-F5344CB8AC3E}">
+        <p14:creationId xmlns:p14="http://schemas.microsoft.com/office/powerpoint/2010/main" val="455169881"/>
+      </p:ext>
+    </p:extLst>
+  </p:cSld>
+  <p:clrMapOvr>
+    <a:masterClrMapping/>
+  </p:clrMapOvr>
+</p:sld>
+</file>
+
+<file path=ppt/slides/slide6.xml><?xml version="1.0" encoding="utf-8"?>
+<p:sld xmlns:a="http://schemas.openxmlformats.org/drawingml/2006/main" xmlns:r="http://schemas.openxmlformats.org/officeDocument/2006/relationships" xmlns:p="http://schemas.openxmlformats.org/presentationml/2006/main">
+  <p:cSld>
+    <p:spTree>
+      <p:nvGrpSpPr>
+        <p:cNvPr id="1" name=""/>
+        <p:cNvGrpSpPr/>
+        <p:nvPr/>
+      </p:nvGrpSpPr>
+      <p:grpSpPr>
+        <a:xfrm>
+          <a:off x="0" y="0"/>
+          <a:ext cx="0" cy="0"/>
+          <a:chOff x="0" y="0"/>
+          <a:chExt cx="0" cy="0"/>
+        </a:xfrm>
+      </p:grpSpPr>
+      <p:sp>
+        <p:nvSpPr>
+          <p:cNvPr id="15" name="CasellaDiTesto 14">
+            <a:extLst>
+              <a:ext uri="{FF2B5EF4-FFF2-40B4-BE49-F238E27FC236}">
+                <a16:creationId xmlns:a16="http://schemas.microsoft.com/office/drawing/2014/main" id="{E46F17C1-611D-4656-8827-3FC7FC8D8D4C}"/>
+              </a:ext>
+            </a:extLst>
+          </p:cNvPr>
+          <p:cNvSpPr txBox="1"/>
+          <p:nvPr/>
+        </p:nvSpPr>
+        <p:spPr>
+          <a:xfrm>
+            <a:off x="720971" y="1435202"/>
+            <a:ext cx="4332858" cy="646331"/>
+          </a:xfrm>
+          <a:prstGeom prst="rect">
+            <a:avLst/>
+          </a:prstGeom>
+          <a:noFill/>
+        </p:spPr>
+        <p:txBody>
+          <a:bodyPr wrap="square" rtlCol="0">
+            <a:spAutoFit/>
+          </a:bodyPr>
+          <a:lstStyle/>
+          <a:p>
+            <a:r>
+              <a:rPr lang="it-IT" dirty="0">
+                <a:latin typeface="Poppins Medium" panose="00000600000000000000" pitchFamily="2" charset="0"/>
+                <a:cs typeface="Poppins Medium" panose="00000600000000000000" pitchFamily="2" charset="0"/>
+              </a:rPr>
+              <a:t>Oggi come ti approcci ad una nuova app/software/dispositivo?</a:t>
+            </a:r>
+          </a:p>
+        </p:txBody>
+      </p:sp>
+      <p:sp>
+        <p:nvSpPr>
+          <p:cNvPr id="17" name="CasellaDiTesto 16">
+            <a:extLst>
+              <a:ext uri="{FF2B5EF4-FFF2-40B4-BE49-F238E27FC236}">
+                <a16:creationId xmlns:a16="http://schemas.microsoft.com/office/drawing/2014/main" id="{4C404127-AEA9-4B02-96DE-D003F311C6EF}"/>
+              </a:ext>
+            </a:extLst>
+          </p:cNvPr>
+          <p:cNvSpPr txBox="1"/>
+          <p:nvPr/>
+        </p:nvSpPr>
+        <p:spPr>
+          <a:xfrm>
+            <a:off x="720971" y="4888506"/>
+            <a:ext cx="4794612" cy="923330"/>
+          </a:xfrm>
+          <a:prstGeom prst="rect">
+            <a:avLst/>
+          </a:prstGeom>
+          <a:noFill/>
+        </p:spPr>
+        <p:txBody>
+          <a:bodyPr wrap="square" rtlCol="0">
+            <a:spAutoFit/>
+          </a:bodyPr>
+          <a:lstStyle/>
+          <a:p>
+            <a:r>
+              <a:rPr lang="it-IT" dirty="0">
+                <a:latin typeface="Poppins Medium" panose="00000600000000000000" pitchFamily="2" charset="0"/>
+                <a:cs typeface="Poppins Medium" panose="00000600000000000000" pitchFamily="2" charset="0"/>
+              </a:rPr>
+              <a:t>Quanto spesso i tuoi genitori ti chiedono aiuto per utilizzare un dispositivo digitale?</a:t>
+            </a:r>
+          </a:p>
+        </p:txBody>
+      </p:sp>
+      <p:pic>
+        <p:nvPicPr>
+          <p:cNvPr id="1026" name="Picture 2" descr="Grafico delle risposte di Moduli. Titolo della domanda: Oggi come ti approcci ad una nuova app/software/dispositivo?. Numero di risposte: 144 risposte.">
+            <a:extLst>
+              <a:ext uri="{FF2B5EF4-FFF2-40B4-BE49-F238E27FC236}">
+                <a16:creationId xmlns:a16="http://schemas.microsoft.com/office/drawing/2014/main" id="{50458A4A-8658-4B0D-A43E-93910F0784D4}"/>
+              </a:ext>
+            </a:extLst>
+          </p:cNvPr>
+          <p:cNvPicPr>
+            <a:picLocks noChangeAspect="1" noChangeArrowheads="1"/>
+          </p:cNvPicPr>
+          <p:nvPr/>
+        </p:nvPicPr>
+        <p:blipFill rotWithShape="1">
+          <a:blip r:embed="rId2">
+            <a:extLst>
+              <a:ext uri="{28A0092B-C50C-407E-A947-70E740481C1C}">
+                <a14:useLocalDpi xmlns:a14="http://schemas.microsoft.com/office/drawing/2010/main" val="0"/>
+              </a:ext>
+            </a:extLst>
+          </a:blip>
+          <a:srcRect l="18910" t="27542" r="53666" b="8923"/>
+          <a:stretch/>
+        </p:blipFill>
+        <p:spPr bwMode="auto">
+          <a:xfrm>
+            <a:off x="5515583" y="575473"/>
+            <a:ext cx="2427347" cy="2365787"/>
+          </a:xfrm>
+          <a:prstGeom prst="rect">
+            <a:avLst/>
+          </a:prstGeom>
+          <a:noFill/>
+          <a:extLst>
+            <a:ext uri="{909E8E84-426E-40DD-AFC4-6F175D3DCCD1}">
+              <a14:hiddenFill xmlns:a14="http://schemas.microsoft.com/office/drawing/2010/main">
+                <a:solidFill>
+                  <a:srgbClr val="FFFFFF"/>
+                </a:solidFill>
+              </a14:hiddenFill>
+            </a:ext>
+          </a:extLst>
+        </p:spPr>
+      </p:pic>
+      <p:pic>
+        <p:nvPicPr>
+          <p:cNvPr id="22" name="Picture 2" descr="Grafico delle risposte di Moduli. Titolo della domanda: Oggi come ti approcci ad una nuova app/software/dispositivo?. Numero di risposte: 144 risposte.">
+            <a:extLst>
+              <a:ext uri="{FF2B5EF4-FFF2-40B4-BE49-F238E27FC236}">
+                <a16:creationId xmlns:a16="http://schemas.microsoft.com/office/drawing/2014/main" id="{61012594-C0CC-4E39-809F-58750DD6C41B}"/>
+              </a:ext>
+            </a:extLst>
+          </p:cNvPr>
+          <p:cNvPicPr>
+            <a:picLocks noChangeAspect="1" noChangeArrowheads="1"/>
+          </p:cNvPicPr>
+          <p:nvPr/>
+        </p:nvPicPr>
+        <p:blipFill rotWithShape="1">
+          <a:blip r:embed="rId2">
+            <a:extLst>
+              <a:ext uri="{28A0092B-C50C-407E-A947-70E740481C1C}">
+                <a14:useLocalDpi xmlns:a14="http://schemas.microsoft.com/office/drawing/2010/main" val="0"/>
+              </a:ext>
+            </a:extLst>
+          </a:blip>
+          <a:srcRect l="61297" t="26290" r="4048" b="21920"/>
+          <a:stretch/>
+        </p:blipFill>
+        <p:spPr bwMode="auto">
+          <a:xfrm>
+            <a:off x="8588713" y="813565"/>
+            <a:ext cx="3005532" cy="1889602"/>
+          </a:xfrm>
+          <a:prstGeom prst="rect">
+            <a:avLst/>
+          </a:prstGeom>
+          <a:noFill/>
+          <a:extLst>
+            <a:ext uri="{909E8E84-426E-40DD-AFC4-6F175D3DCCD1}">
+              <a14:hiddenFill xmlns:a14="http://schemas.microsoft.com/office/drawing/2010/main">
+                <a:solidFill>
+                  <a:srgbClr val="FFFFFF"/>
+                </a:solidFill>
+              </a14:hiddenFill>
+            </a:ext>
+          </a:extLst>
+        </p:spPr>
+      </p:pic>
+      <p:pic>
+        <p:nvPicPr>
+          <p:cNvPr id="1028" name="Picture 4" descr="Grafico delle risposte di Moduli. Titolo della domanda: Quanto spesso i tuoi genitori ti chiedono aiuto per utilizzare un dispositivo digitale?. Numero di risposte: 144 risposte.">
+            <a:extLst>
+              <a:ext uri="{FF2B5EF4-FFF2-40B4-BE49-F238E27FC236}">
+                <a16:creationId xmlns:a16="http://schemas.microsoft.com/office/drawing/2014/main" id="{7866505D-E45F-441C-A17C-3FCBF2041844}"/>
+              </a:ext>
+            </a:extLst>
+          </p:cNvPr>
+          <p:cNvPicPr>
+            <a:picLocks noChangeAspect="1" noChangeArrowheads="1"/>
+          </p:cNvPicPr>
+          <p:nvPr/>
+        </p:nvPicPr>
+        <p:blipFill rotWithShape="1">
+          <a:blip r:embed="rId3">
+            <a:extLst>
+              <a:ext uri="{28A0092B-C50C-407E-A947-70E740481C1C}">
+                <a14:useLocalDpi xmlns:a14="http://schemas.microsoft.com/office/drawing/2010/main" val="0"/>
+              </a:ext>
+            </a:extLst>
+          </a:blip>
+          <a:srcRect l="5820" t="23748" b="12265"/>
+          <a:stretch/>
+        </p:blipFill>
+        <p:spPr bwMode="auto">
+          <a:xfrm>
+            <a:off x="5156797" y="4148176"/>
+            <a:ext cx="6705157" cy="2364703"/>
+          </a:xfrm>
+          <a:prstGeom prst="rect">
+            <a:avLst/>
+          </a:prstGeom>
+          <a:noFill/>
+          <a:extLst>
+            <a:ext uri="{909E8E84-426E-40DD-AFC4-6F175D3DCCD1}">
+              <a14:hiddenFill xmlns:a14="http://schemas.microsoft.com/office/drawing/2010/main">
+                <a:solidFill>
+                  <a:srgbClr val="FFFFFF"/>
+                </a:solidFill>
+              </a14:hiddenFill>
+            </a:ext>
+          </a:extLst>
+        </p:spPr>
+      </p:pic>
+      <p:cxnSp>
+        <p:nvCxnSpPr>
+          <p:cNvPr id="33" name="Connettore diritto 32">
+            <a:extLst>
+              <a:ext uri="{FF2B5EF4-FFF2-40B4-BE49-F238E27FC236}">
+                <a16:creationId xmlns:a16="http://schemas.microsoft.com/office/drawing/2014/main" id="{F1022DA3-B46F-4C1F-9317-A750529FC671}"/>
+              </a:ext>
+            </a:extLst>
+          </p:cNvPr>
+          <p:cNvCxnSpPr>
+            <a:cxnSpLocks/>
+          </p:cNvCxnSpPr>
+          <p:nvPr/>
+        </p:nvCxnSpPr>
+        <p:spPr>
+          <a:xfrm flipH="1" flipV="1">
+            <a:off x="720971" y="1445968"/>
+            <a:ext cx="10866" cy="624798"/>
+          </a:xfrm>
+          <a:prstGeom prst="line">
+            <a:avLst/>
+          </a:prstGeom>
+          <a:ln w="38100">
+            <a:solidFill>
+              <a:schemeClr val="accent2"/>
+            </a:solidFill>
+          </a:ln>
+        </p:spPr>
+        <p:style>
+          <a:lnRef idx="3">
+            <a:schemeClr val="accent2"/>
+          </a:lnRef>
+          <a:fillRef idx="0">
+            <a:schemeClr val="accent2"/>
+          </a:fillRef>
+          <a:effectRef idx="2">
+            <a:schemeClr val="accent2"/>
+          </a:effectRef>
+          <a:fontRef idx="minor">
+            <a:schemeClr val="tx1"/>
+          </a:fontRef>
+        </p:style>
+      </p:cxnSp>
+      <p:cxnSp>
+        <p:nvCxnSpPr>
+          <p:cNvPr id="38" name="Connettore diritto 37">
+            <a:extLst>
+              <a:ext uri="{FF2B5EF4-FFF2-40B4-BE49-F238E27FC236}">
+                <a16:creationId xmlns:a16="http://schemas.microsoft.com/office/drawing/2014/main" id="{79B7D224-8E39-47E5-A01D-A08798051E8D}"/>
+              </a:ext>
+            </a:extLst>
+          </p:cNvPr>
+          <p:cNvCxnSpPr>
+            <a:cxnSpLocks/>
+          </p:cNvCxnSpPr>
+          <p:nvPr/>
+        </p:nvCxnSpPr>
+        <p:spPr>
+          <a:xfrm flipV="1">
+            <a:off x="731837" y="4868863"/>
+            <a:ext cx="1" cy="923330"/>
+          </a:xfrm>
+          <a:prstGeom prst="line">
+            <a:avLst/>
+          </a:prstGeom>
+          <a:ln w="38100">
+            <a:solidFill>
+              <a:schemeClr val="accent2"/>
+            </a:solidFill>
+          </a:ln>
+        </p:spPr>
+        <p:style>
+          <a:lnRef idx="3">
+            <a:schemeClr val="accent2"/>
+          </a:lnRef>
+          <a:fillRef idx="0">
+            <a:schemeClr val="accent2"/>
+          </a:fillRef>
+          <a:effectRef idx="2">
+            <a:schemeClr val="accent2"/>
+          </a:effectRef>
+          <a:fontRef idx="minor">
+            <a:schemeClr val="tx1"/>
+          </a:fontRef>
+        </p:style>
+      </p:cxnSp>
+    </p:spTree>
+    <p:extLst>
+      <p:ext uri="{BB962C8B-B14F-4D97-AF65-F5344CB8AC3E}">
+        <p14:creationId xmlns:p14="http://schemas.microsoft.com/office/powerpoint/2010/main" val="332526478"/>
+      </p:ext>
+    </p:extLst>
+  </p:cSld>
+  <p:clrMapOvr>
+    <a:masterClrMapping/>
+  </p:clrMapOvr>
+</p:sld>
+</file>
+
+<file path=ppt/slides/slide7.xml><?xml version="1.0" encoding="utf-8"?>
 <p:sld xmlns:a="http://schemas.openxmlformats.org/drawingml/2006/main" xmlns:r="http://schemas.openxmlformats.org/officeDocument/2006/relationships" xmlns:p="http://schemas.openxmlformats.org/presentationml/2006/main">
   <p:cSld>
     <p:spTree>
@@ -5103,7 +7444,7 @@
 </p:sld>
 </file>
 
-<file path=ppt/slides/slide11.xml><?xml version="1.0" encoding="utf-8"?>
+<file path=ppt/slides/slide8.xml><?xml version="1.0" encoding="utf-8"?>
 <p:sld xmlns:a="http://schemas.openxmlformats.org/drawingml/2006/main" xmlns:r="http://schemas.openxmlformats.org/officeDocument/2006/relationships" xmlns:p="http://schemas.openxmlformats.org/presentationml/2006/main">
   <p:cSld>
     <p:spTree>
@@ -5458,7 +7799,7 @@
 </p:sld>
 </file>
 
-<file path=ppt/slides/slide12.xml><?xml version="1.0" encoding="utf-8"?>
+<file path=ppt/slides/slide9.xml><?xml version="1.0" encoding="utf-8"?>
 <p:sld xmlns:a="http://schemas.openxmlformats.org/drawingml/2006/main" xmlns:r="http://schemas.openxmlformats.org/officeDocument/2006/relationships" xmlns:p="http://schemas.openxmlformats.org/presentationml/2006/main">
   <p:cSld>
     <p:spTree>
@@ -5569,7 +7910,7 @@
         <p:spPr>
           <a:xfrm>
             <a:off x="704847" y="2024062"/>
-            <a:ext cx="5535616" cy="2154436"/>
+            <a:ext cx="5535616" cy="2893100"/>
           </a:xfrm>
           <a:prstGeom prst="rect">
             <a:avLst/>
@@ -5594,7 +7935,23 @@
                 <a:latin typeface="Poppins Light" panose="00000400000000000000" pitchFamily="50" charset="0"/>
                 <a:cs typeface="Poppins Light" panose="00000400000000000000" pitchFamily="50" charset="0"/>
               </a:rPr>
-              <a:t>….</a:t>
+              <a:t>La saggezza digitale non è nei gruppi principali di utenti</a:t>
+            </a:r>
+          </a:p>
+          <a:p>
+            <a:pPr marL="742950" lvl="1" indent="-285750">
+              <a:spcAft>
+                <a:spcPts val="1200"/>
+              </a:spcAft>
+              <a:buFont typeface="Arial" panose="020B0604020202020204" pitchFamily="34" charset="0"/>
+              <a:buChar char="•"/>
+            </a:pPr>
+            <a:r>
+              <a:rPr lang="it-IT" sz="1400" dirty="0">
+                <a:latin typeface="Poppins Light" panose="00000400000000000000" pitchFamily="50" charset="0"/>
+                <a:cs typeface="Poppins Light" panose="00000400000000000000" pitchFamily="50" charset="0"/>
+              </a:rPr>
+              <a:t>La saggezza delle nuove élite</a:t>
             </a:r>
           </a:p>
           <a:p>
@@ -5610,7 +7967,39 @@
                 <a:latin typeface="Poppins Light" panose="00000400000000000000" pitchFamily="50" charset="0"/>
                 <a:cs typeface="Poppins Light" panose="00000400000000000000" pitchFamily="50" charset="0"/>
               </a:rPr>
-              <a:t>…. </a:t>
+              <a:t>Design semplificato delle tecnologie</a:t>
+            </a:r>
+          </a:p>
+          <a:p>
+            <a:pPr marL="742950" lvl="1" indent="-285750">
+              <a:spcAft>
+                <a:spcPts val="1200"/>
+              </a:spcAft>
+              <a:buFont typeface="Arial" panose="020B0604020202020204" pitchFamily="34" charset="0"/>
+              <a:buChar char="•"/>
+            </a:pPr>
+            <a:r>
+              <a:rPr lang="it-IT" sz="1400" dirty="0">
+                <a:latin typeface="Poppins Light" panose="00000400000000000000" pitchFamily="50" charset="0"/>
+                <a:cs typeface="Poppins Light" panose="00000400000000000000" pitchFamily="50" charset="0"/>
+              </a:rPr>
+              <a:t>Utente medio poco stimolato ad imparare </a:t>
+            </a:r>
+          </a:p>
+          <a:p>
+            <a:pPr marL="742950" lvl="1" indent="-285750">
+              <a:spcAft>
+                <a:spcPts val="1200"/>
+              </a:spcAft>
+              <a:buFont typeface="Arial" panose="020B0604020202020204" pitchFamily="34" charset="0"/>
+              <a:buChar char="•"/>
+            </a:pPr>
+            <a:r>
+              <a:rPr lang="it-IT" sz="1400" dirty="0">
+                <a:latin typeface="Poppins Light" panose="00000400000000000000" pitchFamily="50" charset="0"/>
+                <a:cs typeface="Poppins Light" panose="00000400000000000000" pitchFamily="50" charset="0"/>
+              </a:rPr>
+              <a:t>Si approccia in modo diretto ed intuitivo </a:t>
             </a:r>
           </a:p>
           <a:p>
@@ -5626,8 +8015,19 @@
                 <a:latin typeface="Poppins Light" panose="00000400000000000000" pitchFamily="50" charset="0"/>
                 <a:cs typeface="Poppins Light" panose="00000400000000000000" pitchFamily="50" charset="0"/>
               </a:rPr>
-              <a:t>….</a:t>
-            </a:r>
+              <a:t>La saggezza digitale risiede in rinnovate </a:t>
+            </a:r>
+            <a:r>
+              <a:rPr lang="it-IT" sz="1400" dirty="0" err="1">
+                <a:latin typeface="Poppins Light" panose="00000400000000000000" pitchFamily="50" charset="0"/>
+                <a:cs typeface="Poppins Light" panose="00000400000000000000" pitchFamily="50" charset="0"/>
+              </a:rPr>
+              <a:t>skills</a:t>
+            </a:r>
+            <a:endParaRPr lang="it-IT" sz="1400" dirty="0">
+              <a:latin typeface="Poppins Light" panose="00000400000000000000" pitchFamily="50" charset="0"/>
+              <a:cs typeface="Poppins Light" panose="00000400000000000000" pitchFamily="50" charset="0"/>
+            </a:endParaRPr>
           </a:p>
           <a:p>
             <a:pPr marL="742950" lvl="1" indent="-285750">
@@ -5642,7 +8042,7 @@
                 <a:latin typeface="Poppins Light" panose="00000400000000000000" pitchFamily="50" charset="0"/>
                 <a:cs typeface="Poppins Light" panose="00000400000000000000" pitchFamily="50" charset="0"/>
               </a:rPr>
-              <a:t>….</a:t>
+              <a:t> Ristrutturazione sistemi educativi </a:t>
             </a:r>
           </a:p>
           <a:p>
@@ -5658,19 +8058,8 @@
                 <a:latin typeface="Poppins Light" panose="00000400000000000000" pitchFamily="50" charset="0"/>
                 <a:cs typeface="Poppins Light" panose="00000400000000000000" pitchFamily="50" charset="0"/>
               </a:rPr>
-              <a:t>….</a:t>
-            </a:r>
-          </a:p>
-          <a:p>
-            <a:pPr>
-              <a:spcAft>
-                <a:spcPts val="1200"/>
-              </a:spcAft>
-            </a:pPr>
-            <a:endParaRPr lang="en-US" sz="1400" dirty="0">
-              <a:latin typeface="Poppins Light" panose="00000400000000000000" pitchFamily="50" charset="0"/>
-              <a:cs typeface="Poppins Light" panose="00000400000000000000" pitchFamily="50" charset="0"/>
-            </a:endParaRPr>
+              <a:t>Valorizzazione educazione non formale</a:t>
+            </a:r>
           </a:p>
         </p:txBody>
       </p:sp>
@@ -5721,4152 +8110,6 @@
     <p:extLst>
       <p:ext uri="{BB962C8B-B14F-4D97-AF65-F5344CB8AC3E}">
         <p14:creationId xmlns:p14="http://schemas.microsoft.com/office/powerpoint/2010/main" val="1133630273"/>
-      </p:ext>
-    </p:extLst>
-  </p:cSld>
-  <p:clrMapOvr>
-    <a:masterClrMapping/>
-  </p:clrMapOvr>
-</p:sld>
-</file>
-
-<file path=ppt/slides/slide2.xml><?xml version="1.0" encoding="utf-8"?>
-<p:sld xmlns:a="http://schemas.openxmlformats.org/drawingml/2006/main" xmlns:r="http://schemas.openxmlformats.org/officeDocument/2006/relationships" xmlns:p="http://schemas.openxmlformats.org/presentationml/2006/main">
-  <p:cSld>
-    <p:spTree>
-      <p:nvGrpSpPr>
-        <p:cNvPr id="1" name=""/>
-        <p:cNvGrpSpPr/>
-        <p:nvPr/>
-      </p:nvGrpSpPr>
-      <p:grpSpPr>
-        <a:xfrm>
-          <a:off x="0" y="0"/>
-          <a:ext cx="0" cy="0"/>
-          <a:chOff x="0" y="0"/>
-          <a:chExt cx="0" cy="0"/>
-        </a:xfrm>
-      </p:grpSpPr>
-      <p:sp>
-        <p:nvSpPr>
-          <p:cNvPr id="5" name="CasellaDiTesto 4">
-            <a:extLst>
-              <a:ext uri="{FF2B5EF4-FFF2-40B4-BE49-F238E27FC236}">
-                <a16:creationId xmlns:a16="http://schemas.microsoft.com/office/drawing/2014/main" id="{89B91983-B758-4281-AC68-D9F7AB480AD9}"/>
-              </a:ext>
-            </a:extLst>
-          </p:cNvPr>
-          <p:cNvSpPr txBox="1"/>
-          <p:nvPr/>
-        </p:nvSpPr>
-        <p:spPr>
-          <a:xfrm>
-            <a:off x="704849" y="549275"/>
-            <a:ext cx="8020051" cy="584775"/>
-          </a:xfrm>
-          <a:prstGeom prst="rect">
-            <a:avLst/>
-          </a:prstGeom>
-          <a:noFill/>
-        </p:spPr>
-        <p:txBody>
-          <a:bodyPr wrap="square" rtlCol="0">
-            <a:spAutoFit/>
-          </a:bodyPr>
-          <a:lstStyle/>
-          <a:p>
-            <a:r>
-              <a:rPr lang="it-IT" sz="3200" dirty="0">
-                <a:latin typeface="Lato Black" panose="020F0502020204030203" pitchFamily="34" charset="0"/>
-                <a:ea typeface="Lato Black" panose="020F0502020204030203" pitchFamily="34" charset="0"/>
-                <a:cs typeface="Lato Black" panose="020F0502020204030203" pitchFamily="34" charset="0"/>
-              </a:rPr>
-              <a:t>La ricerca</a:t>
-            </a:r>
-          </a:p>
-        </p:txBody>
-      </p:sp>
-      <p:sp>
-        <p:nvSpPr>
-          <p:cNvPr id="6" name="CasellaDiTesto 5">
-            <a:extLst>
-              <a:ext uri="{FF2B5EF4-FFF2-40B4-BE49-F238E27FC236}">
-                <a16:creationId xmlns:a16="http://schemas.microsoft.com/office/drawing/2014/main" id="{D13A722D-E148-4971-82F3-1C191AFD95ED}"/>
-              </a:ext>
-            </a:extLst>
-          </p:cNvPr>
-          <p:cNvSpPr txBox="1"/>
-          <p:nvPr/>
-        </p:nvSpPr>
-        <p:spPr>
-          <a:xfrm>
-            <a:off x="704848" y="2024062"/>
-            <a:ext cx="5246690" cy="4062651"/>
-          </a:xfrm>
-          <a:prstGeom prst="rect">
-            <a:avLst/>
-          </a:prstGeom>
-          <a:noFill/>
-        </p:spPr>
-        <p:txBody>
-          <a:bodyPr wrap="square" rtlCol="0">
-            <a:spAutoFit/>
-          </a:bodyPr>
-          <a:lstStyle/>
-          <a:p>
-            <a:pPr marL="285750" indent="-285750">
-              <a:spcAft>
-                <a:spcPts val="1200"/>
-              </a:spcAft>
-              <a:buFont typeface="Wingdings" panose="05000000000000000000" pitchFamily="2" charset="2"/>
-              <a:buChar char="q"/>
-            </a:pPr>
-            <a:r>
-              <a:rPr lang="en-US" sz="1400" dirty="0" err="1">
-                <a:latin typeface="Poppins Light" panose="00000400000000000000" pitchFamily="2" charset="0"/>
-                <a:cs typeface="Poppins Light" panose="00000400000000000000" pitchFamily="2" charset="0"/>
-              </a:rPr>
-              <a:t>Quali</a:t>
-            </a:r>
-            <a:r>
-              <a:rPr lang="en-US" sz="1400" dirty="0">
-                <a:latin typeface="Poppins Light" panose="00000400000000000000" pitchFamily="2" charset="0"/>
-                <a:cs typeface="Poppins Light" panose="00000400000000000000" pitchFamily="2" charset="0"/>
-              </a:rPr>
-              <a:t> </a:t>
-            </a:r>
-            <a:r>
-              <a:rPr lang="en-US" sz="1400" dirty="0" err="1">
-                <a:latin typeface="Poppins Light" panose="00000400000000000000" pitchFamily="2" charset="0"/>
-                <a:cs typeface="Poppins Light" panose="00000400000000000000" pitchFamily="2" charset="0"/>
-              </a:rPr>
-              <a:t>sono</a:t>
-            </a:r>
-            <a:r>
-              <a:rPr lang="en-US" sz="1400" dirty="0">
-                <a:latin typeface="Poppins Light" panose="00000400000000000000" pitchFamily="2" charset="0"/>
-                <a:cs typeface="Poppins Light" panose="00000400000000000000" pitchFamily="2" charset="0"/>
-              </a:rPr>
-              <a:t> le classi di </a:t>
-            </a:r>
-            <a:r>
-              <a:rPr lang="en-US" sz="1400" dirty="0" err="1">
-                <a:latin typeface="Poppins Light" panose="00000400000000000000" pitchFamily="2" charset="0"/>
-                <a:cs typeface="Poppins Light" panose="00000400000000000000" pitchFamily="2" charset="0"/>
-              </a:rPr>
-              <a:t>utenti</a:t>
-            </a:r>
-            <a:r>
-              <a:rPr lang="en-US" sz="1400" dirty="0">
-                <a:latin typeface="Poppins Light" panose="00000400000000000000" pitchFamily="2" charset="0"/>
-                <a:cs typeface="Poppins Light" panose="00000400000000000000" pitchFamily="2" charset="0"/>
-              </a:rPr>
-              <a:t>  </a:t>
-            </a:r>
-            <a:r>
-              <a:rPr lang="en-US" sz="1400" dirty="0" err="1">
-                <a:latin typeface="Poppins Light" panose="00000400000000000000" pitchFamily="2" charset="0"/>
-                <a:cs typeface="Poppins Light" panose="00000400000000000000" pitchFamily="2" charset="0"/>
-              </a:rPr>
-              <a:t>che</a:t>
-            </a:r>
-            <a:r>
-              <a:rPr lang="en-US" sz="1400" dirty="0">
-                <a:latin typeface="Poppins Light" panose="00000400000000000000" pitchFamily="2" charset="0"/>
-                <a:cs typeface="Poppins Light" panose="00000400000000000000" pitchFamily="2" charset="0"/>
-              </a:rPr>
-              <a:t> </a:t>
-            </a:r>
-            <a:r>
-              <a:rPr lang="en-US" sz="1400" dirty="0" err="1">
-                <a:latin typeface="Poppins Light" panose="00000400000000000000" pitchFamily="2" charset="0"/>
-                <a:cs typeface="Poppins Light" panose="00000400000000000000" pitchFamily="2" charset="0"/>
-              </a:rPr>
-              <a:t>si</a:t>
-            </a:r>
-            <a:r>
-              <a:rPr lang="en-US" sz="1400" dirty="0">
-                <a:latin typeface="Poppins Light" panose="00000400000000000000" pitchFamily="2" charset="0"/>
-                <a:cs typeface="Poppins Light" panose="00000400000000000000" pitchFamily="2" charset="0"/>
-              </a:rPr>
-              <a:t> </a:t>
-            </a:r>
-            <a:r>
-              <a:rPr lang="en-US" sz="1400" dirty="0" err="1">
-                <a:latin typeface="Poppins Light" panose="00000400000000000000" pitchFamily="2" charset="0"/>
-                <a:cs typeface="Poppins Light" panose="00000400000000000000" pitchFamily="2" charset="0"/>
-              </a:rPr>
-              <a:t>interfacciano</a:t>
-            </a:r>
-            <a:r>
-              <a:rPr lang="en-US" sz="1400" dirty="0">
-                <a:latin typeface="Poppins Light" panose="00000400000000000000" pitchFamily="2" charset="0"/>
-                <a:cs typeface="Poppins Light" panose="00000400000000000000" pitchFamily="2" charset="0"/>
-              </a:rPr>
-              <a:t> con le ICTs  ?</a:t>
-            </a:r>
-          </a:p>
-          <a:p>
-            <a:pPr marL="285750" indent="-285750">
-              <a:spcAft>
-                <a:spcPts val="1200"/>
-              </a:spcAft>
-              <a:buFont typeface="Wingdings" panose="05000000000000000000" pitchFamily="2" charset="2"/>
-              <a:buChar char="q"/>
-            </a:pPr>
-            <a:r>
-              <a:rPr lang="en-US" sz="1400" dirty="0">
-                <a:latin typeface="Poppins Light" panose="00000400000000000000" pitchFamily="2" charset="0"/>
-                <a:cs typeface="Poppins Light" panose="00000400000000000000" pitchFamily="2" charset="0"/>
-              </a:rPr>
-              <a:t>Per </a:t>
-            </a:r>
-            <a:r>
-              <a:rPr lang="en-US" sz="1400" dirty="0" err="1">
-                <a:latin typeface="Poppins Light" panose="00000400000000000000" pitchFamily="2" charset="0"/>
-                <a:cs typeface="Poppins Light" panose="00000400000000000000" pitchFamily="2" charset="0"/>
-              </a:rPr>
-              <a:t>quali</a:t>
-            </a:r>
-            <a:r>
-              <a:rPr lang="en-US" sz="1400" dirty="0">
-                <a:latin typeface="Poppins Light" panose="00000400000000000000" pitchFamily="2" charset="0"/>
-                <a:cs typeface="Poppins Light" panose="00000400000000000000" pitchFamily="2" charset="0"/>
-              </a:rPr>
-              <a:t> </a:t>
-            </a:r>
-            <a:r>
-              <a:rPr lang="en-US" sz="1400" dirty="0" err="1">
-                <a:latin typeface="Poppins Light" panose="00000400000000000000" pitchFamily="2" charset="0"/>
-                <a:cs typeface="Poppins Light" panose="00000400000000000000" pitchFamily="2" charset="0"/>
-              </a:rPr>
-              <a:t>scopi</a:t>
-            </a:r>
-            <a:r>
-              <a:rPr lang="en-US" sz="1400" dirty="0">
-                <a:latin typeface="Poppins Light" panose="00000400000000000000" pitchFamily="2" charset="0"/>
-                <a:cs typeface="Poppins Light" panose="00000400000000000000" pitchFamily="2" charset="0"/>
-              </a:rPr>
-              <a:t> </a:t>
-            </a:r>
-            <a:r>
-              <a:rPr lang="en-US" sz="1400" dirty="0" err="1">
-                <a:latin typeface="Poppins Light" panose="00000400000000000000" pitchFamily="2" charset="0"/>
-                <a:cs typeface="Poppins Light" panose="00000400000000000000" pitchFamily="2" charset="0"/>
-              </a:rPr>
-              <a:t>vengono</a:t>
-            </a:r>
-            <a:r>
-              <a:rPr lang="en-US" sz="1400" dirty="0">
-                <a:latin typeface="Poppins Light" panose="00000400000000000000" pitchFamily="2" charset="0"/>
-                <a:cs typeface="Poppins Light" panose="00000400000000000000" pitchFamily="2" charset="0"/>
-              </a:rPr>
-              <a:t> </a:t>
-            </a:r>
-            <a:r>
-              <a:rPr lang="en-US" sz="1400" dirty="0" err="1">
-                <a:latin typeface="Poppins Light" panose="00000400000000000000" pitchFamily="2" charset="0"/>
-                <a:cs typeface="Poppins Light" panose="00000400000000000000" pitchFamily="2" charset="0"/>
-              </a:rPr>
-              <a:t>usate</a:t>
-            </a:r>
-            <a:r>
-              <a:rPr lang="en-US" sz="1400" dirty="0">
-                <a:latin typeface="Poppins Light" panose="00000400000000000000" pitchFamily="2" charset="0"/>
-                <a:cs typeface="Poppins Light" panose="00000400000000000000" pitchFamily="2" charset="0"/>
-              </a:rPr>
-              <a:t> le ICTs </a:t>
-            </a:r>
-          </a:p>
-          <a:p>
-            <a:pPr marL="742950" lvl="1" indent="-285750">
-              <a:spcAft>
-                <a:spcPts val="1200"/>
-              </a:spcAft>
-              <a:buFont typeface="Arial" panose="020B0604020202020204" pitchFamily="34" charset="0"/>
-              <a:buChar char="•"/>
-            </a:pPr>
-            <a:r>
-              <a:rPr lang="en-US" sz="1400" dirty="0" err="1">
-                <a:latin typeface="Poppins Light" panose="00000400000000000000" pitchFamily="2" charset="0"/>
-                <a:cs typeface="Poppins Light" panose="00000400000000000000" pitchFamily="2" charset="0"/>
-              </a:rPr>
-              <a:t>Questionario</a:t>
-            </a:r>
-            <a:endParaRPr lang="en-US" sz="1400" dirty="0">
-              <a:latin typeface="Poppins Light" panose="00000400000000000000" pitchFamily="2" charset="0"/>
-              <a:cs typeface="Poppins Light" panose="00000400000000000000" pitchFamily="2" charset="0"/>
-            </a:endParaRPr>
-          </a:p>
-          <a:p>
-            <a:pPr marL="285750" indent="-285750">
-              <a:spcAft>
-                <a:spcPts val="1200"/>
-              </a:spcAft>
-              <a:buFont typeface="Wingdings" panose="05000000000000000000" pitchFamily="2" charset="2"/>
-              <a:buChar char="q"/>
-            </a:pPr>
-            <a:r>
-              <a:rPr lang="en-US" sz="1400" dirty="0">
-                <a:latin typeface="Poppins Light" panose="00000400000000000000" pitchFamily="2" charset="0"/>
-                <a:cs typeface="Poppins Light" panose="00000400000000000000" pitchFamily="2" charset="0"/>
-              </a:rPr>
-              <a:t>In </a:t>
-            </a:r>
-            <a:r>
-              <a:rPr lang="en-US" sz="1400" dirty="0" err="1">
-                <a:latin typeface="Poppins Light" panose="00000400000000000000" pitchFamily="2" charset="0"/>
-                <a:cs typeface="Poppins Light" panose="00000400000000000000" pitchFamily="2" charset="0"/>
-              </a:rPr>
-              <a:t>che</a:t>
-            </a:r>
-            <a:r>
-              <a:rPr lang="en-US" sz="1400" dirty="0">
-                <a:latin typeface="Poppins Light" panose="00000400000000000000" pitchFamily="2" charset="0"/>
-                <a:cs typeface="Poppins Light" panose="00000400000000000000" pitchFamily="2" charset="0"/>
-              </a:rPr>
-              <a:t> modo </a:t>
-            </a:r>
-            <a:r>
-              <a:rPr lang="en-US" sz="1400" dirty="0" err="1">
-                <a:latin typeface="Poppins Light" panose="00000400000000000000" pitchFamily="2" charset="0"/>
-                <a:cs typeface="Poppins Light" panose="00000400000000000000" pitchFamily="2" charset="0"/>
-              </a:rPr>
-              <a:t>gli</a:t>
-            </a:r>
-            <a:r>
-              <a:rPr lang="en-US" sz="1400" dirty="0">
-                <a:latin typeface="Poppins Light" panose="00000400000000000000" pitchFamily="2" charset="0"/>
-                <a:cs typeface="Poppins Light" panose="00000400000000000000" pitchFamily="2" charset="0"/>
-              </a:rPr>
-              <a:t> </a:t>
-            </a:r>
-            <a:r>
-              <a:rPr lang="en-US" sz="1400" dirty="0" err="1">
-                <a:latin typeface="Poppins Light" panose="00000400000000000000" pitchFamily="2" charset="0"/>
-                <a:cs typeface="Poppins Light" panose="00000400000000000000" pitchFamily="2" charset="0"/>
-              </a:rPr>
-              <a:t>utenti</a:t>
-            </a:r>
-            <a:r>
-              <a:rPr lang="en-US" sz="1400" dirty="0">
-                <a:latin typeface="Poppins Light" panose="00000400000000000000" pitchFamily="2" charset="0"/>
-                <a:cs typeface="Poppins Light" panose="00000400000000000000" pitchFamily="2" charset="0"/>
-              </a:rPr>
-              <a:t> </a:t>
-            </a:r>
-            <a:r>
-              <a:rPr lang="en-US" sz="1400" dirty="0" err="1">
-                <a:latin typeface="Poppins Light" panose="00000400000000000000" pitchFamily="2" charset="0"/>
-                <a:cs typeface="Poppins Light" panose="00000400000000000000" pitchFamily="2" charset="0"/>
-              </a:rPr>
-              <a:t>si</a:t>
-            </a:r>
-            <a:r>
-              <a:rPr lang="en-US" sz="1400" dirty="0">
-                <a:latin typeface="Poppins Light" panose="00000400000000000000" pitchFamily="2" charset="0"/>
-                <a:cs typeface="Poppins Light" panose="00000400000000000000" pitchFamily="2" charset="0"/>
-              </a:rPr>
-              <a:t> </a:t>
-            </a:r>
-            <a:r>
-              <a:rPr lang="en-US" sz="1400" dirty="0" err="1">
-                <a:latin typeface="Poppins Light" panose="00000400000000000000" pitchFamily="2" charset="0"/>
-                <a:cs typeface="Poppins Light" panose="00000400000000000000" pitchFamily="2" charset="0"/>
-              </a:rPr>
-              <a:t>approcciano</a:t>
-            </a:r>
-            <a:r>
-              <a:rPr lang="en-US" sz="1400" dirty="0">
-                <a:latin typeface="Poppins Light" panose="00000400000000000000" pitchFamily="2" charset="0"/>
-                <a:cs typeface="Poppins Light" panose="00000400000000000000" pitchFamily="2" charset="0"/>
-              </a:rPr>
-              <a:t> a una </a:t>
-            </a:r>
-            <a:r>
-              <a:rPr lang="en-US" sz="1400" dirty="0" err="1">
-                <a:latin typeface="Poppins Light" panose="00000400000000000000" pitchFamily="2" charset="0"/>
-                <a:cs typeface="Poppins Light" panose="00000400000000000000" pitchFamily="2" charset="0"/>
-              </a:rPr>
-              <a:t>nuova</a:t>
-            </a:r>
-            <a:r>
-              <a:rPr lang="en-US" sz="1400" dirty="0">
-                <a:latin typeface="Poppins Light" panose="00000400000000000000" pitchFamily="2" charset="0"/>
-                <a:cs typeface="Poppins Light" panose="00000400000000000000" pitchFamily="2" charset="0"/>
-              </a:rPr>
-              <a:t> </a:t>
-            </a:r>
-            <a:r>
-              <a:rPr lang="en-US" sz="1400" dirty="0" err="1">
-                <a:latin typeface="Poppins Light" panose="00000400000000000000" pitchFamily="2" charset="0"/>
-                <a:cs typeface="Poppins Light" panose="00000400000000000000" pitchFamily="2" charset="0"/>
-              </a:rPr>
-              <a:t>tecnologia</a:t>
-            </a:r>
-            <a:r>
-              <a:rPr lang="en-US" sz="1400" dirty="0">
-                <a:latin typeface="Poppins Light" panose="00000400000000000000" pitchFamily="2" charset="0"/>
-                <a:cs typeface="Poppins Light" panose="00000400000000000000" pitchFamily="2" charset="0"/>
-              </a:rPr>
-              <a:t> ?</a:t>
-            </a:r>
-          </a:p>
-          <a:p>
-            <a:pPr marL="285750" indent="-285750">
-              <a:spcAft>
-                <a:spcPts val="1200"/>
-              </a:spcAft>
-              <a:buFont typeface="Wingdings" panose="05000000000000000000" pitchFamily="2" charset="2"/>
-              <a:buChar char="q"/>
-            </a:pPr>
-            <a:r>
-              <a:rPr lang="en-US" sz="1400" dirty="0" err="1">
-                <a:latin typeface="Poppins Light" panose="00000400000000000000" pitchFamily="2" charset="0"/>
-                <a:cs typeface="Poppins Light" panose="00000400000000000000" pitchFamily="2" charset="0"/>
-              </a:rPr>
-              <a:t>Quali</a:t>
-            </a:r>
-            <a:r>
-              <a:rPr lang="en-US" sz="1400" dirty="0">
-                <a:latin typeface="Poppins Light" panose="00000400000000000000" pitchFamily="2" charset="0"/>
-                <a:cs typeface="Poppins Light" panose="00000400000000000000" pitchFamily="2" charset="0"/>
-              </a:rPr>
-              <a:t> </a:t>
-            </a:r>
-            <a:r>
-              <a:rPr lang="en-US" sz="1400" dirty="0" err="1">
-                <a:latin typeface="Poppins Light" panose="00000400000000000000" pitchFamily="2" charset="0"/>
-                <a:cs typeface="Poppins Light" panose="00000400000000000000" pitchFamily="2" charset="0"/>
-              </a:rPr>
-              <a:t>sono</a:t>
-            </a:r>
-            <a:r>
-              <a:rPr lang="en-US" sz="1400" dirty="0">
-                <a:latin typeface="Poppins Light" panose="00000400000000000000" pitchFamily="2" charset="0"/>
-                <a:cs typeface="Poppins Light" panose="00000400000000000000" pitchFamily="2" charset="0"/>
-              </a:rPr>
-              <a:t> le skills </a:t>
-            </a:r>
-            <a:r>
-              <a:rPr lang="en-US" sz="1400" dirty="0" err="1">
-                <a:latin typeface="Poppins Light" panose="00000400000000000000" pitchFamily="2" charset="0"/>
-                <a:cs typeface="Poppins Light" panose="00000400000000000000" pitchFamily="2" charset="0"/>
-              </a:rPr>
-              <a:t>necessarie</a:t>
-            </a:r>
-            <a:r>
-              <a:rPr lang="en-US" sz="1400" dirty="0">
-                <a:latin typeface="Poppins Light" panose="00000400000000000000" pitchFamily="2" charset="0"/>
-                <a:cs typeface="Poppins Light" panose="00000400000000000000" pitchFamily="2" charset="0"/>
-              </a:rPr>
-              <a:t> in un mondo </a:t>
-            </a:r>
-            <a:r>
-              <a:rPr lang="en-US" sz="1400" dirty="0" err="1">
-                <a:latin typeface="Poppins Light" panose="00000400000000000000" pitchFamily="2" charset="0"/>
-                <a:cs typeface="Poppins Light" panose="00000400000000000000" pitchFamily="2" charset="0"/>
-              </a:rPr>
-              <a:t>digitale</a:t>
-            </a:r>
-            <a:r>
-              <a:rPr lang="en-US" sz="1400" dirty="0">
-                <a:latin typeface="Poppins Light" panose="00000400000000000000" pitchFamily="2" charset="0"/>
-                <a:cs typeface="Poppins Light" panose="00000400000000000000" pitchFamily="2" charset="0"/>
-              </a:rPr>
-              <a:t> ?</a:t>
-            </a:r>
-          </a:p>
-          <a:p>
-            <a:pPr marL="285750" indent="-285750">
-              <a:spcAft>
-                <a:spcPts val="1200"/>
-              </a:spcAft>
-              <a:buFont typeface="Wingdings" panose="05000000000000000000" pitchFamily="2" charset="2"/>
-              <a:buChar char="q"/>
-            </a:pPr>
-            <a:r>
-              <a:rPr lang="en-US" sz="1400" dirty="0">
-                <a:latin typeface="Poppins Light" panose="00000400000000000000" pitchFamily="2" charset="0"/>
-                <a:cs typeface="Poppins Light" panose="00000400000000000000" pitchFamily="2" charset="0"/>
-              </a:rPr>
-              <a:t>Come è </a:t>
-            </a:r>
-            <a:r>
-              <a:rPr lang="en-US" sz="1400" dirty="0" err="1">
-                <a:latin typeface="Poppins Light" panose="00000400000000000000" pitchFamily="2" charset="0"/>
-                <a:cs typeface="Poppins Light" panose="00000400000000000000" pitchFamily="2" charset="0"/>
-              </a:rPr>
-              <a:t>possibile</a:t>
-            </a:r>
-            <a:r>
-              <a:rPr lang="en-US" sz="1400" dirty="0">
-                <a:latin typeface="Poppins Light" panose="00000400000000000000" pitchFamily="2" charset="0"/>
-                <a:cs typeface="Poppins Light" panose="00000400000000000000" pitchFamily="2" charset="0"/>
-              </a:rPr>
-              <a:t> </a:t>
-            </a:r>
-            <a:r>
-              <a:rPr lang="en-US" sz="1400" dirty="0" err="1">
-                <a:latin typeface="Poppins Light" panose="00000400000000000000" pitchFamily="2" charset="0"/>
-                <a:cs typeface="Poppins Light" panose="00000400000000000000" pitchFamily="2" charset="0"/>
-              </a:rPr>
-              <a:t>sviluppare</a:t>
-            </a:r>
-            <a:r>
-              <a:rPr lang="en-US" sz="1400" dirty="0">
-                <a:latin typeface="Poppins Light" panose="00000400000000000000" pitchFamily="2" charset="0"/>
-                <a:cs typeface="Poppins Light" panose="00000400000000000000" pitchFamily="2" charset="0"/>
-              </a:rPr>
-              <a:t> le </a:t>
-            </a:r>
-            <a:r>
-              <a:rPr lang="en-US" sz="1400" dirty="0" err="1">
-                <a:latin typeface="Poppins Light" panose="00000400000000000000" pitchFamily="2" charset="0"/>
-                <a:cs typeface="Poppins Light" panose="00000400000000000000" pitchFamily="2" charset="0"/>
-              </a:rPr>
-              <a:t>competenze</a:t>
-            </a:r>
-            <a:r>
-              <a:rPr lang="en-US" sz="1400" dirty="0">
-                <a:latin typeface="Poppins Light" panose="00000400000000000000" pitchFamily="2" charset="0"/>
-                <a:cs typeface="Poppins Light" panose="00000400000000000000" pitchFamily="2" charset="0"/>
-              </a:rPr>
-              <a:t> digitali ?</a:t>
-            </a:r>
-          </a:p>
-          <a:p>
-            <a:pPr marL="285750" indent="-285750">
-              <a:spcAft>
-                <a:spcPts val="1200"/>
-              </a:spcAft>
-              <a:buFont typeface="Wingdings" panose="05000000000000000000" pitchFamily="2" charset="2"/>
-              <a:buChar char="q"/>
-            </a:pPr>
-            <a:endParaRPr lang="en-US" sz="1400" dirty="0">
-              <a:latin typeface="Poppins Light" panose="00000400000000000000" pitchFamily="2" charset="0"/>
-              <a:cs typeface="Poppins Light" panose="00000400000000000000" pitchFamily="2" charset="0"/>
-            </a:endParaRPr>
-          </a:p>
-          <a:p>
-            <a:pPr marL="285750" indent="-285750">
-              <a:spcAft>
-                <a:spcPts val="1200"/>
-              </a:spcAft>
-              <a:buFont typeface="Wingdings" panose="05000000000000000000" pitchFamily="2" charset="2"/>
-              <a:buChar char="q"/>
-            </a:pPr>
-            <a:endParaRPr lang="en-US" sz="1400" dirty="0">
-              <a:latin typeface="Poppins Light" panose="00000400000000000000" pitchFamily="2" charset="0"/>
-              <a:cs typeface="Poppins Light" panose="00000400000000000000" pitchFamily="2" charset="0"/>
-            </a:endParaRPr>
-          </a:p>
-          <a:p>
-            <a:pPr marL="285750" indent="-285750">
-              <a:spcAft>
-                <a:spcPts val="1200"/>
-              </a:spcAft>
-              <a:buFont typeface="Wingdings" panose="05000000000000000000" pitchFamily="2" charset="2"/>
-              <a:buChar char="q"/>
-            </a:pPr>
-            <a:endParaRPr lang="en-US" sz="1400" dirty="0">
-              <a:latin typeface="Poppins Light" panose="00000400000000000000" pitchFamily="2" charset="0"/>
-              <a:cs typeface="Poppins Light" panose="00000400000000000000" pitchFamily="2" charset="0"/>
-            </a:endParaRPr>
-          </a:p>
-          <a:p>
-            <a:pPr marL="285750" indent="-285750">
-              <a:spcAft>
-                <a:spcPts val="1200"/>
-              </a:spcAft>
-              <a:buFont typeface="Wingdings" panose="05000000000000000000" pitchFamily="2" charset="2"/>
-              <a:buChar char="q"/>
-            </a:pPr>
-            <a:endParaRPr lang="it-IT" sz="1400" dirty="0">
-              <a:latin typeface="Poppins Light" panose="00000400000000000000" pitchFamily="2" charset="0"/>
-              <a:cs typeface="Poppins Light" panose="00000400000000000000" pitchFamily="2" charset="0"/>
-            </a:endParaRPr>
-          </a:p>
-        </p:txBody>
-      </p:sp>
-      <p:cxnSp>
-        <p:nvCxnSpPr>
-          <p:cNvPr id="4" name="Connettore diritto 3">
-            <a:extLst>
-              <a:ext uri="{FF2B5EF4-FFF2-40B4-BE49-F238E27FC236}">
-                <a16:creationId xmlns:a16="http://schemas.microsoft.com/office/drawing/2014/main" id="{51FD34F7-E331-45F9-984B-6D3860116CA5}"/>
-              </a:ext>
-            </a:extLst>
-          </p:cNvPr>
-          <p:cNvCxnSpPr>
-            <a:cxnSpLocks/>
-          </p:cNvCxnSpPr>
-          <p:nvPr/>
-        </p:nvCxnSpPr>
-        <p:spPr>
-          <a:xfrm>
-            <a:off x="772998" y="1134050"/>
-            <a:ext cx="1762938" cy="0"/>
-          </a:xfrm>
-          <a:prstGeom prst="line">
-            <a:avLst/>
-          </a:prstGeom>
-          <a:ln w="38100">
-            <a:solidFill>
-              <a:schemeClr val="accent2"/>
-            </a:solidFill>
-          </a:ln>
-        </p:spPr>
-        <p:style>
-          <a:lnRef idx="3">
-            <a:schemeClr val="accent2"/>
-          </a:lnRef>
-          <a:fillRef idx="0">
-            <a:schemeClr val="accent2"/>
-          </a:fillRef>
-          <a:effectRef idx="2">
-            <a:schemeClr val="accent2"/>
-          </a:effectRef>
-          <a:fontRef idx="minor">
-            <a:schemeClr val="tx1"/>
-          </a:fontRef>
-        </p:style>
-      </p:cxnSp>
-      <p:pic>
-        <p:nvPicPr>
-          <p:cNvPr id="15" name="Immagine 14" descr="Immagine che contiene interni, tavolo, tavolo da pranzo&#10;&#10;Descrizione generata automaticamente">
-            <a:extLst>
-              <a:ext uri="{FF2B5EF4-FFF2-40B4-BE49-F238E27FC236}">
-                <a16:creationId xmlns:a16="http://schemas.microsoft.com/office/drawing/2014/main" id="{0FA78F81-25EE-4C6B-BB5F-8F4184FAD4AA}"/>
-              </a:ext>
-            </a:extLst>
-          </p:cNvPr>
-          <p:cNvPicPr>
-            <a:picLocks noChangeAspect="1"/>
-          </p:cNvPicPr>
-          <p:nvPr/>
-        </p:nvPicPr>
-        <p:blipFill rotWithShape="1">
-          <a:blip r:embed="rId2">
-            <a:extLst>
-              <a:ext uri="{28A0092B-C50C-407E-A947-70E740481C1C}">
-                <a14:useLocalDpi xmlns:a14="http://schemas.microsoft.com/office/drawing/2010/main" val="0"/>
-              </a:ext>
-            </a:extLst>
-          </a:blip>
-          <a:srcRect l="14715" t="844" r="18280" b="3188"/>
-          <a:stretch/>
-        </p:blipFill>
-        <p:spPr>
-          <a:xfrm>
-            <a:off x="6240463" y="2060576"/>
-            <a:ext cx="5951537" cy="4151382"/>
-          </a:xfrm>
-          <a:prstGeom prst="rect">
-            <a:avLst/>
-          </a:prstGeom>
-        </p:spPr>
-      </p:pic>
-    </p:spTree>
-    <p:extLst>
-      <p:ext uri="{BB962C8B-B14F-4D97-AF65-F5344CB8AC3E}">
-        <p14:creationId xmlns:p14="http://schemas.microsoft.com/office/powerpoint/2010/main" val="462686018"/>
-      </p:ext>
-    </p:extLst>
-  </p:cSld>
-  <p:clrMapOvr>
-    <a:masterClrMapping/>
-  </p:clrMapOvr>
-</p:sld>
-</file>
-
-<file path=ppt/slides/slide3.xml><?xml version="1.0" encoding="utf-8"?>
-<p:sld xmlns:a="http://schemas.openxmlformats.org/drawingml/2006/main" xmlns:r="http://schemas.openxmlformats.org/officeDocument/2006/relationships" xmlns:p="http://schemas.openxmlformats.org/presentationml/2006/main">
-  <p:cSld>
-    <p:spTree>
-      <p:nvGrpSpPr>
-        <p:cNvPr id="1" name=""/>
-        <p:cNvGrpSpPr/>
-        <p:nvPr/>
-      </p:nvGrpSpPr>
-      <p:grpSpPr>
-        <a:xfrm>
-          <a:off x="0" y="0"/>
-          <a:ext cx="0" cy="0"/>
-          <a:chOff x="0" y="0"/>
-          <a:chExt cx="0" cy="0"/>
-        </a:xfrm>
-      </p:grpSpPr>
-      <p:sp>
-        <p:nvSpPr>
-          <p:cNvPr id="5" name="CasellaDiTesto 4">
-            <a:extLst>
-              <a:ext uri="{FF2B5EF4-FFF2-40B4-BE49-F238E27FC236}">
-                <a16:creationId xmlns:a16="http://schemas.microsoft.com/office/drawing/2014/main" id="{89B91983-B758-4281-AC68-D9F7AB480AD9}"/>
-              </a:ext>
-            </a:extLst>
-          </p:cNvPr>
-          <p:cNvSpPr txBox="1"/>
-          <p:nvPr/>
-        </p:nvSpPr>
-        <p:spPr>
-          <a:xfrm>
-            <a:off x="704849" y="549275"/>
-            <a:ext cx="8020051" cy="584775"/>
-          </a:xfrm>
-          <a:prstGeom prst="rect">
-            <a:avLst/>
-          </a:prstGeom>
-          <a:noFill/>
-        </p:spPr>
-        <p:txBody>
-          <a:bodyPr wrap="square" rtlCol="0">
-            <a:spAutoFit/>
-          </a:bodyPr>
-          <a:lstStyle/>
-          <a:p>
-            <a:r>
-              <a:rPr lang="it-IT" sz="3200" dirty="0">
-                <a:latin typeface="Lato Black" panose="020F0502020204030203" pitchFamily="34" charset="0"/>
-                <a:ea typeface="Lato Black" panose="020F0502020204030203" pitchFamily="34" charset="0"/>
-                <a:cs typeface="Lato Black" panose="020F0502020204030203" pitchFamily="34" charset="0"/>
-              </a:rPr>
-              <a:t>La ricerca</a:t>
-            </a:r>
-          </a:p>
-        </p:txBody>
-      </p:sp>
-      <p:sp>
-        <p:nvSpPr>
-          <p:cNvPr id="6" name="CasellaDiTesto 5">
-            <a:extLst>
-              <a:ext uri="{FF2B5EF4-FFF2-40B4-BE49-F238E27FC236}">
-                <a16:creationId xmlns:a16="http://schemas.microsoft.com/office/drawing/2014/main" id="{D13A722D-E148-4971-82F3-1C191AFD95ED}"/>
-              </a:ext>
-            </a:extLst>
-          </p:cNvPr>
-          <p:cNvSpPr txBox="1"/>
-          <p:nvPr/>
-        </p:nvSpPr>
-        <p:spPr>
-          <a:xfrm>
-            <a:off x="704848" y="2024062"/>
-            <a:ext cx="4839918" cy="4278094"/>
-          </a:xfrm>
-          <a:prstGeom prst="rect">
-            <a:avLst/>
-          </a:prstGeom>
-          <a:noFill/>
-        </p:spPr>
-        <p:txBody>
-          <a:bodyPr wrap="square" rtlCol="0">
-            <a:spAutoFit/>
-          </a:bodyPr>
-          <a:lstStyle/>
-          <a:p>
-            <a:pPr marL="285750" indent="-285750">
-              <a:spcAft>
-                <a:spcPts val="1200"/>
-              </a:spcAft>
-              <a:buFont typeface="Wingdings" panose="05000000000000000000" pitchFamily="2" charset="2"/>
-              <a:buChar char="q"/>
-            </a:pPr>
-            <a:r>
-              <a:rPr lang="en-US" sz="1400" dirty="0" err="1">
-                <a:latin typeface="Poppins Light" panose="00000400000000000000" pitchFamily="2" charset="0"/>
-                <a:cs typeface="Poppins Light" panose="00000400000000000000" pitchFamily="2" charset="0"/>
-              </a:rPr>
-              <a:t>Quali</a:t>
-            </a:r>
-            <a:r>
-              <a:rPr lang="en-US" sz="1400" dirty="0">
-                <a:latin typeface="Poppins Light" panose="00000400000000000000" pitchFamily="2" charset="0"/>
-                <a:cs typeface="Poppins Light" panose="00000400000000000000" pitchFamily="2" charset="0"/>
-              </a:rPr>
-              <a:t> </a:t>
-            </a:r>
-            <a:r>
-              <a:rPr lang="en-US" sz="1400" dirty="0" err="1">
-                <a:latin typeface="Poppins Light" panose="00000400000000000000" pitchFamily="2" charset="0"/>
-                <a:cs typeface="Poppins Light" panose="00000400000000000000" pitchFamily="2" charset="0"/>
-              </a:rPr>
-              <a:t>sono</a:t>
-            </a:r>
-            <a:r>
-              <a:rPr lang="en-US" sz="1400" dirty="0">
-                <a:latin typeface="Poppins Light" panose="00000400000000000000" pitchFamily="2" charset="0"/>
-                <a:cs typeface="Poppins Light" panose="00000400000000000000" pitchFamily="2" charset="0"/>
-              </a:rPr>
-              <a:t> le classi di </a:t>
-            </a:r>
-            <a:r>
-              <a:rPr lang="en-US" sz="1400" dirty="0" err="1">
-                <a:latin typeface="Poppins Light" panose="00000400000000000000" pitchFamily="2" charset="0"/>
-                <a:cs typeface="Poppins Light" panose="00000400000000000000" pitchFamily="2" charset="0"/>
-              </a:rPr>
-              <a:t>utenti</a:t>
-            </a:r>
-            <a:r>
-              <a:rPr lang="en-US" sz="1400" dirty="0">
-                <a:latin typeface="Poppins Light" panose="00000400000000000000" pitchFamily="2" charset="0"/>
-                <a:cs typeface="Poppins Light" panose="00000400000000000000" pitchFamily="2" charset="0"/>
-              </a:rPr>
-              <a:t>  digitali e come </a:t>
-            </a:r>
-            <a:r>
-              <a:rPr lang="en-US" sz="1400" dirty="0" err="1">
-                <a:latin typeface="Poppins Light" panose="00000400000000000000" pitchFamily="2" charset="0"/>
-                <a:cs typeface="Poppins Light" panose="00000400000000000000" pitchFamily="2" charset="0"/>
-              </a:rPr>
-              <a:t>si</a:t>
-            </a:r>
-            <a:r>
-              <a:rPr lang="en-US" sz="1400" dirty="0">
-                <a:latin typeface="Poppins Light" panose="00000400000000000000" pitchFamily="2" charset="0"/>
-                <a:cs typeface="Poppins Light" panose="00000400000000000000" pitchFamily="2" charset="0"/>
-              </a:rPr>
-              <a:t> </a:t>
-            </a:r>
-            <a:r>
-              <a:rPr lang="en-US" sz="1400" dirty="0" err="1">
-                <a:latin typeface="Poppins Light" panose="00000400000000000000" pitchFamily="2" charset="0"/>
-                <a:cs typeface="Poppins Light" panose="00000400000000000000" pitchFamily="2" charset="0"/>
-              </a:rPr>
-              <a:t>interfacciano</a:t>
-            </a:r>
-            <a:r>
-              <a:rPr lang="en-US" sz="1400" dirty="0">
-                <a:latin typeface="Poppins Light" panose="00000400000000000000" pitchFamily="2" charset="0"/>
-                <a:cs typeface="Poppins Light" panose="00000400000000000000" pitchFamily="2" charset="0"/>
-              </a:rPr>
-              <a:t> con le ICTs ?</a:t>
-            </a:r>
-          </a:p>
-          <a:p>
-            <a:pPr marL="285750" indent="-285750">
-              <a:spcAft>
-                <a:spcPts val="1200"/>
-              </a:spcAft>
-              <a:buFont typeface="Wingdings" panose="05000000000000000000" pitchFamily="2" charset="2"/>
-              <a:buChar char="q"/>
-            </a:pPr>
-            <a:endParaRPr lang="en-US" sz="1400" dirty="0">
-              <a:latin typeface="Poppins Light" panose="00000400000000000000" pitchFamily="2" charset="0"/>
-              <a:cs typeface="Poppins Light" panose="00000400000000000000" pitchFamily="2" charset="0"/>
-            </a:endParaRPr>
-          </a:p>
-          <a:p>
-            <a:pPr>
-              <a:spcAft>
-                <a:spcPts val="1200"/>
-              </a:spcAft>
-            </a:pPr>
-            <a:endParaRPr lang="en-US" sz="1400" dirty="0">
-              <a:latin typeface="Poppins Light" panose="00000400000000000000" pitchFamily="2" charset="0"/>
-              <a:cs typeface="Poppins Light" panose="00000400000000000000" pitchFamily="2" charset="0"/>
-            </a:endParaRPr>
-          </a:p>
-          <a:p>
-            <a:pPr marL="285750" indent="-285750">
-              <a:spcAft>
-                <a:spcPts val="1200"/>
-              </a:spcAft>
-              <a:buFont typeface="Wingdings" panose="05000000000000000000" pitchFamily="2" charset="2"/>
-              <a:buChar char="q"/>
-            </a:pPr>
-            <a:r>
-              <a:rPr lang="en-US" sz="1400" dirty="0" err="1">
-                <a:latin typeface="Poppins Light" panose="00000400000000000000" pitchFamily="2" charset="0"/>
-                <a:cs typeface="Poppins Light" panose="00000400000000000000" pitchFamily="2" charset="0"/>
-              </a:rPr>
-              <a:t>Analisi</a:t>
-            </a:r>
-            <a:r>
-              <a:rPr lang="en-US" sz="1400" dirty="0">
-                <a:latin typeface="Poppins Light" panose="00000400000000000000" pitchFamily="2" charset="0"/>
-                <a:cs typeface="Poppins Light" panose="00000400000000000000" pitchFamily="2" charset="0"/>
-              </a:rPr>
-              <a:t> </a:t>
-            </a:r>
-            <a:r>
-              <a:rPr lang="en-US" sz="1400" dirty="0" err="1">
-                <a:latin typeface="Poppins Light" panose="00000400000000000000" pitchFamily="2" charset="0"/>
-                <a:cs typeface="Poppins Light" panose="00000400000000000000" pitchFamily="2" charset="0"/>
-              </a:rPr>
-              <a:t>storica</a:t>
-            </a:r>
-            <a:r>
-              <a:rPr lang="en-US" sz="1400" dirty="0">
-                <a:latin typeface="Poppins Light" panose="00000400000000000000" pitchFamily="2" charset="0"/>
-                <a:cs typeface="Poppins Light" panose="00000400000000000000" pitchFamily="2" charset="0"/>
-              </a:rPr>
-              <a:t> </a:t>
-            </a:r>
-            <a:r>
-              <a:rPr lang="en-US" sz="1400" dirty="0" err="1">
-                <a:latin typeface="Poppins Light" panose="00000400000000000000" pitchFamily="2" charset="0"/>
-                <a:cs typeface="Poppins Light" panose="00000400000000000000" pitchFamily="2" charset="0"/>
-              </a:rPr>
-              <a:t>della</a:t>
-            </a:r>
-            <a:r>
-              <a:rPr lang="en-US" sz="1400" dirty="0">
-                <a:latin typeface="Poppins Light" panose="00000400000000000000" pitchFamily="2" charset="0"/>
-                <a:cs typeface="Poppins Light" panose="00000400000000000000" pitchFamily="2" charset="0"/>
-              </a:rPr>
-              <a:t> </a:t>
-            </a:r>
-            <a:r>
-              <a:rPr lang="en-US" sz="1400" dirty="0" err="1">
-                <a:latin typeface="Poppins Light" panose="00000400000000000000" pitchFamily="2" charset="0"/>
-                <a:cs typeface="Poppins Light" panose="00000400000000000000" pitchFamily="2" charset="0"/>
-              </a:rPr>
-              <a:t>rivoluzione</a:t>
-            </a:r>
-            <a:r>
-              <a:rPr lang="en-US" sz="1400" dirty="0">
-                <a:latin typeface="Poppins Light" panose="00000400000000000000" pitchFamily="2" charset="0"/>
-                <a:cs typeface="Poppins Light" panose="00000400000000000000" pitchFamily="2" charset="0"/>
-              </a:rPr>
-              <a:t> </a:t>
-            </a:r>
-            <a:r>
-              <a:rPr lang="en-US" sz="1400" dirty="0" err="1">
-                <a:latin typeface="Poppins Light" panose="00000400000000000000" pitchFamily="2" charset="0"/>
-                <a:cs typeface="Poppins Light" panose="00000400000000000000" pitchFamily="2" charset="0"/>
-              </a:rPr>
-              <a:t>digitale</a:t>
-            </a:r>
-            <a:r>
-              <a:rPr lang="en-US" sz="1400" dirty="0">
-                <a:latin typeface="Poppins Light" panose="00000400000000000000" pitchFamily="2" charset="0"/>
-                <a:cs typeface="Poppins Light" panose="00000400000000000000" pitchFamily="2" charset="0"/>
-              </a:rPr>
-              <a:t>:</a:t>
-            </a:r>
-          </a:p>
-          <a:p>
-            <a:pPr lvl="1">
-              <a:spcAft>
-                <a:spcPts val="1200"/>
-              </a:spcAft>
-            </a:pPr>
-            <a:r>
-              <a:rPr lang="en-US" sz="1400" dirty="0" err="1">
-                <a:latin typeface="Poppins Light" panose="00000400000000000000" pitchFamily="2" charset="0"/>
-                <a:cs typeface="Poppins Light" panose="00000400000000000000" pitchFamily="2" charset="0"/>
-              </a:rPr>
-              <a:t>perchè</a:t>
-            </a:r>
-            <a:r>
-              <a:rPr lang="en-US" sz="1400" dirty="0">
-                <a:latin typeface="Poppins Light" panose="00000400000000000000" pitchFamily="2" charset="0"/>
-                <a:cs typeface="Poppins Light" panose="00000400000000000000" pitchFamily="2" charset="0"/>
-              </a:rPr>
-              <a:t> </a:t>
-            </a:r>
-            <a:r>
-              <a:rPr lang="en-US" sz="1400" dirty="0" err="1">
-                <a:latin typeface="Poppins Light" panose="00000400000000000000" pitchFamily="2" charset="0"/>
-                <a:cs typeface="Poppins Light" panose="00000400000000000000" pitchFamily="2" charset="0"/>
-              </a:rPr>
-              <a:t>manca</a:t>
-            </a:r>
-            <a:r>
-              <a:rPr lang="en-US" sz="1400" dirty="0">
-                <a:latin typeface="Poppins Light" panose="00000400000000000000" pitchFamily="2" charset="0"/>
-                <a:cs typeface="Poppins Light" panose="00000400000000000000" pitchFamily="2" charset="0"/>
-              </a:rPr>
-              <a:t> una </a:t>
-            </a:r>
-            <a:r>
-              <a:rPr lang="en-US" sz="1400" dirty="0" err="1">
-                <a:latin typeface="Poppins Light" panose="00000400000000000000" pitchFamily="2" charset="0"/>
-                <a:cs typeface="Poppins Light" panose="00000400000000000000" pitchFamily="2" charset="0"/>
-              </a:rPr>
-              <a:t>figura</a:t>
-            </a:r>
-            <a:r>
-              <a:rPr lang="en-US" sz="1400" dirty="0">
-                <a:latin typeface="Poppins Light" panose="00000400000000000000" pitchFamily="2" charset="0"/>
-                <a:cs typeface="Poppins Light" panose="00000400000000000000" pitchFamily="2" charset="0"/>
-              </a:rPr>
-              <a:t> </a:t>
-            </a:r>
-            <a:r>
-              <a:rPr lang="en-US" sz="1400" dirty="0" err="1">
-                <a:latin typeface="Poppins Light" panose="00000400000000000000" pitchFamily="2" charset="0"/>
-                <a:cs typeface="Poppins Light" panose="00000400000000000000" pitchFamily="2" charset="0"/>
-              </a:rPr>
-              <a:t>sociale</a:t>
-            </a:r>
-            <a:r>
-              <a:rPr lang="en-US" sz="1400" dirty="0">
-                <a:latin typeface="Poppins Light" panose="00000400000000000000" pitchFamily="2" charset="0"/>
-                <a:cs typeface="Poppins Light" panose="00000400000000000000" pitchFamily="2" charset="0"/>
-              </a:rPr>
-              <a:t> </a:t>
-            </a:r>
-            <a:r>
-              <a:rPr lang="en-US" sz="1400" dirty="0" err="1">
-                <a:latin typeface="Poppins Light" panose="00000400000000000000" pitchFamily="2" charset="0"/>
-                <a:cs typeface="Poppins Light" panose="00000400000000000000" pitchFamily="2" charset="0"/>
-              </a:rPr>
-              <a:t>che</a:t>
-            </a:r>
-            <a:r>
-              <a:rPr lang="en-US" sz="1400" dirty="0">
-                <a:latin typeface="Poppins Light" panose="00000400000000000000" pitchFamily="2" charset="0"/>
-                <a:cs typeface="Poppins Light" panose="00000400000000000000" pitchFamily="2" charset="0"/>
-              </a:rPr>
-              <a:t> </a:t>
-            </a:r>
-            <a:r>
-              <a:rPr lang="en-US" sz="1400" dirty="0" err="1">
-                <a:latin typeface="Poppins Light" panose="00000400000000000000" pitchFamily="2" charset="0"/>
-                <a:cs typeface="Poppins Light" panose="00000400000000000000" pitchFamily="2" charset="0"/>
-              </a:rPr>
-              <a:t>detenga</a:t>
-            </a:r>
-            <a:r>
-              <a:rPr lang="en-US" sz="1400" dirty="0">
-                <a:latin typeface="Poppins Light" panose="00000400000000000000" pitchFamily="2" charset="0"/>
-                <a:cs typeface="Poppins Light" panose="00000400000000000000" pitchFamily="2" charset="0"/>
-              </a:rPr>
-              <a:t> la “</a:t>
-            </a:r>
-            <a:r>
-              <a:rPr lang="en-US" sz="1400" dirty="0" err="1">
-                <a:latin typeface="Poppins Light" panose="00000400000000000000" pitchFamily="2" charset="0"/>
-                <a:cs typeface="Poppins Light" panose="00000400000000000000" pitchFamily="2" charset="0"/>
-              </a:rPr>
-              <a:t>saggezza</a:t>
-            </a:r>
-            <a:r>
-              <a:rPr lang="en-US" sz="1400" dirty="0">
-                <a:latin typeface="Poppins Light" panose="00000400000000000000" pitchFamily="2" charset="0"/>
-                <a:cs typeface="Poppins Light" panose="00000400000000000000" pitchFamily="2" charset="0"/>
-              </a:rPr>
-              <a:t> </a:t>
-            </a:r>
-            <a:r>
-              <a:rPr lang="en-US" sz="1400" dirty="0" err="1">
-                <a:latin typeface="Poppins Light" panose="00000400000000000000" pitchFamily="2" charset="0"/>
-                <a:cs typeface="Poppins Light" panose="00000400000000000000" pitchFamily="2" charset="0"/>
-              </a:rPr>
-              <a:t>digitale</a:t>
-            </a:r>
-            <a:r>
-              <a:rPr lang="en-US" sz="1400" dirty="0">
-                <a:latin typeface="Poppins Light" panose="00000400000000000000" pitchFamily="2" charset="0"/>
-                <a:cs typeface="Poppins Light" panose="00000400000000000000" pitchFamily="2" charset="0"/>
-              </a:rPr>
-              <a:t>” ?</a:t>
-            </a:r>
-          </a:p>
-          <a:p>
-            <a:pPr lvl="1">
-              <a:spcAft>
-                <a:spcPts val="1200"/>
-              </a:spcAft>
-            </a:pPr>
-            <a:endParaRPr lang="en-US" sz="1400" dirty="0">
-              <a:latin typeface="Poppins Light" panose="00000400000000000000" pitchFamily="2" charset="0"/>
-              <a:cs typeface="Poppins Light" panose="00000400000000000000" pitchFamily="2" charset="0"/>
-            </a:endParaRPr>
-          </a:p>
-          <a:p>
-            <a:pPr>
-              <a:spcAft>
-                <a:spcPts val="1200"/>
-              </a:spcAft>
-            </a:pPr>
-            <a:endParaRPr lang="en-US" sz="1400" dirty="0">
-              <a:latin typeface="Poppins Light" panose="00000400000000000000" pitchFamily="2" charset="0"/>
-              <a:cs typeface="Poppins Light" panose="00000400000000000000" pitchFamily="2" charset="0"/>
-            </a:endParaRPr>
-          </a:p>
-          <a:p>
-            <a:pPr marL="285750" indent="-285750">
-              <a:spcAft>
-                <a:spcPts val="1200"/>
-              </a:spcAft>
-              <a:buFont typeface="Wingdings" panose="05000000000000000000" pitchFamily="2" charset="2"/>
-              <a:buChar char="q"/>
-            </a:pPr>
-            <a:r>
-              <a:rPr lang="en-US" sz="1400" dirty="0" err="1">
-                <a:latin typeface="Poppins Light" panose="00000400000000000000" pitchFamily="2" charset="0"/>
-                <a:cs typeface="Poppins Light" panose="00000400000000000000" pitchFamily="2" charset="0"/>
-              </a:rPr>
-              <a:t>Quali</a:t>
-            </a:r>
-            <a:r>
-              <a:rPr lang="en-US" sz="1400" dirty="0">
-                <a:latin typeface="Poppins Light" panose="00000400000000000000" pitchFamily="2" charset="0"/>
-                <a:cs typeface="Poppins Light" panose="00000400000000000000" pitchFamily="2" charset="0"/>
-              </a:rPr>
-              <a:t> </a:t>
-            </a:r>
-            <a:r>
-              <a:rPr lang="en-US" sz="1400" dirty="0" err="1">
-                <a:latin typeface="Poppins Light" panose="00000400000000000000" pitchFamily="2" charset="0"/>
-                <a:cs typeface="Poppins Light" panose="00000400000000000000" pitchFamily="2" charset="0"/>
-              </a:rPr>
-              <a:t>sono</a:t>
-            </a:r>
-            <a:r>
-              <a:rPr lang="en-US" sz="1400" dirty="0">
-                <a:latin typeface="Poppins Light" panose="00000400000000000000" pitchFamily="2" charset="0"/>
-                <a:cs typeface="Poppins Light" panose="00000400000000000000" pitchFamily="2" charset="0"/>
-              </a:rPr>
-              <a:t> le skills </a:t>
-            </a:r>
-            <a:r>
-              <a:rPr lang="en-US" sz="1400" dirty="0" err="1">
-                <a:latin typeface="Poppins Light" panose="00000400000000000000" pitchFamily="2" charset="0"/>
-                <a:cs typeface="Poppins Light" panose="00000400000000000000" pitchFamily="2" charset="0"/>
-              </a:rPr>
-              <a:t>necessarie</a:t>
-            </a:r>
-            <a:r>
-              <a:rPr lang="en-US" sz="1400" dirty="0">
-                <a:latin typeface="Poppins Light" panose="00000400000000000000" pitchFamily="2" charset="0"/>
-                <a:cs typeface="Poppins Light" panose="00000400000000000000" pitchFamily="2" charset="0"/>
-              </a:rPr>
-              <a:t> in un mondo </a:t>
-            </a:r>
-            <a:r>
-              <a:rPr lang="en-US" sz="1400" dirty="0" err="1">
-                <a:latin typeface="Poppins Light" panose="00000400000000000000" pitchFamily="2" charset="0"/>
-                <a:cs typeface="Poppins Light" panose="00000400000000000000" pitchFamily="2" charset="0"/>
-              </a:rPr>
-              <a:t>digitale</a:t>
-            </a:r>
-            <a:r>
-              <a:rPr lang="en-US" sz="1400" dirty="0">
-                <a:latin typeface="Poppins Light" panose="00000400000000000000" pitchFamily="2" charset="0"/>
-                <a:cs typeface="Poppins Light" panose="00000400000000000000" pitchFamily="2" charset="0"/>
-              </a:rPr>
-              <a:t> ?</a:t>
-            </a:r>
-          </a:p>
-          <a:p>
-            <a:pPr>
-              <a:spcAft>
-                <a:spcPts val="1200"/>
-              </a:spcAft>
-            </a:pPr>
-            <a:endParaRPr lang="en-US" sz="1400" dirty="0">
-              <a:latin typeface="Poppins Light" panose="00000400000000000000" pitchFamily="2" charset="0"/>
-              <a:cs typeface="Poppins Light" panose="00000400000000000000" pitchFamily="2" charset="0"/>
-            </a:endParaRPr>
-          </a:p>
-          <a:p>
-            <a:pPr marL="285750" indent="-285750">
-              <a:spcAft>
-                <a:spcPts val="1200"/>
-              </a:spcAft>
-              <a:buFont typeface="Wingdings" panose="05000000000000000000" pitchFamily="2" charset="2"/>
-              <a:buChar char="q"/>
-            </a:pPr>
-            <a:endParaRPr lang="it-IT" sz="1400" dirty="0">
-              <a:latin typeface="Poppins Light" panose="00000400000000000000" pitchFamily="2" charset="0"/>
-              <a:cs typeface="Poppins Light" panose="00000400000000000000" pitchFamily="2" charset="0"/>
-            </a:endParaRPr>
-          </a:p>
-        </p:txBody>
-      </p:sp>
-      <p:cxnSp>
-        <p:nvCxnSpPr>
-          <p:cNvPr id="4" name="Connettore diritto 3">
-            <a:extLst>
-              <a:ext uri="{FF2B5EF4-FFF2-40B4-BE49-F238E27FC236}">
-                <a16:creationId xmlns:a16="http://schemas.microsoft.com/office/drawing/2014/main" id="{51FD34F7-E331-45F9-984B-6D3860116CA5}"/>
-              </a:ext>
-            </a:extLst>
-          </p:cNvPr>
-          <p:cNvCxnSpPr>
-            <a:cxnSpLocks/>
-          </p:cNvCxnSpPr>
-          <p:nvPr/>
-        </p:nvCxnSpPr>
-        <p:spPr>
-          <a:xfrm>
-            <a:off x="772998" y="1134050"/>
-            <a:ext cx="1775649" cy="0"/>
-          </a:xfrm>
-          <a:prstGeom prst="line">
-            <a:avLst/>
-          </a:prstGeom>
-          <a:ln w="38100">
-            <a:solidFill>
-              <a:schemeClr val="accent2"/>
-            </a:solidFill>
-          </a:ln>
-        </p:spPr>
-        <p:style>
-          <a:lnRef idx="3">
-            <a:schemeClr val="accent2"/>
-          </a:lnRef>
-          <a:fillRef idx="0">
-            <a:schemeClr val="accent2"/>
-          </a:fillRef>
-          <a:effectRef idx="2">
-            <a:schemeClr val="accent2"/>
-          </a:effectRef>
-          <a:fontRef idx="minor">
-            <a:schemeClr val="tx1"/>
-          </a:fontRef>
-        </p:style>
-      </p:cxnSp>
-      <p:pic>
-        <p:nvPicPr>
-          <p:cNvPr id="15" name="Immagine 14" descr="Immagine che contiene interni, tavolo, tavolo da pranzo&#10;&#10;Descrizione generata automaticamente">
-            <a:extLst>
-              <a:ext uri="{FF2B5EF4-FFF2-40B4-BE49-F238E27FC236}">
-                <a16:creationId xmlns:a16="http://schemas.microsoft.com/office/drawing/2014/main" id="{0FA78F81-25EE-4C6B-BB5F-8F4184FAD4AA}"/>
-              </a:ext>
-            </a:extLst>
-          </p:cNvPr>
-          <p:cNvPicPr>
-            <a:picLocks noChangeAspect="1"/>
-          </p:cNvPicPr>
-          <p:nvPr/>
-        </p:nvPicPr>
-        <p:blipFill rotWithShape="1">
-          <a:blip r:embed="rId2">
-            <a:extLst>
-              <a:ext uri="{28A0092B-C50C-407E-A947-70E740481C1C}">
-                <a14:useLocalDpi xmlns:a14="http://schemas.microsoft.com/office/drawing/2010/main" val="0"/>
-              </a:ext>
-            </a:extLst>
-          </a:blip>
-          <a:srcRect l="14715" t="844" r="18280" b="3188"/>
-          <a:stretch/>
-        </p:blipFill>
-        <p:spPr>
-          <a:xfrm>
-            <a:off x="6240463" y="2060576"/>
-            <a:ext cx="5951537" cy="4151382"/>
-          </a:xfrm>
-          <a:prstGeom prst="rect">
-            <a:avLst/>
-          </a:prstGeom>
-        </p:spPr>
-      </p:pic>
-    </p:spTree>
-    <p:extLst>
-      <p:ext uri="{BB962C8B-B14F-4D97-AF65-F5344CB8AC3E}">
-        <p14:creationId xmlns:p14="http://schemas.microsoft.com/office/powerpoint/2010/main" val="341538158"/>
-      </p:ext>
-    </p:extLst>
-  </p:cSld>
-  <p:clrMapOvr>
-    <a:masterClrMapping/>
-  </p:clrMapOvr>
-</p:sld>
-</file>
-
-<file path=ppt/slides/slide4.xml><?xml version="1.0" encoding="utf-8"?>
-<p:sld xmlns:a="http://schemas.openxmlformats.org/drawingml/2006/main" xmlns:r="http://schemas.openxmlformats.org/officeDocument/2006/relationships" xmlns:p="http://schemas.openxmlformats.org/presentationml/2006/main">
-  <p:cSld>
-    <p:spTree>
-      <p:nvGrpSpPr>
-        <p:cNvPr id="1" name=""/>
-        <p:cNvGrpSpPr/>
-        <p:nvPr/>
-      </p:nvGrpSpPr>
-      <p:grpSpPr>
-        <a:xfrm>
-          <a:off x="0" y="0"/>
-          <a:ext cx="0" cy="0"/>
-          <a:chOff x="0" y="0"/>
-          <a:chExt cx="0" cy="0"/>
-        </a:xfrm>
-      </p:grpSpPr>
-      <p:sp>
-        <p:nvSpPr>
-          <p:cNvPr id="5" name="CasellaDiTesto 4">
-            <a:extLst>
-              <a:ext uri="{FF2B5EF4-FFF2-40B4-BE49-F238E27FC236}">
-                <a16:creationId xmlns:a16="http://schemas.microsoft.com/office/drawing/2014/main" id="{89B91983-B758-4281-AC68-D9F7AB480AD9}"/>
-              </a:ext>
-            </a:extLst>
-          </p:cNvPr>
-          <p:cNvSpPr txBox="1"/>
-          <p:nvPr/>
-        </p:nvSpPr>
-        <p:spPr>
-          <a:xfrm>
-            <a:off x="704849" y="549275"/>
-            <a:ext cx="8020051" cy="584775"/>
-          </a:xfrm>
-          <a:prstGeom prst="rect">
-            <a:avLst/>
-          </a:prstGeom>
-          <a:noFill/>
-        </p:spPr>
-        <p:txBody>
-          <a:bodyPr wrap="square" rtlCol="0">
-            <a:spAutoFit/>
-          </a:bodyPr>
-          <a:lstStyle/>
-          <a:p>
-            <a:r>
-              <a:rPr lang="it-IT" sz="3200" dirty="0">
-                <a:latin typeface="Lato Black" panose="020F0502020204030203" pitchFamily="34" charset="0"/>
-                <a:ea typeface="Lato Black" panose="020F0502020204030203" pitchFamily="34" charset="0"/>
-                <a:cs typeface="Lato Black" panose="020F0502020204030203" pitchFamily="34" charset="0"/>
-              </a:rPr>
-              <a:t>Non Users</a:t>
-            </a:r>
-          </a:p>
-        </p:txBody>
-      </p:sp>
-      <p:sp>
-        <p:nvSpPr>
-          <p:cNvPr id="6" name="CasellaDiTesto 5">
-            <a:extLst>
-              <a:ext uri="{FF2B5EF4-FFF2-40B4-BE49-F238E27FC236}">
-                <a16:creationId xmlns:a16="http://schemas.microsoft.com/office/drawing/2014/main" id="{D13A722D-E148-4971-82F3-1C191AFD95ED}"/>
-              </a:ext>
-            </a:extLst>
-          </p:cNvPr>
-          <p:cNvSpPr txBox="1"/>
-          <p:nvPr/>
-        </p:nvSpPr>
-        <p:spPr>
-          <a:xfrm>
-            <a:off x="704847" y="2024062"/>
-            <a:ext cx="5535616" cy="3631763"/>
-          </a:xfrm>
-          <a:prstGeom prst="rect">
-            <a:avLst/>
-          </a:prstGeom>
-          <a:noFill/>
-        </p:spPr>
-        <p:txBody>
-          <a:bodyPr wrap="square" rtlCol="0">
-            <a:spAutoFit/>
-          </a:bodyPr>
-          <a:lstStyle/>
-          <a:p>
-            <a:pPr marL="285750" indent="-285750">
-              <a:spcAft>
-                <a:spcPts val="1200"/>
-              </a:spcAft>
-              <a:buFont typeface="Wingdings" panose="05000000000000000000" pitchFamily="2" charset="2"/>
-              <a:buChar char="q"/>
-            </a:pPr>
-            <a:r>
-              <a:rPr lang="it-IT" sz="1400" dirty="0">
-                <a:latin typeface="Poppins Medium" panose="00000600000000000000" pitchFamily="50" charset="0"/>
-                <a:cs typeface="Poppins Medium" panose="00000600000000000000" pitchFamily="50" charset="0"/>
-              </a:rPr>
-              <a:t>Sentimento di incompetenza</a:t>
-            </a:r>
-            <a:r>
-              <a:rPr lang="it-IT" sz="1400" dirty="0">
-                <a:latin typeface="Poppins SemiBold" panose="00000700000000000000" pitchFamily="50" charset="0"/>
-                <a:cs typeface="Poppins SemiBold" panose="00000700000000000000" pitchFamily="50" charset="0"/>
-              </a:rPr>
-              <a:t>:</a:t>
-            </a:r>
-          </a:p>
-          <a:p>
-            <a:pPr marL="742950" lvl="1" indent="-285750">
-              <a:spcAft>
-                <a:spcPts val="1200"/>
-              </a:spcAft>
-              <a:buFont typeface="Arial" panose="020B0604020202020204" pitchFamily="34" charset="0"/>
-              <a:buChar char="•"/>
-            </a:pPr>
-            <a:r>
-              <a:rPr lang="it-IT" sz="1400" dirty="0">
-                <a:latin typeface="Poppins Light" panose="00000400000000000000" pitchFamily="50" charset="0"/>
-                <a:cs typeface="Poppins Light" panose="00000400000000000000" pitchFamily="50" charset="0"/>
-              </a:rPr>
-              <a:t>Non comprensione dei rischi  </a:t>
-            </a:r>
-          </a:p>
-          <a:p>
-            <a:pPr marL="742950" lvl="1" indent="-285750">
-              <a:spcAft>
-                <a:spcPts val="1200"/>
-              </a:spcAft>
-              <a:buFont typeface="Arial" panose="020B0604020202020204" pitchFamily="34" charset="0"/>
-              <a:buChar char="•"/>
-            </a:pPr>
-            <a:r>
-              <a:rPr lang="it-IT" sz="1400" dirty="0">
-                <a:latin typeface="Poppins Light" panose="00000400000000000000" pitchFamily="50" charset="0"/>
-                <a:cs typeface="Poppins Light" panose="00000400000000000000" pitchFamily="50" charset="0"/>
-              </a:rPr>
-              <a:t>Ansia di non padroneggiare gli strumenti</a:t>
-            </a:r>
-          </a:p>
-          <a:p>
-            <a:pPr lvl="1">
-              <a:spcAft>
-                <a:spcPts val="1200"/>
-              </a:spcAft>
-            </a:pPr>
-            <a:r>
-              <a:rPr lang="it-IT" sz="1400" dirty="0">
-                <a:latin typeface="Poppins Light" panose="00000400000000000000" pitchFamily="50" charset="0"/>
-                <a:cs typeface="Poppins Light" panose="00000400000000000000" pitchFamily="50" charset="0"/>
-                <a:sym typeface="Wingdings" pitchFamily="2" charset="2"/>
-              </a:rPr>
-              <a:t> Responsabilità degli errori</a:t>
-            </a:r>
-            <a:endParaRPr lang="it-IT" sz="1400" dirty="0">
-              <a:latin typeface="Poppins Light" panose="00000400000000000000" pitchFamily="50" charset="0"/>
-              <a:cs typeface="Poppins Light" panose="00000400000000000000" pitchFamily="50" charset="0"/>
-            </a:endParaRPr>
-          </a:p>
-          <a:p>
-            <a:pPr marL="285750" indent="-285750">
-              <a:spcAft>
-                <a:spcPts val="1200"/>
-              </a:spcAft>
-              <a:buFont typeface="Wingdings" panose="05000000000000000000" pitchFamily="2" charset="2"/>
-              <a:buChar char="q"/>
-            </a:pPr>
-            <a:r>
-              <a:rPr lang="it-IT" sz="1400" dirty="0">
-                <a:latin typeface="Poppins Medium" panose="00000600000000000000" pitchFamily="50" charset="0"/>
-                <a:cs typeface="Poppins Medium" panose="00000600000000000000" pitchFamily="50" charset="0"/>
-              </a:rPr>
-              <a:t>Minaccia per alcune attività</a:t>
-            </a:r>
-            <a:r>
-              <a:rPr lang="it-IT" sz="1400" dirty="0">
-                <a:latin typeface="Poppins SemiBold" panose="00000700000000000000" pitchFamily="50" charset="0"/>
-                <a:cs typeface="Poppins SemiBold" panose="00000700000000000000" pitchFamily="50" charset="0"/>
-              </a:rPr>
-              <a:t>:</a:t>
-            </a:r>
-          </a:p>
-          <a:p>
-            <a:pPr marL="742950" lvl="1" indent="-285750">
-              <a:spcAft>
-                <a:spcPts val="1200"/>
-              </a:spcAft>
-              <a:buFont typeface="Arial" panose="020B0604020202020204" pitchFamily="34" charset="0"/>
-              <a:buChar char="•"/>
-            </a:pPr>
-            <a:r>
-              <a:rPr lang="it-IT" sz="1400" dirty="0">
-                <a:latin typeface="Poppins Light" panose="00000400000000000000" pitchFamily="50" charset="0"/>
-                <a:cs typeface="Poppins Light" panose="00000400000000000000" pitchFamily="50" charset="0"/>
-              </a:rPr>
-              <a:t>Disoccupazione</a:t>
-            </a:r>
-          </a:p>
-          <a:p>
-            <a:pPr marL="742950" lvl="1" indent="-285750">
-              <a:spcAft>
-                <a:spcPts val="1200"/>
-              </a:spcAft>
-              <a:buFont typeface="Arial" panose="020B0604020202020204" pitchFamily="34" charset="0"/>
-              <a:buChar char="•"/>
-            </a:pPr>
-            <a:r>
-              <a:rPr lang="it-IT" sz="1400" dirty="0">
-                <a:latin typeface="Poppins Light" panose="00000400000000000000" pitchFamily="50" charset="0"/>
-                <a:cs typeface="Poppins Light" panose="00000400000000000000" pitchFamily="50" charset="0"/>
-              </a:rPr>
-              <a:t>Chiusura attività e aree di socializzazione</a:t>
-            </a:r>
-          </a:p>
-          <a:p>
-            <a:pPr marL="285750" indent="-285750">
-              <a:spcAft>
-                <a:spcPts val="1200"/>
-              </a:spcAft>
-              <a:buFont typeface="Wingdings" panose="05000000000000000000" pitchFamily="2" charset="2"/>
-              <a:buChar char="q"/>
-            </a:pPr>
-            <a:r>
-              <a:rPr lang="it-IT" sz="1400" dirty="0">
-                <a:latin typeface="Poppins Medium" panose="00000600000000000000" pitchFamily="50" charset="0"/>
-                <a:cs typeface="Poppins Medium" panose="00000600000000000000" pitchFamily="50" charset="0"/>
-              </a:rPr>
-              <a:t>Aspettativa culturale</a:t>
-            </a:r>
-            <a:r>
-              <a:rPr lang="it-IT" sz="1400" dirty="0">
-                <a:latin typeface="Poppins SemiBold" panose="00000700000000000000" pitchFamily="50" charset="0"/>
-                <a:cs typeface="Poppins SemiBold" panose="00000700000000000000" pitchFamily="50" charset="0"/>
-              </a:rPr>
-              <a:t>:</a:t>
-            </a:r>
-          </a:p>
-          <a:p>
-            <a:pPr marL="742950" lvl="1" indent="-285750">
-              <a:spcAft>
-                <a:spcPts val="1200"/>
-              </a:spcAft>
-              <a:buFont typeface="Arial" panose="020B0604020202020204" pitchFamily="34" charset="0"/>
-              <a:buChar char="•"/>
-            </a:pPr>
-            <a:r>
-              <a:rPr lang="it-IT" sz="1400" dirty="0">
-                <a:latin typeface="Poppins Light" panose="00000400000000000000" pitchFamily="50" charset="0"/>
-                <a:cs typeface="Poppins Light" panose="00000400000000000000" pitchFamily="50" charset="0"/>
-              </a:rPr>
-              <a:t>Essere scoraggiati e disincentivati </a:t>
-            </a:r>
-          </a:p>
-          <a:p>
-            <a:pPr marL="742950" lvl="1" indent="-285750">
-              <a:spcAft>
-                <a:spcPts val="1200"/>
-              </a:spcAft>
-              <a:buFont typeface="Arial" panose="020B0604020202020204" pitchFamily="34" charset="0"/>
-              <a:buChar char="•"/>
-            </a:pPr>
-            <a:endParaRPr lang="it-IT" sz="1400" dirty="0">
-              <a:latin typeface="Poppins Light" panose="00000400000000000000" pitchFamily="50" charset="0"/>
-              <a:cs typeface="Poppins Light" panose="00000400000000000000" pitchFamily="50" charset="0"/>
-            </a:endParaRPr>
-          </a:p>
-        </p:txBody>
-      </p:sp>
-      <p:cxnSp>
-        <p:nvCxnSpPr>
-          <p:cNvPr id="4" name="Connettore diritto 3">
-            <a:extLst>
-              <a:ext uri="{FF2B5EF4-FFF2-40B4-BE49-F238E27FC236}">
-                <a16:creationId xmlns:a16="http://schemas.microsoft.com/office/drawing/2014/main" id="{51FD34F7-E331-45F9-984B-6D3860116CA5}"/>
-              </a:ext>
-            </a:extLst>
-          </p:cNvPr>
-          <p:cNvCxnSpPr>
-            <a:cxnSpLocks/>
-          </p:cNvCxnSpPr>
-          <p:nvPr/>
-        </p:nvCxnSpPr>
-        <p:spPr>
-          <a:xfrm>
-            <a:off x="772998" y="1134050"/>
-            <a:ext cx="1921434" cy="0"/>
-          </a:xfrm>
-          <a:prstGeom prst="line">
-            <a:avLst/>
-          </a:prstGeom>
-          <a:ln w="38100">
-            <a:solidFill>
-              <a:schemeClr val="accent2"/>
-            </a:solidFill>
-          </a:ln>
-        </p:spPr>
-        <p:style>
-          <a:lnRef idx="3">
-            <a:schemeClr val="accent2"/>
-          </a:lnRef>
-          <a:fillRef idx="0">
-            <a:schemeClr val="accent2"/>
-          </a:fillRef>
-          <a:effectRef idx="2">
-            <a:schemeClr val="accent2"/>
-          </a:effectRef>
-          <a:fontRef idx="minor">
-            <a:schemeClr val="tx1"/>
-          </a:fontRef>
-        </p:style>
-      </p:cxnSp>
-      <p:pic>
-        <p:nvPicPr>
-          <p:cNvPr id="7" name="Immagine 6">
-            <a:extLst>
-              <a:ext uri="{FF2B5EF4-FFF2-40B4-BE49-F238E27FC236}">
-                <a16:creationId xmlns:a16="http://schemas.microsoft.com/office/drawing/2014/main" id="{16516D1F-51E0-104C-98E9-4FD4B30C3E7E}"/>
-              </a:ext>
-            </a:extLst>
-          </p:cNvPr>
-          <p:cNvPicPr>
-            <a:picLocks noChangeAspect="1"/>
-          </p:cNvPicPr>
-          <p:nvPr/>
-        </p:nvPicPr>
-        <p:blipFill>
-          <a:blip r:embed="rId2"/>
-          <a:stretch>
-            <a:fillRect/>
-          </a:stretch>
-        </p:blipFill>
-        <p:spPr>
-          <a:xfrm>
-            <a:off x="6240463" y="117044"/>
-            <a:ext cx="3052253" cy="1878310"/>
-          </a:xfrm>
-          <a:prstGeom prst="rect">
-            <a:avLst/>
-          </a:prstGeom>
-        </p:spPr>
-      </p:pic>
-      <p:pic>
-        <p:nvPicPr>
-          <p:cNvPr id="8" name="Immagine 7">
-            <a:extLst>
-              <a:ext uri="{FF2B5EF4-FFF2-40B4-BE49-F238E27FC236}">
-                <a16:creationId xmlns:a16="http://schemas.microsoft.com/office/drawing/2014/main" id="{D845FE23-98DB-8845-8BC1-96E023D9EE17}"/>
-              </a:ext>
-            </a:extLst>
-          </p:cNvPr>
-          <p:cNvPicPr>
-            <a:picLocks noChangeAspect="1"/>
-          </p:cNvPicPr>
-          <p:nvPr/>
-        </p:nvPicPr>
-        <p:blipFill>
-          <a:blip r:embed="rId3"/>
-          <a:stretch>
-            <a:fillRect/>
-          </a:stretch>
-        </p:blipFill>
-        <p:spPr>
-          <a:xfrm>
-            <a:off x="9292716" y="198949"/>
-            <a:ext cx="2899283" cy="1881449"/>
-          </a:xfrm>
-          <a:prstGeom prst="rect">
-            <a:avLst/>
-          </a:prstGeom>
-        </p:spPr>
-      </p:pic>
-      <p:pic>
-        <p:nvPicPr>
-          <p:cNvPr id="9" name="Immagine 8">
-            <a:extLst>
-              <a:ext uri="{FF2B5EF4-FFF2-40B4-BE49-F238E27FC236}">
-                <a16:creationId xmlns:a16="http://schemas.microsoft.com/office/drawing/2014/main" id="{A04A421A-E4CE-674D-891E-584490D83E1E}"/>
-              </a:ext>
-            </a:extLst>
-          </p:cNvPr>
-          <p:cNvPicPr>
-            <a:picLocks noChangeAspect="1"/>
-          </p:cNvPicPr>
-          <p:nvPr/>
-        </p:nvPicPr>
-        <p:blipFill>
-          <a:blip r:embed="rId4"/>
-          <a:stretch>
-            <a:fillRect/>
-          </a:stretch>
-        </p:blipFill>
-        <p:spPr>
-          <a:xfrm>
-            <a:off x="9081752" y="1370817"/>
-            <a:ext cx="775499" cy="682902"/>
-          </a:xfrm>
-          <a:prstGeom prst="rect">
-            <a:avLst/>
-          </a:prstGeom>
-        </p:spPr>
-      </p:pic>
-      <p:pic>
-        <p:nvPicPr>
-          <p:cNvPr id="10" name="Immagine 9">
-            <a:extLst>
-              <a:ext uri="{FF2B5EF4-FFF2-40B4-BE49-F238E27FC236}">
-                <a16:creationId xmlns:a16="http://schemas.microsoft.com/office/drawing/2014/main" id="{0AE553D6-63B8-A047-B67E-02D710030517}"/>
-              </a:ext>
-            </a:extLst>
-          </p:cNvPr>
-          <p:cNvPicPr>
-            <a:picLocks noChangeAspect="1"/>
-          </p:cNvPicPr>
-          <p:nvPr/>
-        </p:nvPicPr>
-        <p:blipFill rotWithShape="1">
-          <a:blip r:embed="rId5" cstate="print">
-            <a:extLst>
-              <a:ext uri="{28A0092B-C50C-407E-A947-70E740481C1C}">
-                <a14:useLocalDpi xmlns:a14="http://schemas.microsoft.com/office/drawing/2010/main" val="0"/>
-              </a:ext>
-            </a:extLst>
-          </a:blip>
-          <a:srcRect t="7173" r="2620" b="11029"/>
-          <a:stretch/>
-        </p:blipFill>
-        <p:spPr bwMode="auto">
-          <a:xfrm>
-            <a:off x="6240463" y="2355012"/>
-            <a:ext cx="5008784" cy="1999680"/>
-          </a:xfrm>
-          <a:prstGeom prst="rect">
-            <a:avLst/>
-          </a:prstGeom>
-          <a:noFill/>
-          <a:ln>
-            <a:noFill/>
-          </a:ln>
-          <a:extLst>
-            <a:ext uri="{53640926-AAD7-44D8-BBD7-CCE9431645EC}">
-              <a14:shadowObscured xmlns:a14="http://schemas.microsoft.com/office/drawing/2010/main"/>
-            </a:ext>
-          </a:extLst>
-        </p:spPr>
-      </p:pic>
-      <p:pic>
-        <p:nvPicPr>
-          <p:cNvPr id="11" name="Immagine 10">
-            <a:extLst>
-              <a:ext uri="{FF2B5EF4-FFF2-40B4-BE49-F238E27FC236}">
-                <a16:creationId xmlns:a16="http://schemas.microsoft.com/office/drawing/2014/main" id="{10828808-E4F8-BA4A-A7A3-6CC27AEB1160}"/>
-              </a:ext>
-            </a:extLst>
-          </p:cNvPr>
-          <p:cNvPicPr>
-            <a:picLocks noChangeAspect="1"/>
-          </p:cNvPicPr>
-          <p:nvPr/>
-        </p:nvPicPr>
-        <p:blipFill rotWithShape="1">
-          <a:blip r:embed="rId6" cstate="print">
-            <a:extLst>
-              <a:ext uri="{28A0092B-C50C-407E-A947-70E740481C1C}">
-                <a14:useLocalDpi xmlns:a14="http://schemas.microsoft.com/office/drawing/2010/main" val="0"/>
-              </a:ext>
-            </a:extLst>
-          </a:blip>
-          <a:srcRect t="7528" r="8551" b="11566"/>
-          <a:stretch/>
-        </p:blipFill>
-        <p:spPr bwMode="auto">
-          <a:xfrm>
-            <a:off x="6240463" y="4655985"/>
-            <a:ext cx="4755560" cy="1999680"/>
-          </a:xfrm>
-          <a:prstGeom prst="rect">
-            <a:avLst/>
-          </a:prstGeom>
-          <a:noFill/>
-          <a:ln>
-            <a:noFill/>
-          </a:ln>
-          <a:extLst>
-            <a:ext uri="{53640926-AAD7-44D8-BBD7-CCE9431645EC}">
-              <a14:shadowObscured xmlns:a14="http://schemas.microsoft.com/office/drawing/2010/main"/>
-            </a:ext>
-          </a:extLst>
-        </p:spPr>
-      </p:pic>
-    </p:spTree>
-    <p:extLst>
-      <p:ext uri="{BB962C8B-B14F-4D97-AF65-F5344CB8AC3E}">
-        <p14:creationId xmlns:p14="http://schemas.microsoft.com/office/powerpoint/2010/main" val="1413317281"/>
-      </p:ext>
-    </p:extLst>
-  </p:cSld>
-  <p:clrMapOvr>
-    <a:masterClrMapping/>
-  </p:clrMapOvr>
-</p:sld>
-</file>
-
-<file path=ppt/slides/slide5.xml><?xml version="1.0" encoding="utf-8"?>
-<p:sld xmlns:a="http://schemas.openxmlformats.org/drawingml/2006/main" xmlns:r="http://schemas.openxmlformats.org/officeDocument/2006/relationships" xmlns:p="http://schemas.openxmlformats.org/presentationml/2006/main">
-  <p:cSld>
-    <p:spTree>
-      <p:nvGrpSpPr>
-        <p:cNvPr id="1" name=""/>
-        <p:cNvGrpSpPr/>
-        <p:nvPr/>
-      </p:nvGrpSpPr>
-      <p:grpSpPr>
-        <a:xfrm>
-          <a:off x="0" y="0"/>
-          <a:ext cx="0" cy="0"/>
-          <a:chOff x="0" y="0"/>
-          <a:chExt cx="0" cy="0"/>
-        </a:xfrm>
-      </p:grpSpPr>
-      <p:sp>
-        <p:nvSpPr>
-          <p:cNvPr id="5" name="CasellaDiTesto 4">
-            <a:extLst>
-              <a:ext uri="{FF2B5EF4-FFF2-40B4-BE49-F238E27FC236}">
-                <a16:creationId xmlns:a16="http://schemas.microsoft.com/office/drawing/2014/main" id="{89B91983-B758-4281-AC68-D9F7AB480AD9}"/>
-              </a:ext>
-            </a:extLst>
-          </p:cNvPr>
-          <p:cNvSpPr txBox="1"/>
-          <p:nvPr/>
-        </p:nvSpPr>
-        <p:spPr>
-          <a:xfrm>
-            <a:off x="704849" y="549275"/>
-            <a:ext cx="8020051" cy="584775"/>
-          </a:xfrm>
-          <a:prstGeom prst="rect">
-            <a:avLst/>
-          </a:prstGeom>
-          <a:noFill/>
-        </p:spPr>
-        <p:txBody>
-          <a:bodyPr wrap="square" rtlCol="0">
-            <a:spAutoFit/>
-          </a:bodyPr>
-          <a:lstStyle/>
-          <a:p>
-            <a:pPr marL="0" marR="0" lvl="0" indent="0" algn="l" defTabSz="914400" rtl="0" eaLnBrk="1" fontAlgn="auto" latinLnBrk="0" hangingPunct="1">
-              <a:lnSpc>
-                <a:spcPct val="100000"/>
-              </a:lnSpc>
-              <a:spcBef>
-                <a:spcPts val="0"/>
-              </a:spcBef>
-              <a:spcAft>
-                <a:spcPts val="0"/>
-              </a:spcAft>
-              <a:buClrTx/>
-              <a:buSzTx/>
-              <a:buFontTx/>
-              <a:buNone/>
-              <a:tabLst/>
-              <a:defRPr/>
-            </a:pPr>
-            <a:r>
-              <a:rPr kumimoji="0" lang="it-IT" sz="3200" b="0" i="0" u="none" strike="noStrike" kern="1200" cap="none" spc="0" normalizeH="0" baseline="0" noProof="0" dirty="0">
-                <a:ln>
-                  <a:noFill/>
-                </a:ln>
-                <a:solidFill>
-                  <a:prstClr val="black"/>
-                </a:solidFill>
-                <a:effectLst/>
-                <a:uLnTx/>
-                <a:uFillTx/>
-                <a:latin typeface="Lato Black" panose="020F0502020204030203" pitchFamily="34" charset="0"/>
-                <a:ea typeface="Lato Black" panose="020F0502020204030203" pitchFamily="34" charset="0"/>
-                <a:cs typeface="Lato Black" panose="020F0502020204030203" pitchFamily="34" charset="0"/>
-              </a:rPr>
-              <a:t>Digital </a:t>
-            </a:r>
-            <a:r>
-              <a:rPr kumimoji="0" lang="it-IT" sz="3200" b="0" i="0" u="none" strike="noStrike" kern="1200" cap="none" spc="0" normalizeH="0" baseline="0" noProof="0" dirty="0" err="1">
-                <a:ln>
-                  <a:noFill/>
-                </a:ln>
-                <a:solidFill>
-                  <a:prstClr val="black"/>
-                </a:solidFill>
-                <a:effectLst/>
-                <a:uLnTx/>
-                <a:uFillTx/>
-                <a:latin typeface="Lato Black" panose="020F0502020204030203" pitchFamily="34" charset="0"/>
-                <a:ea typeface="Lato Black" panose="020F0502020204030203" pitchFamily="34" charset="0"/>
-                <a:cs typeface="Lato Black" panose="020F0502020204030203" pitchFamily="34" charset="0"/>
-              </a:rPr>
-              <a:t>Natives</a:t>
-            </a:r>
-            <a:endParaRPr kumimoji="0" lang="it-IT" sz="3200" b="0" i="0" u="none" strike="noStrike" kern="1200" cap="none" spc="0" normalizeH="0" baseline="0" noProof="0" dirty="0">
-              <a:ln>
-                <a:noFill/>
-              </a:ln>
-              <a:solidFill>
-                <a:prstClr val="black"/>
-              </a:solidFill>
-              <a:effectLst/>
-              <a:uLnTx/>
-              <a:uFillTx/>
-              <a:latin typeface="Lato Black" panose="020F0502020204030203" pitchFamily="34" charset="0"/>
-              <a:ea typeface="Lato Black" panose="020F0502020204030203" pitchFamily="34" charset="0"/>
-              <a:cs typeface="Lato Black" panose="020F0502020204030203" pitchFamily="34" charset="0"/>
-            </a:endParaRPr>
-          </a:p>
-        </p:txBody>
-      </p:sp>
-      <p:sp>
-        <p:nvSpPr>
-          <p:cNvPr id="6" name="CasellaDiTesto 5">
-            <a:extLst>
-              <a:ext uri="{FF2B5EF4-FFF2-40B4-BE49-F238E27FC236}">
-                <a16:creationId xmlns:a16="http://schemas.microsoft.com/office/drawing/2014/main" id="{D13A722D-E148-4971-82F3-1C191AFD95ED}"/>
-              </a:ext>
-            </a:extLst>
-          </p:cNvPr>
-          <p:cNvSpPr txBox="1"/>
-          <p:nvPr/>
-        </p:nvSpPr>
-        <p:spPr>
-          <a:xfrm>
-            <a:off x="704847" y="2024062"/>
-            <a:ext cx="5535616" cy="2523768"/>
-          </a:xfrm>
-          <a:prstGeom prst="rect">
-            <a:avLst/>
-          </a:prstGeom>
-          <a:noFill/>
-        </p:spPr>
-        <p:txBody>
-          <a:bodyPr wrap="square" rtlCol="0">
-            <a:spAutoFit/>
-          </a:bodyPr>
-          <a:lstStyle/>
-          <a:p>
-            <a:pPr marL="285750" marR="0" lvl="0" indent="-285750" algn="l" defTabSz="914400" rtl="0" eaLnBrk="1" fontAlgn="auto" latinLnBrk="0" hangingPunct="1">
-              <a:lnSpc>
-                <a:spcPct val="100000"/>
-              </a:lnSpc>
-              <a:spcBef>
-                <a:spcPts val="0"/>
-              </a:spcBef>
-              <a:spcAft>
-                <a:spcPts val="1200"/>
-              </a:spcAft>
-              <a:buClrTx/>
-              <a:buSzTx/>
-              <a:buFont typeface="Wingdings" panose="05000000000000000000" pitchFamily="2" charset="2"/>
-              <a:buChar char="q"/>
-              <a:tabLst/>
-              <a:defRPr/>
-            </a:pPr>
-            <a:r>
-              <a:rPr kumimoji="0" lang="it-IT" sz="1400" b="0" i="0" u="none" strike="noStrike" kern="1200" cap="none" spc="0" normalizeH="0" baseline="0" noProof="0" dirty="0">
-                <a:ln>
-                  <a:noFill/>
-                </a:ln>
-                <a:solidFill>
-                  <a:prstClr val="black"/>
-                </a:solidFill>
-                <a:effectLst/>
-                <a:uLnTx/>
-                <a:uFillTx/>
-                <a:latin typeface="Poppins Medium" panose="00000600000000000000" pitchFamily="50" charset="0"/>
-                <a:ea typeface="+mn-ea"/>
-                <a:cs typeface="Poppins Medium" panose="00000600000000000000" pitchFamily="50" charset="0"/>
-              </a:rPr>
-              <a:t>Percezione distorta delle competenze:</a:t>
-            </a:r>
-          </a:p>
-          <a:p>
-            <a:pPr marL="742950" marR="0" lvl="1" indent="-285750" algn="l" defTabSz="914400" rtl="0" eaLnBrk="1" fontAlgn="auto" latinLnBrk="0" hangingPunct="1">
-              <a:lnSpc>
-                <a:spcPct val="100000"/>
-              </a:lnSpc>
-              <a:spcBef>
-                <a:spcPts val="0"/>
-              </a:spcBef>
-              <a:spcAft>
-                <a:spcPts val="1200"/>
-              </a:spcAft>
-              <a:buClrTx/>
-              <a:buSzTx/>
-              <a:buFont typeface="Arial" panose="020B0604020202020204" pitchFamily="34" charset="0"/>
-              <a:buChar char="•"/>
-              <a:tabLst/>
-              <a:defRPr/>
-            </a:pPr>
-            <a:r>
-              <a:rPr kumimoji="0" lang="it-IT" sz="1400" b="0" i="0" u="none" strike="noStrike" kern="1200" cap="none" spc="0" normalizeH="0" baseline="0" noProof="0" dirty="0">
-                <a:ln>
-                  <a:noFill/>
-                </a:ln>
-                <a:solidFill>
-                  <a:prstClr val="black"/>
-                </a:solidFill>
-                <a:effectLst/>
-                <a:uLnTx/>
-                <a:uFillTx/>
-                <a:latin typeface="Poppins Light" panose="00000400000000000000" pitchFamily="50" charset="0"/>
-                <a:ea typeface="+mn-ea"/>
-                <a:cs typeface="Poppins Light" panose="00000400000000000000" pitchFamily="50" charset="0"/>
-              </a:rPr>
-              <a:t>Conoscenze professionali VS abilità per stile di vita</a:t>
-            </a:r>
-          </a:p>
-          <a:p>
-            <a:pPr marL="285750" marR="0" lvl="0" indent="-285750" algn="l" defTabSz="914400" rtl="0" eaLnBrk="1" fontAlgn="auto" latinLnBrk="0" hangingPunct="1">
-              <a:lnSpc>
-                <a:spcPct val="100000"/>
-              </a:lnSpc>
-              <a:spcBef>
-                <a:spcPts val="0"/>
-              </a:spcBef>
-              <a:spcAft>
-                <a:spcPts val="1200"/>
-              </a:spcAft>
-              <a:buClrTx/>
-              <a:buSzTx/>
-              <a:buFont typeface="Wingdings" panose="05000000000000000000" pitchFamily="2" charset="2"/>
-              <a:buChar char="q"/>
-              <a:tabLst/>
-              <a:defRPr/>
-            </a:pPr>
-            <a:r>
-              <a:rPr kumimoji="0" lang="it-IT" sz="1400" b="0" i="0" u="none" strike="noStrike" kern="1200" cap="none" spc="0" normalizeH="0" baseline="0" noProof="0" dirty="0">
-                <a:ln>
-                  <a:noFill/>
-                </a:ln>
-                <a:solidFill>
-                  <a:prstClr val="black"/>
-                </a:solidFill>
-                <a:effectLst/>
-                <a:uLnTx/>
-                <a:uFillTx/>
-                <a:latin typeface="Poppins Medium" panose="00000600000000000000" pitchFamily="50" charset="0"/>
-                <a:ea typeface="+mn-ea"/>
-                <a:cs typeface="Poppins Medium" panose="00000600000000000000" pitchFamily="50" charset="0"/>
-              </a:rPr>
-              <a:t>Modalità di apprendimento</a:t>
-            </a:r>
-            <a:r>
-              <a:rPr kumimoji="0" lang="it-IT" sz="1400" b="0" i="0" u="none" strike="noStrike" kern="1200" cap="none" spc="0" normalizeH="0" baseline="0" noProof="0" dirty="0">
-                <a:ln>
-                  <a:noFill/>
-                </a:ln>
-                <a:solidFill>
-                  <a:prstClr val="black"/>
-                </a:solidFill>
-                <a:effectLst/>
-                <a:uLnTx/>
-                <a:uFillTx/>
-                <a:latin typeface="Poppins SemiBold" panose="00000700000000000000" pitchFamily="50" charset="0"/>
-                <a:ea typeface="+mn-ea"/>
-                <a:cs typeface="Poppins SemiBold" panose="00000700000000000000" pitchFamily="50" charset="0"/>
-              </a:rPr>
-              <a:t>:</a:t>
-            </a:r>
-          </a:p>
-          <a:p>
-            <a:pPr marL="742950" marR="0" lvl="1" indent="-285750" algn="l" defTabSz="914400" rtl="0" eaLnBrk="1" fontAlgn="auto" latinLnBrk="0" hangingPunct="1">
-              <a:lnSpc>
-                <a:spcPct val="100000"/>
-              </a:lnSpc>
-              <a:spcBef>
-                <a:spcPts val="0"/>
-              </a:spcBef>
-              <a:spcAft>
-                <a:spcPts val="1200"/>
-              </a:spcAft>
-              <a:buClrTx/>
-              <a:buSzTx/>
-              <a:buFont typeface="Arial" panose="020B0604020202020204" pitchFamily="34" charset="0"/>
-              <a:buChar char="•"/>
-              <a:tabLst/>
-              <a:defRPr/>
-            </a:pPr>
-            <a:r>
-              <a:rPr kumimoji="0" lang="it-IT" sz="1400" b="0" i="0" u="none" strike="noStrike" kern="1200" cap="none" spc="0" normalizeH="0" baseline="0" noProof="0" dirty="0">
-                <a:ln>
-                  <a:noFill/>
-                </a:ln>
-                <a:solidFill>
-                  <a:prstClr val="black"/>
-                </a:solidFill>
-                <a:effectLst/>
-                <a:uLnTx/>
-                <a:uFillTx/>
-                <a:latin typeface="Poppins Light" panose="00000400000000000000" pitchFamily="50" charset="0"/>
-                <a:ea typeface="+mn-ea"/>
-                <a:cs typeface="Poppins Light" panose="00000400000000000000" pitchFamily="50" charset="0"/>
-              </a:rPr>
-              <a:t>Digital </a:t>
-            </a:r>
-            <a:r>
-              <a:rPr kumimoji="0" lang="it-IT" sz="1400" b="0" i="0" u="none" strike="noStrike" kern="1200" cap="none" spc="0" normalizeH="0" baseline="0" noProof="0" dirty="0" err="1">
-                <a:ln>
-                  <a:noFill/>
-                </a:ln>
-                <a:solidFill>
-                  <a:prstClr val="black"/>
-                </a:solidFill>
-                <a:effectLst/>
-                <a:uLnTx/>
-                <a:uFillTx/>
-                <a:latin typeface="Poppins Light" panose="00000400000000000000" pitchFamily="50" charset="0"/>
-                <a:ea typeface="+mn-ea"/>
-                <a:cs typeface="Poppins Light" panose="00000400000000000000" pitchFamily="50" charset="0"/>
-              </a:rPr>
-              <a:t>Immigrants</a:t>
-            </a:r>
-            <a:endParaRPr kumimoji="0" lang="it-IT" sz="1400" b="0" i="0" u="none" strike="noStrike" kern="1200" cap="none" spc="0" normalizeH="0" baseline="0" noProof="0" dirty="0">
-              <a:ln>
-                <a:noFill/>
-              </a:ln>
-              <a:solidFill>
-                <a:prstClr val="black"/>
-              </a:solidFill>
-              <a:effectLst/>
-              <a:uLnTx/>
-              <a:uFillTx/>
-              <a:latin typeface="Poppins Light" panose="00000400000000000000" pitchFamily="50" charset="0"/>
-              <a:ea typeface="+mn-ea"/>
-              <a:cs typeface="Poppins Light" panose="00000400000000000000" pitchFamily="50" charset="0"/>
-            </a:endParaRPr>
-          </a:p>
-          <a:p>
-            <a:pPr marL="457200" marR="0" lvl="1" indent="0" algn="l" defTabSz="914400" rtl="0" eaLnBrk="1" fontAlgn="auto" latinLnBrk="0" hangingPunct="1">
-              <a:lnSpc>
-                <a:spcPct val="100000"/>
-              </a:lnSpc>
-              <a:spcBef>
-                <a:spcPts val="0"/>
-              </a:spcBef>
-              <a:spcAft>
-                <a:spcPts val="1200"/>
-              </a:spcAft>
-              <a:buClrTx/>
-              <a:buSzTx/>
-              <a:buFontTx/>
-              <a:buNone/>
-              <a:tabLst/>
-              <a:defRPr/>
-            </a:pPr>
-            <a:endParaRPr kumimoji="0" lang="it-IT" sz="1400" b="0" i="0" u="none" strike="noStrike" kern="1200" cap="none" spc="0" normalizeH="0" baseline="0" noProof="0" dirty="0">
-              <a:ln>
-                <a:noFill/>
-              </a:ln>
-              <a:solidFill>
-                <a:prstClr val="black"/>
-              </a:solidFill>
-              <a:effectLst/>
-              <a:uLnTx/>
-              <a:uFillTx/>
-              <a:latin typeface="Poppins Light" panose="00000400000000000000" pitchFamily="50" charset="0"/>
-              <a:ea typeface="+mn-ea"/>
-              <a:cs typeface="Poppins Light" panose="00000400000000000000" pitchFamily="50" charset="0"/>
-            </a:endParaRPr>
-          </a:p>
-          <a:p>
-            <a:pPr marL="457200" marR="0" lvl="1" indent="0" algn="l" defTabSz="914400" rtl="0" eaLnBrk="1" fontAlgn="auto" latinLnBrk="0" hangingPunct="1">
-              <a:lnSpc>
-                <a:spcPct val="100000"/>
-              </a:lnSpc>
-              <a:spcBef>
-                <a:spcPts val="0"/>
-              </a:spcBef>
-              <a:spcAft>
-                <a:spcPts val="1200"/>
-              </a:spcAft>
-              <a:buClrTx/>
-              <a:buSzTx/>
-              <a:buFontTx/>
-              <a:buNone/>
-              <a:tabLst/>
-              <a:defRPr/>
-            </a:pPr>
-            <a:r>
-              <a:rPr kumimoji="0" lang="it-IT" sz="1400" b="0" i="0" u="none" strike="noStrike" kern="1200" cap="none" spc="0" normalizeH="0" baseline="0" noProof="0" dirty="0">
-                <a:ln>
-                  <a:noFill/>
-                </a:ln>
-                <a:solidFill>
-                  <a:prstClr val="black"/>
-                </a:solidFill>
-                <a:effectLst/>
-                <a:uLnTx/>
-                <a:uFillTx/>
-                <a:latin typeface="Poppins Light" panose="00000400000000000000" pitchFamily="50" charset="0"/>
-                <a:ea typeface="+mn-ea"/>
-                <a:cs typeface="Poppins Light" panose="00000400000000000000" pitchFamily="50" charset="0"/>
-                <a:sym typeface="Wingdings" pitchFamily="2" charset="2"/>
-              </a:rPr>
-              <a:t> Assenza della saggezza digitale </a:t>
-            </a:r>
-            <a:endParaRPr kumimoji="0" lang="it-IT" sz="1400" b="0" i="0" u="none" strike="noStrike" kern="1200" cap="none" spc="0" normalizeH="0" baseline="0" noProof="0" dirty="0">
-              <a:ln>
-                <a:noFill/>
-              </a:ln>
-              <a:solidFill>
-                <a:prstClr val="black"/>
-              </a:solidFill>
-              <a:effectLst/>
-              <a:uLnTx/>
-              <a:uFillTx/>
-              <a:latin typeface="Poppins Light" panose="00000400000000000000" pitchFamily="50" charset="0"/>
-              <a:ea typeface="+mn-ea"/>
-              <a:cs typeface="Poppins Light" panose="00000400000000000000" pitchFamily="50" charset="0"/>
-            </a:endParaRPr>
-          </a:p>
-          <a:p>
-            <a:pPr marL="742950" marR="0" lvl="1" indent="-285750" algn="l" defTabSz="914400" rtl="0" eaLnBrk="1" fontAlgn="auto" latinLnBrk="0" hangingPunct="1">
-              <a:lnSpc>
-                <a:spcPct val="100000"/>
-              </a:lnSpc>
-              <a:spcBef>
-                <a:spcPts val="0"/>
-              </a:spcBef>
-              <a:spcAft>
-                <a:spcPts val="1200"/>
-              </a:spcAft>
-              <a:buClrTx/>
-              <a:buSzTx/>
-              <a:buFont typeface="Arial" panose="020B0604020202020204" pitchFamily="34" charset="0"/>
-              <a:buChar char="•"/>
-              <a:tabLst/>
-              <a:defRPr/>
-            </a:pPr>
-            <a:endParaRPr kumimoji="0" lang="it-IT" sz="1400" b="0" i="0" u="none" strike="noStrike" kern="1200" cap="none" spc="0" normalizeH="0" baseline="0" noProof="0" dirty="0">
-              <a:ln>
-                <a:noFill/>
-              </a:ln>
-              <a:solidFill>
-                <a:prstClr val="black"/>
-              </a:solidFill>
-              <a:effectLst/>
-              <a:uLnTx/>
-              <a:uFillTx/>
-              <a:latin typeface="Poppins Light" panose="00000400000000000000" pitchFamily="50" charset="0"/>
-              <a:ea typeface="+mn-ea"/>
-              <a:cs typeface="Poppins Light" panose="00000400000000000000" pitchFamily="50" charset="0"/>
-            </a:endParaRPr>
-          </a:p>
-        </p:txBody>
-      </p:sp>
-      <p:cxnSp>
-        <p:nvCxnSpPr>
-          <p:cNvPr id="4" name="Connettore diritto 3">
-            <a:extLst>
-              <a:ext uri="{FF2B5EF4-FFF2-40B4-BE49-F238E27FC236}">
-                <a16:creationId xmlns:a16="http://schemas.microsoft.com/office/drawing/2014/main" id="{51FD34F7-E331-45F9-984B-6D3860116CA5}"/>
-              </a:ext>
-            </a:extLst>
-          </p:cNvPr>
-          <p:cNvCxnSpPr>
-            <a:cxnSpLocks/>
-          </p:cNvCxnSpPr>
-          <p:nvPr/>
-        </p:nvCxnSpPr>
-        <p:spPr>
-          <a:xfrm>
-            <a:off x="772998" y="1134050"/>
-            <a:ext cx="2726106" cy="0"/>
-          </a:xfrm>
-          <a:prstGeom prst="line">
-            <a:avLst/>
-          </a:prstGeom>
-          <a:ln w="38100">
-            <a:solidFill>
-              <a:schemeClr val="accent2"/>
-            </a:solidFill>
-          </a:ln>
-        </p:spPr>
-        <p:style>
-          <a:lnRef idx="3">
-            <a:schemeClr val="accent2"/>
-          </a:lnRef>
-          <a:fillRef idx="0">
-            <a:schemeClr val="accent2"/>
-          </a:fillRef>
-          <a:effectRef idx="2">
-            <a:schemeClr val="accent2"/>
-          </a:effectRef>
-          <a:fontRef idx="minor">
-            <a:schemeClr val="tx1"/>
-          </a:fontRef>
-        </p:style>
-      </p:cxnSp>
-      <p:pic>
-        <p:nvPicPr>
-          <p:cNvPr id="7" name="Immagine 6">
-            <a:extLst>
-              <a:ext uri="{FF2B5EF4-FFF2-40B4-BE49-F238E27FC236}">
-                <a16:creationId xmlns:a16="http://schemas.microsoft.com/office/drawing/2014/main" id="{EEACD5FD-4EE0-A941-BE62-833D65F88CD5}"/>
-              </a:ext>
-            </a:extLst>
-          </p:cNvPr>
-          <p:cNvPicPr>
-            <a:picLocks noChangeAspect="1"/>
-          </p:cNvPicPr>
-          <p:nvPr/>
-        </p:nvPicPr>
-        <p:blipFill rotWithShape="1">
-          <a:blip r:embed="rId2" cstate="print">
-            <a:extLst>
-              <a:ext uri="{28A0092B-C50C-407E-A947-70E740481C1C}">
-                <a14:useLocalDpi xmlns:a14="http://schemas.microsoft.com/office/drawing/2010/main" val="0"/>
-              </a:ext>
-            </a:extLst>
-          </a:blip>
-          <a:srcRect l="3175" t="8128" r="54163" b="10571"/>
-          <a:stretch/>
-        </p:blipFill>
-        <p:spPr bwMode="auto">
-          <a:xfrm>
-            <a:off x="6308612" y="549275"/>
-            <a:ext cx="2863963" cy="2294939"/>
-          </a:xfrm>
-          <a:prstGeom prst="rect">
-            <a:avLst/>
-          </a:prstGeom>
-          <a:noFill/>
-          <a:ln>
-            <a:noFill/>
-          </a:ln>
-          <a:extLst>
-            <a:ext uri="{53640926-AAD7-44D8-BBD7-CCE9431645EC}">
-              <a14:shadowObscured xmlns:a14="http://schemas.microsoft.com/office/drawing/2010/main"/>
-            </a:ext>
-          </a:extLst>
-        </p:spPr>
-      </p:pic>
-      <p:pic>
-        <p:nvPicPr>
-          <p:cNvPr id="8" name="Immagine 7">
-            <a:extLst>
-              <a:ext uri="{FF2B5EF4-FFF2-40B4-BE49-F238E27FC236}">
-                <a16:creationId xmlns:a16="http://schemas.microsoft.com/office/drawing/2014/main" id="{F56D7127-22F3-994B-984E-3417C10418C8}"/>
-              </a:ext>
-            </a:extLst>
-          </p:cNvPr>
-          <p:cNvPicPr>
-            <a:picLocks noChangeAspect="1"/>
-          </p:cNvPicPr>
-          <p:nvPr/>
-        </p:nvPicPr>
-        <p:blipFill rotWithShape="1">
-          <a:blip r:embed="rId3" cstate="print">
-            <a:extLst>
-              <a:ext uri="{28A0092B-C50C-407E-A947-70E740481C1C}">
-                <a14:useLocalDpi xmlns:a14="http://schemas.microsoft.com/office/drawing/2010/main" val="0"/>
-              </a:ext>
-            </a:extLst>
-          </a:blip>
-          <a:srcRect l="3161" t="8091" r="38595" b="10371"/>
-          <a:stretch/>
-        </p:blipFill>
-        <p:spPr bwMode="auto">
-          <a:xfrm>
-            <a:off x="6283755" y="3429000"/>
-            <a:ext cx="3817508" cy="2246992"/>
-          </a:xfrm>
-          <a:prstGeom prst="rect">
-            <a:avLst/>
-          </a:prstGeom>
-          <a:noFill/>
-          <a:ln>
-            <a:noFill/>
-          </a:ln>
-          <a:extLst>
-            <a:ext uri="{53640926-AAD7-44D8-BBD7-CCE9431645EC}">
-              <a14:shadowObscured xmlns:a14="http://schemas.microsoft.com/office/drawing/2010/main"/>
-            </a:ext>
-          </a:extLst>
-        </p:spPr>
-      </p:pic>
-      <p:pic>
-        <p:nvPicPr>
-          <p:cNvPr id="3" name="Immagine 2">
-            <a:extLst>
-              <a:ext uri="{FF2B5EF4-FFF2-40B4-BE49-F238E27FC236}">
-                <a16:creationId xmlns:a16="http://schemas.microsoft.com/office/drawing/2014/main" id="{CB440700-8E7D-884F-8028-24A5528684F2}"/>
-              </a:ext>
-            </a:extLst>
-          </p:cNvPr>
-          <p:cNvPicPr>
-            <a:picLocks noChangeAspect="1"/>
-          </p:cNvPicPr>
-          <p:nvPr/>
-        </p:nvPicPr>
-        <p:blipFill>
-          <a:blip r:embed="rId4"/>
-          <a:stretch>
-            <a:fillRect/>
-          </a:stretch>
-        </p:blipFill>
-        <p:spPr>
-          <a:xfrm>
-            <a:off x="9365457" y="4796251"/>
-            <a:ext cx="2314578" cy="1548987"/>
-          </a:xfrm>
-          <a:prstGeom prst="rect">
-            <a:avLst/>
-          </a:prstGeom>
-        </p:spPr>
-      </p:pic>
-      <p:pic>
-        <p:nvPicPr>
-          <p:cNvPr id="9" name="Immagine 8">
-            <a:extLst>
-              <a:ext uri="{FF2B5EF4-FFF2-40B4-BE49-F238E27FC236}">
-                <a16:creationId xmlns:a16="http://schemas.microsoft.com/office/drawing/2014/main" id="{882E5626-BEF4-2D45-BD4B-48FB99C198EF}"/>
-              </a:ext>
-            </a:extLst>
-          </p:cNvPr>
-          <p:cNvPicPr>
-            <a:picLocks noChangeAspect="1"/>
-          </p:cNvPicPr>
-          <p:nvPr/>
-        </p:nvPicPr>
-        <p:blipFill>
-          <a:blip r:embed="rId5"/>
-          <a:stretch>
-            <a:fillRect/>
-          </a:stretch>
-        </p:blipFill>
-        <p:spPr>
-          <a:xfrm>
-            <a:off x="9365457" y="2099646"/>
-            <a:ext cx="1471613" cy="1186300"/>
-          </a:xfrm>
-          <a:prstGeom prst="rect">
-            <a:avLst/>
-          </a:prstGeom>
-        </p:spPr>
-      </p:pic>
-    </p:spTree>
-    <p:extLst>
-      <p:ext uri="{BB962C8B-B14F-4D97-AF65-F5344CB8AC3E}">
-        <p14:creationId xmlns:p14="http://schemas.microsoft.com/office/powerpoint/2010/main" val="202300076"/>
-      </p:ext>
-    </p:extLst>
-  </p:cSld>
-  <p:clrMapOvr>
-    <a:masterClrMapping/>
-  </p:clrMapOvr>
-</p:sld>
-</file>
-
-<file path=ppt/slides/slide6.xml><?xml version="1.0" encoding="utf-8"?>
-<p:sld xmlns:a="http://schemas.openxmlformats.org/drawingml/2006/main" xmlns:r="http://schemas.openxmlformats.org/officeDocument/2006/relationships" xmlns:p="http://schemas.openxmlformats.org/presentationml/2006/main">
-  <p:cSld>
-    <p:spTree>
-      <p:nvGrpSpPr>
-        <p:cNvPr id="1" name=""/>
-        <p:cNvGrpSpPr/>
-        <p:nvPr/>
-      </p:nvGrpSpPr>
-      <p:grpSpPr>
-        <a:xfrm>
-          <a:off x="0" y="0"/>
-          <a:ext cx="0" cy="0"/>
-          <a:chOff x="0" y="0"/>
-          <a:chExt cx="0" cy="0"/>
-        </a:xfrm>
-      </p:grpSpPr>
-      <p:sp>
-        <p:nvSpPr>
-          <p:cNvPr id="5" name="CasellaDiTesto 4">
-            <a:extLst>
-              <a:ext uri="{FF2B5EF4-FFF2-40B4-BE49-F238E27FC236}">
-                <a16:creationId xmlns:a16="http://schemas.microsoft.com/office/drawing/2014/main" id="{89B91983-B758-4281-AC68-D9F7AB480AD9}"/>
-              </a:ext>
-            </a:extLst>
-          </p:cNvPr>
-          <p:cNvSpPr txBox="1"/>
-          <p:nvPr/>
-        </p:nvSpPr>
-        <p:spPr>
-          <a:xfrm>
-            <a:off x="704847" y="549275"/>
-            <a:ext cx="8020051" cy="584775"/>
-          </a:xfrm>
-          <a:prstGeom prst="rect">
-            <a:avLst/>
-          </a:prstGeom>
-          <a:noFill/>
-        </p:spPr>
-        <p:txBody>
-          <a:bodyPr wrap="square" rtlCol="0">
-            <a:spAutoFit/>
-          </a:bodyPr>
-          <a:lstStyle/>
-          <a:p>
-            <a:r>
-              <a:rPr lang="it-IT" sz="3200" dirty="0">
-                <a:latin typeface="Lato Black" panose="020F0502020204030203" pitchFamily="34" charset="0"/>
-                <a:ea typeface="Lato Black" panose="020F0502020204030203" pitchFamily="34" charset="0"/>
-                <a:cs typeface="Lato Black" panose="020F0502020204030203" pitchFamily="34" charset="0"/>
-              </a:rPr>
-              <a:t>Non </a:t>
-            </a:r>
-            <a:r>
-              <a:rPr lang="it-IT" sz="3200" dirty="0" err="1">
-                <a:latin typeface="Lato Black" panose="020F0502020204030203" pitchFamily="34" charset="0"/>
-                <a:ea typeface="Lato Black" panose="020F0502020204030203" pitchFamily="34" charset="0"/>
-                <a:cs typeface="Lato Black" panose="020F0502020204030203" pitchFamily="34" charset="0"/>
-              </a:rPr>
-              <a:t>Users</a:t>
-            </a:r>
-            <a:endParaRPr lang="it-IT" sz="3200" dirty="0">
-              <a:latin typeface="Lato Black" panose="020F0502020204030203" pitchFamily="34" charset="0"/>
-              <a:ea typeface="Lato Black" panose="020F0502020204030203" pitchFamily="34" charset="0"/>
-              <a:cs typeface="Lato Black" panose="020F0502020204030203" pitchFamily="34" charset="0"/>
-            </a:endParaRPr>
-          </a:p>
-        </p:txBody>
-      </p:sp>
-      <p:sp>
-        <p:nvSpPr>
-          <p:cNvPr id="6" name="CasellaDiTesto 5">
-            <a:extLst>
-              <a:ext uri="{FF2B5EF4-FFF2-40B4-BE49-F238E27FC236}">
-                <a16:creationId xmlns:a16="http://schemas.microsoft.com/office/drawing/2014/main" id="{D13A722D-E148-4971-82F3-1C191AFD95ED}"/>
-              </a:ext>
-            </a:extLst>
-          </p:cNvPr>
-          <p:cNvSpPr txBox="1"/>
-          <p:nvPr/>
-        </p:nvSpPr>
-        <p:spPr>
-          <a:xfrm>
-            <a:off x="704847" y="2024062"/>
-            <a:ext cx="4973053" cy="3631763"/>
-          </a:xfrm>
-          <a:prstGeom prst="rect">
-            <a:avLst/>
-          </a:prstGeom>
-          <a:noFill/>
-        </p:spPr>
-        <p:txBody>
-          <a:bodyPr wrap="square" rtlCol="0">
-            <a:spAutoFit/>
-          </a:bodyPr>
-          <a:lstStyle/>
-          <a:p>
-            <a:pPr marL="285750" indent="-285750">
-              <a:spcAft>
-                <a:spcPts val="1200"/>
-              </a:spcAft>
-              <a:buFont typeface="Wingdings" panose="05000000000000000000" pitchFamily="2" charset="2"/>
-              <a:buChar char="q"/>
-            </a:pPr>
-            <a:r>
-              <a:rPr lang="it-IT" sz="1400" dirty="0">
-                <a:latin typeface="Poppins Medium" panose="00000600000000000000" pitchFamily="50" charset="0"/>
-                <a:cs typeface="Poppins Medium" panose="00000600000000000000" pitchFamily="50" charset="0"/>
-              </a:rPr>
-              <a:t>Sentimento di incompetenza</a:t>
-            </a:r>
-            <a:r>
-              <a:rPr lang="it-IT" sz="1400" dirty="0">
-                <a:latin typeface="Poppins SemiBold" panose="00000700000000000000" pitchFamily="50" charset="0"/>
-                <a:cs typeface="Poppins SemiBold" panose="00000700000000000000" pitchFamily="50" charset="0"/>
-              </a:rPr>
-              <a:t>:</a:t>
-            </a:r>
-          </a:p>
-          <a:p>
-            <a:pPr marL="742950" lvl="1" indent="-285750">
-              <a:spcAft>
-                <a:spcPts val="1200"/>
-              </a:spcAft>
-              <a:buFont typeface="Arial" panose="020B0604020202020204" pitchFamily="34" charset="0"/>
-              <a:buChar char="•"/>
-            </a:pPr>
-            <a:r>
-              <a:rPr lang="it-IT" sz="1400" dirty="0">
-                <a:latin typeface="Poppins Light" panose="00000400000000000000" pitchFamily="50" charset="0"/>
-                <a:cs typeface="Poppins Light" panose="00000400000000000000" pitchFamily="50" charset="0"/>
-              </a:rPr>
-              <a:t>Non comprensione dei rischi  </a:t>
-            </a:r>
-          </a:p>
-          <a:p>
-            <a:pPr marL="742950" lvl="1" indent="-285750">
-              <a:spcAft>
-                <a:spcPts val="1200"/>
-              </a:spcAft>
-              <a:buFont typeface="Arial" panose="020B0604020202020204" pitchFamily="34" charset="0"/>
-              <a:buChar char="•"/>
-            </a:pPr>
-            <a:r>
-              <a:rPr lang="it-IT" sz="1400" dirty="0">
-                <a:latin typeface="Poppins Light" panose="00000400000000000000" pitchFamily="50" charset="0"/>
-                <a:cs typeface="Poppins Light" panose="00000400000000000000" pitchFamily="50" charset="0"/>
-              </a:rPr>
-              <a:t>Ansia di non padroneggiare gli strumenti</a:t>
-            </a:r>
-          </a:p>
-          <a:p>
-            <a:pPr lvl="1">
-              <a:spcAft>
-                <a:spcPts val="1200"/>
-              </a:spcAft>
-            </a:pPr>
-            <a:r>
-              <a:rPr lang="it-IT" sz="1400" dirty="0">
-                <a:latin typeface="Poppins Light" panose="00000400000000000000" pitchFamily="50" charset="0"/>
-                <a:cs typeface="Poppins Light" panose="00000400000000000000" pitchFamily="50" charset="0"/>
-                <a:sym typeface="Wingdings" pitchFamily="2" charset="2"/>
-              </a:rPr>
-              <a:t> Responsabilità degli errori</a:t>
-            </a:r>
-            <a:endParaRPr lang="it-IT" sz="1400" dirty="0">
-              <a:latin typeface="Poppins Light" panose="00000400000000000000" pitchFamily="50" charset="0"/>
-              <a:cs typeface="Poppins Light" panose="00000400000000000000" pitchFamily="50" charset="0"/>
-            </a:endParaRPr>
-          </a:p>
-          <a:p>
-            <a:pPr marL="285750" indent="-285750">
-              <a:spcAft>
-                <a:spcPts val="1200"/>
-              </a:spcAft>
-              <a:buFont typeface="Wingdings" panose="05000000000000000000" pitchFamily="2" charset="2"/>
-              <a:buChar char="q"/>
-            </a:pPr>
-            <a:r>
-              <a:rPr lang="it-IT" sz="1400" dirty="0">
-                <a:latin typeface="Poppins Medium" panose="00000600000000000000" pitchFamily="50" charset="0"/>
-                <a:cs typeface="Poppins Medium" panose="00000600000000000000" pitchFamily="50" charset="0"/>
-              </a:rPr>
-              <a:t>Minaccia per alcune attività</a:t>
-            </a:r>
-            <a:r>
-              <a:rPr lang="it-IT" sz="1400" dirty="0">
-                <a:latin typeface="Poppins SemiBold" panose="00000700000000000000" pitchFamily="50" charset="0"/>
-                <a:cs typeface="Poppins SemiBold" panose="00000700000000000000" pitchFamily="50" charset="0"/>
-              </a:rPr>
-              <a:t>:</a:t>
-            </a:r>
-          </a:p>
-          <a:p>
-            <a:pPr marL="742950" lvl="1" indent="-285750">
-              <a:spcAft>
-                <a:spcPts val="1200"/>
-              </a:spcAft>
-              <a:buFont typeface="Arial" panose="020B0604020202020204" pitchFamily="34" charset="0"/>
-              <a:buChar char="•"/>
-            </a:pPr>
-            <a:r>
-              <a:rPr lang="it-IT" sz="1400" dirty="0">
-                <a:latin typeface="Poppins Light" panose="00000400000000000000" pitchFamily="50" charset="0"/>
-                <a:cs typeface="Poppins Light" panose="00000400000000000000" pitchFamily="50" charset="0"/>
-              </a:rPr>
-              <a:t>Disoccupazione</a:t>
-            </a:r>
-          </a:p>
-          <a:p>
-            <a:pPr marL="742950" lvl="1" indent="-285750">
-              <a:spcAft>
-                <a:spcPts val="1200"/>
-              </a:spcAft>
-              <a:buFont typeface="Arial" panose="020B0604020202020204" pitchFamily="34" charset="0"/>
-              <a:buChar char="•"/>
-            </a:pPr>
-            <a:r>
-              <a:rPr lang="it-IT" sz="1400" dirty="0">
-                <a:latin typeface="Poppins Light" panose="00000400000000000000" pitchFamily="50" charset="0"/>
-                <a:cs typeface="Poppins Light" panose="00000400000000000000" pitchFamily="50" charset="0"/>
-              </a:rPr>
-              <a:t>Chiusura attività e aree di socializzazione</a:t>
-            </a:r>
-          </a:p>
-          <a:p>
-            <a:pPr marL="285750" indent="-285750">
-              <a:spcAft>
-                <a:spcPts val="1200"/>
-              </a:spcAft>
-              <a:buFont typeface="Wingdings" panose="05000000000000000000" pitchFamily="2" charset="2"/>
-              <a:buChar char="q"/>
-            </a:pPr>
-            <a:r>
-              <a:rPr lang="it-IT" sz="1400" dirty="0">
-                <a:latin typeface="Poppins Medium" panose="00000600000000000000" pitchFamily="50" charset="0"/>
-                <a:cs typeface="Poppins Medium" panose="00000600000000000000" pitchFamily="50" charset="0"/>
-              </a:rPr>
-              <a:t>Aspettativa culturale</a:t>
-            </a:r>
-            <a:r>
-              <a:rPr lang="it-IT" sz="1400" dirty="0">
-                <a:latin typeface="Poppins SemiBold" panose="00000700000000000000" pitchFamily="50" charset="0"/>
-                <a:cs typeface="Poppins SemiBold" panose="00000700000000000000" pitchFamily="50" charset="0"/>
-              </a:rPr>
-              <a:t>:</a:t>
-            </a:r>
-          </a:p>
-          <a:p>
-            <a:pPr marL="742950" lvl="1" indent="-285750">
-              <a:spcAft>
-                <a:spcPts val="1200"/>
-              </a:spcAft>
-              <a:buFont typeface="Arial" panose="020B0604020202020204" pitchFamily="34" charset="0"/>
-              <a:buChar char="•"/>
-            </a:pPr>
-            <a:r>
-              <a:rPr lang="it-IT" sz="1400" dirty="0">
-                <a:latin typeface="Poppins Light" panose="00000400000000000000" pitchFamily="50" charset="0"/>
-                <a:cs typeface="Poppins Light" panose="00000400000000000000" pitchFamily="50" charset="0"/>
-              </a:rPr>
-              <a:t>Essere scoraggiati e disincentivati </a:t>
-            </a:r>
-          </a:p>
-          <a:p>
-            <a:pPr marL="742950" lvl="1" indent="-285750">
-              <a:spcAft>
-                <a:spcPts val="1200"/>
-              </a:spcAft>
-              <a:buFont typeface="Arial" panose="020B0604020202020204" pitchFamily="34" charset="0"/>
-              <a:buChar char="•"/>
-            </a:pPr>
-            <a:endParaRPr lang="it-IT" sz="1400" dirty="0">
-              <a:latin typeface="Poppins Light" panose="00000400000000000000" pitchFamily="50" charset="0"/>
-              <a:cs typeface="Poppins Light" panose="00000400000000000000" pitchFamily="50" charset="0"/>
-            </a:endParaRPr>
-          </a:p>
-        </p:txBody>
-      </p:sp>
-      <p:cxnSp>
-        <p:nvCxnSpPr>
-          <p:cNvPr id="4" name="Connettore diritto 3">
-            <a:extLst>
-              <a:ext uri="{FF2B5EF4-FFF2-40B4-BE49-F238E27FC236}">
-                <a16:creationId xmlns:a16="http://schemas.microsoft.com/office/drawing/2014/main" id="{51FD34F7-E331-45F9-984B-6D3860116CA5}"/>
-              </a:ext>
-            </a:extLst>
-          </p:cNvPr>
-          <p:cNvCxnSpPr>
-            <a:cxnSpLocks/>
-          </p:cNvCxnSpPr>
-          <p:nvPr/>
-        </p:nvCxnSpPr>
-        <p:spPr>
-          <a:xfrm>
-            <a:off x="772998" y="1134050"/>
-            <a:ext cx="1916414" cy="0"/>
-          </a:xfrm>
-          <a:prstGeom prst="line">
-            <a:avLst/>
-          </a:prstGeom>
-          <a:ln w="38100">
-            <a:solidFill>
-              <a:schemeClr val="accent2"/>
-            </a:solidFill>
-          </a:ln>
-        </p:spPr>
-        <p:style>
-          <a:lnRef idx="3">
-            <a:schemeClr val="accent2"/>
-          </a:lnRef>
-          <a:fillRef idx="0">
-            <a:schemeClr val="accent2"/>
-          </a:fillRef>
-          <a:effectRef idx="2">
-            <a:schemeClr val="accent2"/>
-          </a:effectRef>
-          <a:fontRef idx="minor">
-            <a:schemeClr val="tx1"/>
-          </a:fontRef>
-        </p:style>
-      </p:cxnSp>
-      <p:sp>
-        <p:nvSpPr>
-          <p:cNvPr id="13" name="CasellaDiTesto 12">
-            <a:extLst>
-              <a:ext uri="{FF2B5EF4-FFF2-40B4-BE49-F238E27FC236}">
-                <a16:creationId xmlns:a16="http://schemas.microsoft.com/office/drawing/2014/main" id="{F4B9D0A8-CBB1-AE45-A648-B023F64C959C}"/>
-              </a:ext>
-            </a:extLst>
-          </p:cNvPr>
-          <p:cNvSpPr txBox="1"/>
-          <p:nvPr/>
-        </p:nvSpPr>
-        <p:spPr>
-          <a:xfrm>
-            <a:off x="4405007" y="549275"/>
-            <a:ext cx="4656222" cy="584775"/>
-          </a:xfrm>
-          <a:prstGeom prst="rect">
-            <a:avLst/>
-          </a:prstGeom>
-          <a:noFill/>
-        </p:spPr>
-        <p:txBody>
-          <a:bodyPr wrap="square">
-            <a:spAutoFit/>
-          </a:bodyPr>
-          <a:lstStyle/>
-          <a:p>
-            <a:pPr marL="0" marR="0" lvl="0" indent="0" algn="r" defTabSz="914400" rtl="0" eaLnBrk="1" fontAlgn="auto" latinLnBrk="0" hangingPunct="1">
-              <a:lnSpc>
-                <a:spcPct val="100000"/>
-              </a:lnSpc>
-              <a:spcBef>
-                <a:spcPts val="0"/>
-              </a:spcBef>
-              <a:spcAft>
-                <a:spcPts val="0"/>
-              </a:spcAft>
-              <a:buClrTx/>
-              <a:buSzTx/>
-              <a:buFontTx/>
-              <a:buNone/>
-              <a:tabLst/>
-              <a:defRPr/>
-            </a:pPr>
-            <a:r>
-              <a:rPr kumimoji="0" lang="it-IT" sz="3200" b="0" i="0" u="none" strike="noStrike" kern="1200" cap="none" spc="0" normalizeH="0" baseline="0" noProof="0" dirty="0">
-                <a:ln>
-                  <a:noFill/>
-                </a:ln>
-                <a:solidFill>
-                  <a:prstClr val="black"/>
-                </a:solidFill>
-                <a:effectLst/>
-                <a:uLnTx/>
-                <a:uFillTx/>
-                <a:latin typeface="Lato Black" panose="020F0502020204030203" pitchFamily="34" charset="0"/>
-                <a:ea typeface="Lato Black" panose="020F0502020204030203" pitchFamily="34" charset="0"/>
-                <a:cs typeface="Lato Black" panose="020F0502020204030203" pitchFamily="34" charset="0"/>
-              </a:rPr>
-              <a:t>Digital </a:t>
-            </a:r>
-            <a:r>
-              <a:rPr kumimoji="0" lang="it-IT" sz="3200" b="0" i="0" u="none" strike="noStrike" kern="1200" cap="none" spc="0" normalizeH="0" baseline="0" noProof="0" dirty="0" err="1">
-                <a:ln>
-                  <a:noFill/>
-                </a:ln>
-                <a:solidFill>
-                  <a:prstClr val="black"/>
-                </a:solidFill>
-                <a:effectLst/>
-                <a:uLnTx/>
-                <a:uFillTx/>
-                <a:latin typeface="Lato Black" panose="020F0502020204030203" pitchFamily="34" charset="0"/>
-                <a:ea typeface="Lato Black" panose="020F0502020204030203" pitchFamily="34" charset="0"/>
-                <a:cs typeface="Lato Black" panose="020F0502020204030203" pitchFamily="34" charset="0"/>
-              </a:rPr>
-              <a:t>Natives</a:t>
-            </a:r>
-            <a:endParaRPr kumimoji="0" lang="it-IT" sz="3200" b="0" i="0" u="none" strike="noStrike" kern="1200" cap="none" spc="0" normalizeH="0" baseline="0" noProof="0" dirty="0">
-              <a:ln>
-                <a:noFill/>
-              </a:ln>
-              <a:solidFill>
-                <a:prstClr val="black"/>
-              </a:solidFill>
-              <a:effectLst/>
-              <a:uLnTx/>
-              <a:uFillTx/>
-              <a:latin typeface="Lato Black" panose="020F0502020204030203" pitchFamily="34" charset="0"/>
-              <a:ea typeface="Lato Black" panose="020F0502020204030203" pitchFamily="34" charset="0"/>
-              <a:cs typeface="Lato Black" panose="020F0502020204030203" pitchFamily="34" charset="0"/>
-            </a:endParaRPr>
-          </a:p>
-        </p:txBody>
-      </p:sp>
-      <p:cxnSp>
-        <p:nvCxnSpPr>
-          <p:cNvPr id="14" name="Connettore diritto 3">
-            <a:extLst>
-              <a:ext uri="{FF2B5EF4-FFF2-40B4-BE49-F238E27FC236}">
-                <a16:creationId xmlns:a16="http://schemas.microsoft.com/office/drawing/2014/main" id="{48BE3404-9FF5-1640-94CA-CFB87AE66AA7}"/>
-              </a:ext>
-            </a:extLst>
-          </p:cNvPr>
-          <p:cNvCxnSpPr>
-            <a:cxnSpLocks/>
-          </p:cNvCxnSpPr>
-          <p:nvPr/>
-        </p:nvCxnSpPr>
-        <p:spPr>
-          <a:xfrm>
-            <a:off x="6297693" y="1141048"/>
-            <a:ext cx="2763536" cy="0"/>
-          </a:xfrm>
-          <a:prstGeom prst="line">
-            <a:avLst/>
-          </a:prstGeom>
-          <a:ln w="38100">
-            <a:solidFill>
-              <a:schemeClr val="accent2"/>
-            </a:solidFill>
-          </a:ln>
-        </p:spPr>
-        <p:style>
-          <a:lnRef idx="3">
-            <a:schemeClr val="accent2"/>
-          </a:lnRef>
-          <a:fillRef idx="0">
-            <a:schemeClr val="accent2"/>
-          </a:fillRef>
-          <a:effectRef idx="2">
-            <a:schemeClr val="accent2"/>
-          </a:effectRef>
-          <a:fontRef idx="minor">
-            <a:schemeClr val="tx1"/>
-          </a:fontRef>
-        </p:style>
-      </p:cxnSp>
-      <p:sp>
-        <p:nvSpPr>
-          <p:cNvPr id="17" name="CasellaDiTesto 16">
-            <a:extLst>
-              <a:ext uri="{FF2B5EF4-FFF2-40B4-BE49-F238E27FC236}">
-                <a16:creationId xmlns:a16="http://schemas.microsoft.com/office/drawing/2014/main" id="{C288D0CD-0A52-0647-9429-A8F5E036D8D1}"/>
-              </a:ext>
-            </a:extLst>
-          </p:cNvPr>
-          <p:cNvSpPr txBox="1"/>
-          <p:nvPr/>
-        </p:nvSpPr>
-        <p:spPr>
-          <a:xfrm>
-            <a:off x="6297693" y="2024062"/>
-            <a:ext cx="4973052" cy="1631216"/>
-          </a:xfrm>
-          <a:prstGeom prst="rect">
-            <a:avLst/>
-          </a:prstGeom>
-          <a:noFill/>
-        </p:spPr>
-        <p:txBody>
-          <a:bodyPr wrap="square">
-            <a:spAutoFit/>
-          </a:bodyPr>
-          <a:lstStyle/>
-          <a:p>
-            <a:pPr marL="285750" marR="0" lvl="0" indent="-285750" defTabSz="914400" rtl="0" eaLnBrk="1" fontAlgn="auto" latinLnBrk="0" hangingPunct="1">
-              <a:lnSpc>
-                <a:spcPct val="100000"/>
-              </a:lnSpc>
-              <a:spcBef>
-                <a:spcPts val="0"/>
-              </a:spcBef>
-              <a:spcAft>
-                <a:spcPts val="1200"/>
-              </a:spcAft>
-              <a:buClrTx/>
-              <a:buSzTx/>
-              <a:buFont typeface="Wingdings" panose="05000000000000000000" pitchFamily="2" charset="2"/>
-              <a:buChar char="q"/>
-              <a:tabLst/>
-              <a:defRPr/>
-            </a:pPr>
-            <a:r>
-              <a:rPr kumimoji="0" lang="it-IT" sz="1400" b="0" i="0" u="none" strike="noStrike" kern="1200" cap="none" spc="0" normalizeH="0" baseline="0" noProof="0" dirty="0">
-                <a:ln>
-                  <a:noFill/>
-                </a:ln>
-                <a:solidFill>
-                  <a:prstClr val="black"/>
-                </a:solidFill>
-                <a:effectLst/>
-                <a:uLnTx/>
-                <a:uFillTx/>
-                <a:latin typeface="Poppins Medium" panose="00000600000000000000" pitchFamily="50" charset="0"/>
-                <a:ea typeface="+mn-ea"/>
-                <a:cs typeface="Poppins Medium" panose="00000600000000000000" pitchFamily="50" charset="0"/>
-              </a:rPr>
-              <a:t>Percezione distorta delle competenze:</a:t>
-            </a:r>
-          </a:p>
-          <a:p>
-            <a:pPr marL="742950" marR="0" lvl="1" indent="-285750" defTabSz="914400" rtl="0" eaLnBrk="1" fontAlgn="auto" latinLnBrk="0" hangingPunct="1">
-              <a:lnSpc>
-                <a:spcPct val="100000"/>
-              </a:lnSpc>
-              <a:spcBef>
-                <a:spcPts val="0"/>
-              </a:spcBef>
-              <a:spcAft>
-                <a:spcPts val="1200"/>
-              </a:spcAft>
-              <a:buClrTx/>
-              <a:buSzTx/>
-              <a:buFont typeface="Arial" panose="020B0604020202020204" pitchFamily="34" charset="0"/>
-              <a:buChar char="•"/>
-              <a:tabLst/>
-              <a:defRPr/>
-            </a:pPr>
-            <a:r>
-              <a:rPr kumimoji="0" lang="it-IT" sz="1400" b="0" i="0" u="none" strike="noStrike" kern="1200" cap="none" spc="0" normalizeH="0" baseline="0" noProof="0" dirty="0">
-                <a:ln>
-                  <a:noFill/>
-                </a:ln>
-                <a:solidFill>
-                  <a:prstClr val="black"/>
-                </a:solidFill>
-                <a:effectLst/>
-                <a:uLnTx/>
-                <a:uFillTx/>
-                <a:latin typeface="Poppins Light" panose="00000400000000000000" pitchFamily="50" charset="0"/>
-                <a:ea typeface="+mn-ea"/>
-                <a:cs typeface="Poppins Light" panose="00000400000000000000" pitchFamily="50" charset="0"/>
-              </a:rPr>
-              <a:t>Conoscenze professionali VS abilità per stile di vita</a:t>
-            </a:r>
-          </a:p>
-          <a:p>
-            <a:pPr marL="285750" marR="0" lvl="0" indent="-285750" defTabSz="914400" rtl="0" eaLnBrk="1" fontAlgn="auto" latinLnBrk="0" hangingPunct="1">
-              <a:lnSpc>
-                <a:spcPct val="100000"/>
-              </a:lnSpc>
-              <a:spcBef>
-                <a:spcPts val="0"/>
-              </a:spcBef>
-              <a:spcAft>
-                <a:spcPts val="1200"/>
-              </a:spcAft>
-              <a:buClrTx/>
-              <a:buSzTx/>
-              <a:buFont typeface="Wingdings" panose="05000000000000000000" pitchFamily="2" charset="2"/>
-              <a:buChar char="q"/>
-              <a:tabLst/>
-              <a:defRPr/>
-            </a:pPr>
-            <a:r>
-              <a:rPr kumimoji="0" lang="it-IT" sz="1400" b="0" i="0" u="none" strike="noStrike" kern="1200" cap="none" spc="0" normalizeH="0" baseline="0" noProof="0" dirty="0">
-                <a:ln>
-                  <a:noFill/>
-                </a:ln>
-                <a:solidFill>
-                  <a:prstClr val="black"/>
-                </a:solidFill>
-                <a:effectLst/>
-                <a:uLnTx/>
-                <a:uFillTx/>
-                <a:latin typeface="Poppins Medium" panose="00000600000000000000" pitchFamily="50" charset="0"/>
-                <a:ea typeface="+mn-ea"/>
-                <a:cs typeface="Poppins Medium" panose="00000600000000000000" pitchFamily="50" charset="0"/>
-              </a:rPr>
-              <a:t>Modalità di apprendimento</a:t>
-            </a:r>
-            <a:r>
-              <a:rPr kumimoji="0" lang="it-IT" sz="1400" b="0" i="0" u="none" strike="noStrike" kern="1200" cap="none" spc="0" normalizeH="0" baseline="0" noProof="0" dirty="0">
-                <a:ln>
-                  <a:noFill/>
-                </a:ln>
-                <a:solidFill>
-                  <a:prstClr val="black"/>
-                </a:solidFill>
-                <a:effectLst/>
-                <a:uLnTx/>
-                <a:uFillTx/>
-                <a:latin typeface="Poppins SemiBold" panose="00000700000000000000" pitchFamily="50" charset="0"/>
-                <a:ea typeface="+mn-ea"/>
-                <a:cs typeface="Poppins SemiBold" panose="00000700000000000000" pitchFamily="50" charset="0"/>
-              </a:rPr>
-              <a:t>:</a:t>
-            </a:r>
-          </a:p>
-          <a:p>
-            <a:pPr marL="742950" marR="0" lvl="1" indent="-285750" defTabSz="914400" rtl="0" eaLnBrk="1" fontAlgn="auto" latinLnBrk="0" hangingPunct="1">
-              <a:lnSpc>
-                <a:spcPct val="100000"/>
-              </a:lnSpc>
-              <a:spcBef>
-                <a:spcPts val="0"/>
-              </a:spcBef>
-              <a:spcAft>
-                <a:spcPts val="1200"/>
-              </a:spcAft>
-              <a:buClrTx/>
-              <a:buSzTx/>
-              <a:buFont typeface="Arial" panose="020B0604020202020204" pitchFamily="34" charset="0"/>
-              <a:buChar char="•"/>
-              <a:tabLst/>
-              <a:defRPr/>
-            </a:pPr>
-            <a:r>
-              <a:rPr kumimoji="0" lang="it-IT" sz="1400" b="0" i="0" u="none" strike="noStrike" kern="1200" cap="none" spc="0" normalizeH="0" baseline="0" noProof="0" dirty="0">
-                <a:ln>
-                  <a:noFill/>
-                </a:ln>
-                <a:solidFill>
-                  <a:prstClr val="black"/>
-                </a:solidFill>
-                <a:effectLst/>
-                <a:uLnTx/>
-                <a:uFillTx/>
-                <a:latin typeface="Poppins Light" panose="00000400000000000000" pitchFamily="50" charset="0"/>
-                <a:ea typeface="+mn-ea"/>
-                <a:cs typeface="Poppins Light" panose="00000400000000000000" pitchFamily="50" charset="0"/>
-              </a:rPr>
-              <a:t>Digital </a:t>
-            </a:r>
-            <a:r>
-              <a:rPr kumimoji="0" lang="it-IT" sz="1400" b="0" i="0" u="none" strike="noStrike" kern="1200" cap="none" spc="0" normalizeH="0" baseline="0" noProof="0" dirty="0" err="1">
-                <a:ln>
-                  <a:noFill/>
-                </a:ln>
-                <a:solidFill>
-                  <a:prstClr val="black"/>
-                </a:solidFill>
-                <a:effectLst/>
-                <a:uLnTx/>
-                <a:uFillTx/>
-                <a:latin typeface="Poppins Light" panose="00000400000000000000" pitchFamily="50" charset="0"/>
-                <a:ea typeface="+mn-ea"/>
-                <a:cs typeface="Poppins Light" panose="00000400000000000000" pitchFamily="50" charset="0"/>
-              </a:rPr>
-              <a:t>Immigrants</a:t>
-            </a:r>
-            <a:endParaRPr kumimoji="0" lang="it-IT" sz="1400" b="0" i="0" u="none" strike="noStrike" kern="1200" cap="none" spc="0" normalizeH="0" baseline="0" noProof="0" dirty="0">
-              <a:ln>
-                <a:noFill/>
-              </a:ln>
-              <a:solidFill>
-                <a:prstClr val="black"/>
-              </a:solidFill>
-              <a:effectLst/>
-              <a:uLnTx/>
-              <a:uFillTx/>
-              <a:latin typeface="Poppins Light" panose="00000400000000000000" pitchFamily="50" charset="0"/>
-              <a:ea typeface="+mn-ea"/>
-              <a:cs typeface="Poppins Light" panose="00000400000000000000" pitchFamily="50" charset="0"/>
-            </a:endParaRPr>
-          </a:p>
-        </p:txBody>
-      </p:sp>
-    </p:spTree>
-    <p:extLst>
-      <p:ext uri="{BB962C8B-B14F-4D97-AF65-F5344CB8AC3E}">
-        <p14:creationId xmlns:p14="http://schemas.microsoft.com/office/powerpoint/2010/main" val="4208761393"/>
-      </p:ext>
-    </p:extLst>
-  </p:cSld>
-  <p:clrMapOvr>
-    <a:masterClrMapping/>
-  </p:clrMapOvr>
-</p:sld>
-</file>
-
-<file path=ppt/slides/slide7.xml><?xml version="1.0" encoding="utf-8"?>
-<p:sld xmlns:a="http://schemas.openxmlformats.org/drawingml/2006/main" xmlns:r="http://schemas.openxmlformats.org/officeDocument/2006/relationships" xmlns:p="http://schemas.openxmlformats.org/presentationml/2006/main">
-  <p:cSld>
-    <p:spTree>
-      <p:nvGrpSpPr>
-        <p:cNvPr id="1" name=""/>
-        <p:cNvGrpSpPr/>
-        <p:nvPr/>
-      </p:nvGrpSpPr>
-      <p:grpSpPr>
-        <a:xfrm>
-          <a:off x="0" y="0"/>
-          <a:ext cx="0" cy="0"/>
-          <a:chOff x="0" y="0"/>
-          <a:chExt cx="0" cy="0"/>
-        </a:xfrm>
-      </p:grpSpPr>
-      <p:sp>
-        <p:nvSpPr>
-          <p:cNvPr id="15" name="CasellaDiTesto 14">
-            <a:extLst>
-              <a:ext uri="{FF2B5EF4-FFF2-40B4-BE49-F238E27FC236}">
-                <a16:creationId xmlns:a16="http://schemas.microsoft.com/office/drawing/2014/main" id="{7FC9F1D1-60F3-3E43-BB33-0DA64DCB05B9}"/>
-              </a:ext>
-            </a:extLst>
-          </p:cNvPr>
-          <p:cNvSpPr txBox="1"/>
-          <p:nvPr/>
-        </p:nvSpPr>
-        <p:spPr>
-          <a:xfrm>
-            <a:off x="731838" y="549275"/>
-            <a:ext cx="6100762" cy="584775"/>
-          </a:xfrm>
-          <a:prstGeom prst="rect">
-            <a:avLst/>
-          </a:prstGeom>
-          <a:noFill/>
-        </p:spPr>
-        <p:txBody>
-          <a:bodyPr wrap="square">
-            <a:spAutoFit/>
-          </a:bodyPr>
-          <a:lstStyle/>
-          <a:p>
-            <a:pPr marL="0" marR="0" lvl="0" indent="0" algn="l" defTabSz="914400" rtl="0" eaLnBrk="1" fontAlgn="auto" latinLnBrk="0" hangingPunct="1">
-              <a:lnSpc>
-                <a:spcPct val="100000"/>
-              </a:lnSpc>
-              <a:spcBef>
-                <a:spcPts val="0"/>
-              </a:spcBef>
-              <a:spcAft>
-                <a:spcPts val="0"/>
-              </a:spcAft>
-              <a:buClrTx/>
-              <a:buSzTx/>
-              <a:buFontTx/>
-              <a:buNone/>
-              <a:tabLst/>
-              <a:defRPr/>
-            </a:pPr>
-            <a:r>
-              <a:rPr lang="it-IT" sz="3200" dirty="0">
-                <a:solidFill>
-                  <a:prstClr val="black"/>
-                </a:solidFill>
-                <a:latin typeface="Lato Black" panose="020F0502020204030203" pitchFamily="34" charset="0"/>
-                <a:ea typeface="Lato Black" panose="020F0502020204030203" pitchFamily="34" charset="0"/>
-                <a:cs typeface="Lato Black" panose="020F0502020204030203" pitchFamily="34" charset="0"/>
-              </a:rPr>
-              <a:t>Analisi delle risposte</a:t>
-            </a:r>
-            <a:endParaRPr kumimoji="0" lang="it-IT" sz="3200" b="0" i="0" u="none" strike="noStrike" kern="1200" cap="none" spc="0" normalizeH="0" baseline="0" noProof="0" dirty="0">
-              <a:ln>
-                <a:noFill/>
-              </a:ln>
-              <a:solidFill>
-                <a:prstClr val="black"/>
-              </a:solidFill>
-              <a:effectLst/>
-              <a:uLnTx/>
-              <a:uFillTx/>
-              <a:latin typeface="Lato Black" panose="020F0502020204030203" pitchFamily="34" charset="0"/>
-              <a:ea typeface="Lato Black" panose="020F0502020204030203" pitchFamily="34" charset="0"/>
-              <a:cs typeface="Lato Black" panose="020F0502020204030203" pitchFamily="34" charset="0"/>
-            </a:endParaRPr>
-          </a:p>
-        </p:txBody>
-      </p:sp>
-      <p:cxnSp>
-        <p:nvCxnSpPr>
-          <p:cNvPr id="16" name="Connettore diritto 3">
-            <a:extLst>
-              <a:ext uri="{FF2B5EF4-FFF2-40B4-BE49-F238E27FC236}">
-                <a16:creationId xmlns:a16="http://schemas.microsoft.com/office/drawing/2014/main" id="{1D0EB8C9-30B2-BE4C-8534-3FE5ED1D983E}"/>
-              </a:ext>
-            </a:extLst>
-          </p:cNvPr>
-          <p:cNvCxnSpPr>
-            <a:cxnSpLocks/>
-          </p:cNvCxnSpPr>
-          <p:nvPr/>
-        </p:nvCxnSpPr>
-        <p:spPr>
-          <a:xfrm>
-            <a:off x="801820" y="1113068"/>
-            <a:ext cx="3746117" cy="0"/>
-          </a:xfrm>
-          <a:prstGeom prst="line">
-            <a:avLst/>
-          </a:prstGeom>
-          <a:ln w="38100">
-            <a:solidFill>
-              <a:schemeClr val="accent2"/>
-            </a:solidFill>
-          </a:ln>
-        </p:spPr>
-        <p:style>
-          <a:lnRef idx="3">
-            <a:schemeClr val="accent2"/>
-          </a:lnRef>
-          <a:fillRef idx="0">
-            <a:schemeClr val="accent2"/>
-          </a:fillRef>
-          <a:effectRef idx="2">
-            <a:schemeClr val="accent2"/>
-          </a:effectRef>
-          <a:fontRef idx="minor">
-            <a:schemeClr val="tx1"/>
-          </a:fontRef>
-        </p:style>
-      </p:cxnSp>
-      <p:pic>
-        <p:nvPicPr>
-          <p:cNvPr id="1046" name="Picture 22" descr="Grafico delle risposte di Moduli. Titolo della domanda: Per cosa utilizzi principalmente lo smartphone?. Numero di risposte: 144 risposte.">
-            <a:extLst>
-              <a:ext uri="{FF2B5EF4-FFF2-40B4-BE49-F238E27FC236}">
-                <a16:creationId xmlns:a16="http://schemas.microsoft.com/office/drawing/2014/main" id="{F137AB22-2404-3845-93B0-FC1EEDB85631}"/>
-              </a:ext>
-            </a:extLst>
-          </p:cNvPr>
-          <p:cNvPicPr>
-            <a:picLocks noChangeAspect="1" noChangeArrowheads="1"/>
-          </p:cNvPicPr>
-          <p:nvPr/>
-        </p:nvPicPr>
-        <p:blipFill>
-          <a:blip r:embed="rId2">
-            <a:extLst>
-              <a:ext uri="{28A0092B-C50C-407E-A947-70E740481C1C}">
-                <a14:useLocalDpi xmlns:a14="http://schemas.microsoft.com/office/drawing/2010/main" val="0"/>
-              </a:ext>
-            </a:extLst>
-          </a:blip>
-          <a:srcRect/>
-          <a:stretch>
-            <a:fillRect/>
-          </a:stretch>
-        </p:blipFill>
-        <p:spPr bwMode="auto">
-          <a:xfrm>
-            <a:off x="533649" y="1134050"/>
-            <a:ext cx="6262687" cy="2977223"/>
-          </a:xfrm>
-          <a:prstGeom prst="rect">
-            <a:avLst/>
-          </a:prstGeom>
-          <a:noFill/>
-          <a:extLst>
-            <a:ext uri="{909E8E84-426E-40DD-AFC4-6F175D3DCCD1}">
-              <a14:hiddenFill xmlns:a14="http://schemas.microsoft.com/office/drawing/2010/main">
-                <a:solidFill>
-                  <a:srgbClr val="FFFFFF"/>
-                </a:solidFill>
-              </a14:hiddenFill>
-            </a:ext>
-          </a:extLst>
-        </p:spPr>
-      </p:pic>
-      <p:pic>
-        <p:nvPicPr>
-          <p:cNvPr id="1048" name="Picture 24" descr="Grafico delle risposte di Moduli. Titolo della domanda: Per cosa utilizzi principalmente il computer?. Numero di risposte: 142 risposte.">
-            <a:extLst>
-              <a:ext uri="{FF2B5EF4-FFF2-40B4-BE49-F238E27FC236}">
-                <a16:creationId xmlns:a16="http://schemas.microsoft.com/office/drawing/2014/main" id="{C911F4D2-39F2-D641-A9D7-D2A42864C961}"/>
-              </a:ext>
-            </a:extLst>
-          </p:cNvPr>
-          <p:cNvPicPr>
-            <a:picLocks noChangeAspect="1" noChangeArrowheads="1"/>
-          </p:cNvPicPr>
-          <p:nvPr/>
-        </p:nvPicPr>
-        <p:blipFill>
-          <a:blip r:embed="rId3">
-            <a:extLst>
-              <a:ext uri="{28A0092B-C50C-407E-A947-70E740481C1C}">
-                <a14:useLocalDpi xmlns:a14="http://schemas.microsoft.com/office/drawing/2010/main" val="0"/>
-              </a:ext>
-            </a:extLst>
-          </a:blip>
-          <a:srcRect/>
-          <a:stretch>
-            <a:fillRect/>
-          </a:stretch>
-        </p:blipFill>
-        <p:spPr bwMode="auto">
-          <a:xfrm>
-            <a:off x="533649" y="3863538"/>
-            <a:ext cx="6298950" cy="2994462"/>
-          </a:xfrm>
-          <a:prstGeom prst="rect">
-            <a:avLst/>
-          </a:prstGeom>
-          <a:noFill/>
-          <a:extLst>
-            <a:ext uri="{909E8E84-426E-40DD-AFC4-6F175D3DCCD1}">
-              <a14:hiddenFill xmlns:a14="http://schemas.microsoft.com/office/drawing/2010/main">
-                <a:solidFill>
-                  <a:srgbClr val="FFFFFF"/>
-                </a:solidFill>
-              </a14:hiddenFill>
-            </a:ext>
-          </a:extLst>
-        </p:spPr>
-      </p:pic>
-      <p:sp>
-        <p:nvSpPr>
-          <p:cNvPr id="5" name="AutoShape 8" descr="Grafico delle risposte di Moduli. Titolo della domanda: Primo dispositivo digitale utilizzato:. Numero di risposte: 143 risposte.">
-            <a:extLst>
-              <a:ext uri="{FF2B5EF4-FFF2-40B4-BE49-F238E27FC236}">
-                <a16:creationId xmlns:a16="http://schemas.microsoft.com/office/drawing/2014/main" id="{3A65B3D0-AB81-D749-8666-95D520885018}"/>
-              </a:ext>
-            </a:extLst>
-          </p:cNvPr>
-          <p:cNvSpPr>
-            <a:spLocks noChangeAspect="1" noChangeArrowheads="1"/>
-          </p:cNvSpPr>
-          <p:nvPr/>
-        </p:nvSpPr>
-        <p:spPr bwMode="auto">
-          <a:xfrm>
-            <a:off x="5943600" y="3276600"/>
-            <a:ext cx="304800" cy="304800"/>
-          </a:xfrm>
-          <a:prstGeom prst="rect">
-            <a:avLst/>
-          </a:prstGeom>
-          <a:noFill/>
-          <a:extLst>
-            <a:ext uri="{909E8E84-426E-40DD-AFC4-6F175D3DCCD1}">
-              <a14:hiddenFill xmlns:a14="http://schemas.microsoft.com/office/drawing/2010/main">
-                <a:solidFill>
-                  <a:srgbClr val="FFFFFF"/>
-                </a:solidFill>
-              </a14:hiddenFill>
-            </a:ext>
-          </a:extLst>
-        </p:spPr>
-        <p:txBody>
-          <a:bodyPr vert="horz" wrap="square" lIns="91440" tIns="45720" rIns="91440" bIns="45720" numCol="1" anchor="t" anchorCtr="0" compatLnSpc="1">
-            <a:prstTxWarp prst="textNoShape">
-              <a:avLst/>
-            </a:prstTxWarp>
-          </a:bodyPr>
-          <a:lstStyle/>
-          <a:p>
-            <a:endParaRPr lang="it-IT"/>
-          </a:p>
-        </p:txBody>
-      </p:sp>
-    </p:spTree>
-    <p:extLst>
-      <p:ext uri="{BB962C8B-B14F-4D97-AF65-F5344CB8AC3E}">
-        <p14:creationId xmlns:p14="http://schemas.microsoft.com/office/powerpoint/2010/main" val="3124619789"/>
-      </p:ext>
-    </p:extLst>
-  </p:cSld>
-  <p:clrMapOvr>
-    <a:masterClrMapping/>
-  </p:clrMapOvr>
-</p:sld>
-</file>
-
-<file path=ppt/slides/slide8.xml><?xml version="1.0" encoding="utf-8"?>
-<p:sld xmlns:a="http://schemas.openxmlformats.org/drawingml/2006/main" xmlns:r="http://schemas.openxmlformats.org/officeDocument/2006/relationships" xmlns:p="http://schemas.openxmlformats.org/presentationml/2006/main">
-  <p:cSld>
-    <p:spTree>
-      <p:nvGrpSpPr>
-        <p:cNvPr id="1" name=""/>
-        <p:cNvGrpSpPr/>
-        <p:nvPr/>
-      </p:nvGrpSpPr>
-      <p:grpSpPr>
-        <a:xfrm>
-          <a:off x="0" y="0"/>
-          <a:ext cx="0" cy="0"/>
-          <a:chOff x="0" y="0"/>
-          <a:chExt cx="0" cy="0"/>
-        </a:xfrm>
-      </p:grpSpPr>
-      <p:sp>
-        <p:nvSpPr>
-          <p:cNvPr id="5" name="CasellaDiTesto 4">
-            <a:extLst>
-              <a:ext uri="{FF2B5EF4-FFF2-40B4-BE49-F238E27FC236}">
-                <a16:creationId xmlns:a16="http://schemas.microsoft.com/office/drawing/2014/main" id="{89B91983-B758-4281-AC68-D9F7AB480AD9}"/>
-              </a:ext>
-            </a:extLst>
-          </p:cNvPr>
-          <p:cNvSpPr txBox="1"/>
-          <p:nvPr/>
-        </p:nvSpPr>
-        <p:spPr>
-          <a:xfrm>
-            <a:off x="704847" y="549275"/>
-            <a:ext cx="8020051" cy="584775"/>
-          </a:xfrm>
-          <a:prstGeom prst="rect">
-            <a:avLst/>
-          </a:prstGeom>
-          <a:noFill/>
-        </p:spPr>
-        <p:txBody>
-          <a:bodyPr wrap="square" rtlCol="0">
-            <a:spAutoFit/>
-          </a:bodyPr>
-          <a:lstStyle/>
-          <a:p>
-            <a:r>
-              <a:rPr lang="it-IT" sz="3200" dirty="0">
-                <a:latin typeface="Lato Black" panose="020F0502020204030203" pitchFamily="34" charset="0"/>
-                <a:ea typeface="Lato Black" panose="020F0502020204030203" pitchFamily="34" charset="0"/>
-                <a:cs typeface="Lato Black" panose="020F0502020204030203" pitchFamily="34" charset="0"/>
-              </a:rPr>
-              <a:t>Uno sguardo al passato</a:t>
-            </a:r>
-          </a:p>
-        </p:txBody>
-      </p:sp>
-      <p:sp>
-        <p:nvSpPr>
-          <p:cNvPr id="6" name="CasellaDiTesto 5">
-            <a:extLst>
-              <a:ext uri="{FF2B5EF4-FFF2-40B4-BE49-F238E27FC236}">
-                <a16:creationId xmlns:a16="http://schemas.microsoft.com/office/drawing/2014/main" id="{D13A722D-E148-4971-82F3-1C191AFD95ED}"/>
-              </a:ext>
-            </a:extLst>
-          </p:cNvPr>
-          <p:cNvSpPr txBox="1"/>
-          <p:nvPr/>
-        </p:nvSpPr>
-        <p:spPr>
-          <a:xfrm>
-            <a:off x="704847" y="2024062"/>
-            <a:ext cx="5535616" cy="4832092"/>
-          </a:xfrm>
-          <a:prstGeom prst="rect">
-            <a:avLst/>
-          </a:prstGeom>
-          <a:noFill/>
-        </p:spPr>
-        <p:txBody>
-          <a:bodyPr wrap="square" rtlCol="0">
-            <a:spAutoFit/>
-          </a:bodyPr>
-          <a:lstStyle/>
-          <a:p>
-            <a:pPr marL="285750" indent="-285750">
-              <a:spcAft>
-                <a:spcPts val="1200"/>
-              </a:spcAft>
-              <a:buFont typeface="Wingdings" panose="05000000000000000000" pitchFamily="2" charset="2"/>
-              <a:buChar char="q"/>
-            </a:pPr>
-            <a:r>
-              <a:rPr lang="it-IT" sz="1400" dirty="0">
-                <a:latin typeface="Poppins Medium" panose="00000600000000000000" pitchFamily="50" charset="0"/>
-                <a:cs typeface="Poppins Medium" panose="00000600000000000000" pitchFamily="50" charset="0"/>
-              </a:rPr>
-              <a:t>1978, Space </a:t>
-            </a:r>
-            <a:r>
-              <a:rPr lang="it-IT" sz="1400" dirty="0" err="1">
-                <a:latin typeface="Poppins Medium" panose="00000600000000000000" pitchFamily="50" charset="0"/>
-                <a:cs typeface="Poppins Medium" panose="00000600000000000000" pitchFamily="50" charset="0"/>
-              </a:rPr>
-              <a:t>Invaders</a:t>
-            </a:r>
-            <a:r>
-              <a:rPr lang="it-IT" sz="1400" dirty="0">
-                <a:latin typeface="Poppins Medium" panose="00000600000000000000" pitchFamily="50" charset="0"/>
-                <a:cs typeface="Poppins Medium" panose="00000600000000000000" pitchFamily="50" charset="0"/>
-              </a:rPr>
-              <a:t>:</a:t>
-            </a:r>
-          </a:p>
-          <a:p>
-            <a:pPr marL="742950" lvl="1" indent="-285750">
-              <a:spcAft>
-                <a:spcPts val="1200"/>
-              </a:spcAft>
-              <a:buFont typeface="Arial" panose="020B0604020202020204" pitchFamily="34" charset="0"/>
-              <a:buChar char="•"/>
-            </a:pPr>
-            <a:r>
-              <a:rPr lang="it-IT" sz="1400" dirty="0">
-                <a:latin typeface="Poppins Light" panose="00000400000000000000" pitchFamily="50" charset="0"/>
-                <a:cs typeface="Poppins Light" panose="00000400000000000000" pitchFamily="50" charset="0"/>
-              </a:rPr>
-              <a:t>Semplicità, velocità, fluidità.</a:t>
-            </a:r>
-          </a:p>
-          <a:p>
-            <a:pPr marL="285750" indent="-285750">
-              <a:lnSpc>
-                <a:spcPct val="150000"/>
-              </a:lnSpc>
-              <a:spcAft>
-                <a:spcPts val="1200"/>
-              </a:spcAft>
-              <a:buFont typeface="Wingdings" panose="05000000000000000000" pitchFamily="2" charset="2"/>
-              <a:buChar char="q"/>
-            </a:pPr>
-            <a:r>
-              <a:rPr lang="it-IT" sz="1400" dirty="0">
-                <a:latin typeface="Poppins Medium" panose="00000600000000000000" pitchFamily="2" charset="0"/>
-                <a:cs typeface="Poppins Medium" panose="00000600000000000000" pitchFamily="2" charset="0"/>
-              </a:rPr>
-              <a:t>1990, prima pagina Web:</a:t>
-            </a:r>
-          </a:p>
-          <a:p>
-            <a:pPr marL="742950" lvl="1" indent="-285750">
-              <a:spcAft>
-                <a:spcPts val="1200"/>
-              </a:spcAft>
-              <a:buFont typeface="Arial" panose="020B0604020202020204" pitchFamily="34" charset="0"/>
-              <a:buChar char="•"/>
-            </a:pPr>
-            <a:r>
-              <a:rPr lang="it-IT" sz="1400" dirty="0">
-                <a:latin typeface="Poppins Light" panose="00000400000000000000" pitchFamily="50" charset="0"/>
-                <a:cs typeface="Poppins Light" panose="00000400000000000000" pitchFamily="50" charset="0"/>
-              </a:rPr>
-              <a:t>Presa diretta sul mondo.</a:t>
-            </a:r>
-          </a:p>
-          <a:p>
-            <a:pPr marL="285750" indent="-285750">
-              <a:lnSpc>
-                <a:spcPct val="150000"/>
-              </a:lnSpc>
-              <a:spcAft>
-                <a:spcPts val="1200"/>
-              </a:spcAft>
-              <a:buFont typeface="Wingdings" panose="05000000000000000000" pitchFamily="2" charset="2"/>
-              <a:buChar char="q"/>
-            </a:pPr>
-            <a:r>
-              <a:rPr lang="it-IT" sz="1400" dirty="0">
-                <a:latin typeface="Poppins Medium" panose="00000600000000000000" pitchFamily="2" charset="0"/>
-                <a:cs typeface="Poppins Medium" panose="00000600000000000000" pitchFamily="2" charset="0"/>
-              </a:rPr>
-              <a:t>2003, </a:t>
-            </a:r>
-            <a:r>
-              <a:rPr lang="it-IT" sz="1400" dirty="0">
-                <a:effectLst/>
-                <a:latin typeface="Poppins Medium" panose="00000600000000000000" pitchFamily="2" charset="0"/>
-                <a:ea typeface="Times New Roman" panose="02020603050405020304" pitchFamily="18" charset="0"/>
-                <a:cs typeface="Poppins Medium" panose="00000600000000000000" pitchFamily="2" charset="0"/>
-              </a:rPr>
-              <a:t>BlackBerry Quark e MySpace</a:t>
-            </a:r>
-            <a:r>
-              <a:rPr lang="it-IT" sz="1400" dirty="0">
-                <a:latin typeface="Poppins Medium" panose="00000600000000000000" pitchFamily="2" charset="0"/>
-                <a:cs typeface="Poppins Medium" panose="00000600000000000000" pitchFamily="2" charset="0"/>
-              </a:rPr>
-              <a:t>:</a:t>
-            </a:r>
-          </a:p>
-          <a:p>
-            <a:pPr marL="742950" lvl="1" indent="-285750">
-              <a:spcAft>
-                <a:spcPts val="1200"/>
-              </a:spcAft>
-              <a:buFont typeface="Arial" panose="020B0604020202020204" pitchFamily="34" charset="0"/>
-              <a:buChar char="•"/>
-            </a:pPr>
-            <a:r>
-              <a:rPr lang="it-IT" sz="1400" dirty="0">
-                <a:latin typeface="Poppins Light" panose="00000400000000000000" pitchFamily="50" charset="0"/>
-                <a:cs typeface="Poppins Light" panose="00000400000000000000" pitchFamily="50" charset="0"/>
-              </a:rPr>
-              <a:t>Rimozione mediazioni e confini.</a:t>
-            </a:r>
-          </a:p>
-          <a:p>
-            <a:pPr marL="285750" indent="-285750">
-              <a:lnSpc>
-                <a:spcPct val="150000"/>
-              </a:lnSpc>
-              <a:spcAft>
-                <a:spcPts val="1200"/>
-              </a:spcAft>
-              <a:buFont typeface="Wingdings" panose="05000000000000000000" pitchFamily="2" charset="2"/>
-              <a:buChar char="q"/>
-            </a:pPr>
-            <a:r>
-              <a:rPr lang="it-IT" sz="1400" dirty="0">
-                <a:latin typeface="Poppins Medium" panose="00000600000000000000" pitchFamily="2" charset="0"/>
-                <a:cs typeface="Poppins Medium" panose="00000600000000000000" pitchFamily="2" charset="0"/>
-              </a:rPr>
-              <a:t>2007, il primo iPhone:</a:t>
-            </a:r>
-          </a:p>
-          <a:p>
-            <a:pPr marL="742950" lvl="1" indent="-285750">
-              <a:spcAft>
-                <a:spcPts val="1200"/>
-              </a:spcAft>
-              <a:buFont typeface="Arial" panose="020B0604020202020204" pitchFamily="34" charset="0"/>
-              <a:buChar char="•"/>
-            </a:pPr>
-            <a:r>
-              <a:rPr lang="it-IT" sz="1400" dirty="0">
-                <a:latin typeface="Poppins Light" panose="00000400000000000000" pitchFamily="50" charset="0"/>
-                <a:cs typeface="Poppins Light" panose="00000400000000000000" pitchFamily="50" charset="0"/>
-              </a:rPr>
-              <a:t>Inversione dell’antico paradigma di apprendimento.</a:t>
-            </a:r>
-          </a:p>
-          <a:p>
-            <a:pPr marL="285750" indent="-285750">
-              <a:lnSpc>
-                <a:spcPct val="150000"/>
-              </a:lnSpc>
-              <a:spcAft>
-                <a:spcPts val="1200"/>
-              </a:spcAft>
-              <a:buFont typeface="Wingdings" panose="05000000000000000000" pitchFamily="2" charset="2"/>
-              <a:buChar char="q"/>
-            </a:pPr>
-            <a:r>
-              <a:rPr lang="it-IT" sz="1400" dirty="0">
-                <a:latin typeface="Poppins Medium" panose="00000600000000000000" pitchFamily="2" charset="0"/>
-                <a:cs typeface="Poppins Medium" panose="00000600000000000000" pitchFamily="2" charset="0"/>
-              </a:rPr>
-              <a:t>2008, App per smartphone:</a:t>
-            </a:r>
-          </a:p>
-          <a:p>
-            <a:pPr marL="742950" lvl="1" indent="-285750">
-              <a:spcAft>
-                <a:spcPts val="1200"/>
-              </a:spcAft>
-              <a:buFont typeface="Arial" panose="020B0604020202020204" pitchFamily="34" charset="0"/>
-              <a:buChar char="•"/>
-            </a:pPr>
-            <a:r>
-              <a:rPr lang="it-IT" sz="1400" dirty="0">
-                <a:latin typeface="Poppins Light" panose="00000400000000000000" pitchFamily="2" charset="0"/>
-                <a:cs typeface="Poppins Light" panose="00000400000000000000" pitchFamily="2" charset="0"/>
-              </a:rPr>
-              <a:t>Mondo e </a:t>
-            </a:r>
-            <a:r>
-              <a:rPr lang="it-IT" sz="1400" dirty="0" err="1">
-                <a:latin typeface="Poppins Light" panose="00000400000000000000" pitchFamily="2" charset="0"/>
-                <a:cs typeface="Poppins Light" panose="00000400000000000000" pitchFamily="2" charset="0"/>
-              </a:rPr>
-              <a:t>Oltremondo</a:t>
-            </a:r>
-            <a:r>
-              <a:rPr lang="it-IT" sz="1400" dirty="0">
-                <a:latin typeface="Poppins Light" panose="00000400000000000000" pitchFamily="2" charset="0"/>
-                <a:cs typeface="Poppins Light" panose="00000400000000000000" pitchFamily="2" charset="0"/>
-              </a:rPr>
-              <a:t> digitale come realtà unica.</a:t>
-            </a:r>
-          </a:p>
-          <a:p>
-            <a:pPr marL="285750" indent="-285750">
-              <a:spcAft>
-                <a:spcPts val="1200"/>
-              </a:spcAft>
-              <a:buFont typeface="Wingdings" panose="05000000000000000000" pitchFamily="2" charset="2"/>
-              <a:buChar char="q"/>
-            </a:pPr>
-            <a:endParaRPr lang="it-IT" sz="1600" b="1" dirty="0">
-              <a:latin typeface="Poppins Medium" panose="00000600000000000000" pitchFamily="2" charset="0"/>
-              <a:cs typeface="Poppins Medium" panose="00000600000000000000" pitchFamily="2" charset="0"/>
-            </a:endParaRPr>
-          </a:p>
-          <a:p>
-            <a:pPr lvl="1">
-              <a:spcAft>
-                <a:spcPts val="1200"/>
-              </a:spcAft>
-            </a:pPr>
-            <a:endParaRPr lang="it-IT" sz="1400" dirty="0">
-              <a:latin typeface="Poppins Light" panose="00000400000000000000" pitchFamily="50" charset="0"/>
-              <a:cs typeface="Poppins Light" panose="00000400000000000000" pitchFamily="50" charset="0"/>
-            </a:endParaRPr>
-          </a:p>
-        </p:txBody>
-      </p:sp>
-      <p:cxnSp>
-        <p:nvCxnSpPr>
-          <p:cNvPr id="4" name="Connettore diritto 3">
-            <a:extLst>
-              <a:ext uri="{FF2B5EF4-FFF2-40B4-BE49-F238E27FC236}">
-                <a16:creationId xmlns:a16="http://schemas.microsoft.com/office/drawing/2014/main" id="{51FD34F7-E331-45F9-984B-6D3860116CA5}"/>
-              </a:ext>
-            </a:extLst>
-          </p:cNvPr>
-          <p:cNvCxnSpPr>
-            <a:cxnSpLocks/>
-          </p:cNvCxnSpPr>
-          <p:nvPr/>
-        </p:nvCxnSpPr>
-        <p:spPr>
-          <a:xfrm>
-            <a:off x="772998" y="1134050"/>
-            <a:ext cx="4256202" cy="0"/>
-          </a:xfrm>
-          <a:prstGeom prst="line">
-            <a:avLst/>
-          </a:prstGeom>
-          <a:ln w="38100">
-            <a:solidFill>
-              <a:schemeClr val="accent2"/>
-            </a:solidFill>
-          </a:ln>
-        </p:spPr>
-        <p:style>
-          <a:lnRef idx="3">
-            <a:schemeClr val="accent2"/>
-          </a:lnRef>
-          <a:fillRef idx="0">
-            <a:schemeClr val="accent2"/>
-          </a:fillRef>
-          <a:effectRef idx="2">
-            <a:schemeClr val="accent2"/>
-          </a:effectRef>
-          <a:fontRef idx="minor">
-            <a:schemeClr val="tx1"/>
-          </a:fontRef>
-        </p:style>
-      </p:cxnSp>
-      <p:pic>
-        <p:nvPicPr>
-          <p:cNvPr id="2050" name="Picture 2" descr="iPhone History: 10 Most Interesting Facts You Need to Know - iGeeksBlog">
-            <a:extLst>
-              <a:ext uri="{FF2B5EF4-FFF2-40B4-BE49-F238E27FC236}">
-                <a16:creationId xmlns:a16="http://schemas.microsoft.com/office/drawing/2014/main" id="{2BDA681F-B5F7-401D-B18A-5F3150B27C4B}"/>
-              </a:ext>
-            </a:extLst>
-          </p:cNvPr>
-          <p:cNvPicPr>
-            <a:picLocks noChangeAspect="1" noChangeArrowheads="1"/>
-          </p:cNvPicPr>
-          <p:nvPr/>
-        </p:nvPicPr>
-        <p:blipFill rotWithShape="1">
-          <a:blip r:embed="rId2">
-            <a:extLst>
-              <a:ext uri="{BEBA8EAE-BF5A-486C-A8C5-ECC9F3942E4B}">
-                <a14:imgProps xmlns:a14="http://schemas.microsoft.com/office/drawing/2010/main">
-                  <a14:imgLayer r:embed="rId3">
-                    <a14:imgEffect>
-                      <a14:sharpenSoften amount="22000"/>
-                    </a14:imgEffect>
-                    <a14:imgEffect>
-                      <a14:colorTemperature colorTemp="6504"/>
-                    </a14:imgEffect>
-                    <a14:imgEffect>
-                      <a14:saturation sat="150000"/>
-                    </a14:imgEffect>
-                  </a14:imgLayer>
-                </a14:imgProps>
-              </a:ext>
-              <a:ext uri="{28A0092B-C50C-407E-A947-70E740481C1C}">
-                <a14:useLocalDpi xmlns:a14="http://schemas.microsoft.com/office/drawing/2010/main" val="0"/>
-              </a:ext>
-            </a:extLst>
-          </a:blip>
-          <a:srcRect l="4482" r="-1"/>
-          <a:stretch/>
-        </p:blipFill>
-        <p:spPr bwMode="auto">
-          <a:xfrm>
-            <a:off x="6498077" y="2060575"/>
-            <a:ext cx="5693923" cy="4303139"/>
-          </a:xfrm>
-          <a:prstGeom prst="rect">
-            <a:avLst/>
-          </a:prstGeom>
-          <a:noFill/>
-          <a:effectLst>
-            <a:outerShdw blurRad="50800" dist="50800" dir="5400000" algn="ctr" rotWithShape="0">
-              <a:schemeClr val="bg1"/>
-            </a:outerShdw>
-          </a:effectLst>
-          <a:extLst>
-            <a:ext uri="{909E8E84-426E-40DD-AFC4-6F175D3DCCD1}">
-              <a14:hiddenFill xmlns:a14="http://schemas.microsoft.com/office/drawing/2010/main">
-                <a:solidFill>
-                  <a:srgbClr val="FFFFFF"/>
-                </a:solidFill>
-              </a14:hiddenFill>
-            </a:ext>
-          </a:extLst>
-        </p:spPr>
-      </p:pic>
-    </p:spTree>
-    <p:extLst>
-      <p:ext uri="{BB962C8B-B14F-4D97-AF65-F5344CB8AC3E}">
-        <p14:creationId xmlns:p14="http://schemas.microsoft.com/office/powerpoint/2010/main" val="455169881"/>
-      </p:ext>
-    </p:extLst>
-  </p:cSld>
-  <p:clrMapOvr>
-    <a:masterClrMapping/>
-  </p:clrMapOvr>
-</p:sld>
-</file>
-
-<file path=ppt/slides/slide9.xml><?xml version="1.0" encoding="utf-8"?>
-<p:sld xmlns:a="http://schemas.openxmlformats.org/drawingml/2006/main" xmlns:r="http://schemas.openxmlformats.org/officeDocument/2006/relationships" xmlns:p="http://schemas.openxmlformats.org/presentationml/2006/main">
-  <p:cSld>
-    <p:spTree>
-      <p:nvGrpSpPr>
-        <p:cNvPr id="1" name=""/>
-        <p:cNvGrpSpPr/>
-        <p:nvPr/>
-      </p:nvGrpSpPr>
-      <p:grpSpPr>
-        <a:xfrm>
-          <a:off x="0" y="0"/>
-          <a:ext cx="0" cy="0"/>
-          <a:chOff x="0" y="0"/>
-          <a:chExt cx="0" cy="0"/>
-        </a:xfrm>
-      </p:grpSpPr>
-      <p:sp>
-        <p:nvSpPr>
-          <p:cNvPr id="15" name="CasellaDiTesto 14">
-            <a:extLst>
-              <a:ext uri="{FF2B5EF4-FFF2-40B4-BE49-F238E27FC236}">
-                <a16:creationId xmlns:a16="http://schemas.microsoft.com/office/drawing/2014/main" id="{E46F17C1-611D-4656-8827-3FC7FC8D8D4C}"/>
-              </a:ext>
-            </a:extLst>
-          </p:cNvPr>
-          <p:cNvSpPr txBox="1"/>
-          <p:nvPr/>
-        </p:nvSpPr>
-        <p:spPr>
-          <a:xfrm>
-            <a:off x="720971" y="1435202"/>
-            <a:ext cx="4332858" cy="646331"/>
-          </a:xfrm>
-          <a:prstGeom prst="rect">
-            <a:avLst/>
-          </a:prstGeom>
-          <a:noFill/>
-        </p:spPr>
-        <p:txBody>
-          <a:bodyPr wrap="square" rtlCol="0">
-            <a:spAutoFit/>
-          </a:bodyPr>
-          <a:lstStyle/>
-          <a:p>
-            <a:r>
-              <a:rPr lang="it-IT" dirty="0">
-                <a:latin typeface="Poppins Medium" panose="00000600000000000000" pitchFamily="2" charset="0"/>
-                <a:cs typeface="Poppins Medium" panose="00000600000000000000" pitchFamily="2" charset="0"/>
-              </a:rPr>
-              <a:t>Oggi come ti approcci ad una nuova app/software/dispositivo?</a:t>
-            </a:r>
-          </a:p>
-        </p:txBody>
-      </p:sp>
-      <p:sp>
-        <p:nvSpPr>
-          <p:cNvPr id="17" name="CasellaDiTesto 16">
-            <a:extLst>
-              <a:ext uri="{FF2B5EF4-FFF2-40B4-BE49-F238E27FC236}">
-                <a16:creationId xmlns:a16="http://schemas.microsoft.com/office/drawing/2014/main" id="{4C404127-AEA9-4B02-96DE-D003F311C6EF}"/>
-              </a:ext>
-            </a:extLst>
-          </p:cNvPr>
-          <p:cNvSpPr txBox="1"/>
-          <p:nvPr/>
-        </p:nvSpPr>
-        <p:spPr>
-          <a:xfrm>
-            <a:off x="720971" y="4888506"/>
-            <a:ext cx="4794612" cy="923330"/>
-          </a:xfrm>
-          <a:prstGeom prst="rect">
-            <a:avLst/>
-          </a:prstGeom>
-          <a:noFill/>
-        </p:spPr>
-        <p:txBody>
-          <a:bodyPr wrap="square" rtlCol="0">
-            <a:spAutoFit/>
-          </a:bodyPr>
-          <a:lstStyle/>
-          <a:p>
-            <a:r>
-              <a:rPr lang="it-IT" dirty="0">
-                <a:latin typeface="Poppins Medium" panose="00000600000000000000" pitchFamily="2" charset="0"/>
-                <a:cs typeface="Poppins Medium" panose="00000600000000000000" pitchFamily="2" charset="0"/>
-              </a:rPr>
-              <a:t>Quanto spesso i tuoi genitori ti chiedono aiuto per utilizzare un dispositivo digitale?</a:t>
-            </a:r>
-          </a:p>
-        </p:txBody>
-      </p:sp>
-      <p:pic>
-        <p:nvPicPr>
-          <p:cNvPr id="1026" name="Picture 2" descr="Grafico delle risposte di Moduli. Titolo della domanda: Oggi come ti approcci ad una nuova app/software/dispositivo?. Numero di risposte: 144 risposte.">
-            <a:extLst>
-              <a:ext uri="{FF2B5EF4-FFF2-40B4-BE49-F238E27FC236}">
-                <a16:creationId xmlns:a16="http://schemas.microsoft.com/office/drawing/2014/main" id="{50458A4A-8658-4B0D-A43E-93910F0784D4}"/>
-              </a:ext>
-            </a:extLst>
-          </p:cNvPr>
-          <p:cNvPicPr>
-            <a:picLocks noChangeAspect="1" noChangeArrowheads="1"/>
-          </p:cNvPicPr>
-          <p:nvPr/>
-        </p:nvPicPr>
-        <p:blipFill rotWithShape="1">
-          <a:blip r:embed="rId2">
-            <a:extLst>
-              <a:ext uri="{28A0092B-C50C-407E-A947-70E740481C1C}">
-                <a14:useLocalDpi xmlns:a14="http://schemas.microsoft.com/office/drawing/2010/main" val="0"/>
-              </a:ext>
-            </a:extLst>
-          </a:blip>
-          <a:srcRect l="18910" t="27542" r="53666" b="8923"/>
-          <a:stretch/>
-        </p:blipFill>
-        <p:spPr bwMode="auto">
-          <a:xfrm>
-            <a:off x="5515583" y="575473"/>
-            <a:ext cx="2427347" cy="2365787"/>
-          </a:xfrm>
-          <a:prstGeom prst="rect">
-            <a:avLst/>
-          </a:prstGeom>
-          <a:noFill/>
-          <a:extLst>
-            <a:ext uri="{909E8E84-426E-40DD-AFC4-6F175D3DCCD1}">
-              <a14:hiddenFill xmlns:a14="http://schemas.microsoft.com/office/drawing/2010/main">
-                <a:solidFill>
-                  <a:srgbClr val="FFFFFF"/>
-                </a:solidFill>
-              </a14:hiddenFill>
-            </a:ext>
-          </a:extLst>
-        </p:spPr>
-      </p:pic>
-      <p:pic>
-        <p:nvPicPr>
-          <p:cNvPr id="22" name="Picture 2" descr="Grafico delle risposte di Moduli. Titolo della domanda: Oggi come ti approcci ad una nuova app/software/dispositivo?. Numero di risposte: 144 risposte.">
-            <a:extLst>
-              <a:ext uri="{FF2B5EF4-FFF2-40B4-BE49-F238E27FC236}">
-                <a16:creationId xmlns:a16="http://schemas.microsoft.com/office/drawing/2014/main" id="{61012594-C0CC-4E39-809F-58750DD6C41B}"/>
-              </a:ext>
-            </a:extLst>
-          </p:cNvPr>
-          <p:cNvPicPr>
-            <a:picLocks noChangeAspect="1" noChangeArrowheads="1"/>
-          </p:cNvPicPr>
-          <p:nvPr/>
-        </p:nvPicPr>
-        <p:blipFill rotWithShape="1">
-          <a:blip r:embed="rId2">
-            <a:extLst>
-              <a:ext uri="{28A0092B-C50C-407E-A947-70E740481C1C}">
-                <a14:useLocalDpi xmlns:a14="http://schemas.microsoft.com/office/drawing/2010/main" val="0"/>
-              </a:ext>
-            </a:extLst>
-          </a:blip>
-          <a:srcRect l="61297" t="26290" r="4048" b="21920"/>
-          <a:stretch/>
-        </p:blipFill>
-        <p:spPr bwMode="auto">
-          <a:xfrm>
-            <a:off x="8588713" y="813565"/>
-            <a:ext cx="3005532" cy="1889602"/>
-          </a:xfrm>
-          <a:prstGeom prst="rect">
-            <a:avLst/>
-          </a:prstGeom>
-          <a:noFill/>
-          <a:extLst>
-            <a:ext uri="{909E8E84-426E-40DD-AFC4-6F175D3DCCD1}">
-              <a14:hiddenFill xmlns:a14="http://schemas.microsoft.com/office/drawing/2010/main">
-                <a:solidFill>
-                  <a:srgbClr val="FFFFFF"/>
-                </a:solidFill>
-              </a14:hiddenFill>
-            </a:ext>
-          </a:extLst>
-        </p:spPr>
-      </p:pic>
-      <p:pic>
-        <p:nvPicPr>
-          <p:cNvPr id="1028" name="Picture 4" descr="Grafico delle risposte di Moduli. Titolo della domanda: Quanto spesso i tuoi genitori ti chiedono aiuto per utilizzare un dispositivo digitale?. Numero di risposte: 144 risposte.">
-            <a:extLst>
-              <a:ext uri="{FF2B5EF4-FFF2-40B4-BE49-F238E27FC236}">
-                <a16:creationId xmlns:a16="http://schemas.microsoft.com/office/drawing/2014/main" id="{7866505D-E45F-441C-A17C-3FCBF2041844}"/>
-              </a:ext>
-            </a:extLst>
-          </p:cNvPr>
-          <p:cNvPicPr>
-            <a:picLocks noChangeAspect="1" noChangeArrowheads="1"/>
-          </p:cNvPicPr>
-          <p:nvPr/>
-        </p:nvPicPr>
-        <p:blipFill rotWithShape="1">
-          <a:blip r:embed="rId3">
-            <a:extLst>
-              <a:ext uri="{28A0092B-C50C-407E-A947-70E740481C1C}">
-                <a14:useLocalDpi xmlns:a14="http://schemas.microsoft.com/office/drawing/2010/main" val="0"/>
-              </a:ext>
-            </a:extLst>
-          </a:blip>
-          <a:srcRect l="5820" t="23748" b="12265"/>
-          <a:stretch/>
-        </p:blipFill>
-        <p:spPr bwMode="auto">
-          <a:xfrm>
-            <a:off x="5156797" y="4148176"/>
-            <a:ext cx="6705157" cy="2364703"/>
-          </a:xfrm>
-          <a:prstGeom prst="rect">
-            <a:avLst/>
-          </a:prstGeom>
-          <a:noFill/>
-          <a:extLst>
-            <a:ext uri="{909E8E84-426E-40DD-AFC4-6F175D3DCCD1}">
-              <a14:hiddenFill xmlns:a14="http://schemas.microsoft.com/office/drawing/2010/main">
-                <a:solidFill>
-                  <a:srgbClr val="FFFFFF"/>
-                </a:solidFill>
-              </a14:hiddenFill>
-            </a:ext>
-          </a:extLst>
-        </p:spPr>
-      </p:pic>
-      <p:cxnSp>
-        <p:nvCxnSpPr>
-          <p:cNvPr id="33" name="Connettore diritto 32">
-            <a:extLst>
-              <a:ext uri="{FF2B5EF4-FFF2-40B4-BE49-F238E27FC236}">
-                <a16:creationId xmlns:a16="http://schemas.microsoft.com/office/drawing/2014/main" id="{F1022DA3-B46F-4C1F-9317-A750529FC671}"/>
-              </a:ext>
-            </a:extLst>
-          </p:cNvPr>
-          <p:cNvCxnSpPr>
-            <a:cxnSpLocks/>
-          </p:cNvCxnSpPr>
-          <p:nvPr/>
-        </p:nvCxnSpPr>
-        <p:spPr>
-          <a:xfrm flipH="1" flipV="1">
-            <a:off x="720971" y="1445968"/>
-            <a:ext cx="10866" cy="624798"/>
-          </a:xfrm>
-          <a:prstGeom prst="line">
-            <a:avLst/>
-          </a:prstGeom>
-          <a:ln w="38100">
-            <a:solidFill>
-              <a:schemeClr val="accent2"/>
-            </a:solidFill>
-          </a:ln>
-        </p:spPr>
-        <p:style>
-          <a:lnRef idx="3">
-            <a:schemeClr val="accent2"/>
-          </a:lnRef>
-          <a:fillRef idx="0">
-            <a:schemeClr val="accent2"/>
-          </a:fillRef>
-          <a:effectRef idx="2">
-            <a:schemeClr val="accent2"/>
-          </a:effectRef>
-          <a:fontRef idx="minor">
-            <a:schemeClr val="tx1"/>
-          </a:fontRef>
-        </p:style>
-      </p:cxnSp>
-      <p:cxnSp>
-        <p:nvCxnSpPr>
-          <p:cNvPr id="38" name="Connettore diritto 37">
-            <a:extLst>
-              <a:ext uri="{FF2B5EF4-FFF2-40B4-BE49-F238E27FC236}">
-                <a16:creationId xmlns:a16="http://schemas.microsoft.com/office/drawing/2014/main" id="{79B7D224-8E39-47E5-A01D-A08798051E8D}"/>
-              </a:ext>
-            </a:extLst>
-          </p:cNvPr>
-          <p:cNvCxnSpPr>
-            <a:cxnSpLocks/>
-          </p:cNvCxnSpPr>
-          <p:nvPr/>
-        </p:nvCxnSpPr>
-        <p:spPr>
-          <a:xfrm flipV="1">
-            <a:off x="731837" y="4868863"/>
-            <a:ext cx="1" cy="923330"/>
-          </a:xfrm>
-          <a:prstGeom prst="line">
-            <a:avLst/>
-          </a:prstGeom>
-          <a:ln w="38100">
-            <a:solidFill>
-              <a:schemeClr val="accent2"/>
-            </a:solidFill>
-          </a:ln>
-        </p:spPr>
-        <p:style>
-          <a:lnRef idx="3">
-            <a:schemeClr val="accent2"/>
-          </a:lnRef>
-          <a:fillRef idx="0">
-            <a:schemeClr val="accent2"/>
-          </a:fillRef>
-          <a:effectRef idx="2">
-            <a:schemeClr val="accent2"/>
-          </a:effectRef>
-          <a:fontRef idx="minor">
-            <a:schemeClr val="tx1"/>
-          </a:fontRef>
-        </p:style>
-      </p:cxnSp>
-    </p:spTree>
-    <p:extLst>
-      <p:ext uri="{BB962C8B-B14F-4D97-AF65-F5344CB8AC3E}">
-        <p14:creationId xmlns:p14="http://schemas.microsoft.com/office/powerpoint/2010/main" val="332526478"/>
       </p:ext>
     </p:extLst>
   </p:cSld>

--- a/Presentazione/Presentazione_completa - Copy.pptx
+++ b/Presentazione/Presentazione_completa - Copy.pptx
@@ -195,7 +195,7 @@
 <file path=ppt/revisionInfo.xml><?xml version="1.0" encoding="utf-8"?>
 <p1510:revInfo xmlns:a="http://schemas.openxmlformats.org/drawingml/2006/main" xmlns:r="http://schemas.openxmlformats.org/officeDocument/2006/relationships" xmlns:p1510="http://schemas.microsoft.com/office/powerpoint/2015/10/main">
   <p1510:revLst>
-    <p1510:client id="{663EDA11-63A3-4725-9154-08D0D2B3E39E}" v="302" dt="2021-12-28T14:38:24.446"/>
+    <p1510:client id="{663EDA11-63A3-4725-9154-08D0D2B3E39E}" v="353" dt="2021-12-28T17:01:02.485"/>
   </p1510:revLst>
 </p1510:revInfo>
 </file>
@@ -205,7 +205,7 @@
   <pc:docChgLst>
     <pc:chgData name="Silvia Grosso" userId="ae07bb24dcdc86e9" providerId="LiveId" clId="{663EDA11-63A3-4725-9154-08D0D2B3E39E}"/>
     <pc:docChg chg="undo custSel addSld delSld modSld">
-      <pc:chgData name="Silvia Grosso" userId="ae07bb24dcdc86e9" providerId="LiveId" clId="{663EDA11-63A3-4725-9154-08D0D2B3E39E}" dt="2021-12-28T14:53:21.740" v="2589" actId="5793"/>
+      <pc:chgData name="Silvia Grosso" userId="ae07bb24dcdc86e9" providerId="LiveId" clId="{663EDA11-63A3-4725-9154-08D0D2B3E39E}" dt="2021-12-28T17:01:02.485" v="2640" actId="1076"/>
       <pc:docMkLst>
         <pc:docMk/>
       </pc:docMkLst>
@@ -652,6 +652,69 @@
           <pc:sldMk cId="2479181778" sldId="300"/>
         </pc:sldMkLst>
       </pc:sldChg>
+      <pc:sldChg chg="addSp delSp modSp">
+        <pc:chgData name="Silvia Grosso" userId="ae07bb24dcdc86e9" providerId="LiveId" clId="{663EDA11-63A3-4725-9154-08D0D2B3E39E}" dt="2021-12-28T17:01:02.485" v="2640" actId="1076"/>
+        <pc:sldMkLst>
+          <pc:docMk/>
+          <pc:sldMk cId="3124619789" sldId="301"/>
+        </pc:sldMkLst>
+        <pc:picChg chg="add mod">
+          <ac:chgData name="Silvia Grosso" userId="ae07bb24dcdc86e9" providerId="LiveId" clId="{663EDA11-63A3-4725-9154-08D0D2B3E39E}" dt="2021-12-28T17:01:02.485" v="2640" actId="1076"/>
+          <ac:picMkLst>
+            <pc:docMk/>
+            <pc:sldMk cId="3124619789" sldId="301"/>
+            <ac:picMk id="10" creationId="{BCB1C76D-3166-4F5E-8309-6DAD42B7FD20}"/>
+          </ac:picMkLst>
+        </pc:picChg>
+        <pc:picChg chg="add del mod">
+          <ac:chgData name="Silvia Grosso" userId="ae07bb24dcdc86e9" providerId="LiveId" clId="{663EDA11-63A3-4725-9154-08D0D2B3E39E}" dt="2021-12-28T16:59:34.047" v="2628" actId="21"/>
+          <ac:picMkLst>
+            <pc:docMk/>
+            <pc:sldMk cId="3124619789" sldId="301"/>
+            <ac:picMk id="14" creationId="{02CCE27C-18BE-444A-8405-7760621926CC}"/>
+          </ac:picMkLst>
+        </pc:picChg>
+        <pc:picChg chg="add mod">
+          <ac:chgData name="Silvia Grosso" userId="ae07bb24dcdc86e9" providerId="LiveId" clId="{663EDA11-63A3-4725-9154-08D0D2B3E39E}" dt="2021-12-28T17:01:00.280" v="2639" actId="1076"/>
+          <ac:picMkLst>
+            <pc:docMk/>
+            <pc:sldMk cId="3124619789" sldId="301"/>
+            <ac:picMk id="15" creationId="{5412465D-BC73-4ED7-8B9E-EEAC1248CE3F}"/>
+          </ac:picMkLst>
+        </pc:picChg>
+        <pc:picChg chg="add mod">
+          <ac:chgData name="Silvia Grosso" userId="ae07bb24dcdc86e9" providerId="LiveId" clId="{663EDA11-63A3-4725-9154-08D0D2B3E39E}" dt="2021-12-28T17:00:28.499" v="2635" actId="1076"/>
+          <ac:picMkLst>
+            <pc:docMk/>
+            <pc:sldMk cId="3124619789" sldId="301"/>
+            <ac:picMk id="1026" creationId="{B36C37CE-5867-47A3-9682-E70C82ACC938}"/>
+          </ac:picMkLst>
+        </pc:picChg>
+        <pc:picChg chg="add del mod">
+          <ac:chgData name="Silvia Grosso" userId="ae07bb24dcdc86e9" providerId="LiveId" clId="{663EDA11-63A3-4725-9154-08D0D2B3E39E}" dt="2021-12-28T16:58:22.556" v="2610" actId="478"/>
+          <ac:picMkLst>
+            <pc:docMk/>
+            <pc:sldMk cId="3124619789" sldId="301"/>
+            <ac:picMk id="1028" creationId="{263136C8-ADDE-42CE-939E-E20EECB2EB3A}"/>
+          </ac:picMkLst>
+        </pc:picChg>
+        <pc:picChg chg="add del mod">
+          <ac:chgData name="Silvia Grosso" userId="ae07bb24dcdc86e9" providerId="LiveId" clId="{663EDA11-63A3-4725-9154-08D0D2B3E39E}" dt="2021-12-28T16:58:22.556" v="2610" actId="478"/>
+          <ac:picMkLst>
+            <pc:docMk/>
+            <pc:sldMk cId="3124619789" sldId="301"/>
+            <ac:picMk id="1030" creationId="{75746072-367E-4797-A7D6-716FB74095E0}"/>
+          </ac:picMkLst>
+        </pc:picChg>
+        <pc:picChg chg="add mod">
+          <ac:chgData name="Silvia Grosso" userId="ae07bb24dcdc86e9" providerId="LiveId" clId="{663EDA11-63A3-4725-9154-08D0D2B3E39E}" dt="2021-12-28T17:00:51.069" v="2638" actId="1076"/>
+          <ac:picMkLst>
+            <pc:docMk/>
+            <pc:sldMk cId="3124619789" sldId="301"/>
+            <ac:picMk id="1032" creationId="{CDC95665-EA5A-4412-B73A-DD17F4D69364}"/>
+          </ac:picMkLst>
+        </pc:picChg>
+      </pc:sldChg>
     </pc:docChg>
   </pc:docChgLst>
 </pc:chgInfo>
@@ -739,7 +802,7 @@
           <a:p>
             <a:fld id="{445FCF14-918E-4047-8BBB-15CFF9EA5E07}" type="datetimeFigureOut">
               <a:rPr lang="it-IT" smtClean="0"/>
-              <a:t>28/12/21</a:t>
+              <a:t>28/12/2021</a:t>
             </a:fld>
             <a:endParaRPr lang="it-IT"/>
           </a:p>
@@ -1153,7 +1216,7 @@
           <a:p>
             <a:fld id="{AA3A6BE5-8C39-481F-A270-BEF917F1E5E1}" type="datetimeFigureOut">
               <a:rPr lang="it-IT" smtClean="0"/>
-              <a:t>28/12/21</a:t>
+              <a:t>28/12/2021</a:t>
             </a:fld>
             <a:endParaRPr lang="it-IT"/>
           </a:p>
@@ -1351,7 +1414,7 @@
           <a:p>
             <a:fld id="{AA3A6BE5-8C39-481F-A270-BEF917F1E5E1}" type="datetimeFigureOut">
               <a:rPr lang="it-IT" smtClean="0"/>
-              <a:t>28/12/21</a:t>
+              <a:t>28/12/2021</a:t>
             </a:fld>
             <a:endParaRPr lang="it-IT"/>
           </a:p>
@@ -1559,7 +1622,7 @@
           <a:p>
             <a:fld id="{AA3A6BE5-8C39-481F-A270-BEF917F1E5E1}" type="datetimeFigureOut">
               <a:rPr lang="it-IT" smtClean="0"/>
-              <a:t>28/12/21</a:t>
+              <a:t>28/12/2021</a:t>
             </a:fld>
             <a:endParaRPr lang="it-IT"/>
           </a:p>
@@ -1757,7 +1820,7 @@
           <a:p>
             <a:fld id="{AA3A6BE5-8C39-481F-A270-BEF917F1E5E1}" type="datetimeFigureOut">
               <a:rPr lang="it-IT" smtClean="0"/>
-              <a:t>28/12/21</a:t>
+              <a:t>28/12/2021</a:t>
             </a:fld>
             <a:endParaRPr lang="it-IT"/>
           </a:p>
@@ -2032,7 +2095,7 @@
           <a:p>
             <a:fld id="{AA3A6BE5-8C39-481F-A270-BEF917F1E5E1}" type="datetimeFigureOut">
               <a:rPr lang="it-IT" smtClean="0"/>
-              <a:t>28/12/21</a:t>
+              <a:t>28/12/2021</a:t>
             </a:fld>
             <a:endParaRPr lang="it-IT"/>
           </a:p>
@@ -2297,7 +2360,7 @@
           <a:p>
             <a:fld id="{AA3A6BE5-8C39-481F-A270-BEF917F1E5E1}" type="datetimeFigureOut">
               <a:rPr lang="it-IT" smtClean="0"/>
-              <a:t>28/12/21</a:t>
+              <a:t>28/12/2021</a:t>
             </a:fld>
             <a:endParaRPr lang="it-IT"/>
           </a:p>
@@ -2709,7 +2772,7 @@
           <a:p>
             <a:fld id="{AA3A6BE5-8C39-481F-A270-BEF917F1E5E1}" type="datetimeFigureOut">
               <a:rPr lang="it-IT" smtClean="0"/>
-              <a:t>28/12/21</a:t>
+              <a:t>28/12/2021</a:t>
             </a:fld>
             <a:endParaRPr lang="it-IT"/>
           </a:p>
@@ -2850,7 +2913,7 @@
           <a:p>
             <a:fld id="{AA3A6BE5-8C39-481F-A270-BEF917F1E5E1}" type="datetimeFigureOut">
               <a:rPr lang="it-IT" smtClean="0"/>
-              <a:t>28/12/21</a:t>
+              <a:t>28/12/2021</a:t>
             </a:fld>
             <a:endParaRPr lang="it-IT"/>
           </a:p>
@@ -2963,7 +3026,7 @@
           <a:p>
             <a:fld id="{AA3A6BE5-8C39-481F-A270-BEF917F1E5E1}" type="datetimeFigureOut">
               <a:rPr lang="it-IT" smtClean="0"/>
-              <a:t>28/12/21</a:t>
+              <a:t>28/12/2021</a:t>
             </a:fld>
             <a:endParaRPr lang="it-IT"/>
           </a:p>
@@ -3274,7 +3337,7 @@
           <a:p>
             <a:fld id="{AA3A6BE5-8C39-481F-A270-BEF917F1E5E1}" type="datetimeFigureOut">
               <a:rPr lang="it-IT" smtClean="0"/>
-              <a:t>28/12/21</a:t>
+              <a:t>28/12/2021</a:t>
             </a:fld>
             <a:endParaRPr lang="it-IT"/>
           </a:p>
@@ -3562,7 +3625,7 @@
           <a:p>
             <a:fld id="{AA3A6BE5-8C39-481F-A270-BEF917F1E5E1}" type="datetimeFigureOut">
               <a:rPr lang="it-IT" smtClean="0"/>
-              <a:t>28/12/21</a:t>
+              <a:t>28/12/2021</a:t>
             </a:fld>
             <a:endParaRPr lang="it-IT"/>
           </a:p>
@@ -3803,7 +3866,7 @@
           <a:p>
             <a:fld id="{AA3A6BE5-8C39-481F-A270-BEF917F1E5E1}" type="datetimeFigureOut">
               <a:rPr lang="it-IT" smtClean="0"/>
-              <a:t>28/12/21</a:t>
+              <a:t>28/12/2021</a:t>
             </a:fld>
             <a:endParaRPr lang="it-IT"/>
           </a:p>
@@ -6218,6 +6281,186 @@
           </a:fontRef>
         </p:style>
       </p:cxnSp>
+      <p:pic>
+        <p:nvPicPr>
+          <p:cNvPr id="1026" name="Picture 2" descr="Grafico delle risposte di Moduli. Titolo della domanda: Quante ore al giorno mediamente utilizzi lo smartphone?. Numero di risposte: 143 risposte.">
+            <a:extLst>
+              <a:ext uri="{FF2B5EF4-FFF2-40B4-BE49-F238E27FC236}">
+                <a16:creationId xmlns:a16="http://schemas.microsoft.com/office/drawing/2014/main" id="{B36C37CE-5867-47A3-9682-E70C82ACC938}"/>
+              </a:ext>
+            </a:extLst>
+          </p:cNvPr>
+          <p:cNvPicPr>
+            <a:picLocks noChangeAspect="1" noChangeArrowheads="1"/>
+          </p:cNvPicPr>
+          <p:nvPr/>
+        </p:nvPicPr>
+        <p:blipFill rotWithShape="1">
+          <a:blip r:embed="rId4">
+            <a:extLst>
+              <a:ext uri="{28A0092B-C50C-407E-A947-70E740481C1C}">
+                <a14:useLocalDpi xmlns:a14="http://schemas.microsoft.com/office/drawing/2010/main" val="0"/>
+              </a:ext>
+            </a:extLst>
+          </a:blip>
+          <a:srcRect l="19628" t="29248" r="53840" b="9494"/>
+          <a:stretch/>
+        </p:blipFill>
+        <p:spPr bwMode="auto">
+          <a:xfrm>
+            <a:off x="8916433" y="689346"/>
+            <a:ext cx="2388827" cy="2320385"/>
+          </a:xfrm>
+          <a:prstGeom prst="rect">
+            <a:avLst/>
+          </a:prstGeom>
+          <a:noFill/>
+          <a:extLst>
+            <a:ext uri="{909E8E84-426E-40DD-AFC4-6F175D3DCCD1}">
+              <a14:hiddenFill xmlns:a14="http://schemas.microsoft.com/office/drawing/2010/main">
+                <a:solidFill>
+                  <a:srgbClr val="FFFFFF"/>
+                </a:solidFill>
+              </a14:hiddenFill>
+            </a:ext>
+          </a:extLst>
+        </p:spPr>
+      </p:pic>
+      <p:pic>
+        <p:nvPicPr>
+          <p:cNvPr id="10" name="Picture 2" descr="Grafico delle risposte di Moduli. Titolo della domanda: Quante ore al giorno mediamente utilizzi lo smartphone?. Numero di risposte: 143 risposte.">
+            <a:extLst>
+              <a:ext uri="{FF2B5EF4-FFF2-40B4-BE49-F238E27FC236}">
+                <a16:creationId xmlns:a16="http://schemas.microsoft.com/office/drawing/2014/main" id="{BCB1C76D-3166-4F5E-8309-6DAD42B7FD20}"/>
+              </a:ext>
+            </a:extLst>
+          </p:cNvPr>
+          <p:cNvPicPr>
+            <a:picLocks noChangeAspect="1" noChangeArrowheads="1"/>
+          </p:cNvPicPr>
+          <p:nvPr/>
+        </p:nvPicPr>
+        <p:blipFill rotWithShape="1">
+          <a:blip r:embed="rId4">
+            <a:extLst>
+              <a:ext uri="{28A0092B-C50C-407E-A947-70E740481C1C}">
+                <a14:useLocalDpi xmlns:a14="http://schemas.microsoft.com/office/drawing/2010/main" val="0"/>
+              </a:ext>
+            </a:extLst>
+          </a:blip>
+          <a:srcRect l="61982" t="29248" r="24654" b="45820"/>
+          <a:stretch/>
+        </p:blipFill>
+        <p:spPr bwMode="auto">
+          <a:xfrm>
+            <a:off x="7232251" y="549275"/>
+            <a:ext cx="1299765" cy="1020121"/>
+          </a:xfrm>
+          <a:prstGeom prst="rect">
+            <a:avLst/>
+          </a:prstGeom>
+          <a:noFill/>
+          <a:extLst>
+            <a:ext uri="{909E8E84-426E-40DD-AFC4-6F175D3DCCD1}">
+              <a14:hiddenFill xmlns:a14="http://schemas.microsoft.com/office/drawing/2010/main">
+                <a:solidFill>
+                  <a:srgbClr val="FFFFFF"/>
+                </a:solidFill>
+              </a14:hiddenFill>
+            </a:ext>
+          </a:extLst>
+        </p:spPr>
+      </p:pic>
+      <p:pic>
+        <p:nvPicPr>
+          <p:cNvPr id="1032" name="Picture 8" descr="Grafico delle risposte di Moduli. Titolo della domanda: Quante ore al giorno mediamente utilizzi il computer?. Numero di risposte: 141 risposte.">
+            <a:extLst>
+              <a:ext uri="{FF2B5EF4-FFF2-40B4-BE49-F238E27FC236}">
+                <a16:creationId xmlns:a16="http://schemas.microsoft.com/office/drawing/2014/main" id="{CDC95665-EA5A-4412-B73A-DD17F4D69364}"/>
+              </a:ext>
+            </a:extLst>
+          </p:cNvPr>
+          <p:cNvPicPr>
+            <a:picLocks noChangeAspect="1" noChangeArrowheads="1"/>
+          </p:cNvPicPr>
+          <p:nvPr/>
+        </p:nvPicPr>
+        <p:blipFill rotWithShape="1">
+          <a:blip r:embed="rId5">
+            <a:extLst>
+              <a:ext uri="{28A0092B-C50C-407E-A947-70E740481C1C}">
+                <a14:useLocalDpi xmlns:a14="http://schemas.microsoft.com/office/drawing/2010/main" val="0"/>
+              </a:ext>
+            </a:extLst>
+          </a:blip>
+          <a:srcRect l="19149" t="27482" r="53883" b="9175"/>
+          <a:stretch/>
+        </p:blipFill>
+        <p:spPr bwMode="auto">
+          <a:xfrm>
+            <a:off x="8890818" y="3591360"/>
+            <a:ext cx="2440055" cy="2411181"/>
+          </a:xfrm>
+          <a:prstGeom prst="rect">
+            <a:avLst/>
+          </a:prstGeom>
+          <a:noFill/>
+          <a:extLst>
+            <a:ext uri="{909E8E84-426E-40DD-AFC4-6F175D3DCCD1}">
+              <a14:hiddenFill xmlns:a14="http://schemas.microsoft.com/office/drawing/2010/main">
+                <a:solidFill>
+                  <a:srgbClr val="FFFFFF"/>
+                </a:solidFill>
+              </a14:hiddenFill>
+            </a:ext>
+          </a:extLst>
+        </p:spPr>
+      </p:pic>
+      <p:pic>
+        <p:nvPicPr>
+          <p:cNvPr id="15" name="Picture 2" descr="Grafico delle risposte di Moduli. Titolo della domanda: Quante ore al giorno mediamente utilizzi lo smartphone?. Numero di risposte: 143 risposte.">
+            <a:extLst>
+              <a:ext uri="{FF2B5EF4-FFF2-40B4-BE49-F238E27FC236}">
+                <a16:creationId xmlns:a16="http://schemas.microsoft.com/office/drawing/2014/main" id="{5412465D-BC73-4ED7-8B9E-EEAC1248CE3F}"/>
+              </a:ext>
+            </a:extLst>
+          </p:cNvPr>
+          <p:cNvPicPr>
+            <a:picLocks noChangeAspect="1" noChangeArrowheads="1"/>
+          </p:cNvPicPr>
+          <p:nvPr/>
+        </p:nvPicPr>
+        <p:blipFill rotWithShape="1">
+          <a:blip r:embed="rId4">
+            <a:extLst>
+              <a:ext uri="{28A0092B-C50C-407E-A947-70E740481C1C}">
+                <a14:useLocalDpi xmlns:a14="http://schemas.microsoft.com/office/drawing/2010/main" val="0"/>
+              </a:ext>
+            </a:extLst>
+          </a:blip>
+          <a:srcRect l="61982" t="29248" r="24654" b="45820"/>
+          <a:stretch/>
+        </p:blipFill>
+        <p:spPr bwMode="auto">
+          <a:xfrm>
+            <a:off x="7232252" y="3429000"/>
+            <a:ext cx="1299765" cy="1020121"/>
+          </a:xfrm>
+          <a:prstGeom prst="rect">
+            <a:avLst/>
+          </a:prstGeom>
+          <a:noFill/>
+          <a:extLst>
+            <a:ext uri="{909E8E84-426E-40DD-AFC4-6F175D3DCCD1}">
+              <a14:hiddenFill xmlns:a14="http://schemas.microsoft.com/office/drawing/2010/main">
+                <a:solidFill>
+                  <a:srgbClr val="FFFFFF"/>
+                </a:solidFill>
+              </a14:hiddenFill>
+            </a:ext>
+          </a:extLst>
+        </p:spPr>
+      </p:pic>
     </p:spTree>
     <p:extLst>
       <p:ext uri="{BB962C8B-B14F-4D97-AF65-F5344CB8AC3E}">

--- a/Presentazione/Presentazione_completa - Copy.pptx
+++ b/Presentazione/Presentazione_completa - Copy.pptx
@@ -195,7 +195,7 @@
 <file path=ppt/revisionInfo.xml><?xml version="1.0" encoding="utf-8"?>
 <p1510:revInfo xmlns:a="http://schemas.openxmlformats.org/drawingml/2006/main" xmlns:r="http://schemas.openxmlformats.org/officeDocument/2006/relationships" xmlns:p1510="http://schemas.microsoft.com/office/powerpoint/2015/10/main">
   <p1510:revLst>
-    <p1510:client id="{663EDA11-63A3-4725-9154-08D0D2B3E39E}" v="353" dt="2021-12-28T17:01:02.485"/>
+    <p1510:client id="{663EDA11-63A3-4725-9154-08D0D2B3E39E}" v="392" dt="2021-12-28T17:09:41.877"/>
   </p1510:revLst>
 </p1510:revInfo>
 </file>
@@ -205,7 +205,7 @@
   <pc:docChgLst>
     <pc:chgData name="Silvia Grosso" userId="ae07bb24dcdc86e9" providerId="LiveId" clId="{663EDA11-63A3-4725-9154-08D0D2B3E39E}"/>
     <pc:docChg chg="undo custSel addSld delSld modSld">
-      <pc:chgData name="Silvia Grosso" userId="ae07bb24dcdc86e9" providerId="LiveId" clId="{663EDA11-63A3-4725-9154-08D0D2B3E39E}" dt="2021-12-28T17:01:02.485" v="2640" actId="1076"/>
+      <pc:chgData name="Silvia Grosso" userId="ae07bb24dcdc86e9" providerId="LiveId" clId="{663EDA11-63A3-4725-9154-08D0D2B3E39E}" dt="2021-12-28T17:09:41.877" v="2679" actId="1076"/>
       <pc:docMkLst>
         <pc:docMk/>
       </pc:docMkLst>
@@ -653,13 +653,21 @@
         </pc:sldMkLst>
       </pc:sldChg>
       <pc:sldChg chg="addSp delSp modSp">
-        <pc:chgData name="Silvia Grosso" userId="ae07bb24dcdc86e9" providerId="LiveId" clId="{663EDA11-63A3-4725-9154-08D0D2B3E39E}" dt="2021-12-28T17:01:02.485" v="2640" actId="1076"/>
+        <pc:chgData name="Silvia Grosso" userId="ae07bb24dcdc86e9" providerId="LiveId" clId="{663EDA11-63A3-4725-9154-08D0D2B3E39E}" dt="2021-12-28T17:09:41.877" v="2679" actId="1076"/>
         <pc:sldMkLst>
           <pc:docMk/>
           <pc:sldMk cId="3124619789" sldId="301"/>
         </pc:sldMkLst>
         <pc:picChg chg="add mod">
-          <ac:chgData name="Silvia Grosso" userId="ae07bb24dcdc86e9" providerId="LiveId" clId="{663EDA11-63A3-4725-9154-08D0D2B3E39E}" dt="2021-12-28T17:01:02.485" v="2640" actId="1076"/>
+          <ac:chgData name="Silvia Grosso" userId="ae07bb24dcdc86e9" providerId="LiveId" clId="{663EDA11-63A3-4725-9154-08D0D2B3E39E}" dt="2021-12-28T17:09:41.877" v="2679" actId="1076"/>
+          <ac:picMkLst>
+            <pc:docMk/>
+            <pc:sldMk cId="3124619789" sldId="301"/>
+            <ac:picMk id="2" creationId="{C984CF58-19C8-4CC1-9A2A-F864D51BC624}"/>
+          </ac:picMkLst>
+        </pc:picChg>
+        <pc:picChg chg="add del mod">
+          <ac:chgData name="Silvia Grosso" userId="ae07bb24dcdc86e9" providerId="LiveId" clId="{663EDA11-63A3-4725-9154-08D0D2B3E39E}" dt="2021-12-28T17:06:39.971" v="2642" actId="478"/>
           <ac:picMkLst>
             <pc:docMk/>
             <pc:sldMk cId="3124619789" sldId="301"/>
@@ -674,8 +682,8 @@
             <ac:picMk id="14" creationId="{02CCE27C-18BE-444A-8405-7760621926CC}"/>
           </ac:picMkLst>
         </pc:picChg>
-        <pc:picChg chg="add mod">
-          <ac:chgData name="Silvia Grosso" userId="ae07bb24dcdc86e9" providerId="LiveId" clId="{663EDA11-63A3-4725-9154-08D0D2B3E39E}" dt="2021-12-28T17:01:00.280" v="2639" actId="1076"/>
+        <pc:picChg chg="add del mod">
+          <ac:chgData name="Silvia Grosso" userId="ae07bb24dcdc86e9" providerId="LiveId" clId="{663EDA11-63A3-4725-9154-08D0D2B3E39E}" dt="2021-12-28T17:07:00.616" v="2647" actId="478"/>
           <ac:picMkLst>
             <pc:docMk/>
             <pc:sldMk cId="3124619789" sldId="301"/>
@@ -683,7 +691,23 @@
           </ac:picMkLst>
         </pc:picChg>
         <pc:picChg chg="add mod">
-          <ac:chgData name="Silvia Grosso" userId="ae07bb24dcdc86e9" providerId="LiveId" clId="{663EDA11-63A3-4725-9154-08D0D2B3E39E}" dt="2021-12-28T17:00:28.499" v="2635" actId="1076"/>
+          <ac:chgData name="Silvia Grosso" userId="ae07bb24dcdc86e9" providerId="LiveId" clId="{663EDA11-63A3-4725-9154-08D0D2B3E39E}" dt="2021-12-28T17:08:12.297" v="2661" actId="1076"/>
+          <ac:picMkLst>
+            <pc:docMk/>
+            <pc:sldMk cId="3124619789" sldId="301"/>
+            <ac:picMk id="19" creationId="{E0823515-D164-45DF-895B-CA2D0C9A42EC}"/>
+          </ac:picMkLst>
+        </pc:picChg>
+        <pc:picChg chg="add mod">
+          <ac:chgData name="Silvia Grosso" userId="ae07bb24dcdc86e9" providerId="LiveId" clId="{663EDA11-63A3-4725-9154-08D0D2B3E39E}" dt="2021-12-28T17:09:28.118" v="2677" actId="1076"/>
+          <ac:picMkLst>
+            <pc:docMk/>
+            <pc:sldMk cId="3124619789" sldId="301"/>
+            <ac:picMk id="20" creationId="{95A0FE29-AE36-48E1-BF0D-709A3336F12B}"/>
+          </ac:picMkLst>
+        </pc:picChg>
+        <pc:picChg chg="add del mod">
+          <ac:chgData name="Silvia Grosso" userId="ae07bb24dcdc86e9" providerId="LiveId" clId="{663EDA11-63A3-4725-9154-08D0D2B3E39E}" dt="2021-12-28T17:06:37.931" v="2641" actId="478"/>
           <ac:picMkLst>
             <pc:docMk/>
             <pc:sldMk cId="3124619789" sldId="301"/>
@@ -698,6 +722,14 @@
             <ac:picMk id="1028" creationId="{263136C8-ADDE-42CE-939E-E20EECB2EB3A}"/>
           </ac:picMkLst>
         </pc:picChg>
+        <pc:picChg chg="add mod">
+          <ac:chgData name="Silvia Grosso" userId="ae07bb24dcdc86e9" providerId="LiveId" clId="{663EDA11-63A3-4725-9154-08D0D2B3E39E}" dt="2021-12-28T17:08:05.110" v="2660" actId="1076"/>
+          <ac:picMkLst>
+            <pc:docMk/>
+            <pc:sldMk cId="3124619789" sldId="301"/>
+            <ac:picMk id="1028" creationId="{D5378D62-4E00-407E-92E7-5740FFC5CD88}"/>
+          </ac:picMkLst>
+        </pc:picChg>
         <pc:picChg chg="add del mod">
           <ac:chgData name="Silvia Grosso" userId="ae07bb24dcdc86e9" providerId="LiveId" clId="{663EDA11-63A3-4725-9154-08D0D2B3E39E}" dt="2021-12-28T16:58:22.556" v="2610" actId="478"/>
           <ac:picMkLst>
@@ -706,8 +738,8 @@
             <ac:picMk id="1030" creationId="{75746072-367E-4797-A7D6-716FB74095E0}"/>
           </ac:picMkLst>
         </pc:picChg>
-        <pc:picChg chg="add mod">
-          <ac:chgData name="Silvia Grosso" userId="ae07bb24dcdc86e9" providerId="LiveId" clId="{663EDA11-63A3-4725-9154-08D0D2B3E39E}" dt="2021-12-28T17:00:51.069" v="2638" actId="1076"/>
+        <pc:picChg chg="add del mod">
+          <ac:chgData name="Silvia Grosso" userId="ae07bb24dcdc86e9" providerId="LiveId" clId="{663EDA11-63A3-4725-9154-08D0D2B3E39E}" dt="2021-12-28T17:06:59.549" v="2646" actId="478"/>
           <ac:picMkLst>
             <pc:docMk/>
             <pc:sldMk cId="3124619789" sldId="301"/>
@@ -6283,10 +6315,10 @@
       </p:cxnSp>
       <p:pic>
         <p:nvPicPr>
-          <p:cNvPr id="1026" name="Picture 2" descr="Grafico delle risposte di Moduli. Titolo della domanda: Quante ore al giorno mediamente utilizzi lo smartphone?. Numero di risposte: 143 risposte.">
-            <a:extLst>
-              <a:ext uri="{FF2B5EF4-FFF2-40B4-BE49-F238E27FC236}">
-                <a16:creationId xmlns:a16="http://schemas.microsoft.com/office/drawing/2014/main" id="{B36C37CE-5867-47A3-9682-E70C82ACC938}"/>
+          <p:cNvPr id="2" name="Picture 2" descr="Grafico delle risposte di Moduli. Titolo della domanda: Primo dispositivo digitale utilizzato:. Numero di risposte: 143 risposte.">
+            <a:extLst>
+              <a:ext uri="{FF2B5EF4-FFF2-40B4-BE49-F238E27FC236}">
+                <a16:creationId xmlns:a16="http://schemas.microsoft.com/office/drawing/2014/main" id="{C984CF58-19C8-4CC1-9A2A-F864D51BC624}"/>
               </a:ext>
             </a:extLst>
           </p:cNvPr>
@@ -6303,13 +6335,13 @@
               </a:ext>
             </a:extLst>
           </a:blip>
-          <a:srcRect l="19628" t="29248" r="53840" b="9494"/>
+          <a:srcRect l="61990" t="28811" r="16408" b="31635"/>
           <a:stretch/>
         </p:blipFill>
         <p:spPr bwMode="auto">
           <a:xfrm>
-            <a:off x="8916433" y="689346"/>
-            <a:ext cx="2388827" cy="2320385"/>
+            <a:off x="6248400" y="696069"/>
+            <a:ext cx="1576367" cy="1214229"/>
           </a:xfrm>
           <a:prstGeom prst="rect">
             <a:avLst/>
@@ -6328,10 +6360,10 @@
       </p:pic>
       <p:pic>
         <p:nvPicPr>
-          <p:cNvPr id="10" name="Picture 2" descr="Grafico delle risposte di Moduli. Titolo della domanda: Quante ore al giorno mediamente utilizzi lo smartphone?. Numero di risposte: 143 risposte.">
-            <a:extLst>
-              <a:ext uri="{FF2B5EF4-FFF2-40B4-BE49-F238E27FC236}">
-                <a16:creationId xmlns:a16="http://schemas.microsoft.com/office/drawing/2014/main" id="{BCB1C76D-3166-4F5E-8309-6DAD42B7FD20}"/>
+          <p:cNvPr id="1028" name="Picture 4" descr="Grafico delle risposte di Moduli. Titolo della domanda: Dove hai imparato ad utilizzare il primo dispositivo digitale?. Numero di risposte: 144 risposte.">
+            <a:extLst>
+              <a:ext uri="{FF2B5EF4-FFF2-40B4-BE49-F238E27FC236}">
+                <a16:creationId xmlns:a16="http://schemas.microsoft.com/office/drawing/2014/main" id="{D5378D62-4E00-407E-92E7-5740FFC5CD88}"/>
               </a:ext>
             </a:extLst>
           </p:cNvPr>
@@ -6341,20 +6373,20 @@
           <p:nvPr/>
         </p:nvPicPr>
         <p:blipFill rotWithShape="1">
-          <a:blip r:embed="rId4">
+          <a:blip r:embed="rId5">
             <a:extLst>
               <a:ext uri="{28A0092B-C50C-407E-A947-70E740481C1C}">
                 <a14:useLocalDpi xmlns:a14="http://schemas.microsoft.com/office/drawing/2010/main" val="0"/>
               </a:ext>
             </a:extLst>
           </a:blip>
-          <a:srcRect l="61982" t="29248" r="24654" b="45820"/>
+          <a:srcRect l="61872" t="27481" r="6419" b="19324"/>
           <a:stretch/>
         </p:blipFill>
         <p:spPr bwMode="auto">
           <a:xfrm>
-            <a:off x="7232251" y="549275"/>
-            <a:ext cx="1299765" cy="1020121"/>
+            <a:off x="6248400" y="3429000"/>
+            <a:ext cx="2402729" cy="1682885"/>
           </a:xfrm>
           <a:prstGeom prst="rect">
             <a:avLst/>
@@ -6373,10 +6405,10 @@
       </p:pic>
       <p:pic>
         <p:nvPicPr>
-          <p:cNvPr id="1032" name="Picture 8" descr="Grafico delle risposte di Moduli. Titolo della domanda: Quante ore al giorno mediamente utilizzi il computer?. Numero di risposte: 141 risposte.">
-            <a:extLst>
-              <a:ext uri="{FF2B5EF4-FFF2-40B4-BE49-F238E27FC236}">
-                <a16:creationId xmlns:a16="http://schemas.microsoft.com/office/drawing/2014/main" id="{CDC95665-EA5A-4412-B73A-DD17F4D69364}"/>
+          <p:cNvPr id="19" name="Picture 4" descr="Grafico delle risposte di Moduli. Titolo della domanda: Dove hai imparato ad utilizzare il primo dispositivo digitale?. Numero di risposte: 144 risposte.">
+            <a:extLst>
+              <a:ext uri="{FF2B5EF4-FFF2-40B4-BE49-F238E27FC236}">
+                <a16:creationId xmlns:a16="http://schemas.microsoft.com/office/drawing/2014/main" id="{E0823515-D164-45DF-895B-CA2D0C9A42EC}"/>
               </a:ext>
             </a:extLst>
           </p:cNvPr>
@@ -6393,13 +6425,13 @@
               </a:ext>
             </a:extLst>
           </a:blip>
-          <a:srcRect l="19149" t="27482" r="53883" b="9175"/>
+          <a:srcRect l="19506" t="27481" r="53491" b="8923"/>
           <a:stretch/>
         </p:blipFill>
         <p:spPr bwMode="auto">
           <a:xfrm>
-            <a:off x="8890818" y="3591360"/>
-            <a:ext cx="2440055" cy="2411181"/>
+            <a:off x="9131030" y="3576616"/>
+            <a:ext cx="2046052" cy="2011943"/>
           </a:xfrm>
           <a:prstGeom prst="rect">
             <a:avLst/>
@@ -6418,10 +6450,10 @@
       </p:pic>
       <p:pic>
         <p:nvPicPr>
-          <p:cNvPr id="15" name="Picture 2" descr="Grafico delle risposte di Moduli. Titolo della domanda: Quante ore al giorno mediamente utilizzi lo smartphone?. Numero di risposte: 143 risposte.">
-            <a:extLst>
-              <a:ext uri="{FF2B5EF4-FFF2-40B4-BE49-F238E27FC236}">
-                <a16:creationId xmlns:a16="http://schemas.microsoft.com/office/drawing/2014/main" id="{5412465D-BC73-4ED7-8B9E-EEAC1248CE3F}"/>
+          <p:cNvPr id="20" name="Picture 2" descr="Grafico delle risposte di Moduli. Titolo della domanda: Primo dispositivo digitale utilizzato:. Numero di risposte: 143 risposte.">
+            <a:extLst>
+              <a:ext uri="{FF2B5EF4-FFF2-40B4-BE49-F238E27FC236}">
+                <a16:creationId xmlns:a16="http://schemas.microsoft.com/office/drawing/2014/main" id="{95A0FE29-AE36-48E1-BF0D-709A3336F12B}"/>
               </a:ext>
             </a:extLst>
           </p:cNvPr>
@@ -6438,13 +6470,13 @@
               </a:ext>
             </a:extLst>
           </a:blip>
-          <a:srcRect l="61982" t="29248" r="24654" b="45820"/>
+          <a:srcRect l="19416" t="28240" r="54176" b="6712"/>
           <a:stretch/>
         </p:blipFill>
         <p:spPr bwMode="auto">
           <a:xfrm>
-            <a:off x="7232252" y="3429000"/>
-            <a:ext cx="1299765" cy="1020121"/>
+            <a:off x="9012238" y="696069"/>
+            <a:ext cx="2046051" cy="2120275"/>
           </a:xfrm>
           <a:prstGeom prst="rect">
             <a:avLst/>

--- a/Presentazione/Presentazione_completa - Copy.pptx
+++ b/Presentazione/Presentazione_completa - Copy.pptx
@@ -834,7 +834,7 @@
           <a:p>
             <a:fld id="{445FCF14-918E-4047-8BBB-15CFF9EA5E07}" type="datetimeFigureOut">
               <a:rPr lang="it-IT" smtClean="0"/>
-              <a:t>28/12/2021</a:t>
+              <a:t>28/12/21</a:t>
             </a:fld>
             <a:endParaRPr lang="it-IT"/>
           </a:p>
@@ -1248,7 +1248,7 @@
           <a:p>
             <a:fld id="{AA3A6BE5-8C39-481F-A270-BEF917F1E5E1}" type="datetimeFigureOut">
               <a:rPr lang="it-IT" smtClean="0"/>
-              <a:t>28/12/2021</a:t>
+              <a:t>28/12/21</a:t>
             </a:fld>
             <a:endParaRPr lang="it-IT"/>
           </a:p>
@@ -1446,7 +1446,7 @@
           <a:p>
             <a:fld id="{AA3A6BE5-8C39-481F-A270-BEF917F1E5E1}" type="datetimeFigureOut">
               <a:rPr lang="it-IT" smtClean="0"/>
-              <a:t>28/12/2021</a:t>
+              <a:t>28/12/21</a:t>
             </a:fld>
             <a:endParaRPr lang="it-IT"/>
           </a:p>
@@ -1654,7 +1654,7 @@
           <a:p>
             <a:fld id="{AA3A6BE5-8C39-481F-A270-BEF917F1E5E1}" type="datetimeFigureOut">
               <a:rPr lang="it-IT" smtClean="0"/>
-              <a:t>28/12/2021</a:t>
+              <a:t>28/12/21</a:t>
             </a:fld>
             <a:endParaRPr lang="it-IT"/>
           </a:p>
@@ -1852,7 +1852,7 @@
           <a:p>
             <a:fld id="{AA3A6BE5-8C39-481F-A270-BEF917F1E5E1}" type="datetimeFigureOut">
               <a:rPr lang="it-IT" smtClean="0"/>
-              <a:t>28/12/2021</a:t>
+              <a:t>28/12/21</a:t>
             </a:fld>
             <a:endParaRPr lang="it-IT"/>
           </a:p>
@@ -2127,7 +2127,7 @@
           <a:p>
             <a:fld id="{AA3A6BE5-8C39-481F-A270-BEF917F1E5E1}" type="datetimeFigureOut">
               <a:rPr lang="it-IT" smtClean="0"/>
-              <a:t>28/12/2021</a:t>
+              <a:t>28/12/21</a:t>
             </a:fld>
             <a:endParaRPr lang="it-IT"/>
           </a:p>
@@ -2392,7 +2392,7 @@
           <a:p>
             <a:fld id="{AA3A6BE5-8C39-481F-A270-BEF917F1E5E1}" type="datetimeFigureOut">
               <a:rPr lang="it-IT" smtClean="0"/>
-              <a:t>28/12/2021</a:t>
+              <a:t>28/12/21</a:t>
             </a:fld>
             <a:endParaRPr lang="it-IT"/>
           </a:p>
@@ -2804,7 +2804,7 @@
           <a:p>
             <a:fld id="{AA3A6BE5-8C39-481F-A270-BEF917F1E5E1}" type="datetimeFigureOut">
               <a:rPr lang="it-IT" smtClean="0"/>
-              <a:t>28/12/2021</a:t>
+              <a:t>28/12/21</a:t>
             </a:fld>
             <a:endParaRPr lang="it-IT"/>
           </a:p>
@@ -2945,7 +2945,7 @@
           <a:p>
             <a:fld id="{AA3A6BE5-8C39-481F-A270-BEF917F1E5E1}" type="datetimeFigureOut">
               <a:rPr lang="it-IT" smtClean="0"/>
-              <a:t>28/12/2021</a:t>
+              <a:t>28/12/21</a:t>
             </a:fld>
             <a:endParaRPr lang="it-IT"/>
           </a:p>
@@ -3058,7 +3058,7 @@
           <a:p>
             <a:fld id="{AA3A6BE5-8C39-481F-A270-BEF917F1E5E1}" type="datetimeFigureOut">
               <a:rPr lang="it-IT" smtClean="0"/>
-              <a:t>28/12/2021</a:t>
+              <a:t>28/12/21</a:t>
             </a:fld>
             <a:endParaRPr lang="it-IT"/>
           </a:p>
@@ -3369,7 +3369,7 @@
           <a:p>
             <a:fld id="{AA3A6BE5-8C39-481F-A270-BEF917F1E5E1}" type="datetimeFigureOut">
               <a:rPr lang="it-IT" smtClean="0"/>
-              <a:t>28/12/2021</a:t>
+              <a:t>28/12/21</a:t>
             </a:fld>
             <a:endParaRPr lang="it-IT"/>
           </a:p>
@@ -3657,7 +3657,7 @@
           <a:p>
             <a:fld id="{AA3A6BE5-8C39-481F-A270-BEF917F1E5E1}" type="datetimeFigureOut">
               <a:rPr lang="it-IT" smtClean="0"/>
-              <a:t>28/12/2021</a:t>
+              <a:t>28/12/21</a:t>
             </a:fld>
             <a:endParaRPr lang="it-IT"/>
           </a:p>
@@ -3898,7 +3898,7 @@
           <a:p>
             <a:fld id="{AA3A6BE5-8C39-481F-A270-BEF917F1E5E1}" type="datetimeFigureOut">
               <a:rPr lang="it-IT" smtClean="0"/>
-              <a:t>28/12/2021</a:t>
+              <a:t>28/12/21</a:t>
             </a:fld>
             <a:endParaRPr lang="it-IT"/>
           </a:p>
@@ -5629,7 +5629,7 @@
         </p:nvSpPr>
         <p:spPr>
           <a:xfrm>
-            <a:off x="4405007" y="549275"/>
+            <a:off x="4441583" y="542277"/>
             <a:ext cx="4656222" cy="584775"/>
           </a:xfrm>
           <a:prstGeom prst="rect">
@@ -5728,7 +5728,7 @@
         <p:spPr>
           <a:xfrm>
             <a:off x="6297693" y="1141048"/>
-            <a:ext cx="2763536" cy="0"/>
+            <a:ext cx="2714545" cy="0"/>
           </a:xfrm>
           <a:prstGeom prst="line">
             <a:avLst/>
@@ -6019,7 +6019,7 @@
         <p:spPr>
           <a:xfrm>
             <a:off x="730251" y="549275"/>
-            <a:ext cx="0" cy="2506432"/>
+            <a:ext cx="1587" cy="2408400"/>
           </a:xfrm>
           <a:prstGeom prst="line">
             <a:avLst/>
@@ -6059,7 +6059,7 @@
           </p:cNvPicPr>
           <p:nvPr/>
         </p:nvPicPr>
-        <p:blipFill>
+        <p:blipFill rotWithShape="1">
           <a:blip r:embed="rId2">
             <a:extLst>
               <a:ext uri="{28A0092B-C50C-407E-A947-70E740481C1C}">
@@ -6067,15 +6067,13 @@
               </a:ext>
             </a:extLst>
           </a:blip>
-          <a:srcRect/>
-          <a:stretch>
-            <a:fillRect/>
-          </a:stretch>
+          <a:srcRect t="23530"/>
+          <a:stretch/>
         </p:blipFill>
         <p:spPr bwMode="auto">
           <a:xfrm>
-            <a:off x="828007" y="313879"/>
-            <a:ext cx="5115592" cy="2977223"/>
+            <a:off x="757242" y="999911"/>
+            <a:ext cx="5115592" cy="2276689"/>
           </a:xfrm>
           <a:prstGeom prst="rect">
             <a:avLst/>
@@ -6106,7 +6104,7 @@
           </p:cNvPicPr>
           <p:nvPr/>
         </p:nvPicPr>
-        <p:blipFill>
+        <p:blipFill rotWithShape="1">
           <a:blip r:embed="rId3">
             <a:extLst>
               <a:ext uri="{28A0092B-C50C-407E-A947-70E740481C1C}">
@@ -6114,15 +6112,13 @@
               </a:ext>
             </a:extLst>
           </a:blip>
-          <a:srcRect/>
-          <a:stretch>
-            <a:fillRect/>
-          </a:stretch>
+          <a:srcRect t="23530"/>
+          <a:stretch/>
         </p:blipFill>
         <p:spPr bwMode="auto">
           <a:xfrm>
-            <a:off x="828006" y="3308340"/>
-            <a:ext cx="5115593" cy="2977223"/>
+            <a:off x="757242" y="4384787"/>
+            <a:ext cx="5115593" cy="2276689"/>
           </a:xfrm>
           <a:prstGeom prst="rect">
             <a:avLst/>
@@ -6200,8 +6196,8 @@
         </p:nvCxnSpPr>
         <p:spPr>
           <a:xfrm>
-            <a:off x="730251" y="3535117"/>
-            <a:ext cx="0" cy="2506432"/>
+            <a:off x="731838" y="3936755"/>
+            <a:ext cx="0" cy="2408483"/>
           </a:xfrm>
           <a:prstGeom prst="line">
             <a:avLst/>
@@ -6243,8 +6239,8 @@
         </p:nvCxnSpPr>
         <p:spPr>
           <a:xfrm>
-            <a:off x="11425238" y="3581400"/>
-            <a:ext cx="0" cy="2506432"/>
+            <a:off x="11425238" y="3912645"/>
+            <a:ext cx="0" cy="2408400"/>
           </a:xfrm>
           <a:prstGeom prst="line">
             <a:avLst/>
@@ -6286,8 +6282,8 @@
         </p:nvCxnSpPr>
         <p:spPr>
           <a:xfrm>
-            <a:off x="11409375" y="549274"/>
-            <a:ext cx="0" cy="2506432"/>
+            <a:off x="11425238" y="549275"/>
+            <a:ext cx="0" cy="2408400"/>
           </a:xfrm>
           <a:prstGeom prst="line">
             <a:avLst/>
@@ -6340,7 +6336,7 @@
         </p:blipFill>
         <p:spPr bwMode="auto">
           <a:xfrm>
-            <a:off x="6248400" y="696069"/>
+            <a:off x="6541989" y="1789552"/>
             <a:ext cx="1576367" cy="1214229"/>
           </a:xfrm>
           <a:prstGeom prst="rect">
@@ -6385,7 +6381,7 @@
         </p:blipFill>
         <p:spPr bwMode="auto">
           <a:xfrm>
-            <a:off x="6248400" y="3429000"/>
+            <a:off x="6541989" y="4723961"/>
             <a:ext cx="2402729" cy="1682885"/>
           </a:xfrm>
           <a:prstGeom prst="rect">
@@ -6430,8 +6426,8 @@
         </p:blipFill>
         <p:spPr bwMode="auto">
           <a:xfrm>
-            <a:off x="9131030" y="3576616"/>
-            <a:ext cx="2046052" cy="2011943"/>
+            <a:off x="9288702" y="4333295"/>
+            <a:ext cx="2046049" cy="2011943"/>
           </a:xfrm>
           <a:prstGeom prst="rect">
             <a:avLst/>
@@ -6475,7 +6471,7 @@
         </p:blipFill>
         <p:spPr bwMode="auto">
           <a:xfrm>
-            <a:off x="9012238" y="696069"/>
+            <a:off x="9247597" y="937713"/>
             <a:ext cx="2046051" cy="2120275"/>
           </a:xfrm>
           <a:prstGeom prst="rect">
@@ -6493,6 +6489,162 @@
           </a:extLst>
         </p:spPr>
       </p:pic>
+      <p:sp>
+        <p:nvSpPr>
+          <p:cNvPr id="15" name="CasellaDiTesto 14">
+            <a:extLst>
+              <a:ext uri="{FF2B5EF4-FFF2-40B4-BE49-F238E27FC236}">
+                <a16:creationId xmlns:a16="http://schemas.microsoft.com/office/drawing/2014/main" id="{1A227C48-B7D0-8541-B28F-7C92AE5C3E31}"/>
+              </a:ext>
+            </a:extLst>
+          </p:cNvPr>
+          <p:cNvSpPr txBox="1"/>
+          <p:nvPr/>
+        </p:nvSpPr>
+        <p:spPr>
+          <a:xfrm>
+            <a:off x="704847" y="583029"/>
+            <a:ext cx="5246691" cy="338554"/>
+          </a:xfrm>
+          <a:prstGeom prst="rect">
+            <a:avLst/>
+          </a:prstGeom>
+          <a:noFill/>
+        </p:spPr>
+        <p:txBody>
+          <a:bodyPr wrap="square" rtlCol="0">
+            <a:spAutoFit/>
+          </a:bodyPr>
+          <a:lstStyle/>
+          <a:p>
+            <a:r>
+              <a:rPr lang="it-IT" sz="1600" dirty="0">
+                <a:latin typeface="Lato Black" panose="020F0502020204030203" pitchFamily="34" charset="0"/>
+                <a:ea typeface="Lato Black" panose="020F0502020204030203" pitchFamily="34" charset="0"/>
+                <a:cs typeface="Lato Black" panose="020F0502020204030203" pitchFamily="34" charset="0"/>
+              </a:rPr>
+              <a:t>Per cosa usi principalmente lo smartphone?</a:t>
+            </a:r>
+          </a:p>
+        </p:txBody>
+      </p:sp>
+      <p:sp>
+        <p:nvSpPr>
+          <p:cNvPr id="21" name="CasellaDiTesto 20">
+            <a:extLst>
+              <a:ext uri="{FF2B5EF4-FFF2-40B4-BE49-F238E27FC236}">
+                <a16:creationId xmlns:a16="http://schemas.microsoft.com/office/drawing/2014/main" id="{A7E10327-4C1F-C94C-B37E-5626962F007C}"/>
+              </a:ext>
+            </a:extLst>
+          </p:cNvPr>
+          <p:cNvSpPr txBox="1"/>
+          <p:nvPr/>
+        </p:nvSpPr>
+        <p:spPr>
+          <a:xfrm>
+            <a:off x="704847" y="3974321"/>
+            <a:ext cx="5207004" cy="338554"/>
+          </a:xfrm>
+          <a:prstGeom prst="rect">
+            <a:avLst/>
+          </a:prstGeom>
+          <a:noFill/>
+        </p:spPr>
+        <p:txBody>
+          <a:bodyPr wrap="square" rtlCol="0">
+            <a:spAutoFit/>
+          </a:bodyPr>
+          <a:lstStyle/>
+          <a:p>
+            <a:r>
+              <a:rPr lang="it-IT" sz="1600" dirty="0">
+                <a:latin typeface="Lato Black" panose="020F0502020204030203" pitchFamily="34" charset="0"/>
+                <a:ea typeface="Lato Black" panose="020F0502020204030203" pitchFamily="34" charset="0"/>
+                <a:cs typeface="Lato Black" panose="020F0502020204030203" pitchFamily="34" charset="0"/>
+              </a:rPr>
+              <a:t>Per cosa usi principalmente il computer?</a:t>
+            </a:r>
+          </a:p>
+        </p:txBody>
+      </p:sp>
+      <p:sp>
+        <p:nvSpPr>
+          <p:cNvPr id="22" name="CasellaDiTesto 21">
+            <a:extLst>
+              <a:ext uri="{FF2B5EF4-FFF2-40B4-BE49-F238E27FC236}">
+                <a16:creationId xmlns:a16="http://schemas.microsoft.com/office/drawing/2014/main" id="{15342D8C-ECA6-614F-ADB4-04F33DBA9B7A}"/>
+              </a:ext>
+            </a:extLst>
+          </p:cNvPr>
+          <p:cNvSpPr txBox="1"/>
+          <p:nvPr/>
+        </p:nvSpPr>
+        <p:spPr>
+          <a:xfrm>
+            <a:off x="6240463" y="3900326"/>
+            <a:ext cx="3703636" cy="584775"/>
+          </a:xfrm>
+          <a:prstGeom prst="rect">
+            <a:avLst/>
+          </a:prstGeom>
+          <a:noFill/>
+        </p:spPr>
+        <p:txBody>
+          <a:bodyPr wrap="square" rtlCol="0">
+            <a:spAutoFit/>
+          </a:bodyPr>
+          <a:lstStyle/>
+          <a:p>
+            <a:r>
+              <a:rPr lang="it-IT" sz="1600" dirty="0">
+                <a:latin typeface="Lato Black" panose="020F0502020204030203" pitchFamily="34" charset="0"/>
+                <a:ea typeface="Lato Black" panose="020F0502020204030203" pitchFamily="34" charset="0"/>
+                <a:cs typeface="Lato Black" panose="020F0502020204030203" pitchFamily="34" charset="0"/>
+              </a:rPr>
+              <a:t>Dove hai imparato ad utilizzare il primo dispositivo digitale?</a:t>
+            </a:r>
+          </a:p>
+        </p:txBody>
+      </p:sp>
+      <p:sp>
+        <p:nvSpPr>
+          <p:cNvPr id="23" name="CasellaDiTesto 22">
+            <a:extLst>
+              <a:ext uri="{FF2B5EF4-FFF2-40B4-BE49-F238E27FC236}">
+                <a16:creationId xmlns:a16="http://schemas.microsoft.com/office/drawing/2014/main" id="{E15533C8-5AFC-0C4F-B4EF-94D12BF7B4AB}"/>
+              </a:ext>
+            </a:extLst>
+          </p:cNvPr>
+          <p:cNvSpPr txBox="1"/>
+          <p:nvPr/>
+        </p:nvSpPr>
+        <p:spPr>
+          <a:xfrm>
+            <a:off x="6248400" y="554454"/>
+            <a:ext cx="3703636" cy="338554"/>
+          </a:xfrm>
+          <a:prstGeom prst="rect">
+            <a:avLst/>
+          </a:prstGeom>
+          <a:noFill/>
+        </p:spPr>
+        <p:txBody>
+          <a:bodyPr wrap="square" rtlCol="0">
+            <a:spAutoFit/>
+          </a:bodyPr>
+          <a:lstStyle/>
+          <a:p>
+            <a:r>
+              <a:rPr lang="it-IT" sz="1600" dirty="0">
+                <a:latin typeface="Lato Black" panose="020F0502020204030203" pitchFamily="34" charset="0"/>
+                <a:ea typeface="Lato Black" panose="020F0502020204030203" pitchFamily="34" charset="0"/>
+                <a:cs typeface="Lato Black" panose="020F0502020204030203" pitchFamily="34" charset="0"/>
+              </a:rPr>
+              <a:t>Primo dispositivo digitale utilizzato:</a:t>
+            </a:r>
+          </a:p>
+        </p:txBody>
+      </p:sp>
     </p:spTree>
     <p:extLst>
       <p:ext uri="{BB962C8B-B14F-4D97-AF65-F5344CB8AC3E}">

--- a/Presentazione/Presentazione_completa - Copy.pptx
+++ b/Presentazione/Presentazione_completa - Copy.pptx
@@ -196,12 +196,83 @@
 <p1510:revInfo xmlns:a="http://schemas.openxmlformats.org/drawingml/2006/main" xmlns:r="http://schemas.openxmlformats.org/officeDocument/2006/relationships" xmlns:p1510="http://schemas.microsoft.com/office/powerpoint/2015/10/main">
   <p1510:revLst>
     <p1510:client id="{663EDA11-63A3-4725-9154-08D0D2B3E39E}" v="392" dt="2021-12-28T17:09:41.877"/>
+    <p1510:client id="{73B03246-C0D6-48CE-B336-D322CA85AF9C}" v="4" dt="2021-12-28T21:51:21.629"/>
   </p1510:revLst>
 </p1510:revInfo>
 </file>
 
 <file path=ppt/changesInfos/changesInfo1.xml><?xml version="1.0" encoding="utf-8"?>
 <pc:chgInfo xmlns:a="http://schemas.openxmlformats.org/drawingml/2006/main" xmlns:r="http://schemas.openxmlformats.org/officeDocument/2006/relationships" xmlns:ac="http://schemas.microsoft.com/office/drawing/2013/main/command" xmlns:pc="http://schemas.microsoft.com/office/powerpoint/2013/main/command">
+  <pc:docChgLst>
+    <pc:chgData name="g.carbone8@campus.unimib.it" userId="b00d38c9-59ca-445d-a206-84026ffe8624" providerId="ADAL" clId="{73B03246-C0D6-48CE-B336-D322CA85AF9C}"/>
+    <pc:docChg chg="undo custSel modSld">
+      <pc:chgData name="g.carbone8@campus.unimib.it" userId="b00d38c9-59ca-445d-a206-84026ffe8624" providerId="ADAL" clId="{73B03246-C0D6-48CE-B336-D322CA85AF9C}" dt="2021-12-28T21:55:02.878" v="66" actId="2711"/>
+      <pc:docMkLst>
+        <pc:docMk/>
+      </pc:docMkLst>
+      <pc:sldChg chg="modSp mod">
+        <pc:chgData name="g.carbone8@campus.unimib.it" userId="b00d38c9-59ca-445d-a206-84026ffe8624" providerId="ADAL" clId="{73B03246-C0D6-48CE-B336-D322CA85AF9C}" dt="2021-12-28T21:49:36.992" v="27" actId="14100"/>
+        <pc:sldMkLst>
+          <pc:docMk/>
+          <pc:sldMk cId="455169881" sldId="293"/>
+        </pc:sldMkLst>
+        <pc:cxnChg chg="mod">
+          <ac:chgData name="g.carbone8@campus.unimib.it" userId="b00d38c9-59ca-445d-a206-84026ffe8624" providerId="ADAL" clId="{73B03246-C0D6-48CE-B336-D322CA85AF9C}" dt="2021-12-28T21:49:36.992" v="27" actId="14100"/>
+          <ac:cxnSpMkLst>
+            <pc:docMk/>
+            <pc:sldMk cId="455169881" sldId="293"/>
+            <ac:cxnSpMk id="4" creationId="{51FD34F7-E331-45F9-984B-6D3860116CA5}"/>
+          </ac:cxnSpMkLst>
+        </pc:cxnChg>
+      </pc:sldChg>
+      <pc:sldChg chg="modSp mod">
+        <pc:chgData name="g.carbone8@campus.unimib.it" userId="b00d38c9-59ca-445d-a206-84026ffe8624" providerId="ADAL" clId="{73B03246-C0D6-48CE-B336-D322CA85AF9C}" dt="2021-12-28T21:49:26.973" v="25" actId="14100"/>
+        <pc:sldMkLst>
+          <pc:docMk/>
+          <pc:sldMk cId="341538158" sldId="300"/>
+        </pc:sldMkLst>
+        <pc:spChg chg="mod">
+          <ac:chgData name="g.carbone8@campus.unimib.it" userId="b00d38c9-59ca-445d-a206-84026ffe8624" providerId="ADAL" clId="{73B03246-C0D6-48CE-B336-D322CA85AF9C}" dt="2021-12-28T18:56:31.055" v="18" actId="20577"/>
+          <ac:spMkLst>
+            <pc:docMk/>
+            <pc:sldMk cId="341538158" sldId="300"/>
+            <ac:spMk id="6" creationId="{D13A722D-E148-4971-82F3-1C191AFD95ED}"/>
+          </ac:spMkLst>
+        </pc:spChg>
+        <pc:cxnChg chg="mod">
+          <ac:chgData name="g.carbone8@campus.unimib.it" userId="b00d38c9-59ca-445d-a206-84026ffe8624" providerId="ADAL" clId="{73B03246-C0D6-48CE-B336-D322CA85AF9C}" dt="2021-12-28T21:49:26.973" v="25" actId="14100"/>
+          <ac:cxnSpMkLst>
+            <pc:docMk/>
+            <pc:sldMk cId="341538158" sldId="300"/>
+            <ac:cxnSpMk id="4" creationId="{51FD34F7-E331-45F9-984B-6D3860116CA5}"/>
+          </ac:cxnSpMkLst>
+        </pc:cxnChg>
+      </pc:sldChg>
+      <pc:sldChg chg="addSp modSp mod">
+        <pc:chgData name="g.carbone8@campus.unimib.it" userId="b00d38c9-59ca-445d-a206-84026ffe8624" providerId="ADAL" clId="{73B03246-C0D6-48CE-B336-D322CA85AF9C}" dt="2021-12-28T21:55:02.878" v="66" actId="2711"/>
+        <pc:sldMkLst>
+          <pc:docMk/>
+          <pc:sldMk cId="1133630273" sldId="303"/>
+        </pc:sldMkLst>
+        <pc:spChg chg="mod">
+          <ac:chgData name="g.carbone8@campus.unimib.it" userId="b00d38c9-59ca-445d-a206-84026ffe8624" providerId="ADAL" clId="{73B03246-C0D6-48CE-B336-D322CA85AF9C}" dt="2021-12-28T21:55:02.878" v="66" actId="2711"/>
+          <ac:spMkLst>
+            <pc:docMk/>
+            <pc:sldMk cId="1133630273" sldId="303"/>
+            <ac:spMk id="6" creationId="{D13A722D-E148-4971-82F3-1C191AFD95ED}"/>
+          </ac:spMkLst>
+        </pc:spChg>
+        <pc:picChg chg="add mod modCrop">
+          <ac:chgData name="g.carbone8@campus.unimib.it" userId="b00d38c9-59ca-445d-a206-84026ffe8624" providerId="ADAL" clId="{73B03246-C0D6-48CE-B336-D322CA85AF9C}" dt="2021-12-28T18:53:19.774" v="14" actId="14826"/>
+          <ac:picMkLst>
+            <pc:docMk/>
+            <pc:sldMk cId="1133630273" sldId="303"/>
+            <ac:picMk id="3" creationId="{45BC9084-E013-4550-96A4-8CC7DE3A2D6E}"/>
+          </ac:picMkLst>
+        </pc:picChg>
+      </pc:sldChg>
+    </pc:docChg>
+  </pc:docChgLst>
   <pc:docChgLst>
     <pc:chgData name="Silvia Grosso" userId="ae07bb24dcdc86e9" providerId="LiveId" clId="{663EDA11-63A3-4725-9154-08D0D2B3E39E}"/>
     <pc:docChg chg="undo custSel addSld delSld modSld">
@@ -834,7 +905,7 @@
           <a:p>
             <a:fld id="{445FCF14-918E-4047-8BBB-15CFF9EA5E07}" type="datetimeFigureOut">
               <a:rPr lang="it-IT" smtClean="0"/>
-              <a:t>28/12/21</a:t>
+              <a:t>28/12/2021</a:t>
             </a:fld>
             <a:endParaRPr lang="it-IT"/>
           </a:p>
@@ -1248,7 +1319,7 @@
           <a:p>
             <a:fld id="{AA3A6BE5-8C39-481F-A270-BEF917F1E5E1}" type="datetimeFigureOut">
               <a:rPr lang="it-IT" smtClean="0"/>
-              <a:t>28/12/21</a:t>
+              <a:t>28/12/2021</a:t>
             </a:fld>
             <a:endParaRPr lang="it-IT"/>
           </a:p>
@@ -1446,7 +1517,7 @@
           <a:p>
             <a:fld id="{AA3A6BE5-8C39-481F-A270-BEF917F1E5E1}" type="datetimeFigureOut">
               <a:rPr lang="it-IT" smtClean="0"/>
-              <a:t>28/12/21</a:t>
+              <a:t>28/12/2021</a:t>
             </a:fld>
             <a:endParaRPr lang="it-IT"/>
           </a:p>
@@ -1654,7 +1725,7 @@
           <a:p>
             <a:fld id="{AA3A6BE5-8C39-481F-A270-BEF917F1E5E1}" type="datetimeFigureOut">
               <a:rPr lang="it-IT" smtClean="0"/>
-              <a:t>28/12/21</a:t>
+              <a:t>28/12/2021</a:t>
             </a:fld>
             <a:endParaRPr lang="it-IT"/>
           </a:p>
@@ -1852,7 +1923,7 @@
           <a:p>
             <a:fld id="{AA3A6BE5-8C39-481F-A270-BEF917F1E5E1}" type="datetimeFigureOut">
               <a:rPr lang="it-IT" smtClean="0"/>
-              <a:t>28/12/21</a:t>
+              <a:t>28/12/2021</a:t>
             </a:fld>
             <a:endParaRPr lang="it-IT"/>
           </a:p>
@@ -2127,7 +2198,7 @@
           <a:p>
             <a:fld id="{AA3A6BE5-8C39-481F-A270-BEF917F1E5E1}" type="datetimeFigureOut">
               <a:rPr lang="it-IT" smtClean="0"/>
-              <a:t>28/12/21</a:t>
+              <a:t>28/12/2021</a:t>
             </a:fld>
             <a:endParaRPr lang="it-IT"/>
           </a:p>
@@ -2392,7 +2463,7 @@
           <a:p>
             <a:fld id="{AA3A6BE5-8C39-481F-A270-BEF917F1E5E1}" type="datetimeFigureOut">
               <a:rPr lang="it-IT" smtClean="0"/>
-              <a:t>28/12/21</a:t>
+              <a:t>28/12/2021</a:t>
             </a:fld>
             <a:endParaRPr lang="it-IT"/>
           </a:p>
@@ -2804,7 +2875,7 @@
           <a:p>
             <a:fld id="{AA3A6BE5-8C39-481F-A270-BEF917F1E5E1}" type="datetimeFigureOut">
               <a:rPr lang="it-IT" smtClean="0"/>
-              <a:t>28/12/21</a:t>
+              <a:t>28/12/2021</a:t>
             </a:fld>
             <a:endParaRPr lang="it-IT"/>
           </a:p>
@@ -2945,7 +3016,7 @@
           <a:p>
             <a:fld id="{AA3A6BE5-8C39-481F-A270-BEF917F1E5E1}" type="datetimeFigureOut">
               <a:rPr lang="it-IT" smtClean="0"/>
-              <a:t>28/12/21</a:t>
+              <a:t>28/12/2021</a:t>
             </a:fld>
             <a:endParaRPr lang="it-IT"/>
           </a:p>
@@ -3058,7 +3129,7 @@
           <a:p>
             <a:fld id="{AA3A6BE5-8C39-481F-A270-BEF917F1E5E1}" type="datetimeFigureOut">
               <a:rPr lang="it-IT" smtClean="0"/>
-              <a:t>28/12/21</a:t>
+              <a:t>28/12/2021</a:t>
             </a:fld>
             <a:endParaRPr lang="it-IT"/>
           </a:p>
@@ -3369,7 +3440,7 @@
           <a:p>
             <a:fld id="{AA3A6BE5-8C39-481F-A270-BEF917F1E5E1}" type="datetimeFigureOut">
               <a:rPr lang="it-IT" smtClean="0"/>
-              <a:t>28/12/21</a:t>
+              <a:t>28/12/2021</a:t>
             </a:fld>
             <a:endParaRPr lang="it-IT"/>
           </a:p>
@@ -3657,7 +3728,7 @@
           <a:p>
             <a:fld id="{AA3A6BE5-8C39-481F-A270-BEF917F1E5E1}" type="datetimeFigureOut">
               <a:rPr lang="it-IT" smtClean="0"/>
-              <a:t>28/12/21</a:t>
+              <a:t>28/12/2021</a:t>
             </a:fld>
             <a:endParaRPr lang="it-IT"/>
           </a:p>
@@ -3898,7 +3969,7 @@
           <a:p>
             <a:fld id="{AA3A6BE5-8C39-481F-A270-BEF917F1E5E1}" type="datetimeFigureOut">
               <a:rPr lang="it-IT" smtClean="0"/>
-              <a:t>28/12/21</a:t>
+              <a:t>28/12/2021</a:t>
             </a:fld>
             <a:endParaRPr lang="it-IT"/>
           </a:p>
@@ -4930,21 +5001,7 @@
                 <a:latin typeface="Poppins Light" panose="00000400000000000000" pitchFamily="2" charset="0"/>
                 <a:cs typeface="Poppins Light" panose="00000400000000000000" pitchFamily="2" charset="0"/>
               </a:rPr>
-              <a:t> </a:t>
-            </a:r>
-            <a:r>
-              <a:rPr lang="en-US" sz="1400" dirty="0" err="1">
-                <a:latin typeface="Poppins Light" panose="00000400000000000000" pitchFamily="2" charset="0"/>
-                <a:cs typeface="Poppins Light" panose="00000400000000000000" pitchFamily="2" charset="0"/>
-              </a:rPr>
-              <a:t>è</a:t>
-            </a:r>
-            <a:r>
-              <a:rPr lang="en-US" sz="1400" dirty="0">
-                <a:latin typeface="Poppins Light" panose="00000400000000000000" pitchFamily="2" charset="0"/>
-                <a:cs typeface="Poppins Light" panose="00000400000000000000" pitchFamily="2" charset="0"/>
-              </a:rPr>
-              <a:t> qui ? </a:t>
+              <a:t> è qui? </a:t>
             </a:r>
           </a:p>
           <a:p>
@@ -5079,35 +5136,21 @@
                 <a:latin typeface="Poppins Light" panose="00000400000000000000" pitchFamily="2" charset="0"/>
                 <a:cs typeface="Poppins Light" panose="00000400000000000000" pitchFamily="2" charset="0"/>
               </a:rPr>
-              <a:t> non </a:t>
+              <a:t> non è </a:t>
             </a:r>
             <a:r>
               <a:rPr lang="en-US" sz="1400" dirty="0" err="1">
                 <a:latin typeface="Poppins Light" panose="00000400000000000000" pitchFamily="2" charset="0"/>
                 <a:cs typeface="Poppins Light" panose="00000400000000000000" pitchFamily="2" charset="0"/>
               </a:rPr>
-              <a:t>è</a:t>
+              <a:t>saggio</a:t>
             </a:r>
             <a:r>
               <a:rPr lang="en-US" sz="1400" dirty="0">
                 <a:latin typeface="Poppins Light" panose="00000400000000000000" pitchFamily="2" charset="0"/>
                 <a:cs typeface="Poppins Light" panose="00000400000000000000" pitchFamily="2" charset="0"/>
               </a:rPr>
-              <a:t> </a:t>
-            </a:r>
-            <a:r>
-              <a:rPr lang="en-US" sz="1400" dirty="0" err="1">
-                <a:latin typeface="Poppins Light" panose="00000400000000000000" pitchFamily="2" charset="0"/>
-                <a:cs typeface="Poppins Light" panose="00000400000000000000" pitchFamily="2" charset="0"/>
-              </a:rPr>
-              <a:t>saggio</a:t>
-            </a:r>
-            <a:r>
-              <a:rPr lang="en-US" sz="1400" dirty="0">
-                <a:latin typeface="Poppins Light" panose="00000400000000000000" pitchFamily="2" charset="0"/>
-                <a:cs typeface="Poppins Light" panose="00000400000000000000" pitchFamily="2" charset="0"/>
-              </a:rPr>
-              <a:t> ?</a:t>
+              <a:t>?</a:t>
             </a:r>
           </a:p>
           <a:p>
@@ -5206,7 +5249,7 @@
                 <a:latin typeface="Poppins Light" panose="00000400000000000000" pitchFamily="2" charset="0"/>
                 <a:cs typeface="Poppins Light" panose="00000400000000000000" pitchFamily="2" charset="0"/>
               </a:rPr>
-              <a:t> ?</a:t>
+              <a:t>?</a:t>
             </a:r>
           </a:p>
         </p:txBody>
@@ -5228,7 +5271,7 @@
         <p:spPr>
           <a:xfrm>
             <a:off x="772998" y="1134050"/>
-            <a:ext cx="1775649" cy="0"/>
+            <a:ext cx="1750746" cy="0"/>
           </a:xfrm>
           <a:prstGeom prst="line">
             <a:avLst/>
@@ -8272,12 +8315,20 @@
           <a:lstStyle/>
           <a:p>
             <a:r>
+              <a:rPr lang="it-IT" sz="3200" dirty="0">
+                <a:latin typeface="Lato Black" panose="020F0502020204030203" pitchFamily="34" charset="0"/>
+                <a:ea typeface="Lato Black" panose="020F0502020204030203" pitchFamily="34" charset="0"/>
+                <a:cs typeface="Lato Black" panose="020F0502020204030203" pitchFamily="34" charset="0"/>
+              </a:rPr>
+              <a:t>Where </a:t>
+            </a:r>
+            <a:r>
               <a:rPr lang="it-IT" sz="3200" dirty="0" err="1">
                 <a:latin typeface="Lato Black" panose="020F0502020204030203" pitchFamily="34" charset="0"/>
                 <a:ea typeface="Lato Black" panose="020F0502020204030203" pitchFamily="34" charset="0"/>
                 <a:cs typeface="Lato Black" panose="020F0502020204030203" pitchFamily="34" charset="0"/>
               </a:rPr>
-              <a:t>Where</a:t>
+              <a:t>is</a:t>
             </a:r>
             <a:r>
               <a:rPr lang="it-IT" sz="3200" dirty="0">
@@ -8285,7 +8336,7 @@
                 <a:ea typeface="Lato Black" panose="020F0502020204030203" pitchFamily="34" charset="0"/>
                 <a:cs typeface="Lato Black" panose="020F0502020204030203" pitchFamily="34" charset="0"/>
               </a:rPr>
-              <a:t> </a:t>
+              <a:t> the </a:t>
             </a:r>
             <a:r>
               <a:rPr lang="it-IT" sz="3200" dirty="0" err="1">
@@ -8293,7 +8344,7 @@
                 <a:ea typeface="Lato Black" panose="020F0502020204030203" pitchFamily="34" charset="0"/>
                 <a:cs typeface="Lato Black" panose="020F0502020204030203" pitchFamily="34" charset="0"/>
               </a:rPr>
-              <a:t>is</a:t>
+              <a:t>beef</a:t>
             </a:r>
             <a:r>
               <a:rPr lang="it-IT" sz="3200" dirty="0">
@@ -8301,22 +8352,6 @@
                 <a:ea typeface="Lato Black" panose="020F0502020204030203" pitchFamily="34" charset="0"/>
                 <a:cs typeface="Lato Black" panose="020F0502020204030203" pitchFamily="34" charset="0"/>
               </a:rPr>
-              <a:t> the </a:t>
-            </a:r>
-            <a:r>
-              <a:rPr lang="it-IT" sz="3200" dirty="0" err="1">
-                <a:latin typeface="Lato Black" panose="020F0502020204030203" pitchFamily="34" charset="0"/>
-                <a:ea typeface="Lato Black" panose="020F0502020204030203" pitchFamily="34" charset="0"/>
-                <a:cs typeface="Lato Black" panose="020F0502020204030203" pitchFamily="34" charset="0"/>
-              </a:rPr>
-              <a:t>beef</a:t>
-            </a:r>
-            <a:r>
-              <a:rPr lang="it-IT" sz="3200" dirty="0">
-                <a:latin typeface="Lato Black" panose="020F0502020204030203" pitchFamily="34" charset="0"/>
-                <a:ea typeface="Lato Black" panose="020F0502020204030203" pitchFamily="34" charset="0"/>
-                <a:cs typeface="Lato Black" panose="020F0502020204030203" pitchFamily="34" charset="0"/>
-              </a:rPr>
               <a:t>?</a:t>
             </a:r>
           </a:p>
@@ -8337,7 +8372,7 @@
         <p:spPr>
           <a:xfrm>
             <a:off x="704847" y="2024062"/>
-            <a:ext cx="5535616" cy="2893100"/>
+            <a:ext cx="4845561" cy="3108543"/>
           </a:xfrm>
           <a:prstGeom prst="rect">
             <a:avLst/>
@@ -8362,7 +8397,14 @@
                 <a:latin typeface="Poppins Light" panose="00000400000000000000" pitchFamily="50" charset="0"/>
                 <a:cs typeface="Poppins Light" panose="00000400000000000000" pitchFamily="50" charset="0"/>
               </a:rPr>
-              <a:t>La saggezza digitale non è nei gruppi principali di utenti</a:t>
+              <a:t>La </a:t>
+            </a:r>
+            <a:r>
+              <a:rPr lang="it-IT" sz="1400" dirty="0">
+                <a:latin typeface="Poppins Light" panose="00000400000000000000" pitchFamily="2" charset="0"/>
+                <a:cs typeface="Poppins Light" panose="00000400000000000000" pitchFamily="2" charset="0"/>
+              </a:rPr>
+              <a:t>saggezza digitale non risiede nei gruppi principali di utenti</a:t>
             </a:r>
           </a:p>
           <a:p>
@@ -8378,7 +8420,42 @@
                 <a:latin typeface="Poppins Light" panose="00000400000000000000" pitchFamily="50" charset="0"/>
                 <a:cs typeface="Poppins Light" panose="00000400000000000000" pitchFamily="50" charset="0"/>
               </a:rPr>
-              <a:t>La saggezza delle nuove élite</a:t>
+              <a:t>La </a:t>
+            </a:r>
+            <a:r>
+              <a:rPr lang="it-IT" sz="1400" dirty="0">
+                <a:latin typeface="Poppins Medium" panose="00000600000000000000" pitchFamily="2" charset="0"/>
+                <a:cs typeface="Poppins Medium" panose="00000600000000000000" pitchFamily="2" charset="0"/>
+              </a:rPr>
+              <a:t>saggezza digitale </a:t>
+            </a:r>
+            <a:r>
+              <a:rPr lang="it-IT" sz="1400" dirty="0">
+                <a:latin typeface="Poppins Light" panose="00000400000000000000" pitchFamily="50" charset="0"/>
+                <a:cs typeface="Poppins Light" panose="00000400000000000000" pitchFamily="50" charset="0"/>
+              </a:rPr>
+              <a:t>è delle </a:t>
+            </a:r>
+            <a:r>
+              <a:rPr lang="it-IT" sz="1400" dirty="0">
+                <a:latin typeface="Poppins Medium" panose="00000600000000000000" pitchFamily="2" charset="0"/>
+                <a:cs typeface="Poppins Medium" panose="00000600000000000000" pitchFamily="2" charset="0"/>
+              </a:rPr>
+              <a:t>nuove</a:t>
+            </a:r>
+            <a:r>
+              <a:rPr lang="it-IT" sz="1400" dirty="0">
+                <a:latin typeface="Poppins Light" panose="00000400000000000000" pitchFamily="50" charset="0"/>
+                <a:cs typeface="Poppins Light" panose="00000400000000000000" pitchFamily="50" charset="0"/>
+              </a:rPr>
+              <a:t> </a:t>
+            </a:r>
+            <a:r>
+              <a:rPr lang="it-IT" sz="1400" dirty="0">
+                <a:latin typeface="Poppins Medium" panose="00000600000000000000" pitchFamily="2" charset="0"/>
+                <a:cs typeface="Poppins Medium" panose="00000600000000000000" pitchFamily="2" charset="0"/>
+              </a:rPr>
+              <a:t>élite</a:t>
             </a:r>
           </a:p>
           <a:p>
@@ -8391,10 +8468,17 @@
             </a:pPr>
             <a:r>
               <a:rPr lang="it-IT" sz="1400" dirty="0">
+                <a:latin typeface="Poppins Medium" panose="00000600000000000000" pitchFamily="2" charset="0"/>
+                <a:cs typeface="Poppins Medium" panose="00000600000000000000" pitchFamily="2" charset="0"/>
+              </a:rPr>
+              <a:t>Design semplificato </a:t>
+            </a:r>
+            <a:r>
+              <a:rPr lang="it-IT" sz="1400" dirty="0">
                 <a:latin typeface="Poppins Light" panose="00000400000000000000" pitchFamily="50" charset="0"/>
                 <a:cs typeface="Poppins Light" panose="00000400000000000000" pitchFamily="50" charset="0"/>
               </a:rPr>
-              <a:t>Design semplificato delle tecnologie</a:t>
+              <a:t>delle tecnologie</a:t>
             </a:r>
           </a:p>
           <a:p>
@@ -8407,10 +8491,17 @@
             </a:pPr>
             <a:r>
               <a:rPr lang="it-IT" sz="1400" dirty="0">
+                <a:latin typeface="Poppins Medium" panose="00000600000000000000" pitchFamily="2" charset="0"/>
+                <a:cs typeface="Poppins Medium" panose="00000600000000000000" pitchFamily="2" charset="0"/>
+              </a:rPr>
+              <a:t>Utente medio poco stimolato </a:t>
+            </a:r>
+            <a:r>
+              <a:rPr lang="it-IT" sz="1400" dirty="0">
                 <a:latin typeface="Poppins Light" panose="00000400000000000000" pitchFamily="50" charset="0"/>
                 <a:cs typeface="Poppins Light" panose="00000400000000000000" pitchFamily="50" charset="0"/>
               </a:rPr>
-              <a:t>Utente medio poco stimolato ad imparare </a:t>
+              <a:t>ad imparare </a:t>
             </a:r>
           </a:p>
           <a:p>
@@ -8442,19 +8533,22 @@
                 <a:latin typeface="Poppins Light" panose="00000400000000000000" pitchFamily="50" charset="0"/>
                 <a:cs typeface="Poppins Light" panose="00000400000000000000" pitchFamily="50" charset="0"/>
               </a:rPr>
-              <a:t>La saggezza digitale risiede in rinnovate </a:t>
-            </a:r>
-            <a:r>
-              <a:rPr lang="it-IT" sz="1400" dirty="0" err="1">
-                <a:latin typeface="Poppins Light" panose="00000400000000000000" pitchFamily="50" charset="0"/>
-                <a:cs typeface="Poppins Light" panose="00000400000000000000" pitchFamily="50" charset="0"/>
-              </a:rPr>
-              <a:t>skills</a:t>
-            </a:r>
-            <a:endParaRPr lang="it-IT" sz="1400" dirty="0">
-              <a:latin typeface="Poppins Light" panose="00000400000000000000" pitchFamily="50" charset="0"/>
-              <a:cs typeface="Poppins Light" panose="00000400000000000000" pitchFamily="50" charset="0"/>
-            </a:endParaRPr>
+              <a:t>La </a:t>
+            </a:r>
+            <a:r>
+              <a:rPr lang="it-IT" sz="1400" dirty="0">
+                <a:latin typeface="Poppins Light" panose="00000400000000000000" pitchFamily="2" charset="0"/>
+                <a:cs typeface="Poppins Light" panose="00000400000000000000" pitchFamily="2" charset="0"/>
+              </a:rPr>
+              <a:t>saggezza digitale risiede in </a:t>
+            </a:r>
+            <a:r>
+              <a:rPr lang="it-IT" sz="1400" dirty="0">
+                <a:latin typeface="Poppins Medium" panose="00000600000000000000" pitchFamily="2" charset="0"/>
+                <a:cs typeface="Poppins Medium" panose="00000600000000000000" pitchFamily="2" charset="0"/>
+              </a:rPr>
+              <a:t>nuove skills</a:t>
+            </a:r>
           </a:p>
           <a:p>
             <a:pPr marL="742950" lvl="1" indent="-285750">
@@ -8469,7 +8563,7 @@
                 <a:latin typeface="Poppins Light" panose="00000400000000000000" pitchFamily="50" charset="0"/>
                 <a:cs typeface="Poppins Light" panose="00000400000000000000" pitchFamily="50" charset="0"/>
               </a:rPr>
-              <a:t> Ristrutturazione sistemi educativi </a:t>
+              <a:t>Ristrutturazione sistemi educativi </a:t>
             </a:r>
           </a:p>
           <a:p>
@@ -8533,6 +8627,41 @@
           </a:fontRef>
         </p:style>
       </p:cxnSp>
+      <p:pic>
+        <p:nvPicPr>
+          <p:cNvPr id="3" name="Immagine 2" descr="Immagine che contiene sfocatura, cielo notturno&#10;&#10;Descrizione generata automaticamente">
+            <a:extLst>
+              <a:ext uri="{FF2B5EF4-FFF2-40B4-BE49-F238E27FC236}">
+                <a16:creationId xmlns:a16="http://schemas.microsoft.com/office/drawing/2014/main" id="{45BC9084-E013-4550-96A4-8CC7DE3A2D6E}"/>
+              </a:ext>
+            </a:extLst>
+          </p:cNvPr>
+          <p:cNvPicPr>
+            <a:picLocks noChangeAspect="1"/>
+          </p:cNvPicPr>
+          <p:nvPr/>
+        </p:nvPicPr>
+        <p:blipFill rotWithShape="1">
+          <a:blip r:embed="rId2">
+            <a:extLst>
+              <a:ext uri="{28A0092B-C50C-407E-A947-70E740481C1C}">
+                <a14:useLocalDpi xmlns:a14="http://schemas.microsoft.com/office/drawing/2010/main" val="0"/>
+              </a:ext>
+            </a:extLst>
+          </a:blip>
+          <a:srcRect l="3917" r="3480"/>
+          <a:stretch/>
+        </p:blipFill>
+        <p:spPr>
+          <a:xfrm>
+            <a:off x="6240463" y="2060575"/>
+            <a:ext cx="5951537" cy="4284663"/>
+          </a:xfrm>
+          <a:prstGeom prst="rect">
+            <a:avLst/>
+          </a:prstGeom>
+        </p:spPr>
+      </p:pic>
     </p:spTree>
     <p:extLst>
       <p:ext uri="{BB962C8B-B14F-4D97-AF65-F5344CB8AC3E}">

--- a/Presentazione/Presentazione_completa - Copy.pptx
+++ b/Presentazione/Presentazione_completa - Copy.pptx
@@ -196,7 +196,7 @@
 <p1510:revInfo xmlns:a="http://schemas.openxmlformats.org/drawingml/2006/main" xmlns:r="http://schemas.openxmlformats.org/officeDocument/2006/relationships" xmlns:p1510="http://schemas.microsoft.com/office/powerpoint/2015/10/main">
   <p1510:revLst>
     <p1510:client id="{663EDA11-63A3-4725-9154-08D0D2B3E39E}" v="392" dt="2021-12-28T17:09:41.877"/>
-    <p1510:client id="{73B03246-C0D6-48CE-B336-D322CA85AF9C}" v="4" dt="2021-12-28T21:51:21.629"/>
+    <p1510:client id="{73B03246-C0D6-48CE-B336-D322CA85AF9C}" v="6" dt="2021-12-28T23:33:50.888"/>
   </p1510:revLst>
 </p1510:revInfo>
 </file>
@@ -206,7 +206,7 @@
   <pc:docChgLst>
     <pc:chgData name="g.carbone8@campus.unimib.it" userId="b00d38c9-59ca-445d-a206-84026ffe8624" providerId="ADAL" clId="{73B03246-C0D6-48CE-B336-D322CA85AF9C}"/>
     <pc:docChg chg="undo custSel modSld">
-      <pc:chgData name="g.carbone8@campus.unimib.it" userId="b00d38c9-59ca-445d-a206-84026ffe8624" providerId="ADAL" clId="{73B03246-C0D6-48CE-B336-D322CA85AF9C}" dt="2021-12-28T21:55:02.878" v="66" actId="2711"/>
+      <pc:chgData name="g.carbone8@campus.unimib.it" userId="b00d38c9-59ca-445d-a206-84026ffe8624" providerId="ADAL" clId="{73B03246-C0D6-48CE-B336-D322CA85AF9C}" dt="2021-12-28T23:33:50.886" v="68" actId="1076"/>
       <pc:docMkLst>
         <pc:docMk/>
       </pc:docMkLst>
@@ -224,6 +224,29 @@
             <ac:cxnSpMk id="4" creationId="{51FD34F7-E331-45F9-984B-6D3860116CA5}"/>
           </ac:cxnSpMkLst>
         </pc:cxnChg>
+      </pc:sldChg>
+      <pc:sldChg chg="modSp">
+        <pc:chgData name="g.carbone8@campus.unimib.it" userId="b00d38c9-59ca-445d-a206-84026ffe8624" providerId="ADAL" clId="{73B03246-C0D6-48CE-B336-D322CA85AF9C}" dt="2021-12-28T23:33:50.886" v="68" actId="1076"/>
+        <pc:sldMkLst>
+          <pc:docMk/>
+          <pc:sldMk cId="332526478" sldId="297"/>
+        </pc:sldMkLst>
+        <pc:picChg chg="mod">
+          <ac:chgData name="g.carbone8@campus.unimib.it" userId="b00d38c9-59ca-445d-a206-84026ffe8624" providerId="ADAL" clId="{73B03246-C0D6-48CE-B336-D322CA85AF9C}" dt="2021-12-28T23:33:50.886" v="68" actId="1076"/>
+          <ac:picMkLst>
+            <pc:docMk/>
+            <pc:sldMk cId="332526478" sldId="297"/>
+            <ac:picMk id="22" creationId="{61012594-C0CC-4E39-809F-58750DD6C41B}"/>
+          </ac:picMkLst>
+        </pc:picChg>
+        <pc:picChg chg="mod">
+          <ac:chgData name="g.carbone8@campus.unimib.it" userId="b00d38c9-59ca-445d-a206-84026ffe8624" providerId="ADAL" clId="{73B03246-C0D6-48CE-B336-D322CA85AF9C}" dt="2021-12-28T23:33:36.135" v="67" actId="1076"/>
+          <ac:picMkLst>
+            <pc:docMk/>
+            <pc:sldMk cId="332526478" sldId="297"/>
+            <ac:picMk id="1028" creationId="{7866505D-E45F-441C-A17C-3FCBF2041844}"/>
+          </ac:picMkLst>
+        </pc:picChg>
       </pc:sldChg>
       <pc:sldChg chg="modSp mod">
         <pc:chgData name="g.carbone8@campus.unimib.it" userId="b00d38c9-59ca-445d-a206-84026ffe8624" providerId="ADAL" clId="{73B03246-C0D6-48CE-B336-D322CA85AF9C}" dt="2021-12-28T21:49:26.973" v="25" actId="14100"/>
@@ -905,7 +928,7 @@
           <a:p>
             <a:fld id="{445FCF14-918E-4047-8BBB-15CFF9EA5E07}" type="datetimeFigureOut">
               <a:rPr lang="it-IT" smtClean="0"/>
-              <a:t>28/12/2021</a:t>
+              <a:t>29/12/2021</a:t>
             </a:fld>
             <a:endParaRPr lang="it-IT"/>
           </a:p>
@@ -1319,7 +1342,7 @@
           <a:p>
             <a:fld id="{AA3A6BE5-8C39-481F-A270-BEF917F1E5E1}" type="datetimeFigureOut">
               <a:rPr lang="it-IT" smtClean="0"/>
-              <a:t>28/12/2021</a:t>
+              <a:t>29/12/2021</a:t>
             </a:fld>
             <a:endParaRPr lang="it-IT"/>
           </a:p>
@@ -1517,7 +1540,7 @@
           <a:p>
             <a:fld id="{AA3A6BE5-8C39-481F-A270-BEF917F1E5E1}" type="datetimeFigureOut">
               <a:rPr lang="it-IT" smtClean="0"/>
-              <a:t>28/12/2021</a:t>
+              <a:t>29/12/2021</a:t>
             </a:fld>
             <a:endParaRPr lang="it-IT"/>
           </a:p>
@@ -1725,7 +1748,7 @@
           <a:p>
             <a:fld id="{AA3A6BE5-8C39-481F-A270-BEF917F1E5E1}" type="datetimeFigureOut">
               <a:rPr lang="it-IT" smtClean="0"/>
-              <a:t>28/12/2021</a:t>
+              <a:t>29/12/2021</a:t>
             </a:fld>
             <a:endParaRPr lang="it-IT"/>
           </a:p>
@@ -1923,7 +1946,7 @@
           <a:p>
             <a:fld id="{AA3A6BE5-8C39-481F-A270-BEF917F1E5E1}" type="datetimeFigureOut">
               <a:rPr lang="it-IT" smtClean="0"/>
-              <a:t>28/12/2021</a:t>
+              <a:t>29/12/2021</a:t>
             </a:fld>
             <a:endParaRPr lang="it-IT"/>
           </a:p>
@@ -2198,7 +2221,7 @@
           <a:p>
             <a:fld id="{AA3A6BE5-8C39-481F-A270-BEF917F1E5E1}" type="datetimeFigureOut">
               <a:rPr lang="it-IT" smtClean="0"/>
-              <a:t>28/12/2021</a:t>
+              <a:t>29/12/2021</a:t>
             </a:fld>
             <a:endParaRPr lang="it-IT"/>
           </a:p>
@@ -2463,7 +2486,7 @@
           <a:p>
             <a:fld id="{AA3A6BE5-8C39-481F-A270-BEF917F1E5E1}" type="datetimeFigureOut">
               <a:rPr lang="it-IT" smtClean="0"/>
-              <a:t>28/12/2021</a:t>
+              <a:t>29/12/2021</a:t>
             </a:fld>
             <a:endParaRPr lang="it-IT"/>
           </a:p>
@@ -2875,7 +2898,7 @@
           <a:p>
             <a:fld id="{AA3A6BE5-8C39-481F-A270-BEF917F1E5E1}" type="datetimeFigureOut">
               <a:rPr lang="it-IT" smtClean="0"/>
-              <a:t>28/12/2021</a:t>
+              <a:t>29/12/2021</a:t>
             </a:fld>
             <a:endParaRPr lang="it-IT"/>
           </a:p>
@@ -3016,7 +3039,7 @@
           <a:p>
             <a:fld id="{AA3A6BE5-8C39-481F-A270-BEF917F1E5E1}" type="datetimeFigureOut">
               <a:rPr lang="it-IT" smtClean="0"/>
-              <a:t>28/12/2021</a:t>
+              <a:t>29/12/2021</a:t>
             </a:fld>
             <a:endParaRPr lang="it-IT"/>
           </a:p>
@@ -3129,7 +3152,7 @@
           <a:p>
             <a:fld id="{AA3A6BE5-8C39-481F-A270-BEF917F1E5E1}" type="datetimeFigureOut">
               <a:rPr lang="it-IT" smtClean="0"/>
-              <a:t>28/12/2021</a:t>
+              <a:t>29/12/2021</a:t>
             </a:fld>
             <a:endParaRPr lang="it-IT"/>
           </a:p>
@@ -3440,7 +3463,7 @@
           <a:p>
             <a:fld id="{AA3A6BE5-8C39-481F-A270-BEF917F1E5E1}" type="datetimeFigureOut">
               <a:rPr lang="it-IT" smtClean="0"/>
-              <a:t>28/12/2021</a:t>
+              <a:t>29/12/2021</a:t>
             </a:fld>
             <a:endParaRPr lang="it-IT"/>
           </a:p>
@@ -3728,7 +3751,7 @@
           <a:p>
             <a:fld id="{AA3A6BE5-8C39-481F-A270-BEF917F1E5E1}" type="datetimeFigureOut">
               <a:rPr lang="it-IT" smtClean="0"/>
-              <a:t>28/12/2021</a:t>
+              <a:t>29/12/2021</a:t>
             </a:fld>
             <a:endParaRPr lang="it-IT"/>
           </a:p>
@@ -3969,7 +3992,7 @@
           <a:p>
             <a:fld id="{AA3A6BE5-8C39-481F-A270-BEF917F1E5E1}" type="datetimeFigureOut">
               <a:rPr lang="it-IT" smtClean="0"/>
-              <a:t>28/12/2021</a:t>
+              <a:t>29/12/2021</a:t>
             </a:fld>
             <a:endParaRPr lang="it-IT"/>
           </a:p>
@@ -7312,7 +7335,7 @@
         </p:blipFill>
         <p:spPr bwMode="auto">
           <a:xfrm>
-            <a:off x="8588713" y="813565"/>
+            <a:off x="8533849" y="813565"/>
             <a:ext cx="3005532" cy="1889602"/>
           </a:xfrm>
           <a:prstGeom prst="rect">
@@ -7357,7 +7380,7 @@
         </p:blipFill>
         <p:spPr bwMode="auto">
           <a:xfrm>
-            <a:off x="5156797" y="4148176"/>
+            <a:off x="4720081" y="4075024"/>
             <a:ext cx="6705157" cy="2364703"/>
           </a:xfrm>
           <a:prstGeom prst="rect">

--- a/Presentazione/Presentazione_completa - Copy.pptx
+++ b/Presentazione/Presentazione_completa - Copy.pptx
@@ -16,7 +16,7 @@
     <p:sldId id="297" r:id="rId7"/>
     <p:sldId id="294" r:id="rId8"/>
     <p:sldId id="296" r:id="rId9"/>
-    <p:sldId id="303" r:id="rId10"/>
+    <p:sldId id="305" r:id="rId10"/>
   </p:sldIdLst>
   <p:sldSz cx="12192000" cy="6858000"/>
   <p:notesSz cx="6858000" cy="9144000"/>
@@ -4831,7 +4831,7 @@
                 <a:latin typeface="Poppins Light" panose="00000400000000000000" pitchFamily="2" charset="0"/>
                 <a:cs typeface="Poppins Light" panose="00000400000000000000" pitchFamily="2" charset="0"/>
               </a:rPr>
-              <a:t>Elisa MERELLI matricola n. 88142	                                 Giorgio CARBONE matricola n. 811974                                                           Silvia GROSSO matricola n. 881993</a:t>
+              <a:t>Elisa MERELLI matricola n. 881427	                                 Giorgio CARBONE matricola n. 811974                                                           Silvia GROSSO matricola n. 881993</a:t>
             </a:r>
           </a:p>
         </p:txBody>
@@ -5294,7 +5294,7 @@
         <p:spPr>
           <a:xfrm>
             <a:off x="772998" y="1134050"/>
-            <a:ext cx="1750746" cy="0"/>
+            <a:ext cx="1765921" cy="0"/>
           </a:xfrm>
           <a:prstGeom prst="line">
             <a:avLst/>
@@ -8395,7 +8395,7 @@
         <p:spPr>
           <a:xfrm>
             <a:off x="704847" y="2024062"/>
-            <a:ext cx="4845561" cy="3108543"/>
+            <a:ext cx="4845561" cy="3323987"/>
           </a:xfrm>
           <a:prstGeom prst="rect">
             <a:avLst/>
@@ -8514,17 +8514,10 @@
             </a:pPr>
             <a:r>
               <a:rPr lang="it-IT" sz="1400" dirty="0">
-                <a:latin typeface="Poppins Medium" panose="00000600000000000000" pitchFamily="2" charset="0"/>
-                <a:cs typeface="Poppins Medium" panose="00000600000000000000" pitchFamily="2" charset="0"/>
-              </a:rPr>
-              <a:t>Utente medio poco stimolato </a:t>
-            </a:r>
-            <a:r>
-              <a:rPr lang="it-IT" sz="1400" dirty="0">
                 <a:latin typeface="Poppins Light" panose="00000400000000000000" pitchFamily="50" charset="0"/>
                 <a:cs typeface="Poppins Light" panose="00000400000000000000" pitchFamily="50" charset="0"/>
               </a:rPr>
-              <a:t>ad imparare </a:t>
+              <a:t>L’approccio è diretto e intuitivo</a:t>
             </a:r>
           </a:p>
           <a:p>
@@ -8537,10 +8530,38 @@
             </a:pPr>
             <a:r>
               <a:rPr lang="it-IT" sz="1400" dirty="0">
+                <a:latin typeface="Poppins Light" panose="00000400000000000000" pitchFamily="2" charset="0"/>
+                <a:cs typeface="Poppins Light" panose="00000400000000000000" pitchFamily="2" charset="0"/>
+              </a:rPr>
+              <a:t>L’</a:t>
+            </a:r>
+            <a:r>
+              <a:rPr lang="it-IT" sz="1400" dirty="0">
+                <a:latin typeface="Poppins Medium" panose="00000600000000000000" pitchFamily="2" charset="0"/>
+                <a:cs typeface="Poppins Medium" panose="00000600000000000000" pitchFamily="2" charset="0"/>
+              </a:rPr>
+              <a:t>utente medio </a:t>
+            </a:r>
+            <a:r>
+              <a:rPr lang="it-IT" sz="1400" dirty="0">
+                <a:latin typeface="Poppins Light" panose="00000400000000000000" pitchFamily="2" charset="0"/>
+                <a:cs typeface="Poppins Light" panose="00000400000000000000" pitchFamily="2" charset="0"/>
+              </a:rPr>
+              <a:t>è</a:t>
+            </a:r>
+            <a:r>
+              <a:rPr lang="it-IT" sz="1400" dirty="0">
+                <a:latin typeface="Poppins Medium" panose="00000600000000000000" pitchFamily="2" charset="0"/>
+                <a:cs typeface="Poppins Medium" panose="00000600000000000000" pitchFamily="2" charset="0"/>
+              </a:rPr>
+              <a:t> poco stimolato </a:t>
+            </a:r>
+            <a:r>
+              <a:rPr lang="it-IT" sz="1400" dirty="0">
                 <a:latin typeface="Poppins Light" panose="00000400000000000000" pitchFamily="50" charset="0"/>
                 <a:cs typeface="Poppins Light" panose="00000400000000000000" pitchFamily="50" charset="0"/>
               </a:rPr>
-              <a:t>Si approccia in modo diretto ed intuitivo </a:t>
+              <a:t>ad imparare </a:t>
             </a:r>
           </a:p>
           <a:p>
@@ -8688,7 +8709,7 @@
     </p:spTree>
     <p:extLst>
       <p:ext uri="{BB962C8B-B14F-4D97-AF65-F5344CB8AC3E}">
-        <p14:creationId xmlns:p14="http://schemas.microsoft.com/office/powerpoint/2010/main" val="1133630273"/>
+        <p14:creationId xmlns:p14="http://schemas.microsoft.com/office/powerpoint/2010/main" val="139565122"/>
       </p:ext>
     </p:extLst>
   </p:cSld>
